--- a/MQ消息总线的幂等性设计.pptx
+++ b/MQ消息总线的幂等性设计.pptx
@@ -3,30 +3,30 @@
 <p:presentation xmlns:a="http://schemas.openxmlformats.org/drawingml/2006/main" xmlns:r="http://schemas.openxmlformats.org/officeDocument/2006/relationships" xmlns:p="http://schemas.openxmlformats.org/presentationml/2006/main">
   <p:sldMasterIdLst>
     <p:sldMasterId id="2147483648" r:id="rId1"/>
-    <p:sldMasterId id="2147483660" r:id="rId3"/>
+    <p:sldMasterId id="2147483660" r:id="rId2"/>
   </p:sldMasterIdLst>
   <p:notesMasterIdLst>
-    <p:notesMasterId r:id="rId5"/>
+    <p:notesMasterId r:id="rId21"/>
   </p:notesMasterIdLst>
   <p:sldIdLst>
-    <p:sldId id="256" r:id="rId4"/>
-    <p:sldId id="282" r:id="rId6"/>
-    <p:sldId id="280" r:id="rId7"/>
-    <p:sldId id="310" r:id="rId8"/>
-    <p:sldId id="315" r:id="rId9"/>
-    <p:sldId id="324" r:id="rId10"/>
-    <p:sldId id="316" r:id="rId11"/>
-    <p:sldId id="320" r:id="rId12"/>
-    <p:sldId id="321" r:id="rId13"/>
-    <p:sldId id="323" r:id="rId14"/>
-    <p:sldId id="322" r:id="rId15"/>
-    <p:sldId id="317" r:id="rId16"/>
-    <p:sldId id="319" r:id="rId17"/>
-    <p:sldId id="318" r:id="rId18"/>
-    <p:sldId id="325" r:id="rId19"/>
-    <p:sldId id="311" r:id="rId20"/>
-    <p:sldId id="312" r:id="rId21"/>
-    <p:sldId id="263" r:id="rId22"/>
+    <p:sldId id="256" r:id="rId3"/>
+    <p:sldId id="282" r:id="rId4"/>
+    <p:sldId id="280" r:id="rId5"/>
+    <p:sldId id="310" r:id="rId6"/>
+    <p:sldId id="315" r:id="rId7"/>
+    <p:sldId id="324" r:id="rId8"/>
+    <p:sldId id="316" r:id="rId9"/>
+    <p:sldId id="320" r:id="rId10"/>
+    <p:sldId id="321" r:id="rId11"/>
+    <p:sldId id="323" r:id="rId12"/>
+    <p:sldId id="322" r:id="rId13"/>
+    <p:sldId id="317" r:id="rId14"/>
+    <p:sldId id="319" r:id="rId15"/>
+    <p:sldId id="318" r:id="rId16"/>
+    <p:sldId id="325" r:id="rId17"/>
+    <p:sldId id="311" r:id="rId18"/>
+    <p:sldId id="312" r:id="rId19"/>
+    <p:sldId id="263" r:id="rId20"/>
   </p:sldIdLst>
   <p:sldSz cx="9144000" cy="6858000" type="screen4x3"/>
   <p:notesSz cx="6858000" cy="9144000"/>
@@ -218,6 +218,36 @@
       </a:defRPr>
     </a:lvl9pPr>
   </p:defaultTextStyle>
+  <p:extLst>
+    <p:ext uri="{EFAFB233-063F-42B5-8137-9DF3F51BA10A}">
+      <p15:sldGuideLst xmlns:p15="http://schemas.microsoft.com/office/powerpoint/2012/main">
+        <p15:guide id="1" orient="horz" pos="2179">
+          <p15:clr>
+            <a:srgbClr val="A4A3A4"/>
+          </p15:clr>
+        </p15:guide>
+        <p15:guide id="2" pos="2900">
+          <p15:clr>
+            <a:srgbClr val="A4A3A4"/>
+          </p15:clr>
+        </p15:guide>
+      </p15:sldGuideLst>
+    </p:ext>
+    <p:ext uri="{2D200454-40CA-4A62-9FC3-DE9A4176ACB9}">
+      <p15:notesGuideLst xmlns:p15="http://schemas.microsoft.com/office/powerpoint/2012/main">
+        <p15:guide id="1" orient="horz" pos="2905">
+          <p15:clr>
+            <a:srgbClr val="A4A3A4"/>
+          </p15:clr>
+        </p15:guide>
+        <p15:guide id="2" pos="2175">
+          <p15:clr>
+            <a:srgbClr val="A4A3A4"/>
+          </p15:clr>
+        </p15:guide>
+      </p15:notesGuideLst>
+    </p:ext>
+  </p:extLst>
 </p:presentation>
 </file>
 
@@ -480,7 +510,6 @@
               <a:rPr lang="zh-CN" altLang="en-US"/>
               <a:t>单击此处编辑母版文本样式</a:t>
             </a:r>
-            <a:endParaRPr lang="zh-CN" altLang="en-US"/>
           </a:p>
           <a:p>
             <a:pPr lvl="1"/>
@@ -488,7 +517,6 @@
               <a:rPr lang="zh-CN" altLang="en-US"/>
               <a:t>第二级</a:t>
             </a:r>
-            <a:endParaRPr lang="zh-CN" altLang="en-US"/>
           </a:p>
           <a:p>
             <a:pPr lvl="2"/>
@@ -496,7 +524,6 @@
               <a:rPr lang="zh-CN" altLang="en-US"/>
               <a:t>第三级</a:t>
             </a:r>
-            <a:endParaRPr lang="zh-CN" altLang="en-US"/>
           </a:p>
           <a:p>
             <a:pPr lvl="3"/>
@@ -504,7 +531,6 @@
               <a:rPr lang="zh-CN" altLang="en-US"/>
               <a:t>第四级</a:t>
             </a:r>
-            <a:endParaRPr lang="zh-CN" altLang="en-US"/>
           </a:p>
           <a:p>
             <a:pPr lvl="4"/>
@@ -512,7 +538,6 @@
               <a:rPr lang="zh-CN" altLang="en-US"/>
               <a:t>第五级</a:t>
             </a:r>
-            <a:endParaRPr lang="zh-CN" altLang="en-US"/>
           </a:p>
         </p:txBody>
       </p:sp>
@@ -648,12 +673,18 @@
           <a:p>
             <a:fld id="{CB382EB3-1D32-46C2-98FF-9F30FFCBC56C}" type="slidenum">
               <a:rPr lang="en-US" altLang="zh-CN"/>
+              <a:t>‹#›</a:t>
             </a:fld>
             <a:endParaRPr lang="en-US" altLang="zh-CN"/>
           </a:p>
         </p:txBody>
       </p:sp>
     </p:spTree>
+    <p:extLst>
+      <p:ext uri="{BB962C8B-B14F-4D97-AF65-F5344CB8AC3E}">
+        <p14:creationId xmlns:p14="http://schemas.microsoft.com/office/powerpoint/2010/main" val="489828254"/>
+      </p:ext>
+    </p:extLst>
   </p:cSld>
   <p:clrMap bg1="lt1" tx1="dk1" bg2="lt2" tx2="dk2" accent1="accent1" accent2="accent2" accent3="accent3" accent4="accent4" accent5="accent5" accent6="accent6" hlink="hlink" folHlink="folHlink"/>
   <p:notesStyle>
@@ -790,11 +821,20 @@
         <p:cNvGrpSpPr/>
         <p:nvPr/>
       </p:nvGrpSpPr>
-      <p:grpSpPr/>
+      <p:grpSpPr>
+        <a:xfrm>
+          <a:off x="0" y="0"/>
+          <a:ext cx="0" cy="0"/>
+          <a:chOff x="0" y="0"/>
+          <a:chExt cx="0" cy="0"/>
+        </a:xfrm>
+      </p:grpSpPr>
       <p:sp>
         <p:nvSpPr>
           <p:cNvPr id="2" name="幻灯片图像占位符 1"/>
-          <p:cNvSpPr/>
+          <p:cNvSpPr>
+            <a:spLocks noGrp="1" noRot="1" noChangeAspect="1"/>
+          </p:cNvSpPr>
           <p:nvPr>
             <p:ph type="sldImg" idx="2"/>
           </p:nvPr>
@@ -804,7 +844,9 @@
       <p:sp>
         <p:nvSpPr>
           <p:cNvPr id="3" name="文本占位符 2"/>
-          <p:cNvSpPr/>
+          <p:cNvSpPr>
+            <a:spLocks noGrp="1"/>
+          </p:cNvSpPr>
           <p:nvPr>
             <p:ph type="body" idx="3"/>
           </p:nvPr>
@@ -812,12 +854,18 @@
         <p:spPr/>
         <p:txBody>
           <a:bodyPr/>
+          <a:lstStyle/>
           <a:p>
             <a:endParaRPr lang="zh-CN" altLang="en-US"/>
           </a:p>
         </p:txBody>
       </p:sp>
     </p:spTree>
+    <p:extLst>
+      <p:ext uri="{BB962C8B-B14F-4D97-AF65-F5344CB8AC3E}">
+        <p14:creationId xmlns:p14="http://schemas.microsoft.com/office/powerpoint/2010/main" val="3184543234"/>
+      </p:ext>
+    </p:extLst>
   </p:cSld>
   <p:clrMapOvr>
     <a:masterClrMapping/>
@@ -890,12 +938,18 @@
           <a:p>
             <a:fld id="{CB382EB3-1D32-46C2-98FF-9F30FFCBC56C}" type="slidenum">
               <a:rPr lang="en-US" altLang="zh-CN" smtClean="0"/>
+              <a:t>11</a:t>
             </a:fld>
             <a:endParaRPr lang="en-US" altLang="zh-CN"/>
           </a:p>
         </p:txBody>
       </p:sp>
     </p:spTree>
+    <p:extLst>
+      <p:ext uri="{BB962C8B-B14F-4D97-AF65-F5344CB8AC3E}">
+        <p14:creationId xmlns:p14="http://schemas.microsoft.com/office/powerpoint/2010/main" val="3287667840"/>
+      </p:ext>
+    </p:extLst>
   </p:cSld>
   <p:clrMapOvr>
     <a:masterClrMapping/>
@@ -968,12 +1022,18 @@
           <a:p>
             <a:fld id="{CB382EB3-1D32-46C2-98FF-9F30FFCBC56C}" type="slidenum">
               <a:rPr lang="en-US" altLang="zh-CN" smtClean="0"/>
+              <a:t>12</a:t>
             </a:fld>
             <a:endParaRPr lang="en-US" altLang="zh-CN"/>
           </a:p>
         </p:txBody>
       </p:sp>
     </p:spTree>
+    <p:extLst>
+      <p:ext uri="{BB962C8B-B14F-4D97-AF65-F5344CB8AC3E}">
+        <p14:creationId xmlns:p14="http://schemas.microsoft.com/office/powerpoint/2010/main" val="3597886858"/>
+      </p:ext>
+    </p:extLst>
   </p:cSld>
   <p:clrMapOvr>
     <a:masterClrMapping/>
@@ -1046,12 +1106,18 @@
           <a:p>
             <a:fld id="{CB382EB3-1D32-46C2-98FF-9F30FFCBC56C}" type="slidenum">
               <a:rPr lang="en-US" altLang="zh-CN" smtClean="0"/>
+              <a:t>13</a:t>
             </a:fld>
             <a:endParaRPr lang="en-US" altLang="zh-CN"/>
           </a:p>
         </p:txBody>
       </p:sp>
     </p:spTree>
+    <p:extLst>
+      <p:ext uri="{BB962C8B-B14F-4D97-AF65-F5344CB8AC3E}">
+        <p14:creationId xmlns:p14="http://schemas.microsoft.com/office/powerpoint/2010/main" val="2025331373"/>
+      </p:ext>
+    </p:extLst>
   </p:cSld>
   <p:clrMapOvr>
     <a:masterClrMapping/>
@@ -1124,12 +1190,18 @@
           <a:p>
             <a:fld id="{CB382EB3-1D32-46C2-98FF-9F30FFCBC56C}" type="slidenum">
               <a:rPr lang="en-US" altLang="zh-CN" smtClean="0"/>
+              <a:t>14</a:t>
             </a:fld>
             <a:endParaRPr lang="en-US" altLang="zh-CN"/>
           </a:p>
         </p:txBody>
       </p:sp>
     </p:spTree>
+    <p:extLst>
+      <p:ext uri="{BB962C8B-B14F-4D97-AF65-F5344CB8AC3E}">
+        <p14:creationId xmlns:p14="http://schemas.microsoft.com/office/powerpoint/2010/main" val="2047748003"/>
+      </p:ext>
+    </p:extLst>
   </p:cSld>
   <p:clrMapOvr>
     <a:masterClrMapping/>
@@ -1202,12 +1274,18 @@
           <a:p>
             <a:fld id="{CB382EB3-1D32-46C2-98FF-9F30FFCBC56C}" type="slidenum">
               <a:rPr lang="en-US" altLang="zh-CN" smtClean="0"/>
+              <a:t>15</a:t>
             </a:fld>
             <a:endParaRPr lang="en-US" altLang="zh-CN"/>
           </a:p>
         </p:txBody>
       </p:sp>
     </p:spTree>
+    <p:extLst>
+      <p:ext uri="{BB962C8B-B14F-4D97-AF65-F5344CB8AC3E}">
+        <p14:creationId xmlns:p14="http://schemas.microsoft.com/office/powerpoint/2010/main" val="3206928469"/>
+      </p:ext>
+    </p:extLst>
   </p:cSld>
   <p:clrMapOvr>
     <a:masterClrMapping/>
@@ -1280,12 +1358,18 @@
           <a:p>
             <a:fld id="{CB382EB3-1D32-46C2-98FF-9F30FFCBC56C}" type="slidenum">
               <a:rPr lang="en-US" altLang="zh-CN" smtClean="0"/>
+              <a:t>16</a:t>
             </a:fld>
             <a:endParaRPr lang="en-US" altLang="zh-CN"/>
           </a:p>
         </p:txBody>
       </p:sp>
     </p:spTree>
+    <p:extLst>
+      <p:ext uri="{BB962C8B-B14F-4D97-AF65-F5344CB8AC3E}">
+        <p14:creationId xmlns:p14="http://schemas.microsoft.com/office/powerpoint/2010/main" val="3027682367"/>
+      </p:ext>
+    </p:extLst>
   </p:cSld>
   <p:clrMapOvr>
     <a:masterClrMapping/>
@@ -1358,12 +1442,18 @@
           <a:p>
             <a:fld id="{CB382EB3-1D32-46C2-98FF-9F30FFCBC56C}" type="slidenum">
               <a:rPr lang="en-US" altLang="zh-CN" smtClean="0"/>
+              <a:t>2</a:t>
             </a:fld>
             <a:endParaRPr lang="en-US" altLang="zh-CN"/>
           </a:p>
         </p:txBody>
       </p:sp>
     </p:spTree>
+    <p:extLst>
+      <p:ext uri="{BB962C8B-B14F-4D97-AF65-F5344CB8AC3E}">
+        <p14:creationId xmlns:p14="http://schemas.microsoft.com/office/powerpoint/2010/main" val="3340348918"/>
+      </p:ext>
+    </p:extLst>
   </p:cSld>
   <p:clrMapOvr>
     <a:masterClrMapping/>
@@ -1436,12 +1526,18 @@
           <a:p>
             <a:fld id="{CB382EB3-1D32-46C2-98FF-9F30FFCBC56C}" type="slidenum">
               <a:rPr lang="en-US" altLang="zh-CN" smtClean="0"/>
+              <a:t>4</a:t>
             </a:fld>
             <a:endParaRPr lang="en-US" altLang="zh-CN"/>
           </a:p>
         </p:txBody>
       </p:sp>
     </p:spTree>
+    <p:extLst>
+      <p:ext uri="{BB962C8B-B14F-4D97-AF65-F5344CB8AC3E}">
+        <p14:creationId xmlns:p14="http://schemas.microsoft.com/office/powerpoint/2010/main" val="3518167770"/>
+      </p:ext>
+    </p:extLst>
   </p:cSld>
   <p:clrMapOvr>
     <a:masterClrMapping/>
@@ -1514,12 +1610,18 @@
           <a:p>
             <a:fld id="{CB382EB3-1D32-46C2-98FF-9F30FFCBC56C}" type="slidenum">
               <a:rPr lang="en-US" altLang="zh-CN" smtClean="0"/>
+              <a:t>5</a:t>
             </a:fld>
             <a:endParaRPr lang="en-US" altLang="zh-CN"/>
           </a:p>
         </p:txBody>
       </p:sp>
     </p:spTree>
+    <p:extLst>
+      <p:ext uri="{BB962C8B-B14F-4D97-AF65-F5344CB8AC3E}">
+        <p14:creationId xmlns:p14="http://schemas.microsoft.com/office/powerpoint/2010/main" val="90345113"/>
+      </p:ext>
+    </p:extLst>
   </p:cSld>
   <p:clrMapOvr>
     <a:masterClrMapping/>
@@ -1592,12 +1694,18 @@
           <a:p>
             <a:fld id="{CB382EB3-1D32-46C2-98FF-9F30FFCBC56C}" type="slidenum">
               <a:rPr lang="en-US" altLang="zh-CN" smtClean="0"/>
+              <a:t>6</a:t>
             </a:fld>
             <a:endParaRPr lang="en-US" altLang="zh-CN"/>
           </a:p>
         </p:txBody>
       </p:sp>
     </p:spTree>
+    <p:extLst>
+      <p:ext uri="{BB962C8B-B14F-4D97-AF65-F5344CB8AC3E}">
+        <p14:creationId xmlns:p14="http://schemas.microsoft.com/office/powerpoint/2010/main" val="2051315350"/>
+      </p:ext>
+    </p:extLst>
   </p:cSld>
   <p:clrMapOvr>
     <a:masterClrMapping/>
@@ -1670,12 +1778,18 @@
           <a:p>
             <a:fld id="{CB382EB3-1D32-46C2-98FF-9F30FFCBC56C}" type="slidenum">
               <a:rPr lang="en-US" altLang="zh-CN" smtClean="0"/>
+              <a:t>7</a:t>
             </a:fld>
             <a:endParaRPr lang="en-US" altLang="zh-CN"/>
           </a:p>
         </p:txBody>
       </p:sp>
     </p:spTree>
+    <p:extLst>
+      <p:ext uri="{BB962C8B-B14F-4D97-AF65-F5344CB8AC3E}">
+        <p14:creationId xmlns:p14="http://schemas.microsoft.com/office/powerpoint/2010/main" val="2600856021"/>
+      </p:ext>
+    </p:extLst>
   </p:cSld>
   <p:clrMapOvr>
     <a:masterClrMapping/>
@@ -1748,12 +1862,18 @@
           <a:p>
             <a:fld id="{CB382EB3-1D32-46C2-98FF-9F30FFCBC56C}" type="slidenum">
               <a:rPr lang="en-US" altLang="zh-CN" smtClean="0"/>
+              <a:t>8</a:t>
             </a:fld>
             <a:endParaRPr lang="en-US" altLang="zh-CN"/>
           </a:p>
         </p:txBody>
       </p:sp>
     </p:spTree>
+    <p:extLst>
+      <p:ext uri="{BB962C8B-B14F-4D97-AF65-F5344CB8AC3E}">
+        <p14:creationId xmlns:p14="http://schemas.microsoft.com/office/powerpoint/2010/main" val="4140703243"/>
+      </p:ext>
+    </p:extLst>
   </p:cSld>
   <p:clrMapOvr>
     <a:masterClrMapping/>
@@ -1826,12 +1946,18 @@
           <a:p>
             <a:fld id="{CB382EB3-1D32-46C2-98FF-9F30FFCBC56C}" type="slidenum">
               <a:rPr lang="en-US" altLang="zh-CN" smtClean="0"/>
+              <a:t>9</a:t>
             </a:fld>
             <a:endParaRPr lang="en-US" altLang="zh-CN"/>
           </a:p>
         </p:txBody>
       </p:sp>
     </p:spTree>
+    <p:extLst>
+      <p:ext uri="{BB962C8B-B14F-4D97-AF65-F5344CB8AC3E}">
+        <p14:creationId xmlns:p14="http://schemas.microsoft.com/office/powerpoint/2010/main" val="2660973616"/>
+      </p:ext>
+    </p:extLst>
   </p:cSld>
   <p:clrMapOvr>
     <a:masterClrMapping/>
@@ -1904,12 +2030,18 @@
           <a:p>
             <a:fld id="{CB382EB3-1D32-46C2-98FF-9F30FFCBC56C}" type="slidenum">
               <a:rPr lang="en-US" altLang="zh-CN" smtClean="0"/>
+              <a:t>10</a:t>
             </a:fld>
             <a:endParaRPr lang="en-US" altLang="zh-CN"/>
           </a:p>
         </p:txBody>
       </p:sp>
     </p:spTree>
+    <p:extLst>
+      <p:ext uri="{BB962C8B-B14F-4D97-AF65-F5344CB8AC3E}">
+        <p14:creationId xmlns:p14="http://schemas.microsoft.com/office/powerpoint/2010/main" val="3955536692"/>
+      </p:ext>
+    </p:extLst>
   </p:cSld>
   <p:clrMapOvr>
     <a:masterClrMapping/>
@@ -1918,7 +2050,7 @@
 </file>
 
 <file path=ppt/slideLayouts/slideLayout1.xml><?xml version="1.0" encoding="utf-8"?>
-<p:sldLayout xmlns:a="http://schemas.openxmlformats.org/drawingml/2006/main" xmlns:r="http://schemas.openxmlformats.org/officeDocument/2006/relationships" xmlns:p="http://schemas.openxmlformats.org/presentationml/2006/main" type="title" preserve="1" showMasterSp="0">
+<p:sldLayout xmlns:a="http://schemas.openxmlformats.org/drawingml/2006/main" xmlns:r="http://schemas.openxmlformats.org/officeDocument/2006/relationships" xmlns:p="http://schemas.openxmlformats.org/presentationml/2006/main" showMasterSp="0" type="title" preserve="1">
   <p:cSld name="标题幻灯片">
     <p:spTree>
       <p:nvGrpSpPr>
@@ -2029,6 +2161,7 @@
           <a:p>
             <a:fld id="{EE0025A7-E727-4FBE-9F41-4F06D36C93BD}" type="datetime2">
               <a:rPr lang="zh-CN" altLang="en-US" smtClean="0"/>
+              <a:t>2018年4月17日</a:t>
             </a:fld>
             <a:endParaRPr lang="en-US" altLang="zh-CN"/>
           </a:p>
@@ -2069,7 +2202,6 @@
               <a:rPr lang="zh-CN" altLang="en-US" noProof="0" dirty="0"/>
               <a:t>单击此处编辑母版标题</a:t>
             </a:r>
-            <a:endParaRPr lang="zh-CN" altLang="en-US" noProof="0" dirty="0"/>
           </a:p>
         </p:txBody>
       </p:sp>
@@ -2110,7 +2242,6 @@
               <a:rPr lang="zh-CN" altLang="en-US" noProof="0" dirty="0"/>
               <a:t>单击此处编辑母版副标题</a:t>
             </a:r>
-            <a:endParaRPr lang="zh-CN" altLang="en-US" noProof="0" dirty="0"/>
           </a:p>
         </p:txBody>
       </p:sp>
@@ -2158,7 +2289,6 @@
               <a:rPr lang="zh-CN" altLang="en-US"/>
               <a:t>单击此处编辑母版标题样式</a:t>
             </a:r>
-            <a:endParaRPr lang="zh-CN" altLang="en-US"/>
           </a:p>
         </p:txBody>
       </p:sp>
@@ -2182,7 +2312,6 @@
               <a:rPr lang="zh-CN" altLang="en-US"/>
               <a:t>单击此处编辑母版文本样式</a:t>
             </a:r>
-            <a:endParaRPr lang="zh-CN" altLang="en-US"/>
           </a:p>
           <a:p>
             <a:pPr lvl="1"/>
@@ -2190,7 +2319,6 @@
               <a:rPr lang="zh-CN" altLang="en-US"/>
               <a:t>第二级</a:t>
             </a:r>
-            <a:endParaRPr lang="zh-CN" altLang="en-US"/>
           </a:p>
           <a:p>
             <a:pPr lvl="2"/>
@@ -2198,7 +2326,6 @@
               <a:rPr lang="zh-CN" altLang="en-US"/>
               <a:t>第三级</a:t>
             </a:r>
-            <a:endParaRPr lang="zh-CN" altLang="en-US"/>
           </a:p>
           <a:p>
             <a:pPr lvl="3"/>
@@ -2206,7 +2333,6 @@
               <a:rPr lang="zh-CN" altLang="en-US"/>
               <a:t>第四级</a:t>
             </a:r>
-            <a:endParaRPr lang="zh-CN" altLang="en-US"/>
           </a:p>
           <a:p>
             <a:pPr lvl="4"/>
@@ -2214,7 +2340,6 @@
               <a:rPr lang="zh-CN" altLang="en-US"/>
               <a:t>第五级</a:t>
             </a:r>
-            <a:endParaRPr lang="zh-CN" altLang="en-US"/>
           </a:p>
         </p:txBody>
       </p:sp>
@@ -2239,6 +2364,7 @@
           <a:p>
             <a:fld id="{5E1450F4-95BA-449F-978D-8F59EB7D53BD}" type="slidenum">
               <a:rPr lang="en-US" altLang="zh-CN"/>
+              <a:t>‹#›</a:t>
             </a:fld>
             <a:endParaRPr lang="en-US" altLang="zh-CN"/>
           </a:p>
@@ -2293,7 +2419,6 @@
               <a:rPr lang="zh-CN" altLang="en-US"/>
               <a:t>单击此处编辑母版标题样式</a:t>
             </a:r>
-            <a:endParaRPr lang="zh-CN" altLang="en-US"/>
           </a:p>
         </p:txBody>
       </p:sp>
@@ -2322,7 +2447,6 @@
               <a:rPr lang="zh-CN" altLang="en-US"/>
               <a:t>单击此处编辑母版文本样式</a:t>
             </a:r>
-            <a:endParaRPr lang="zh-CN" altLang="en-US"/>
           </a:p>
           <a:p>
             <a:pPr lvl="1"/>
@@ -2330,7 +2454,6 @@
               <a:rPr lang="zh-CN" altLang="en-US"/>
               <a:t>第二级</a:t>
             </a:r>
-            <a:endParaRPr lang="zh-CN" altLang="en-US"/>
           </a:p>
           <a:p>
             <a:pPr lvl="2"/>
@@ -2338,7 +2461,6 @@
               <a:rPr lang="zh-CN" altLang="en-US"/>
               <a:t>第三级</a:t>
             </a:r>
-            <a:endParaRPr lang="zh-CN" altLang="en-US"/>
           </a:p>
           <a:p>
             <a:pPr lvl="3"/>
@@ -2346,7 +2468,6 @@
               <a:rPr lang="zh-CN" altLang="en-US"/>
               <a:t>第四级</a:t>
             </a:r>
-            <a:endParaRPr lang="zh-CN" altLang="en-US"/>
           </a:p>
           <a:p>
             <a:pPr lvl="4"/>
@@ -2354,7 +2475,6 @@
               <a:rPr lang="zh-CN" altLang="en-US"/>
               <a:t>第五级</a:t>
             </a:r>
-            <a:endParaRPr lang="zh-CN" altLang="en-US"/>
           </a:p>
         </p:txBody>
       </p:sp>
@@ -2379,6 +2499,7 @@
           <a:p>
             <a:fld id="{BFB27D97-9013-4692-8A75-46C9686C753F}" type="slidenum">
               <a:rPr lang="en-US" altLang="zh-CN"/>
+              <a:t>‹#›</a:t>
             </a:fld>
             <a:endParaRPr lang="en-US" altLang="zh-CN"/>
           </a:p>
@@ -2393,7 +2514,7 @@
 </file>
 
 <file path=ppt/slideLayouts/slideLayout12.xml><?xml version="1.0" encoding="utf-8"?>
-<p:sldLayout xmlns:a="http://schemas.openxmlformats.org/drawingml/2006/main" xmlns:r="http://schemas.openxmlformats.org/officeDocument/2006/relationships" xmlns:p="http://schemas.openxmlformats.org/presentationml/2006/main" type="title" preserve="1" showMasterSp="0">
+<p:sldLayout xmlns:a="http://schemas.openxmlformats.org/drawingml/2006/main" xmlns:r="http://schemas.openxmlformats.org/officeDocument/2006/relationships" xmlns:p="http://schemas.openxmlformats.org/presentationml/2006/main" showMasterSp="0" type="title" preserve="1">
   <p:cSld name="标题幻灯片">
     <p:spTree>
       <p:nvGrpSpPr>
@@ -2472,7 +2593,6 @@
               <a:rPr lang="zh-CN" altLang="en-US" noProof="0" dirty="0"/>
               <a:t>单击此处添加分切页标题</a:t>
             </a:r>
-            <a:endParaRPr lang="zh-CN" altLang="en-US" noProof="0" dirty="0"/>
           </a:p>
         </p:txBody>
       </p:sp>
@@ -2520,7 +2640,6 @@
               <a:rPr lang="zh-CN" altLang="en-US"/>
               <a:t>单击此处编辑母版标题样式</a:t>
             </a:r>
-            <a:endParaRPr lang="zh-CN" altLang="en-US"/>
           </a:p>
         </p:txBody>
       </p:sp>
@@ -2544,7 +2663,6 @@
               <a:rPr lang="zh-CN" altLang="en-US"/>
               <a:t>单击此处编辑母版文本样式</a:t>
             </a:r>
-            <a:endParaRPr lang="zh-CN" altLang="en-US"/>
           </a:p>
           <a:p>
             <a:pPr lvl="1"/>
@@ -2552,7 +2670,6 @@
               <a:rPr lang="zh-CN" altLang="en-US"/>
               <a:t>第二级</a:t>
             </a:r>
-            <a:endParaRPr lang="zh-CN" altLang="en-US"/>
           </a:p>
           <a:p>
             <a:pPr lvl="2"/>
@@ -2560,7 +2677,6 @@
               <a:rPr lang="zh-CN" altLang="en-US"/>
               <a:t>第三级</a:t>
             </a:r>
-            <a:endParaRPr lang="zh-CN" altLang="en-US"/>
           </a:p>
           <a:p>
             <a:pPr lvl="3"/>
@@ -2568,7 +2684,6 @@
               <a:rPr lang="zh-CN" altLang="en-US"/>
               <a:t>第四级</a:t>
             </a:r>
-            <a:endParaRPr lang="zh-CN" altLang="en-US"/>
           </a:p>
           <a:p>
             <a:pPr lvl="4"/>
@@ -2576,7 +2691,6 @@
               <a:rPr lang="zh-CN" altLang="en-US"/>
               <a:t>第五级</a:t>
             </a:r>
-            <a:endParaRPr lang="zh-CN" altLang="en-US"/>
           </a:p>
         </p:txBody>
       </p:sp>
@@ -2633,7 +2747,6 @@
               <a:rPr lang="zh-CN" altLang="en-US"/>
               <a:t>单击此处编辑母版标题样式</a:t>
             </a:r>
-            <a:endParaRPr lang="zh-CN" altLang="en-US"/>
           </a:p>
         </p:txBody>
       </p:sp>
@@ -2699,7 +2812,6 @@
               <a:rPr lang="zh-CN" altLang="en-US"/>
               <a:t>单击此处编辑母版文本样式</a:t>
             </a:r>
-            <a:endParaRPr lang="zh-CN" altLang="en-US"/>
           </a:p>
         </p:txBody>
       </p:sp>
@@ -2747,7 +2859,6 @@
               <a:rPr lang="zh-CN" altLang="en-US"/>
               <a:t>单击此处编辑母版标题样式</a:t>
             </a:r>
-            <a:endParaRPr lang="zh-CN" altLang="en-US"/>
           </a:p>
         </p:txBody>
       </p:sp>
@@ -2804,7 +2915,6 @@
               <a:rPr lang="zh-CN" altLang="en-US"/>
               <a:t>单击此处编辑母版文本样式</a:t>
             </a:r>
-            <a:endParaRPr lang="zh-CN" altLang="en-US"/>
           </a:p>
           <a:p>
             <a:pPr lvl="1"/>
@@ -2812,7 +2922,6 @@
               <a:rPr lang="zh-CN" altLang="en-US"/>
               <a:t>第二级</a:t>
             </a:r>
-            <a:endParaRPr lang="zh-CN" altLang="en-US"/>
           </a:p>
           <a:p>
             <a:pPr lvl="2"/>
@@ -2820,7 +2929,6 @@
               <a:rPr lang="zh-CN" altLang="en-US"/>
               <a:t>第三级</a:t>
             </a:r>
-            <a:endParaRPr lang="zh-CN" altLang="en-US"/>
           </a:p>
           <a:p>
             <a:pPr lvl="3"/>
@@ -2828,7 +2936,6 @@
               <a:rPr lang="zh-CN" altLang="en-US"/>
               <a:t>第四级</a:t>
             </a:r>
-            <a:endParaRPr lang="zh-CN" altLang="en-US"/>
           </a:p>
           <a:p>
             <a:pPr lvl="4"/>
@@ -2836,7 +2943,6 @@
               <a:rPr lang="zh-CN" altLang="en-US"/>
               <a:t>第五级</a:t>
             </a:r>
-            <a:endParaRPr lang="zh-CN" altLang="en-US"/>
           </a:p>
         </p:txBody>
       </p:sp>
@@ -2893,7 +2999,6 @@
               <a:rPr lang="zh-CN" altLang="en-US"/>
               <a:t>单击此处编辑母版文本样式</a:t>
             </a:r>
-            <a:endParaRPr lang="zh-CN" altLang="en-US"/>
           </a:p>
           <a:p>
             <a:pPr lvl="1"/>
@@ -2901,7 +3006,6 @@
               <a:rPr lang="zh-CN" altLang="en-US"/>
               <a:t>第二级</a:t>
             </a:r>
-            <a:endParaRPr lang="zh-CN" altLang="en-US"/>
           </a:p>
           <a:p>
             <a:pPr lvl="2"/>
@@ -2909,7 +3013,6 @@
               <a:rPr lang="zh-CN" altLang="en-US"/>
               <a:t>第三级</a:t>
             </a:r>
-            <a:endParaRPr lang="zh-CN" altLang="en-US"/>
           </a:p>
           <a:p>
             <a:pPr lvl="3"/>
@@ -2917,7 +3020,6 @@
               <a:rPr lang="zh-CN" altLang="en-US"/>
               <a:t>第四级</a:t>
             </a:r>
-            <a:endParaRPr lang="zh-CN" altLang="en-US"/>
           </a:p>
           <a:p>
             <a:pPr lvl="4"/>
@@ -2925,7 +3027,6 @@
               <a:rPr lang="zh-CN" altLang="en-US"/>
               <a:t>第五级</a:t>
             </a:r>
-            <a:endParaRPr lang="zh-CN" altLang="en-US"/>
           </a:p>
         </p:txBody>
       </p:sp>
@@ -2982,7 +3083,6 @@
               <a:rPr lang="zh-CN" altLang="en-US"/>
               <a:t>单击此处编辑母版标题样式</a:t>
             </a:r>
-            <a:endParaRPr lang="zh-CN" altLang="en-US"/>
           </a:p>
         </p:txBody>
       </p:sp>
@@ -3048,7 +3148,6 @@
               <a:rPr lang="zh-CN" altLang="en-US"/>
               <a:t>单击此处编辑母版文本样式</a:t>
             </a:r>
-            <a:endParaRPr lang="zh-CN" altLang="en-US"/>
           </a:p>
         </p:txBody>
       </p:sp>
@@ -3105,7 +3204,6 @@
               <a:rPr lang="zh-CN" altLang="en-US"/>
               <a:t>单击此处编辑母版文本样式</a:t>
             </a:r>
-            <a:endParaRPr lang="zh-CN" altLang="en-US"/>
           </a:p>
           <a:p>
             <a:pPr lvl="1"/>
@@ -3113,7 +3211,6 @@
               <a:rPr lang="zh-CN" altLang="en-US"/>
               <a:t>第二级</a:t>
             </a:r>
-            <a:endParaRPr lang="zh-CN" altLang="en-US"/>
           </a:p>
           <a:p>
             <a:pPr lvl="2"/>
@@ -3121,7 +3218,6 @@
               <a:rPr lang="zh-CN" altLang="en-US"/>
               <a:t>第三级</a:t>
             </a:r>
-            <a:endParaRPr lang="zh-CN" altLang="en-US"/>
           </a:p>
           <a:p>
             <a:pPr lvl="3"/>
@@ -3129,7 +3225,6 @@
               <a:rPr lang="zh-CN" altLang="en-US"/>
               <a:t>第四级</a:t>
             </a:r>
-            <a:endParaRPr lang="zh-CN" altLang="en-US"/>
           </a:p>
           <a:p>
             <a:pPr lvl="4"/>
@@ -3137,7 +3232,6 @@
               <a:rPr lang="zh-CN" altLang="en-US"/>
               <a:t>第五级</a:t>
             </a:r>
-            <a:endParaRPr lang="zh-CN" altLang="en-US"/>
           </a:p>
         </p:txBody>
       </p:sp>
@@ -3203,7 +3297,6 @@
               <a:rPr lang="zh-CN" altLang="en-US"/>
               <a:t>单击此处编辑母版文本样式</a:t>
             </a:r>
-            <a:endParaRPr lang="zh-CN" altLang="en-US"/>
           </a:p>
         </p:txBody>
       </p:sp>
@@ -3260,7 +3353,6 @@
               <a:rPr lang="zh-CN" altLang="en-US"/>
               <a:t>单击此处编辑母版文本样式</a:t>
             </a:r>
-            <a:endParaRPr lang="zh-CN" altLang="en-US"/>
           </a:p>
           <a:p>
             <a:pPr lvl="1"/>
@@ -3268,7 +3360,6 @@
               <a:rPr lang="zh-CN" altLang="en-US"/>
               <a:t>第二级</a:t>
             </a:r>
-            <a:endParaRPr lang="zh-CN" altLang="en-US"/>
           </a:p>
           <a:p>
             <a:pPr lvl="2"/>
@@ -3276,7 +3367,6 @@
               <a:rPr lang="zh-CN" altLang="en-US"/>
               <a:t>第三级</a:t>
             </a:r>
-            <a:endParaRPr lang="zh-CN" altLang="en-US"/>
           </a:p>
           <a:p>
             <a:pPr lvl="3"/>
@@ -3284,7 +3374,6 @@
               <a:rPr lang="zh-CN" altLang="en-US"/>
               <a:t>第四级</a:t>
             </a:r>
-            <a:endParaRPr lang="zh-CN" altLang="en-US"/>
           </a:p>
           <a:p>
             <a:pPr lvl="4"/>
@@ -3292,7 +3381,6 @@
               <a:rPr lang="zh-CN" altLang="en-US"/>
               <a:t>第五级</a:t>
             </a:r>
-            <a:endParaRPr lang="zh-CN" altLang="en-US"/>
           </a:p>
         </p:txBody>
       </p:sp>
@@ -3340,7 +3428,6 @@
               <a:rPr lang="zh-CN" altLang="en-US"/>
               <a:t>单击此处编辑母版标题样式</a:t>
             </a:r>
-            <a:endParaRPr lang="zh-CN" altLang="en-US"/>
           </a:p>
         </p:txBody>
       </p:sp>
@@ -3422,7 +3509,6 @@
               <a:rPr lang="zh-CN" altLang="en-US"/>
               <a:t>单击此处编辑母版标题样式</a:t>
             </a:r>
-            <a:endParaRPr lang="zh-CN" altLang="en-US"/>
           </a:p>
         </p:txBody>
       </p:sp>
@@ -3479,7 +3565,6 @@
               <a:rPr lang="zh-CN" altLang="en-US"/>
               <a:t>单击此处编辑母版文本样式</a:t>
             </a:r>
-            <a:endParaRPr lang="zh-CN" altLang="en-US"/>
           </a:p>
           <a:p>
             <a:pPr lvl="1"/>
@@ -3487,7 +3572,6 @@
               <a:rPr lang="zh-CN" altLang="en-US"/>
               <a:t>第二级</a:t>
             </a:r>
-            <a:endParaRPr lang="zh-CN" altLang="en-US"/>
           </a:p>
           <a:p>
             <a:pPr lvl="2"/>
@@ -3495,7 +3579,6 @@
               <a:rPr lang="zh-CN" altLang="en-US"/>
               <a:t>第三级</a:t>
             </a:r>
-            <a:endParaRPr lang="zh-CN" altLang="en-US"/>
           </a:p>
           <a:p>
             <a:pPr lvl="3"/>
@@ -3503,7 +3586,6 @@
               <a:rPr lang="zh-CN" altLang="en-US"/>
               <a:t>第四级</a:t>
             </a:r>
-            <a:endParaRPr lang="zh-CN" altLang="en-US"/>
           </a:p>
           <a:p>
             <a:pPr lvl="4"/>
@@ -3511,7 +3593,6 @@
               <a:rPr lang="zh-CN" altLang="en-US"/>
               <a:t>第五级</a:t>
             </a:r>
-            <a:endParaRPr lang="zh-CN" altLang="en-US"/>
           </a:p>
         </p:txBody>
       </p:sp>
@@ -3577,7 +3658,6 @@
               <a:rPr lang="zh-CN" altLang="en-US"/>
               <a:t>单击此处编辑母版文本样式</a:t>
             </a:r>
-            <a:endParaRPr lang="zh-CN" altLang="en-US"/>
           </a:p>
         </p:txBody>
       </p:sp>
@@ -3625,7 +3705,6 @@
               <a:rPr lang="zh-CN" altLang="en-US" dirty="0"/>
               <a:t>单击此处编辑母版标题</a:t>
             </a:r>
-            <a:endParaRPr lang="zh-CN" altLang="en-US" dirty="0"/>
           </a:p>
         </p:txBody>
       </p:sp>
@@ -3649,7 +3728,6 @@
               <a:rPr lang="zh-CN" altLang="en-US"/>
               <a:t>单击此处编辑母版文本样式</a:t>
             </a:r>
-            <a:endParaRPr lang="zh-CN" altLang="en-US"/>
           </a:p>
           <a:p>
             <a:pPr lvl="1"/>
@@ -3657,7 +3735,6 @@
               <a:rPr lang="zh-CN" altLang="en-US"/>
               <a:t>第二级</a:t>
             </a:r>
-            <a:endParaRPr lang="zh-CN" altLang="en-US"/>
           </a:p>
           <a:p>
             <a:pPr lvl="2"/>
@@ -3665,7 +3742,6 @@
               <a:rPr lang="zh-CN" altLang="en-US"/>
               <a:t>第三级</a:t>
             </a:r>
-            <a:endParaRPr lang="zh-CN" altLang="en-US"/>
           </a:p>
           <a:p>
             <a:pPr lvl="3"/>
@@ -3673,7 +3749,6 @@
               <a:rPr lang="zh-CN" altLang="en-US"/>
               <a:t>第四级</a:t>
             </a:r>
-            <a:endParaRPr lang="zh-CN" altLang="en-US"/>
           </a:p>
           <a:p>
             <a:pPr lvl="4"/>
@@ -3681,7 +3756,6 @@
               <a:rPr lang="zh-CN" altLang="en-US"/>
               <a:t>第五级</a:t>
             </a:r>
-            <a:endParaRPr lang="zh-CN" altLang="en-US"/>
           </a:p>
         </p:txBody>
       </p:sp>
@@ -3706,6 +3780,7 @@
           <a:p>
             <a:fld id="{1EAD90CE-CA62-48F8-87DA-AA74ACBFB15B}" type="slidenum">
               <a:rPr lang="en-US" altLang="zh-CN"/>
+              <a:t>‹#›</a:t>
             </a:fld>
             <a:endParaRPr lang="en-US" altLang="zh-CN"/>
           </a:p>
@@ -3764,7 +3839,6 @@
               <a:rPr lang="zh-CN" altLang="en-US"/>
               <a:t>单击此处编辑母版标题样式</a:t>
             </a:r>
-            <a:endParaRPr lang="zh-CN" altLang="en-US"/>
           </a:p>
         </p:txBody>
       </p:sp>
@@ -3891,7 +3965,6 @@
               <a:rPr lang="zh-CN" altLang="en-US"/>
               <a:t>单击此处编辑母版文本样式</a:t>
             </a:r>
-            <a:endParaRPr lang="zh-CN" altLang="en-US"/>
           </a:p>
         </p:txBody>
       </p:sp>
@@ -3939,7 +4012,6 @@
               <a:rPr lang="zh-CN" altLang="en-US"/>
               <a:t>单击此处编辑母版标题样式</a:t>
             </a:r>
-            <a:endParaRPr lang="zh-CN" altLang="en-US"/>
           </a:p>
         </p:txBody>
       </p:sp>
@@ -3963,7 +4035,6 @@
               <a:rPr lang="zh-CN" altLang="en-US"/>
               <a:t>单击此处编辑母版文本样式</a:t>
             </a:r>
-            <a:endParaRPr lang="zh-CN" altLang="en-US"/>
           </a:p>
           <a:p>
             <a:pPr lvl="1"/>
@@ -3971,7 +4042,6 @@
               <a:rPr lang="zh-CN" altLang="en-US"/>
               <a:t>第二级</a:t>
             </a:r>
-            <a:endParaRPr lang="zh-CN" altLang="en-US"/>
           </a:p>
           <a:p>
             <a:pPr lvl="2"/>
@@ -3979,7 +4049,6 @@
               <a:rPr lang="zh-CN" altLang="en-US"/>
               <a:t>第三级</a:t>
             </a:r>
-            <a:endParaRPr lang="zh-CN" altLang="en-US"/>
           </a:p>
           <a:p>
             <a:pPr lvl="3"/>
@@ -3987,7 +4056,6 @@
               <a:rPr lang="zh-CN" altLang="en-US"/>
               <a:t>第四级</a:t>
             </a:r>
-            <a:endParaRPr lang="zh-CN" altLang="en-US"/>
           </a:p>
           <a:p>
             <a:pPr lvl="4"/>
@@ -3995,7 +4063,6 @@
               <a:rPr lang="zh-CN" altLang="en-US"/>
               <a:t>第五级</a:t>
             </a:r>
-            <a:endParaRPr lang="zh-CN" altLang="en-US"/>
           </a:p>
         </p:txBody>
       </p:sp>
@@ -4048,7 +4115,6 @@
               <a:rPr lang="zh-CN" altLang="en-US"/>
               <a:t>单击此处编辑母版标题样式</a:t>
             </a:r>
-            <a:endParaRPr lang="zh-CN" altLang="en-US"/>
           </a:p>
         </p:txBody>
       </p:sp>
@@ -4077,7 +4143,6 @@
               <a:rPr lang="zh-CN" altLang="en-US"/>
               <a:t>单击此处编辑母版文本样式</a:t>
             </a:r>
-            <a:endParaRPr lang="zh-CN" altLang="en-US"/>
           </a:p>
           <a:p>
             <a:pPr lvl="1"/>
@@ -4085,7 +4150,6 @@
               <a:rPr lang="zh-CN" altLang="en-US"/>
               <a:t>第二级</a:t>
             </a:r>
-            <a:endParaRPr lang="zh-CN" altLang="en-US"/>
           </a:p>
           <a:p>
             <a:pPr lvl="2"/>
@@ -4093,7 +4157,6 @@
               <a:rPr lang="zh-CN" altLang="en-US"/>
               <a:t>第三级</a:t>
             </a:r>
-            <a:endParaRPr lang="zh-CN" altLang="en-US"/>
           </a:p>
           <a:p>
             <a:pPr lvl="3"/>
@@ -4101,7 +4164,6 @@
               <a:rPr lang="zh-CN" altLang="en-US"/>
               <a:t>第四级</a:t>
             </a:r>
-            <a:endParaRPr lang="zh-CN" altLang="en-US"/>
           </a:p>
           <a:p>
             <a:pPr lvl="4"/>
@@ -4109,7 +4171,6 @@
               <a:rPr lang="zh-CN" altLang="en-US"/>
               <a:t>第五级</a:t>
             </a:r>
-            <a:endParaRPr lang="zh-CN" altLang="en-US"/>
           </a:p>
         </p:txBody>
       </p:sp>
@@ -4166,7 +4227,6 @@
               <a:rPr lang="zh-CN" altLang="en-US"/>
               <a:t>单击此处编辑母版标题样式</a:t>
             </a:r>
-            <a:endParaRPr lang="zh-CN" altLang="en-US"/>
           </a:p>
         </p:txBody>
       </p:sp>
@@ -4232,7 +4292,6 @@
               <a:rPr lang="zh-CN" altLang="en-US"/>
               <a:t>单击此处编辑母版文本样式</a:t>
             </a:r>
-            <a:endParaRPr lang="zh-CN" altLang="en-US"/>
           </a:p>
         </p:txBody>
       </p:sp>
@@ -4257,6 +4316,7 @@
           <a:p>
             <a:fld id="{EAA8295D-A4EC-497C-963D-200DEF501C36}" type="slidenum">
               <a:rPr lang="en-US" altLang="zh-CN"/>
+              <a:t>‹#›</a:t>
             </a:fld>
             <a:endParaRPr lang="en-US" altLang="zh-CN"/>
           </a:p>
@@ -4306,7 +4366,6 @@
               <a:rPr lang="zh-CN" altLang="en-US"/>
               <a:t>单击此处编辑母版标题样式</a:t>
             </a:r>
-            <a:endParaRPr lang="zh-CN" altLang="en-US"/>
           </a:p>
         </p:txBody>
       </p:sp>
@@ -4363,7 +4422,6 @@
               <a:rPr lang="zh-CN" altLang="en-US"/>
               <a:t>单击此处编辑母版文本样式</a:t>
             </a:r>
-            <a:endParaRPr lang="zh-CN" altLang="en-US"/>
           </a:p>
           <a:p>
             <a:pPr lvl="1"/>
@@ -4371,7 +4429,6 @@
               <a:rPr lang="zh-CN" altLang="en-US"/>
               <a:t>第二级</a:t>
             </a:r>
-            <a:endParaRPr lang="zh-CN" altLang="en-US"/>
           </a:p>
           <a:p>
             <a:pPr lvl="2"/>
@@ -4379,7 +4436,6 @@
               <a:rPr lang="zh-CN" altLang="en-US"/>
               <a:t>第三级</a:t>
             </a:r>
-            <a:endParaRPr lang="zh-CN" altLang="en-US"/>
           </a:p>
           <a:p>
             <a:pPr lvl="3"/>
@@ -4387,7 +4443,6 @@
               <a:rPr lang="zh-CN" altLang="en-US"/>
               <a:t>第四级</a:t>
             </a:r>
-            <a:endParaRPr lang="zh-CN" altLang="en-US"/>
           </a:p>
           <a:p>
             <a:pPr lvl="4"/>
@@ -4395,7 +4450,6 @@
               <a:rPr lang="zh-CN" altLang="en-US"/>
               <a:t>第五级</a:t>
             </a:r>
-            <a:endParaRPr lang="zh-CN" altLang="en-US"/>
           </a:p>
         </p:txBody>
       </p:sp>
@@ -4452,7 +4506,6 @@
               <a:rPr lang="zh-CN" altLang="en-US"/>
               <a:t>单击此处编辑母版文本样式</a:t>
             </a:r>
-            <a:endParaRPr lang="zh-CN" altLang="en-US"/>
           </a:p>
           <a:p>
             <a:pPr lvl="1"/>
@@ -4460,7 +4513,6 @@
               <a:rPr lang="zh-CN" altLang="en-US"/>
               <a:t>第二级</a:t>
             </a:r>
-            <a:endParaRPr lang="zh-CN" altLang="en-US"/>
           </a:p>
           <a:p>
             <a:pPr lvl="2"/>
@@ -4468,7 +4520,6 @@
               <a:rPr lang="zh-CN" altLang="en-US"/>
               <a:t>第三级</a:t>
             </a:r>
-            <a:endParaRPr lang="zh-CN" altLang="en-US"/>
           </a:p>
           <a:p>
             <a:pPr lvl="3"/>
@@ -4476,7 +4527,6 @@
               <a:rPr lang="zh-CN" altLang="en-US"/>
               <a:t>第四级</a:t>
             </a:r>
-            <a:endParaRPr lang="zh-CN" altLang="en-US"/>
           </a:p>
           <a:p>
             <a:pPr lvl="4"/>
@@ -4484,7 +4534,6 @@
               <a:rPr lang="zh-CN" altLang="en-US"/>
               <a:t>第五级</a:t>
             </a:r>
-            <a:endParaRPr lang="zh-CN" altLang="en-US"/>
           </a:p>
         </p:txBody>
       </p:sp>
@@ -4509,6 +4558,7 @@
           <a:p>
             <a:fld id="{50A158BC-FF1B-4B04-99E8-B63251994931}" type="slidenum">
               <a:rPr lang="en-US" altLang="zh-CN"/>
+              <a:t>‹#›</a:t>
             </a:fld>
             <a:endParaRPr lang="en-US" altLang="zh-CN"/>
           </a:p>
@@ -4567,7 +4617,6 @@
               <a:rPr lang="zh-CN" altLang="en-US"/>
               <a:t>单击此处编辑母版标题样式</a:t>
             </a:r>
-            <a:endParaRPr lang="zh-CN" altLang="en-US"/>
           </a:p>
         </p:txBody>
       </p:sp>
@@ -4633,7 +4682,6 @@
               <a:rPr lang="zh-CN" altLang="en-US"/>
               <a:t>单击此处编辑母版文本样式</a:t>
             </a:r>
-            <a:endParaRPr lang="zh-CN" altLang="en-US"/>
           </a:p>
         </p:txBody>
       </p:sp>
@@ -4690,7 +4738,6 @@
               <a:rPr lang="zh-CN" altLang="en-US"/>
               <a:t>单击此处编辑母版文本样式</a:t>
             </a:r>
-            <a:endParaRPr lang="zh-CN" altLang="en-US"/>
           </a:p>
           <a:p>
             <a:pPr lvl="1"/>
@@ -4698,7 +4745,6 @@
               <a:rPr lang="zh-CN" altLang="en-US"/>
               <a:t>第二级</a:t>
             </a:r>
-            <a:endParaRPr lang="zh-CN" altLang="en-US"/>
           </a:p>
           <a:p>
             <a:pPr lvl="2"/>
@@ -4706,7 +4752,6 @@
               <a:rPr lang="zh-CN" altLang="en-US"/>
               <a:t>第三级</a:t>
             </a:r>
-            <a:endParaRPr lang="zh-CN" altLang="en-US"/>
           </a:p>
           <a:p>
             <a:pPr lvl="3"/>
@@ -4714,7 +4759,6 @@
               <a:rPr lang="zh-CN" altLang="en-US"/>
               <a:t>第四级</a:t>
             </a:r>
-            <a:endParaRPr lang="zh-CN" altLang="en-US"/>
           </a:p>
           <a:p>
             <a:pPr lvl="4"/>
@@ -4722,7 +4766,6 @@
               <a:rPr lang="zh-CN" altLang="en-US"/>
               <a:t>第五级</a:t>
             </a:r>
-            <a:endParaRPr lang="zh-CN" altLang="en-US"/>
           </a:p>
         </p:txBody>
       </p:sp>
@@ -4788,7 +4831,6 @@
               <a:rPr lang="zh-CN" altLang="en-US"/>
               <a:t>单击此处编辑母版文本样式</a:t>
             </a:r>
-            <a:endParaRPr lang="zh-CN" altLang="en-US"/>
           </a:p>
         </p:txBody>
       </p:sp>
@@ -4845,7 +4887,6 @@
               <a:rPr lang="zh-CN" altLang="en-US"/>
               <a:t>单击此处编辑母版文本样式</a:t>
             </a:r>
-            <a:endParaRPr lang="zh-CN" altLang="en-US"/>
           </a:p>
           <a:p>
             <a:pPr lvl="1"/>
@@ -4853,7 +4894,6 @@
               <a:rPr lang="zh-CN" altLang="en-US"/>
               <a:t>第二级</a:t>
             </a:r>
-            <a:endParaRPr lang="zh-CN" altLang="en-US"/>
           </a:p>
           <a:p>
             <a:pPr lvl="2"/>
@@ -4861,7 +4901,6 @@
               <a:rPr lang="zh-CN" altLang="en-US"/>
               <a:t>第三级</a:t>
             </a:r>
-            <a:endParaRPr lang="zh-CN" altLang="en-US"/>
           </a:p>
           <a:p>
             <a:pPr lvl="3"/>
@@ -4869,7 +4908,6 @@
               <a:rPr lang="zh-CN" altLang="en-US"/>
               <a:t>第四级</a:t>
             </a:r>
-            <a:endParaRPr lang="zh-CN" altLang="en-US"/>
           </a:p>
           <a:p>
             <a:pPr lvl="4"/>
@@ -4877,7 +4915,6 @@
               <a:rPr lang="zh-CN" altLang="en-US"/>
               <a:t>第五级</a:t>
             </a:r>
-            <a:endParaRPr lang="zh-CN" altLang="en-US"/>
           </a:p>
         </p:txBody>
       </p:sp>
@@ -4902,6 +4939,7 @@
           <a:p>
             <a:fld id="{4E146C2B-7287-47F6-9E52-DBDA6E070F57}" type="slidenum">
               <a:rPr lang="en-US" altLang="zh-CN"/>
+              <a:t>‹#›</a:t>
             </a:fld>
             <a:endParaRPr lang="en-US" altLang="zh-CN"/>
           </a:p>
@@ -4951,7 +4989,6 @@
               <a:rPr lang="zh-CN" altLang="en-US"/>
               <a:t>单击此处编辑母版标题样式</a:t>
             </a:r>
-            <a:endParaRPr lang="zh-CN" altLang="en-US"/>
           </a:p>
         </p:txBody>
       </p:sp>
@@ -4976,6 +5013,7 @@
           <a:p>
             <a:fld id="{2B4F9A39-CB4C-4464-8D91-0C125886D500}" type="slidenum">
               <a:rPr lang="en-US" altLang="zh-CN"/>
+              <a:t>‹#›</a:t>
             </a:fld>
             <a:endParaRPr lang="en-US" altLang="zh-CN"/>
           </a:p>
@@ -5027,6 +5065,7 @@
           <a:p>
             <a:fld id="{CAB4FA9B-260F-412E-A31F-364190D466FB}" type="slidenum">
               <a:rPr lang="en-US" altLang="zh-CN"/>
+              <a:t>‹#›</a:t>
             </a:fld>
             <a:endParaRPr lang="en-US" altLang="zh-CN"/>
           </a:p>
@@ -5085,7 +5124,6 @@
               <a:rPr lang="zh-CN" altLang="en-US"/>
               <a:t>单击此处编辑母版标题样式</a:t>
             </a:r>
-            <a:endParaRPr lang="zh-CN" altLang="en-US"/>
           </a:p>
         </p:txBody>
       </p:sp>
@@ -5142,7 +5180,6 @@
               <a:rPr lang="zh-CN" altLang="en-US"/>
               <a:t>单击此处编辑母版文本样式</a:t>
             </a:r>
-            <a:endParaRPr lang="zh-CN" altLang="en-US"/>
           </a:p>
           <a:p>
             <a:pPr lvl="1"/>
@@ -5150,7 +5187,6 @@
               <a:rPr lang="zh-CN" altLang="en-US"/>
               <a:t>第二级</a:t>
             </a:r>
-            <a:endParaRPr lang="zh-CN" altLang="en-US"/>
           </a:p>
           <a:p>
             <a:pPr lvl="2"/>
@@ -5158,7 +5194,6 @@
               <a:rPr lang="zh-CN" altLang="en-US"/>
               <a:t>第三级</a:t>
             </a:r>
-            <a:endParaRPr lang="zh-CN" altLang="en-US"/>
           </a:p>
           <a:p>
             <a:pPr lvl="3"/>
@@ -5166,7 +5201,6 @@
               <a:rPr lang="zh-CN" altLang="en-US"/>
               <a:t>第四级</a:t>
             </a:r>
-            <a:endParaRPr lang="zh-CN" altLang="en-US"/>
           </a:p>
           <a:p>
             <a:pPr lvl="4"/>
@@ -5174,7 +5208,6 @@
               <a:rPr lang="zh-CN" altLang="en-US"/>
               <a:t>第五级</a:t>
             </a:r>
-            <a:endParaRPr lang="zh-CN" altLang="en-US"/>
           </a:p>
         </p:txBody>
       </p:sp>
@@ -5240,7 +5273,6 @@
               <a:rPr lang="zh-CN" altLang="en-US"/>
               <a:t>单击此处编辑母版文本样式</a:t>
             </a:r>
-            <a:endParaRPr lang="zh-CN" altLang="en-US"/>
           </a:p>
         </p:txBody>
       </p:sp>
@@ -5265,6 +5297,7 @@
           <a:p>
             <a:fld id="{D07FA5FE-7203-486C-9402-CB6E98EB3FDD}" type="slidenum">
               <a:rPr lang="en-US" altLang="zh-CN"/>
+              <a:t>‹#›</a:t>
             </a:fld>
             <a:endParaRPr lang="en-US" altLang="zh-CN"/>
           </a:p>
@@ -5323,7 +5356,6 @@
               <a:rPr lang="zh-CN" altLang="en-US"/>
               <a:t>单击此处编辑母版标题样式</a:t>
             </a:r>
-            <a:endParaRPr lang="zh-CN" altLang="en-US"/>
           </a:p>
         </p:txBody>
       </p:sp>
@@ -5450,7 +5482,6 @@
               <a:rPr lang="zh-CN" altLang="en-US"/>
               <a:t>单击此处编辑母版文本样式</a:t>
             </a:r>
-            <a:endParaRPr lang="zh-CN" altLang="en-US"/>
           </a:p>
         </p:txBody>
       </p:sp>
@@ -5475,6 +5506,7 @@
           <a:p>
             <a:fld id="{40B6A68B-1197-4A3B-BB5A-3808C5EE2240}" type="slidenum">
               <a:rPr lang="en-US" altLang="zh-CN"/>
+              <a:t>‹#›</a:t>
             </a:fld>
             <a:endParaRPr lang="en-US" altLang="zh-CN"/>
           </a:p>
@@ -5574,7 +5606,6 @@
               <a:rPr lang="zh-CN" altLang="en-US"/>
               <a:t>单击此处编辑母版标题样式</a:t>
             </a:r>
-            <a:endParaRPr lang="zh-CN" altLang="en-US"/>
           </a:p>
         </p:txBody>
       </p:sp>
@@ -5639,7 +5670,6 @@
               <a:rPr lang="zh-CN" altLang="en-US"/>
               <a:t>单击此处编辑母版文本样式</a:t>
             </a:r>
-            <a:endParaRPr lang="zh-CN" altLang="en-US"/>
           </a:p>
           <a:p>
             <a:pPr lvl="1"/>
@@ -5647,7 +5677,6 @@
               <a:rPr lang="zh-CN" altLang="en-US"/>
               <a:t>第二级</a:t>
             </a:r>
-            <a:endParaRPr lang="zh-CN" altLang="en-US"/>
           </a:p>
         </p:txBody>
       </p:sp>
@@ -5660,7 +5689,7 @@
           <p:nvPr userDrawn="1"/>
         </p:nvPicPr>
         <p:blipFill>
-          <a:blip r:embed="rId12">
+          <a:blip r:embed="rId13">
             <a:extLst>
               <a:ext uri="{28A0092B-C50C-407E-A947-70E740481C1C}">
                 <a14:useLocalDpi xmlns:a14="http://schemas.microsoft.com/office/drawing/2010/main" val="0"/>
@@ -5762,6 +5791,7 @@
           <a:p>
             <a:fld id="{018F9A9D-690B-45F6-ABD6-CFFF9357C621}" type="slidenum">
               <a:rPr lang="en-US" altLang="zh-CN" smtClean="0"/>
+              <a:t>‹#›</a:t>
             </a:fld>
             <a:endParaRPr lang="en-US" altLang="zh-CN" dirty="0"/>
           </a:p>
@@ -5776,7 +5806,7 @@
           <p:nvPr userDrawn="1"/>
         </p:nvPicPr>
         <p:blipFill rotWithShape="1">
-          <a:blip r:embed="rId13">
+          <a:blip r:embed="rId14">
             <a:extLst>
               <a:ext uri="{28A0092B-C50C-407E-A947-70E740481C1C}">
                 <a14:useLocalDpi xmlns:a14="http://schemas.microsoft.com/office/drawing/2010/main" val="0"/>
@@ -6318,7 +6348,6 @@
               <a:rPr lang="zh-CN" altLang="en-US"/>
               <a:t>单击此处编辑母版标题样式</a:t>
             </a:r>
-            <a:endParaRPr lang="zh-CN" altLang="en-US"/>
           </a:p>
         </p:txBody>
       </p:sp>
@@ -6383,7 +6412,6 @@
               <a:rPr lang="zh-CN" altLang="en-US"/>
               <a:t>单击此处编辑母版文本样式</a:t>
             </a:r>
-            <a:endParaRPr lang="zh-CN" altLang="en-US"/>
           </a:p>
           <a:p>
             <a:pPr lvl="1"/>
@@ -6391,7 +6419,6 @@
               <a:rPr lang="zh-CN" altLang="en-US"/>
               <a:t>第二级</a:t>
             </a:r>
-            <a:endParaRPr lang="zh-CN" altLang="en-US"/>
           </a:p>
         </p:txBody>
       </p:sp>
@@ -6404,7 +6431,7 @@
           <p:nvPr userDrawn="1"/>
         </p:nvPicPr>
         <p:blipFill>
-          <a:blip r:embed="rId12">
+          <a:blip r:embed="rId13">
             <a:extLst>
               <a:ext uri="{28A0092B-C50C-407E-A947-70E740481C1C}">
                 <a14:useLocalDpi xmlns:a14="http://schemas.microsoft.com/office/drawing/2010/main" val="0"/>
@@ -6675,6 +6702,7 @@
           <a:p>
             <a:fld id="{018F9A9D-690B-45F6-ABD6-CFFF9357C621}" type="slidenum">
               <a:rPr lang="en-US" altLang="zh-CN" smtClean="0"/>
+              <a:t>‹#›</a:t>
             </a:fld>
             <a:endParaRPr lang="en-US" altLang="zh-CN" dirty="0"/>
           </a:p>
@@ -6689,7 +6717,7 @@
           <p:nvPr userDrawn="1"/>
         </p:nvPicPr>
         <p:blipFill rotWithShape="1">
-          <a:blip r:embed="rId13">
+          <a:blip r:embed="rId14">
             <a:extLst>
               <a:ext uri="{28A0092B-C50C-407E-A947-70E740481C1C}">
                 <a14:useLocalDpi xmlns:a14="http://schemas.microsoft.com/office/drawing/2010/main" val="0"/>
@@ -7157,6 +7185,7 @@
           <a:p>
             <a:fld id="{90D80B66-F943-4100-867B-A199D16441AE}" type="datetime2">
               <a:rPr lang="zh-CN" altLang="en-US" b="0"/>
+              <a:t>2018年4月17日</a:t>
             </a:fld>
             <a:endParaRPr lang="en-US" altLang="zh-CN" b="0" dirty="0"/>
           </a:p>
@@ -7191,7 +7220,6 @@
               <a:rPr lang="zh-CN" altLang="en-US" b="1" dirty="0"/>
               <a:t>消息总线的幂等性设计</a:t>
             </a:r>
-            <a:endParaRPr lang="zh-CN" altLang="en-US" b="1" dirty="0"/>
           </a:p>
         </p:txBody>
       </p:sp>
@@ -7428,7 +7456,11 @@
           <a:p>
             <a:r>
               <a:rPr lang="zh-CN" altLang="en-US" dirty="0" smtClean="0"/>
-              <a:t>主讲：倪磊</a:t>
+              <a:t>分享人</a:t>
+            </a:r>
+            <a:r>
+              <a:rPr lang="zh-CN" altLang="en-US" dirty="0" smtClean="0"/>
+              <a:t>：毛中勇</a:t>
             </a:r>
             <a:endParaRPr lang="en-US" altLang="zh-CN" dirty="0"/>
           </a:p>
@@ -7468,7 +7500,7 @@
           <p:nvPr/>
         </p:nvPicPr>
         <p:blipFill>
-          <a:blip r:embed="rId1">
+          <a:blip r:embed="rId3">
             <a:extLst>
               <a:ext uri="{28A0092B-C50C-407E-A947-70E740481C1C}">
                 <a14:useLocalDpi xmlns:a14="http://schemas.microsoft.com/office/drawing/2010/main" val="0"/>
@@ -7540,6 +7572,7 @@
           <a:p>
             <a:fld id="{1EAD90CE-CA62-48F8-87DA-AA74ACBFB15B}" type="slidenum">
               <a:rPr lang="en-US" altLang="zh-CN" smtClean="0"/>
+              <a:t>10</a:t>
             </a:fld>
             <a:endParaRPr lang="en-US" altLang="zh-CN"/>
           </a:p>
@@ -7642,6 +7675,7 @@
           <a:p>
             <a:fld id="{1EAD90CE-CA62-48F8-87DA-AA74ACBFB15B}" type="slidenum">
               <a:rPr lang="en-US" altLang="zh-CN" smtClean="0"/>
+              <a:t>11</a:t>
             </a:fld>
             <a:endParaRPr lang="en-US" altLang="zh-CN"/>
           </a:p>
@@ -7656,7 +7690,7 @@
           <p:nvPr/>
         </p:nvPicPr>
         <p:blipFill>
-          <a:blip r:embed="rId1">
+          <a:blip r:embed="rId3">
             <a:extLst>
               <a:ext uri="{28A0092B-C50C-407E-A947-70E740481C1C}">
                 <a14:useLocalDpi xmlns:a14="http://schemas.microsoft.com/office/drawing/2010/main" val="0"/>
@@ -7808,6 +7842,7 @@
           <a:p>
             <a:fld id="{1EAD90CE-CA62-48F8-87DA-AA74ACBFB15B}" type="slidenum">
               <a:rPr lang="en-US" altLang="zh-CN" smtClean="0"/>
+              <a:t>12</a:t>
             </a:fld>
             <a:endParaRPr lang="en-US" altLang="zh-CN"/>
           </a:p>
@@ -7822,7 +7857,7 @@
           <p:nvPr/>
         </p:nvPicPr>
         <p:blipFill>
-          <a:blip r:embed="rId1">
+          <a:blip r:embed="rId3">
             <a:extLst>
               <a:ext uri="{28A0092B-C50C-407E-A947-70E740481C1C}">
                 <a14:useLocalDpi xmlns:a14="http://schemas.microsoft.com/office/drawing/2010/main" val="0"/>
@@ -7974,6 +8009,7 @@
           <a:p>
             <a:fld id="{1EAD90CE-CA62-48F8-87DA-AA74ACBFB15B}" type="slidenum">
               <a:rPr lang="en-US" altLang="zh-CN" smtClean="0"/>
+              <a:t>13</a:t>
             </a:fld>
             <a:endParaRPr lang="en-US" altLang="zh-CN"/>
           </a:p>
@@ -8043,7 +8079,7 @@
           <p:nvPr/>
         </p:nvPicPr>
         <p:blipFill>
-          <a:blip r:embed="rId1">
+          <a:blip r:embed="rId3">
             <a:extLst>
               <a:ext uri="{28A0092B-C50C-407E-A947-70E740481C1C}">
                 <a14:useLocalDpi xmlns:a14="http://schemas.microsoft.com/office/drawing/2010/main" val="0"/>
@@ -8140,6 +8176,7 @@
           <a:p>
             <a:fld id="{1EAD90CE-CA62-48F8-87DA-AA74ACBFB15B}" type="slidenum">
               <a:rPr lang="en-US" altLang="zh-CN" smtClean="0"/>
+              <a:t>14</a:t>
             </a:fld>
             <a:endParaRPr lang="en-US" altLang="zh-CN"/>
           </a:p>
@@ -8154,7 +8191,7 @@
           <p:nvPr/>
         </p:nvPicPr>
         <p:blipFill>
-          <a:blip r:embed="rId1">
+          <a:blip r:embed="rId3">
             <a:extLst>
               <a:ext uri="{28A0092B-C50C-407E-A947-70E740481C1C}">
                 <a14:useLocalDpi xmlns:a14="http://schemas.microsoft.com/office/drawing/2010/main" val="0"/>
@@ -8306,6 +8343,7 @@
           <a:p>
             <a:fld id="{1EAD90CE-CA62-48F8-87DA-AA74ACBFB15B}" type="slidenum">
               <a:rPr lang="en-US" altLang="zh-CN" smtClean="0"/>
+              <a:t>15</a:t>
             </a:fld>
             <a:endParaRPr lang="en-US" altLang="zh-CN"/>
           </a:p>
@@ -8375,7 +8413,7 @@
           <p:nvPr/>
         </p:nvPicPr>
         <p:blipFill>
-          <a:blip r:embed="rId1">
+          <a:blip r:embed="rId3">
             <a:extLst>
               <a:ext uri="{28A0092B-C50C-407E-A947-70E740481C1C}">
                 <a14:useLocalDpi xmlns:a14="http://schemas.microsoft.com/office/drawing/2010/main" val="0"/>
@@ -8472,6 +8510,7 @@
           <a:p>
             <a:fld id="{1EAD90CE-CA62-48F8-87DA-AA74ACBFB15B}" type="slidenum">
               <a:rPr lang="en-US" altLang="zh-CN" smtClean="0"/>
+              <a:t>16</a:t>
             </a:fld>
             <a:endParaRPr lang="en-US" altLang="zh-CN"/>
           </a:p>
@@ -9286,14 +9325,6 @@
                 </a:rPr>
                 <a:t>1</a:t>
               </a:r>
-              <a:endParaRPr lang="en-US" altLang="zh-CN" sz="2800" b="1">
-                <a:solidFill>
-                  <a:schemeClr val="bg1"/>
-                </a:solidFill>
-                <a:latin typeface="微软雅黑" panose="020B0503020204020204" pitchFamily="34" charset="-122"/>
-                <a:ea typeface="微软雅黑" panose="020B0503020204020204" pitchFamily="34" charset="-122"/>
-                <a:cs typeface="微软雅黑" panose="020B0503020204020204" pitchFamily="34" charset="-122"/>
-              </a:endParaRPr>
             </a:p>
           </p:txBody>
         </p:sp>
@@ -10107,14 +10138,6 @@
                 </a:rPr>
                 <a:t>2</a:t>
               </a:r>
-              <a:endParaRPr lang="en-US" altLang="zh-CN" sz="2800" b="1">
-                <a:solidFill>
-                  <a:schemeClr val="bg1"/>
-                </a:solidFill>
-                <a:latin typeface="微软雅黑" panose="020B0503020204020204" pitchFamily="34" charset="-122"/>
-                <a:ea typeface="微软雅黑" panose="020B0503020204020204" pitchFamily="34" charset="-122"/>
-                <a:cs typeface="微软雅黑" panose="020B0503020204020204" pitchFamily="34" charset="-122"/>
-              </a:endParaRPr>
             </a:p>
           </p:txBody>
         </p:sp>
@@ -10754,14 +10777,6 @@
                 </a:rPr>
                 <a:t>3</a:t>
               </a:r>
-              <a:endParaRPr lang="en-US" altLang="zh-CN" sz="2800" b="1">
-                <a:solidFill>
-                  <a:schemeClr val="bg1"/>
-                </a:solidFill>
-                <a:latin typeface="微软雅黑" panose="020B0503020204020204" pitchFamily="34" charset="-122"/>
-                <a:ea typeface="微软雅黑" panose="020B0503020204020204" pitchFamily="34" charset="-122"/>
-                <a:cs typeface="微软雅黑" panose="020B0503020204020204" pitchFamily="34" charset="-122"/>
-              </a:endParaRPr>
             </a:p>
           </p:txBody>
         </p:sp>
@@ -11401,14 +11416,6 @@
                 </a:rPr>
                 <a:t>4</a:t>
               </a:r>
-              <a:endParaRPr lang="en-US" altLang="zh-CN" sz="2800" b="1">
-                <a:solidFill>
-                  <a:schemeClr val="bg1"/>
-                </a:solidFill>
-                <a:latin typeface="微软雅黑" panose="020B0503020204020204" pitchFamily="34" charset="-122"/>
-                <a:ea typeface="微软雅黑" panose="020B0503020204020204" pitchFamily="34" charset="-122"/>
-                <a:cs typeface="微软雅黑" panose="020B0503020204020204" pitchFamily="34" charset="-122"/>
-              </a:endParaRPr>
             </a:p>
           </p:txBody>
         </p:sp>
@@ -11567,10 +11574,6 @@
               </a:rPr>
               <a:t>问题一</a:t>
             </a:r>
-            <a:endParaRPr lang="zh-CN" altLang="en-US" sz="1600" dirty="0">
-              <a:latin typeface="微软雅黑 Light" panose="020B0502040204020203" charset="-122"/>
-              <a:ea typeface="微软雅黑 Light" panose="020B0502040204020203" charset="-122"/>
-            </a:endParaRPr>
           </a:p>
         </p:txBody>
       </p:sp>
@@ -11815,10 +11818,6 @@
               </a:rPr>
               <a:t>问题二</a:t>
             </a:r>
-            <a:endParaRPr lang="zh-CN" altLang="en-US" sz="1600" dirty="0">
-              <a:latin typeface="微软雅黑 Light" panose="020B0502040204020203" charset="-122"/>
-              <a:ea typeface="微软雅黑 Light" panose="020B0502040204020203" charset="-122"/>
-            </a:endParaRPr>
           </a:p>
         </p:txBody>
       </p:sp>
@@ -12063,10 +12062,6 @@
               </a:rPr>
               <a:t>问题三</a:t>
             </a:r>
-            <a:endParaRPr lang="zh-CN" altLang="en-US" sz="1600" dirty="0">
-              <a:latin typeface="微软雅黑 Light" panose="020B0502040204020203" charset="-122"/>
-              <a:ea typeface="微软雅黑 Light" panose="020B0502040204020203" charset="-122"/>
-            </a:endParaRPr>
           </a:p>
         </p:txBody>
       </p:sp>
@@ -12756,10 +12751,6 @@
               </a:rPr>
               <a:t>Thanks</a:t>
             </a:r>
-            <a:endParaRPr lang="en-US" altLang="zh-CN" sz="5400" b="0" dirty="0">
-              <a:latin typeface="Arial" panose="020B0604020202020204" pitchFamily="34" charset="0"/>
-              <a:cs typeface="Arial" panose="020B0604020202020204" pitchFamily="34" charset="0"/>
-            </a:endParaRPr>
           </a:p>
         </p:txBody>
       </p:sp>
@@ -12791,7 +12782,6 @@
               <a:rPr lang="en-US" altLang="zh-CN" sz="3600" dirty="0"/>
               <a:t>!</a:t>
             </a:r>
-            <a:endParaRPr lang="en-US" altLang="zh-CN" sz="3600" dirty="0"/>
           </a:p>
         </p:txBody>
       </p:sp>
@@ -12833,6 +12823,7 @@
         <p:spPr/>
         <p:txBody>
           <a:bodyPr/>
+          <a:lstStyle/>
           <a:p>
             <a:r>
               <a:rPr lang="en-US" altLang="zh-CN"/>
@@ -12842,7 +12833,6 @@
               <a:rPr lang="zh-CN" altLang="en-US"/>
               <a:t>核心架构</a:t>
             </a:r>
-            <a:endParaRPr lang="zh-CN" altLang="en-US"/>
           </a:p>
         </p:txBody>
       </p:sp>
@@ -12863,6 +12853,7 @@
           <a:p>
             <a:fld id="{1EAD90CE-CA62-48F8-87DA-AA74ACBFB15B}" type="slidenum">
               <a:rPr lang="en-US" altLang="zh-CN" smtClean="0"/>
+              <a:t>2</a:t>
             </a:fld>
             <a:endParaRPr lang="en-US" altLang="zh-CN"/>
           </a:p>
@@ -12897,6 +12888,7 @@
         </p:spPr>
         <p:txBody>
           <a:bodyPr vert="horz" wrap="square" lIns="91440" tIns="45720" rIns="91440" bIns="45720" numCol="1" anchor="t" anchorCtr="0" compatLnSpc="1"/>
+          <a:lstStyle/>
           <a:p>
             <a:pPr marL="0" marR="0" indent="0" algn="ctr" defTabSz="914400" rtl="0" eaLnBrk="1" fontAlgn="base" latinLnBrk="0" hangingPunct="1">
               <a:lnSpc>
@@ -12962,6 +12954,7 @@
         </p:spPr>
         <p:txBody>
           <a:bodyPr vert="horz" wrap="square" lIns="91440" tIns="45720" rIns="91440" bIns="45720" numCol="1" anchor="ctr" anchorCtr="0" compatLnSpc="1"/>
+          <a:lstStyle/>
           <a:p>
             <a:pPr marL="0" marR="0" indent="0" algn="ctr" defTabSz="914400" rtl="0" eaLnBrk="1" fontAlgn="ctr" latinLnBrk="0" hangingPunct="1">
               <a:lnSpc>
@@ -12998,23 +12991,6 @@
               </a:rPr>
               <a:t>MQ-server</a:t>
             </a:r>
-            <a:endParaRPr kumimoji="0" lang="en-US" altLang="zh-CN" sz="1800" b="0" i="0" u="none" strike="noStrike" cap="none" normalizeH="0" baseline="0" smtClean="0">
-              <a:ln>
-                <a:noFill/>
-              </a:ln>
-              <a:solidFill>
-                <a:schemeClr val="tx1"/>
-              </a:solidFill>
-              <a:effectLst>
-                <a:outerShdw blurRad="38100" dist="38100" dir="2700000" algn="tl">
-                  <a:srgbClr val="000000">
-                    <a:alpha val="43137"/>
-                  </a:srgbClr>
-                </a:outerShdw>
-              </a:effectLst>
-              <a:latin typeface="Arial" panose="020B0604020202020204" pitchFamily="34" charset="0"/>
-              <a:ea typeface="黑体" panose="02010609060101010101" pitchFamily="2" charset="-122"/>
-            </a:endParaRPr>
           </a:p>
         </p:txBody>
       </p:sp>
@@ -13033,10 +13009,7 @@
             <a:avLst/>
           </a:prstGeom>
           <a:solidFill>
-            <a:schemeClr val="tx2">
-              <a:lumMod val="20000"/>
-              <a:lumOff val="80000"/>
-            </a:schemeClr>
+            <a:srgbClr val="92D050"/>
           </a:solidFill>
           <a:ln w="9525" cap="flat" cmpd="sng" algn="ctr">
             <a:solidFill>
@@ -13050,6 +13023,7 @@
         </p:spPr>
         <p:txBody>
           <a:bodyPr vert="horz" wrap="square" lIns="91440" tIns="45720" rIns="91440" bIns="45720" numCol="1" anchor="t" anchorCtr="0" compatLnSpc="1"/>
+          <a:lstStyle/>
           <a:p>
             <a:pPr marL="0" marR="0" indent="0" algn="ctr" defTabSz="914400" rtl="0" eaLnBrk="1" fontAlgn="base" latinLnBrk="0" hangingPunct="1">
               <a:lnSpc>
@@ -13115,6 +13089,7 @@
         </p:spPr>
         <p:txBody>
           <a:bodyPr vert="horz" wrap="square" lIns="91440" tIns="45720" rIns="91440" bIns="45720" numCol="1" anchor="ctr" anchorCtr="0" compatLnSpc="1"/>
+          <a:lstStyle/>
           <a:p>
             <a:pPr marL="0" marR="0" indent="0" algn="ctr" defTabSz="914400" rtl="0" eaLnBrk="1" fontAlgn="ctr" latinLnBrk="0" hangingPunct="1">
               <a:lnSpc>
@@ -13151,23 +13126,6 @@
               </a:rPr>
               <a:t>msg-pub</a:t>
             </a:r>
-            <a:endParaRPr kumimoji="0" lang="en-US" altLang="zh-CN" sz="1800" b="0" i="0" u="none" strike="noStrike" cap="none" normalizeH="0" baseline="0" smtClean="0">
-              <a:ln>
-                <a:noFill/>
-              </a:ln>
-              <a:solidFill>
-                <a:schemeClr val="tx1"/>
-              </a:solidFill>
-              <a:effectLst>
-                <a:outerShdw blurRad="38100" dist="38100" dir="2700000" algn="tl">
-                  <a:srgbClr val="000000">
-                    <a:alpha val="43137"/>
-                  </a:srgbClr>
-                </a:outerShdw>
-              </a:effectLst>
-              <a:latin typeface="Arial" panose="020B0604020202020204" pitchFamily="34" charset="0"/>
-              <a:ea typeface="黑体" panose="02010609060101010101" pitchFamily="2" charset="-122"/>
-            </a:endParaRPr>
           </a:p>
         </p:txBody>
       </p:sp>
@@ -13200,6 +13158,7 @@
         </p:spPr>
         <p:txBody>
           <a:bodyPr vert="horz" wrap="square" lIns="91440" tIns="45720" rIns="91440" bIns="45720" numCol="1" anchor="ctr" anchorCtr="0" compatLnSpc="1"/>
+          <a:lstStyle/>
           <a:p>
             <a:pPr marL="0" marR="0" indent="0" algn="ctr" defTabSz="914400" rtl="0" eaLnBrk="1" fontAlgn="base" latinLnBrk="0" hangingPunct="1">
               <a:lnSpc>
@@ -13217,26 +13176,14 @@
               <a:buNone/>
             </a:pPr>
             <a:r>
-              <a:rPr kumimoji="0" lang="en-US" altLang="zh-CN" sz="1800" b="0" i="0" u="none" strike="noStrike" cap="none" normalizeH="0" baseline="0" smtClean="0">
-                <a:ln>
-                  <a:noFill/>
-                </a:ln>
-                <a:solidFill>
-                  <a:schemeClr val="tx1"/>
-                </a:solidFill>
-                <a:effectLst>
-                  <a:outerShdw blurRad="38100" dist="38100" dir="2700000" algn="tl">
-                    <a:srgbClr val="000000">
-                      <a:alpha val="43137"/>
-                    </a:srgbClr>
-                  </a:outerShdw>
-                </a:effectLst>
-                <a:latin typeface="Arial" panose="020B0604020202020204" pitchFamily="34" charset="0"/>
-                <a:ea typeface="黑体" panose="02010609060101010101" pitchFamily="2" charset="-122"/>
-              </a:rPr>
-              <a:t>MQ-client</a:t>
-            </a:r>
-            <a:endParaRPr kumimoji="0" lang="en-US" altLang="zh-CN" sz="1800" b="0" i="0" u="none" strike="noStrike" cap="none" normalizeH="0" baseline="0" smtClean="0">
+              <a:rPr lang="en-US" altLang="zh-CN" sz="1400" dirty="0"/>
+              <a:t>P</a:t>
+            </a:r>
+            <a:r>
+              <a:rPr lang="en-US" altLang="zh-CN" sz="1400" dirty="0" smtClean="0"/>
+              <a:t>roducer</a:t>
+            </a:r>
+            <a:endParaRPr kumimoji="0" lang="en-US" altLang="zh-CN" sz="1400" b="0" i="0" u="none" strike="noStrike" cap="none" normalizeH="0" baseline="0" dirty="0" smtClean="0">
               <a:ln>
                 <a:noFill/>
               </a:ln>
@@ -13250,8 +13197,6 @@
                   </a:srgbClr>
                 </a:outerShdw>
               </a:effectLst>
-              <a:latin typeface="Arial" panose="020B0604020202020204" pitchFamily="34" charset="0"/>
-              <a:ea typeface="黑体" panose="02010609060101010101" pitchFamily="2" charset="-122"/>
             </a:endParaRPr>
           </a:p>
         </p:txBody>
@@ -13285,6 +13230,7 @@
         </p:spPr>
         <p:txBody>
           <a:bodyPr vert="horz" wrap="square" lIns="91440" tIns="45720" rIns="91440" bIns="45720" numCol="1" anchor="t" anchorCtr="0" compatLnSpc="1"/>
+          <a:lstStyle/>
           <a:p>
             <a:pPr marL="0" marR="0" indent="0" algn="ctr" defTabSz="914400" rtl="0" eaLnBrk="1" fontAlgn="base" latinLnBrk="0" hangingPunct="1">
               <a:lnSpc>
@@ -13321,23 +13267,6 @@
               </a:rPr>
               <a:t>API</a:t>
             </a:r>
-            <a:endParaRPr kumimoji="0" lang="en-US" altLang="zh-CN" sz="1800" b="0" i="0" u="none" strike="noStrike" cap="none" normalizeH="0" baseline="0" smtClean="0">
-              <a:ln>
-                <a:noFill/>
-              </a:ln>
-              <a:solidFill>
-                <a:schemeClr val="tx1"/>
-              </a:solidFill>
-              <a:effectLst>
-                <a:outerShdw blurRad="38100" dist="38100" dir="2700000" algn="tl">
-                  <a:srgbClr val="000000">
-                    <a:alpha val="43137"/>
-                  </a:srgbClr>
-                </a:outerShdw>
-              </a:effectLst>
-              <a:latin typeface="Arial" panose="020B0604020202020204" pitchFamily="34" charset="0"/>
-              <a:ea typeface="黑体" panose="02010609060101010101" pitchFamily="2" charset="-122"/>
-            </a:endParaRPr>
           </a:p>
         </p:txBody>
       </p:sp>
@@ -13370,6 +13299,7 @@
         </p:spPr>
         <p:txBody>
           <a:bodyPr vert="horz" wrap="square" lIns="91440" tIns="45720" rIns="91440" bIns="45720" numCol="1" anchor="t" anchorCtr="0" compatLnSpc="1"/>
+          <a:lstStyle/>
           <a:p>
             <a:pPr marL="0" marR="0" indent="0" algn="ctr" defTabSz="914400" rtl="0" eaLnBrk="1" fontAlgn="base" latinLnBrk="0" hangingPunct="1">
               <a:lnSpc>
@@ -13435,43 +13365,18 @@
         </p:spPr>
         <p:txBody>
           <a:bodyPr vert="horz" wrap="square" lIns="91440" tIns="45720" rIns="91440" bIns="45720" numCol="1" anchor="ctr" anchorCtr="0" compatLnSpc="1"/>
-          <a:p>
-            <a:pPr marL="0" marR="0" indent="0" algn="ctr" defTabSz="914400" rtl="0" eaLnBrk="1" fontAlgn="ctr" latinLnBrk="0" hangingPunct="1">
-              <a:lnSpc>
-                <a:spcPct val="100000"/>
-              </a:lnSpc>
-              <a:spcBef>
-                <a:spcPct val="0"/>
-              </a:spcBef>
-              <a:spcAft>
-                <a:spcPct val="0"/>
-              </a:spcAft>
-              <a:buClrTx/>
-              <a:buSzTx/>
-              <a:buFontTx/>
-              <a:buNone/>
-            </a:pPr>
-            <a:r>
-              <a:rPr kumimoji="0" lang="en-US" altLang="zh-CN" sz="1800" b="0" i="0" u="none" strike="noStrike" cap="none" normalizeH="0" baseline="0" smtClean="0">
-                <a:ln>
-                  <a:noFill/>
-                </a:ln>
-                <a:solidFill>
-                  <a:schemeClr val="tx1"/>
-                </a:solidFill>
-                <a:effectLst>
-                  <a:outerShdw blurRad="38100" dist="38100" dir="2700000" algn="tl">
-                    <a:srgbClr val="000000">
-                      <a:alpha val="43137"/>
-                    </a:srgbClr>
-                  </a:outerShdw>
-                </a:effectLst>
-                <a:latin typeface="Arial" panose="020B0604020202020204" pitchFamily="34" charset="0"/>
-                <a:ea typeface="黑体" panose="02010609060101010101" pitchFamily="2" charset="-122"/>
-              </a:rPr>
-              <a:t>msg-pub</a:t>
-            </a:r>
-            <a:endParaRPr kumimoji="0" lang="en-US" altLang="zh-CN" sz="1800" b="0" i="0" u="none" strike="noStrike" cap="none" normalizeH="0" baseline="0" smtClean="0">
+          <a:lstStyle/>
+          <a:p>
+            <a:pPr fontAlgn="ctr"/>
+            <a:r>
+              <a:rPr lang="en-US" altLang="zh-CN" sz="1400" dirty="0"/>
+              <a:t>C</a:t>
+            </a:r>
+            <a:r>
+              <a:rPr lang="en-US" altLang="zh-CN" sz="1400" dirty="0" smtClean="0"/>
+              <a:t>onsumer</a:t>
+            </a:r>
+            <a:endParaRPr kumimoji="0" lang="en-US" altLang="zh-CN" sz="1400" b="0" i="0" u="none" strike="noStrike" cap="none" normalizeH="0" baseline="0" dirty="0" smtClean="0">
               <a:ln>
                 <a:noFill/>
               </a:ln>
@@ -13485,8 +13390,6 @@
                   </a:srgbClr>
                 </a:outerShdw>
               </a:effectLst>
-              <a:latin typeface="Arial" panose="020B0604020202020204" pitchFamily="34" charset="0"/>
-              <a:ea typeface="黑体" panose="02010609060101010101" pitchFamily="2" charset="-122"/>
             </a:endParaRPr>
           </a:p>
         </p:txBody>
@@ -13520,59 +13423,17 @@
         </p:spPr>
         <p:txBody>
           <a:bodyPr vert="horz" wrap="square" lIns="91440" tIns="45720" rIns="91440" bIns="45720" numCol="1" anchor="ctr" anchorCtr="0" compatLnSpc="1"/>
-          <a:p>
-            <a:pPr marL="0" marR="0" indent="0" algn="ctr" defTabSz="914400" rtl="0" eaLnBrk="1" fontAlgn="base" latinLnBrk="0" hangingPunct="1">
-              <a:lnSpc>
-                <a:spcPct val="100000"/>
-              </a:lnSpc>
-              <a:spcBef>
-                <a:spcPct val="0"/>
-              </a:spcBef>
-              <a:spcAft>
-                <a:spcPct val="0"/>
-              </a:spcAft>
-              <a:buClrTx/>
-              <a:buSzTx/>
-              <a:buFontTx/>
-              <a:buNone/>
-            </a:pPr>
-            <a:r>
-              <a:rPr kumimoji="0" lang="en-US" altLang="zh-CN" sz="1800" b="0" i="0" u="none" strike="noStrike" cap="none" normalizeH="0" baseline="0" smtClean="0">
-                <a:ln>
-                  <a:noFill/>
-                </a:ln>
-                <a:solidFill>
-                  <a:schemeClr val="tx1"/>
-                </a:solidFill>
-                <a:effectLst>
-                  <a:outerShdw blurRad="38100" dist="38100" dir="2700000" algn="tl">
-                    <a:srgbClr val="000000">
-                      <a:alpha val="43137"/>
-                    </a:srgbClr>
-                  </a:outerShdw>
-                </a:effectLst>
-                <a:latin typeface="Arial" panose="020B0604020202020204" pitchFamily="34" charset="0"/>
-                <a:ea typeface="黑体" panose="02010609060101010101" pitchFamily="2" charset="-122"/>
-              </a:rPr>
-              <a:t>MQ-client</a:t>
-            </a:r>
-            <a:endParaRPr kumimoji="0" lang="en-US" altLang="zh-CN" sz="1800" b="0" i="0" u="none" strike="noStrike" cap="none" normalizeH="0" baseline="0" smtClean="0">
-              <a:ln>
-                <a:noFill/>
-              </a:ln>
-              <a:solidFill>
-                <a:schemeClr val="tx1"/>
-              </a:solidFill>
-              <a:effectLst>
-                <a:outerShdw blurRad="38100" dist="38100" dir="2700000" algn="tl">
-                  <a:srgbClr val="000000">
-                    <a:alpha val="43137"/>
-                  </a:srgbClr>
-                </a:outerShdw>
-              </a:effectLst>
-              <a:latin typeface="Arial" panose="020B0604020202020204" pitchFamily="34" charset="0"/>
-              <a:ea typeface="黑体" panose="02010609060101010101" pitchFamily="2" charset="-122"/>
-            </a:endParaRPr>
+          <a:lstStyle/>
+          <a:p>
+            <a:r>
+              <a:rPr lang="en-US" altLang="zh-CN" dirty="0" err="1" smtClean="0"/>
+              <a:t>msg</a:t>
+            </a:r>
+            <a:r>
+              <a:rPr lang="en-US" altLang="zh-CN" dirty="0" smtClean="0"/>
+              <a:t>-sub</a:t>
+            </a:r>
+            <a:endParaRPr lang="en-US" altLang="zh-CN" dirty="0"/>
           </a:p>
         </p:txBody>
       </p:sp>
@@ -13605,6 +13466,7 @@
         </p:spPr>
         <p:txBody>
           <a:bodyPr vert="horz" wrap="square" lIns="91440" tIns="45720" rIns="91440" bIns="45720" numCol="1" anchor="t" anchorCtr="0" compatLnSpc="1"/>
+          <a:lstStyle/>
           <a:p>
             <a:pPr marL="0" marR="0" indent="0" algn="ctr" defTabSz="914400" rtl="0" eaLnBrk="1" fontAlgn="base" latinLnBrk="0" hangingPunct="1">
               <a:lnSpc>
@@ -13641,23 +13503,6 @@
               </a:rPr>
               <a:t>API</a:t>
             </a:r>
-            <a:endParaRPr kumimoji="0" lang="en-US" altLang="zh-CN" sz="1800" b="0" i="0" u="none" strike="noStrike" cap="none" normalizeH="0" baseline="0" smtClean="0">
-              <a:ln>
-                <a:noFill/>
-              </a:ln>
-              <a:solidFill>
-                <a:schemeClr val="tx1"/>
-              </a:solidFill>
-              <a:effectLst>
-                <a:outerShdw blurRad="38100" dist="38100" dir="2700000" algn="tl">
-                  <a:srgbClr val="000000">
-                    <a:alpha val="43137"/>
-                  </a:srgbClr>
-                </a:outerShdw>
-              </a:effectLst>
-              <a:latin typeface="Arial" panose="020B0604020202020204" pitchFamily="34" charset="0"/>
-              <a:ea typeface="黑体" panose="02010609060101010101" pitchFamily="2" charset="-122"/>
-            </a:endParaRPr>
           </a:p>
         </p:txBody>
       </p:sp>
@@ -13690,6 +13535,7 @@
         </p:spPr>
         <p:txBody>
           <a:bodyPr vert="horz" wrap="square" lIns="91440" tIns="45720" rIns="91440" bIns="45720" numCol="1" anchor="ctr" anchorCtr="0" compatLnSpc="1"/>
+          <a:lstStyle/>
           <a:p>
             <a:pPr marL="0" marR="0" indent="0" algn="ctr" defTabSz="914400" rtl="0" eaLnBrk="1" fontAlgn="base" latinLnBrk="0" hangingPunct="1">
               <a:lnSpc>
@@ -13726,23 +13572,6 @@
               </a:rPr>
               <a:t>zk</a:t>
             </a:r>
-            <a:endParaRPr kumimoji="0" lang="en-US" altLang="zh-CN" sz="1800" b="0" i="0" u="none" strike="noStrike" cap="none" normalizeH="0" baseline="0" smtClean="0">
-              <a:ln>
-                <a:noFill/>
-              </a:ln>
-              <a:solidFill>
-                <a:schemeClr val="tx1"/>
-              </a:solidFill>
-              <a:effectLst>
-                <a:outerShdw blurRad="38100" dist="38100" dir="2700000" algn="tl">
-                  <a:srgbClr val="000000">
-                    <a:alpha val="43137"/>
-                  </a:srgbClr>
-                </a:outerShdw>
-              </a:effectLst>
-              <a:latin typeface="Arial" panose="020B0604020202020204" pitchFamily="34" charset="0"/>
-              <a:ea typeface="黑体" panose="02010609060101010101" pitchFamily="2" charset="-122"/>
-            </a:endParaRPr>
           </a:p>
         </p:txBody>
       </p:sp>
@@ -13775,6 +13604,7 @@
         </p:spPr>
         <p:txBody>
           <a:bodyPr vert="horz" wrap="square" lIns="91440" tIns="45720" rIns="91440" bIns="45720" numCol="1" anchor="ctr" anchorCtr="0" compatLnSpc="1"/>
+          <a:lstStyle/>
           <a:p>
             <a:pPr marL="0" marR="0" indent="0" algn="ctr" defTabSz="914400" rtl="0" eaLnBrk="1" fontAlgn="base" latinLnBrk="0" hangingPunct="1">
               <a:lnSpc>
@@ -13811,108 +13641,6 @@
               </a:rPr>
               <a:t>web</a:t>
             </a:r>
-            <a:endParaRPr kumimoji="0" lang="en-US" altLang="zh-CN" sz="1800" b="0" i="0" u="none" strike="noStrike" cap="none" normalizeH="0" baseline="0" smtClean="0">
-              <a:ln>
-                <a:noFill/>
-              </a:ln>
-              <a:solidFill>
-                <a:schemeClr val="tx1"/>
-              </a:solidFill>
-              <a:effectLst>
-                <a:outerShdw blurRad="38100" dist="38100" dir="2700000" algn="tl">
-                  <a:srgbClr val="000000">
-                    <a:alpha val="43137"/>
-                  </a:srgbClr>
-                </a:outerShdw>
-              </a:effectLst>
-              <a:latin typeface="Arial" panose="020B0604020202020204" pitchFamily="34" charset="0"/>
-              <a:ea typeface="黑体" panose="02010609060101010101" pitchFamily="2" charset="-122"/>
-            </a:endParaRPr>
-          </a:p>
-        </p:txBody>
-      </p:sp>
-      <p:sp>
-        <p:nvSpPr>
-          <p:cNvPr id="19" name="矩形 18"/>
-          <p:cNvSpPr/>
-          <p:nvPr/>
-        </p:nvSpPr>
-        <p:spPr>
-          <a:xfrm>
-            <a:off x="3886200" y="4038600"/>
-            <a:ext cx="990600" cy="381000"/>
-          </a:xfrm>
-          <a:prstGeom prst="rect">
-            <a:avLst/>
-          </a:prstGeom>
-          <a:solidFill>
-            <a:schemeClr val="bg1"/>
-          </a:solidFill>
-          <a:ln w="9525" cap="flat" cmpd="sng" algn="ctr">
-            <a:solidFill>
-              <a:schemeClr val="tx1"/>
-            </a:solidFill>
-            <a:prstDash val="solid"/>
-            <a:round/>
-            <a:headEnd type="none" w="med" len="med"/>
-            <a:tailEnd type="none" w="med" len="med"/>
-          </a:ln>
-        </p:spPr>
-        <p:txBody>
-          <a:bodyPr vert="horz" wrap="square" lIns="91440" tIns="45720" rIns="91440" bIns="45720" numCol="1" anchor="t" anchorCtr="0" compatLnSpc="1"/>
-          <a:p>
-            <a:pPr marL="0" marR="0" indent="0" algn="ctr" defTabSz="914400" rtl="0" eaLnBrk="1" fontAlgn="base" latinLnBrk="0" hangingPunct="1">
-              <a:lnSpc>
-                <a:spcPct val="100000"/>
-              </a:lnSpc>
-              <a:spcBef>
-                <a:spcPct val="0"/>
-              </a:spcBef>
-              <a:spcAft>
-                <a:spcPct val="0"/>
-              </a:spcAft>
-              <a:buClrTx/>
-              <a:buSzTx/>
-              <a:buFontTx/>
-              <a:buNone/>
-            </a:pPr>
-            <a:r>
-              <a:rPr kumimoji="0" lang="en-US" altLang="zh-CN" sz="1800" b="0" i="0" u="none" strike="noStrike" cap="none" normalizeH="0" baseline="0" smtClean="0">
-                <a:ln>
-                  <a:noFill/>
-                </a:ln>
-                <a:solidFill>
-                  <a:schemeClr val="tx1"/>
-                </a:solidFill>
-                <a:effectLst>
-                  <a:outerShdw blurRad="38100" dist="38100" dir="2700000" algn="tl">
-                    <a:srgbClr val="000000">
-                      <a:alpha val="43137"/>
-                    </a:srgbClr>
-                  </a:outerShdw>
-                </a:effectLst>
-                <a:latin typeface="Arial" panose="020B0604020202020204" pitchFamily="34" charset="0"/>
-                <a:ea typeface="黑体" panose="02010609060101010101" pitchFamily="2" charset="-122"/>
-              </a:rPr>
-              <a:t>db</a:t>
-            </a:r>
-            <a:endParaRPr kumimoji="0" lang="en-US" altLang="zh-CN" sz="1800" b="0" i="0" u="none" strike="noStrike" cap="none" normalizeH="0" baseline="0" smtClean="0">
-              <a:ln>
-                <a:noFill/>
-              </a:ln>
-              <a:solidFill>
-                <a:schemeClr val="tx1"/>
-              </a:solidFill>
-              <a:effectLst>
-                <a:outerShdw blurRad="38100" dist="38100" dir="2700000" algn="tl">
-                  <a:srgbClr val="000000">
-                    <a:alpha val="43137"/>
-                  </a:srgbClr>
-                </a:outerShdw>
-              </a:effectLst>
-              <a:latin typeface="Arial" panose="020B0604020202020204" pitchFamily="34" charset="0"/>
-              <a:ea typeface="黑体" panose="02010609060101010101" pitchFamily="2" charset="-122"/>
-            </a:endParaRPr>
           </a:p>
         </p:txBody>
       </p:sp>
@@ -13998,12 +13726,12 @@
           <a:bodyPr wrap="none" rtlCol="0">
             <a:spAutoFit/>
           </a:bodyPr>
+          <a:lstStyle/>
           <a:p>
             <a:r>
               <a:rPr lang="zh-CN" altLang="zh-CN"/>
               <a:t>发送方</a:t>
             </a:r>
-            <a:endParaRPr lang="zh-CN" altLang="zh-CN"/>
           </a:p>
         </p:txBody>
       </p:sp>
@@ -14027,12 +13755,12 @@
           <a:bodyPr wrap="none" rtlCol="0">
             <a:spAutoFit/>
           </a:bodyPr>
+          <a:lstStyle/>
           <a:p>
             <a:r>
               <a:rPr lang="zh-CN" altLang="en-US"/>
               <a:t>接收方</a:t>
             </a:r>
-            <a:endParaRPr lang="zh-CN" altLang="en-US"/>
           </a:p>
         </p:txBody>
       </p:sp>
@@ -14056,12 +13784,12 @@
           <a:bodyPr wrap="none" rtlCol="0">
             <a:spAutoFit/>
           </a:bodyPr>
+          <a:lstStyle/>
           <a:p>
             <a:r>
               <a:rPr lang="en-US" altLang="zh-CN"/>
               <a:t>MQ</a:t>
             </a:r>
-            <a:endParaRPr lang="en-US" altLang="zh-CN"/>
           </a:p>
         </p:txBody>
       </p:sp>
@@ -14094,6 +13822,7 @@
         </p:spPr>
         <p:txBody>
           <a:bodyPr vert="horz" wrap="square" lIns="91440" tIns="45720" rIns="91440" bIns="45720" numCol="1" anchor="ctr" anchorCtr="0" compatLnSpc="1"/>
+          <a:lstStyle/>
           <a:p>
             <a:pPr marL="0" marR="0" indent="0" algn="ctr" defTabSz="914400" rtl="0" eaLnBrk="1" fontAlgn="base" latinLnBrk="0" hangingPunct="1">
               <a:lnSpc>
@@ -14130,23 +13859,6 @@
               </a:rPr>
               <a:t>1</a:t>
             </a:r>
-            <a:endParaRPr kumimoji="0" lang="en-US" altLang="zh-CN" sz="1800" b="0" i="0" u="none" strike="noStrike" cap="none" normalizeH="0" baseline="0" smtClean="0">
-              <a:ln>
-                <a:noFill/>
-              </a:ln>
-              <a:solidFill>
-                <a:schemeClr val="tx1"/>
-              </a:solidFill>
-              <a:effectLst>
-                <a:outerShdw blurRad="38100" dist="38100" dir="2700000" algn="tl">
-                  <a:srgbClr val="000000">
-                    <a:alpha val="43137"/>
-                  </a:srgbClr>
-                </a:outerShdw>
-              </a:effectLst>
-              <a:latin typeface="Arial" panose="020B0604020202020204" pitchFamily="34" charset="0"/>
-              <a:ea typeface="黑体" panose="02010609060101010101" pitchFamily="2" charset="-122"/>
-            </a:endParaRPr>
           </a:p>
         </p:txBody>
       </p:sp>
@@ -14179,6 +13891,7 @@
         </p:spPr>
         <p:txBody>
           <a:bodyPr vert="horz" wrap="square" lIns="91440" tIns="45720" rIns="91440" bIns="45720" numCol="1" anchor="ctr" anchorCtr="0" compatLnSpc="1"/>
+          <a:lstStyle/>
           <a:p>
             <a:pPr marL="0" marR="0" indent="0" algn="ctr" defTabSz="914400" rtl="0" eaLnBrk="1" fontAlgn="base" latinLnBrk="0" hangingPunct="1">
               <a:lnSpc>
@@ -14215,23 +13928,6 @@
               </a:rPr>
               <a:t>2</a:t>
             </a:r>
-            <a:endParaRPr kumimoji="0" lang="en-US" altLang="zh-CN" sz="1800" b="0" i="0" u="none" strike="noStrike" cap="none" normalizeH="0" baseline="0" smtClean="0">
-              <a:ln>
-                <a:noFill/>
-              </a:ln>
-              <a:solidFill>
-                <a:schemeClr val="tx1"/>
-              </a:solidFill>
-              <a:effectLst>
-                <a:outerShdw blurRad="38100" dist="38100" dir="2700000" algn="tl">
-                  <a:srgbClr val="000000">
-                    <a:alpha val="43137"/>
-                  </a:srgbClr>
-                </a:outerShdw>
-              </a:effectLst>
-              <a:latin typeface="Arial" panose="020B0604020202020204" pitchFamily="34" charset="0"/>
-              <a:ea typeface="黑体" panose="02010609060101010101" pitchFamily="2" charset="-122"/>
-            </a:endParaRPr>
           </a:p>
         </p:txBody>
       </p:sp>
@@ -14255,13 +13951,13 @@
           <a:bodyPr wrap="none" rtlCol="0">
             <a:spAutoFit/>
           </a:bodyPr>
+          <a:lstStyle/>
           <a:p>
             <a:pPr algn="l"/>
             <a:r>
-              <a:rPr lang="zh-CN" altLang="en-US"/>
+              <a:rPr lang="zh-CN" altLang="en-US" dirty="0"/>
               <a:t>上图是一个MQ的核心架构图，基本可以分为三大块：</a:t>
             </a:r>
-            <a:endParaRPr lang="zh-CN" altLang="en-US"/>
           </a:p>
           <a:p>
             <a:pPr marL="800100" lvl="1" indent="-342900" algn="l">
@@ -14269,14 +13965,23 @@
               <a:buAutoNum type="arabicPeriod"/>
             </a:pPr>
             <a:r>
-              <a:rPr lang="zh-CN" altLang="en-US">
+              <a:rPr lang="zh-CN" altLang="en-US" dirty="0">
                 <a:sym typeface="+mn-ea"/>
               </a:rPr>
-              <a:t>发送方 -&gt; 左侧粉色部分</a:t>
-            </a:r>
-            <a:endParaRPr lang="zh-CN" altLang="en-US">
-              <a:sym typeface="+mn-ea"/>
-            </a:endParaRPr>
+              <a:t>发送方 -&gt; </a:t>
+            </a:r>
+            <a:r>
+              <a:rPr lang="zh-CN" altLang="en-US" dirty="0" smtClean="0">
+                <a:sym typeface="+mn-ea"/>
+              </a:rPr>
+              <a:t>左侧绿色</a:t>
+            </a:r>
+            <a:r>
+              <a:rPr lang="zh-CN" altLang="en-US" dirty="0">
+                <a:sym typeface="+mn-ea"/>
+              </a:rPr>
+              <a:t>部分</a:t>
+            </a:r>
           </a:p>
           <a:p>
             <a:pPr marL="800100" lvl="1" indent="-342900" algn="l">
@@ -14284,14 +13989,11 @@
               <a:buAutoNum type="arabicPeriod"/>
             </a:pPr>
             <a:r>
-              <a:rPr lang="zh-CN" altLang="en-US">
+              <a:rPr lang="zh-CN" altLang="en-US" dirty="0">
                 <a:sym typeface="+mn-ea"/>
               </a:rPr>
               <a:t>MQ核心集群 -&gt; 中间蓝色部分</a:t>
             </a:r>
-            <a:endParaRPr lang="zh-CN" altLang="en-US">
-              <a:sym typeface="+mn-ea"/>
-            </a:endParaRPr>
           </a:p>
           <a:p>
             <a:pPr marL="800100" lvl="1" indent="-342900" algn="l">
@@ -14299,16 +14001,86 @@
               <a:buAutoNum type="arabicPeriod"/>
             </a:pPr>
             <a:r>
-              <a:rPr lang="zh-CN" altLang="en-US">
+              <a:rPr lang="zh-CN" altLang="en-US" dirty="0">
                 <a:sym typeface="+mn-ea"/>
               </a:rPr>
               <a:t>接收方 -&gt; 右侧黄色部分</a:t>
             </a:r>
-            <a:endParaRPr lang="zh-CN" altLang="en-US"/>
+            <a:endParaRPr lang="zh-CN" altLang="en-US" dirty="0"/>
           </a:p>
           <a:p>
             <a:pPr algn="l"/>
-            <a:endParaRPr lang="zh-CN" altLang="en-US"/>
+            <a:endParaRPr lang="zh-CN" altLang="en-US" dirty="0"/>
+          </a:p>
+        </p:txBody>
+      </p:sp>
+      <p:sp>
+        <p:nvSpPr>
+          <p:cNvPr id="20" name="流程图: 磁盘 19"/>
+          <p:cNvSpPr/>
+          <p:nvPr/>
+        </p:nvSpPr>
+        <p:spPr bwMode="auto">
+          <a:xfrm>
+            <a:off x="4038600" y="4069080"/>
+            <a:ext cx="838200" cy="274320"/>
+          </a:xfrm>
+          <a:prstGeom prst="flowChartMagneticDisk">
+            <a:avLst/>
+          </a:prstGeom>
+          <a:solidFill>
+            <a:schemeClr val="bg1"/>
+          </a:solidFill>
+          <a:ln w="9525" cap="flat" cmpd="sng" algn="ctr">
+            <a:solidFill>
+              <a:schemeClr val="tx1"/>
+            </a:solidFill>
+            <a:prstDash val="solid"/>
+            <a:round/>
+            <a:headEnd type="none" w="med" len="med"/>
+            <a:tailEnd type="none" w="med" len="med"/>
+          </a:ln>
+        </p:spPr>
+        <p:txBody>
+          <a:bodyPr vert="horz" wrap="square" lIns="91440" tIns="45720" rIns="91440" bIns="45720" numCol="1" rtlCol="0" anchor="ctr" anchorCtr="0" compatLnSpc="1"/>
+          <a:lstStyle/>
+          <a:p>
+            <a:pPr marL="0" marR="0" indent="0" algn="ctr" defTabSz="914400" rtl="0" eaLnBrk="1" fontAlgn="base" latinLnBrk="0" hangingPunct="1">
+              <a:lnSpc>
+                <a:spcPct val="100000"/>
+              </a:lnSpc>
+              <a:spcBef>
+                <a:spcPct val="0"/>
+              </a:spcBef>
+              <a:spcAft>
+                <a:spcPct val="0"/>
+              </a:spcAft>
+              <a:buClrTx/>
+              <a:buSzTx/>
+              <a:buFontTx/>
+              <a:buNone/>
+            </a:pPr>
+            <a:r>
+              <a:rPr lang="en-US" altLang="zh-CN" dirty="0" err="1" smtClean="0"/>
+              <a:t>db</a:t>
+            </a:r>
+            <a:endParaRPr kumimoji="0" lang="zh-CN" altLang="en-US" sz="1800" b="0" i="0" u="none" strike="noStrike" cap="none" normalizeH="0" baseline="0" dirty="0" smtClean="0">
+              <a:ln>
+                <a:noFill/>
+              </a:ln>
+              <a:solidFill>
+                <a:schemeClr val="tx1"/>
+              </a:solidFill>
+              <a:effectLst>
+                <a:outerShdw blurRad="38100" dist="38100" dir="2700000" algn="tl">
+                  <a:srgbClr val="000000">
+                    <a:alpha val="43137"/>
+                  </a:srgbClr>
+                </a:outerShdw>
+              </a:effectLst>
+              <a:latin typeface="Arial" panose="020B0604020202020204" pitchFamily="34" charset="0"/>
+              <a:ea typeface="黑体" panose="02010609060101010101" pitchFamily="2" charset="-122"/>
+            </a:endParaRPr>
           </a:p>
         </p:txBody>
       </p:sp>
@@ -14317,6 +14089,13 @@
   <p:clrMapOvr>
     <a:masterClrMapping/>
   </p:clrMapOvr>
+  <p:timing>
+    <p:tnLst>
+      <p:par>
+        <p:cTn id="1" dur="indefinite" restart="never" nodeType="tmRoot"/>
+      </p:par>
+    </p:tnLst>
+  </p:timing>
 </p:sld>
 </file>
 
@@ -14369,7 +14148,157 @@
               </a:rPr>
               <a:t>上半场的幂等性设计</a:t>
             </a:r>
-            <a:endParaRPr lang="zh-CN" altLang="zh-CN" b="1" dirty="0">
+          </a:p>
+        </p:txBody>
+      </p:sp>
+      <p:sp>
+        <p:nvSpPr>
+          <p:cNvPr id="2" name="矩形 1"/>
+          <p:cNvSpPr/>
+          <p:nvPr/>
+        </p:nvSpPr>
+        <p:spPr bwMode="auto">
+          <a:xfrm>
+            <a:off x="1981200" y="1295400"/>
+            <a:ext cx="914400" cy="609600"/>
+          </a:xfrm>
+          <a:prstGeom prst="rect">
+            <a:avLst/>
+          </a:prstGeom>
+          <a:solidFill>
+            <a:srgbClr val="00B0F0"/>
+          </a:solidFill>
+          <a:ln w="9525" cap="flat" cmpd="sng" algn="ctr">
+            <a:solidFill>
+              <a:schemeClr val="tx1"/>
+            </a:solidFill>
+            <a:prstDash val="solid"/>
+            <a:round/>
+            <a:headEnd type="none" w="med" len="med"/>
+            <a:tailEnd type="none" w="med" len="med"/>
+          </a:ln>
+        </p:spPr>
+        <p:txBody>
+          <a:bodyPr vert="horz" wrap="square" lIns="91440" tIns="45720" rIns="91440" bIns="45720" numCol="1" rtlCol="0" anchor="ctr" anchorCtr="0" compatLnSpc="1"/>
+          <a:lstStyle/>
+          <a:p>
+            <a:pPr marL="0" marR="0" indent="0" algn="ctr" defTabSz="914400" rtl="0" eaLnBrk="1" fontAlgn="base" latinLnBrk="0" hangingPunct="1">
+              <a:lnSpc>
+                <a:spcPct val="100000"/>
+              </a:lnSpc>
+              <a:spcBef>
+                <a:spcPct val="0"/>
+              </a:spcBef>
+              <a:spcAft>
+                <a:spcPct val="0"/>
+              </a:spcAft>
+              <a:buClrTx/>
+              <a:buSzTx/>
+              <a:buFontTx/>
+              <a:buNone/>
+            </a:pPr>
+            <a:r>
+              <a:rPr kumimoji="0" lang="en-US" altLang="zh-CN" sz="1200" b="0" i="0" u="none" strike="noStrike" cap="none" normalizeH="0" baseline="0" dirty="0" smtClean="0">
+                <a:ln>
+                  <a:noFill/>
+                </a:ln>
+                <a:solidFill>
+                  <a:schemeClr val="tx1"/>
+                </a:solidFill>
+                <a:effectLst>
+                  <a:outerShdw blurRad="38100" dist="38100" dir="2700000" algn="tl">
+                    <a:srgbClr val="000000">
+                      <a:alpha val="43137"/>
+                    </a:srgbClr>
+                  </a:outerShdw>
+                </a:effectLst>
+                <a:latin typeface="Arial" panose="020B0604020202020204" pitchFamily="34" charset="0"/>
+                <a:ea typeface="黑体" panose="02010609060101010101" pitchFamily="2" charset="-122"/>
+              </a:rPr>
+              <a:t>MQ-server</a:t>
+            </a:r>
+            <a:endParaRPr kumimoji="0" lang="zh-CN" altLang="en-US" sz="1200" b="0" i="0" u="none" strike="noStrike" cap="none" normalizeH="0" baseline="0" dirty="0" smtClean="0">
+              <a:ln>
+                <a:noFill/>
+              </a:ln>
+              <a:solidFill>
+                <a:schemeClr val="tx1"/>
+              </a:solidFill>
+              <a:effectLst>
+                <a:outerShdw blurRad="38100" dist="38100" dir="2700000" algn="tl">
+                  <a:srgbClr val="000000">
+                    <a:alpha val="43137"/>
+                  </a:srgbClr>
+                </a:outerShdw>
+              </a:effectLst>
+              <a:latin typeface="Arial" panose="020B0604020202020204" pitchFamily="34" charset="0"/>
+              <a:ea typeface="黑体" panose="02010609060101010101" pitchFamily="2" charset="-122"/>
+            </a:endParaRPr>
+          </a:p>
+        </p:txBody>
+      </p:sp>
+      <p:sp>
+        <p:nvSpPr>
+          <p:cNvPr id="4" name="矩形 3"/>
+          <p:cNvSpPr/>
+          <p:nvPr/>
+        </p:nvSpPr>
+        <p:spPr bwMode="auto">
+          <a:xfrm>
+            <a:off x="3581400" y="1295400"/>
+            <a:ext cx="914400" cy="609600"/>
+          </a:xfrm>
+          <a:prstGeom prst="rect">
+            <a:avLst/>
+          </a:prstGeom>
+          <a:solidFill>
+            <a:srgbClr val="FFFF00"/>
+          </a:solidFill>
+          <a:ln w="9525" cap="flat" cmpd="sng" algn="ctr">
+            <a:solidFill>
+              <a:schemeClr val="tx1"/>
+            </a:solidFill>
+            <a:prstDash val="solid"/>
+            <a:round/>
+            <a:headEnd type="none" w="med" len="med"/>
+            <a:tailEnd type="none" w="med" len="med"/>
+          </a:ln>
+        </p:spPr>
+        <p:txBody>
+          <a:bodyPr vert="horz" wrap="square" lIns="91440" tIns="45720" rIns="91440" bIns="45720" numCol="1" rtlCol="0" anchor="ctr" anchorCtr="0" compatLnSpc="1"/>
+          <a:lstStyle/>
+          <a:p>
+            <a:r>
+              <a:rPr lang="en-US" altLang="zh-CN" sz="1200" dirty="0" smtClean="0"/>
+              <a:t>Consumer</a:t>
+            </a:r>
+          </a:p>
+          <a:p>
+            <a:r>
+              <a:rPr kumimoji="0" lang="en-US" altLang="zh-CN" sz="1200" b="0" i="0" u="none" strike="noStrike" cap="none" normalizeH="0" baseline="0" dirty="0" smtClean="0">
+                <a:ln>
+                  <a:noFill/>
+                </a:ln>
+                <a:solidFill>
+                  <a:schemeClr val="tx1"/>
+                </a:solidFill>
+                <a:effectLst>
+                  <a:outerShdw blurRad="38100" dist="38100" dir="2700000" algn="tl">
+                    <a:srgbClr val="000000">
+                      <a:alpha val="43137"/>
+                    </a:srgbClr>
+                  </a:outerShdw>
+                </a:effectLst>
+              </a:rPr>
+              <a:t>(MQ-client)</a:t>
+            </a:r>
+            <a:endParaRPr kumimoji="0" lang="zh-CN" altLang="en-US" sz="1200" b="0" i="0" u="none" strike="noStrike" cap="none" normalizeH="0" baseline="0" dirty="0" smtClean="0">
+              <a:ln>
+                <a:noFill/>
+              </a:ln>
+              <a:solidFill>
+                <a:schemeClr val="tx1"/>
+              </a:solidFill>
               <a:effectLst>
                 <a:outerShdw blurRad="38100" dist="38100" dir="2700000" algn="tl">
                   <a:srgbClr val="000000">
@@ -14378,6 +14307,1204 @@
                 </a:outerShdw>
               </a:effectLst>
             </a:endParaRPr>
+          </a:p>
+        </p:txBody>
+      </p:sp>
+      <p:sp>
+        <p:nvSpPr>
+          <p:cNvPr id="5" name="矩形 4"/>
+          <p:cNvSpPr/>
+          <p:nvPr/>
+        </p:nvSpPr>
+        <p:spPr bwMode="auto">
+          <a:xfrm>
+            <a:off x="457200" y="1295400"/>
+            <a:ext cx="914400" cy="609600"/>
+          </a:xfrm>
+          <a:prstGeom prst="rect">
+            <a:avLst/>
+          </a:prstGeom>
+          <a:solidFill>
+            <a:srgbClr val="92D050"/>
+          </a:solidFill>
+          <a:ln w="9525" cap="flat" cmpd="sng" algn="ctr">
+            <a:solidFill>
+              <a:schemeClr val="tx1"/>
+            </a:solidFill>
+            <a:prstDash val="solid"/>
+            <a:round/>
+            <a:headEnd type="none" w="med" len="med"/>
+            <a:tailEnd type="none" w="med" len="med"/>
+          </a:ln>
+        </p:spPr>
+        <p:txBody>
+          <a:bodyPr vert="horz" wrap="square" lIns="91440" tIns="45720" rIns="91440" bIns="45720" numCol="1" rtlCol="0" anchor="ctr" anchorCtr="0" compatLnSpc="1"/>
+          <a:lstStyle/>
+          <a:p>
+            <a:r>
+              <a:rPr lang="en-US" altLang="zh-CN" sz="1200" dirty="0" smtClean="0"/>
+              <a:t>Producer</a:t>
+            </a:r>
+          </a:p>
+          <a:p>
+            <a:r>
+              <a:rPr kumimoji="0" lang="en-US" altLang="zh-CN" sz="1200" b="0" i="0" u="none" strike="noStrike" cap="none" normalizeH="0" baseline="0" dirty="0" smtClean="0">
+                <a:ln>
+                  <a:noFill/>
+                </a:ln>
+                <a:solidFill>
+                  <a:schemeClr val="tx1"/>
+                </a:solidFill>
+                <a:effectLst>
+                  <a:outerShdw blurRad="38100" dist="38100" dir="2700000" algn="tl">
+                    <a:srgbClr val="000000">
+                      <a:alpha val="43137"/>
+                    </a:srgbClr>
+                  </a:outerShdw>
+                </a:effectLst>
+              </a:rPr>
+              <a:t>(MQ-client)</a:t>
+            </a:r>
+            <a:endParaRPr kumimoji="0" lang="zh-CN" altLang="en-US" sz="1200" b="0" i="0" u="none" strike="noStrike" cap="none" normalizeH="0" baseline="0" dirty="0" smtClean="0">
+              <a:ln>
+                <a:noFill/>
+              </a:ln>
+              <a:solidFill>
+                <a:schemeClr val="tx1"/>
+              </a:solidFill>
+              <a:effectLst>
+                <a:outerShdw blurRad="38100" dist="38100" dir="2700000" algn="tl">
+                  <a:srgbClr val="000000">
+                    <a:alpha val="43137"/>
+                  </a:srgbClr>
+                </a:outerShdw>
+              </a:effectLst>
+            </a:endParaRPr>
+          </a:p>
+        </p:txBody>
+      </p:sp>
+      <p:sp>
+        <p:nvSpPr>
+          <p:cNvPr id="3" name="流程图: 磁盘 2"/>
+          <p:cNvSpPr/>
+          <p:nvPr/>
+        </p:nvSpPr>
+        <p:spPr bwMode="auto">
+          <a:xfrm>
+            <a:off x="2085109" y="2484438"/>
+            <a:ext cx="706582" cy="217714"/>
+          </a:xfrm>
+          <a:prstGeom prst="flowChartMagneticDisk">
+            <a:avLst/>
+          </a:prstGeom>
+          <a:solidFill>
+            <a:schemeClr val="accent2">
+              <a:lumMod val="75000"/>
+            </a:schemeClr>
+          </a:solidFill>
+          <a:ln w="9525" cap="flat" cmpd="sng" algn="ctr">
+            <a:solidFill>
+              <a:schemeClr val="tx1"/>
+            </a:solidFill>
+            <a:prstDash val="solid"/>
+            <a:round/>
+            <a:headEnd type="none" w="med" len="med"/>
+            <a:tailEnd type="none" w="med" len="med"/>
+          </a:ln>
+        </p:spPr>
+        <p:txBody>
+          <a:bodyPr vert="horz" wrap="square" lIns="91440" tIns="45720" rIns="91440" bIns="45720" numCol="1" rtlCol="0" anchor="ctr" anchorCtr="0" compatLnSpc="1"/>
+          <a:lstStyle/>
+          <a:p>
+            <a:pPr marL="0" marR="0" indent="0" algn="ctr" defTabSz="914400" rtl="0" eaLnBrk="1" fontAlgn="base" latinLnBrk="0" hangingPunct="1">
+              <a:lnSpc>
+                <a:spcPct val="100000"/>
+              </a:lnSpc>
+              <a:spcBef>
+                <a:spcPct val="0"/>
+              </a:spcBef>
+              <a:spcAft>
+                <a:spcPct val="0"/>
+              </a:spcAft>
+              <a:buClrTx/>
+              <a:buSzTx/>
+              <a:buFontTx/>
+              <a:buNone/>
+            </a:pPr>
+            <a:r>
+              <a:rPr lang="en-US" altLang="zh-CN" sz="1200" dirty="0" err="1" smtClean="0"/>
+              <a:t>db</a:t>
+            </a:r>
+            <a:endParaRPr kumimoji="0" lang="zh-CN" altLang="en-US" sz="1200" b="0" i="0" u="none" strike="noStrike" cap="none" normalizeH="0" baseline="0" dirty="0" smtClean="0">
+              <a:ln>
+                <a:noFill/>
+              </a:ln>
+              <a:solidFill>
+                <a:schemeClr val="tx1"/>
+              </a:solidFill>
+              <a:effectLst>
+                <a:outerShdw blurRad="38100" dist="38100" dir="2700000" algn="tl">
+                  <a:srgbClr val="000000">
+                    <a:alpha val="43137"/>
+                  </a:srgbClr>
+                </a:outerShdw>
+              </a:effectLst>
+            </a:endParaRPr>
+          </a:p>
+        </p:txBody>
+      </p:sp>
+      <p:cxnSp>
+        <p:nvCxnSpPr>
+          <p:cNvPr id="7" name="直接箭头连接符 6"/>
+          <p:cNvCxnSpPr/>
+          <p:nvPr/>
+        </p:nvCxnSpPr>
+        <p:spPr bwMode="auto">
+          <a:xfrm>
+            <a:off x="1371600" y="1524000"/>
+            <a:ext cx="609600" cy="0"/>
+          </a:xfrm>
+          <a:prstGeom prst="straightConnector1">
+            <a:avLst/>
+          </a:prstGeom>
+          <a:solidFill>
+            <a:schemeClr val="accent1"/>
+          </a:solidFill>
+          <a:ln w="9525" cap="flat" cmpd="sng" algn="ctr">
+            <a:solidFill>
+              <a:schemeClr val="tx1"/>
+            </a:solidFill>
+            <a:prstDash val="solid"/>
+            <a:round/>
+            <a:headEnd type="none" w="med" len="med"/>
+            <a:tailEnd type="triangle"/>
+          </a:ln>
+        </p:spPr>
+      </p:cxnSp>
+      <p:cxnSp>
+        <p:nvCxnSpPr>
+          <p:cNvPr id="9" name="直接箭头连接符 8"/>
+          <p:cNvCxnSpPr/>
+          <p:nvPr/>
+        </p:nvCxnSpPr>
+        <p:spPr bwMode="auto">
+          <a:xfrm>
+            <a:off x="2590800" y="1905000"/>
+            <a:ext cx="0" cy="579438"/>
+          </a:xfrm>
+          <a:prstGeom prst="straightConnector1">
+            <a:avLst/>
+          </a:prstGeom>
+          <a:solidFill>
+            <a:schemeClr val="accent1"/>
+          </a:solidFill>
+          <a:ln w="9525" cap="flat" cmpd="sng" algn="ctr">
+            <a:solidFill>
+              <a:schemeClr val="tx1"/>
+            </a:solidFill>
+            <a:prstDash val="solid"/>
+            <a:round/>
+            <a:headEnd type="none" w="med" len="med"/>
+            <a:tailEnd type="triangle"/>
+          </a:ln>
+        </p:spPr>
+      </p:cxnSp>
+      <p:cxnSp>
+        <p:nvCxnSpPr>
+          <p:cNvPr id="13" name="直接箭头连接符 12"/>
+          <p:cNvCxnSpPr/>
+          <p:nvPr/>
+        </p:nvCxnSpPr>
+        <p:spPr bwMode="auto">
+          <a:xfrm flipH="1">
+            <a:off x="1371600" y="1752600"/>
+            <a:ext cx="609600" cy="0"/>
+          </a:xfrm>
+          <a:prstGeom prst="straightConnector1">
+            <a:avLst/>
+          </a:prstGeom>
+          <a:solidFill>
+            <a:schemeClr val="accent1"/>
+          </a:solidFill>
+          <a:ln w="9525" cap="flat" cmpd="sng" algn="ctr">
+            <a:solidFill>
+              <a:schemeClr val="tx1"/>
+            </a:solidFill>
+            <a:prstDash val="solid"/>
+            <a:round/>
+            <a:headEnd type="none" w="med" len="med"/>
+            <a:tailEnd type="triangle"/>
+          </a:ln>
+        </p:spPr>
+      </p:cxnSp>
+      <p:cxnSp>
+        <p:nvCxnSpPr>
+          <p:cNvPr id="15" name="直接箭头连接符 14"/>
+          <p:cNvCxnSpPr/>
+          <p:nvPr/>
+        </p:nvCxnSpPr>
+        <p:spPr bwMode="auto">
+          <a:xfrm>
+            <a:off x="2895600" y="1524000"/>
+            <a:ext cx="685800" cy="0"/>
+          </a:xfrm>
+          <a:prstGeom prst="straightConnector1">
+            <a:avLst/>
+          </a:prstGeom>
+          <a:solidFill>
+            <a:schemeClr val="accent1"/>
+          </a:solidFill>
+          <a:ln w="9525" cap="flat" cmpd="sng" algn="ctr">
+            <a:solidFill>
+              <a:schemeClr val="tx1"/>
+            </a:solidFill>
+            <a:prstDash val="solid"/>
+            <a:round/>
+            <a:headEnd type="none" w="med" len="med"/>
+            <a:tailEnd type="triangle"/>
+          </a:ln>
+        </p:spPr>
+      </p:cxnSp>
+      <p:cxnSp>
+        <p:nvCxnSpPr>
+          <p:cNvPr id="17" name="直接箭头连接符 16"/>
+          <p:cNvCxnSpPr/>
+          <p:nvPr/>
+        </p:nvCxnSpPr>
+        <p:spPr bwMode="auto">
+          <a:xfrm flipH="1">
+            <a:off x="2895600" y="1752600"/>
+            <a:ext cx="685800" cy="0"/>
+          </a:xfrm>
+          <a:prstGeom prst="straightConnector1">
+            <a:avLst/>
+          </a:prstGeom>
+          <a:solidFill>
+            <a:schemeClr val="accent1"/>
+          </a:solidFill>
+          <a:ln w="9525" cap="flat" cmpd="sng" algn="ctr">
+            <a:solidFill>
+              <a:schemeClr val="tx1"/>
+            </a:solidFill>
+            <a:prstDash val="solid"/>
+            <a:round/>
+            <a:headEnd type="none" w="med" len="med"/>
+            <a:tailEnd type="triangle"/>
+          </a:ln>
+        </p:spPr>
+      </p:cxnSp>
+      <p:sp>
+        <p:nvSpPr>
+          <p:cNvPr id="19" name="矩形 18"/>
+          <p:cNvSpPr/>
+          <p:nvPr/>
+        </p:nvSpPr>
+        <p:spPr bwMode="auto">
+          <a:xfrm>
+            <a:off x="1562100" y="1371600"/>
+            <a:ext cx="190500" cy="224246"/>
+          </a:xfrm>
+          <a:prstGeom prst="rect">
+            <a:avLst/>
+          </a:prstGeom>
+          <a:solidFill>
+            <a:schemeClr val="bg1"/>
+          </a:solidFill>
+          <a:ln w="9525" cap="flat" cmpd="sng" algn="ctr">
+            <a:solidFill>
+              <a:schemeClr val="tx1"/>
+            </a:solidFill>
+            <a:prstDash val="solid"/>
+            <a:round/>
+            <a:headEnd type="none" w="med" len="med"/>
+            <a:tailEnd type="none" w="med" len="med"/>
+          </a:ln>
+        </p:spPr>
+        <p:txBody>
+          <a:bodyPr vert="horz" wrap="square" lIns="91440" tIns="45720" rIns="91440" bIns="45720" numCol="1" rtlCol="0" anchor="ctr" anchorCtr="0" compatLnSpc="1"/>
+          <a:lstStyle/>
+          <a:p>
+            <a:pPr marL="0" marR="0" indent="0" algn="ctr" defTabSz="914400" rtl="0" eaLnBrk="1" fontAlgn="base" latinLnBrk="0" hangingPunct="1">
+              <a:lnSpc>
+                <a:spcPct val="100000"/>
+              </a:lnSpc>
+              <a:spcBef>
+                <a:spcPct val="0"/>
+              </a:spcBef>
+              <a:spcAft>
+                <a:spcPct val="0"/>
+              </a:spcAft>
+              <a:buClrTx/>
+              <a:buSzTx/>
+              <a:buFontTx/>
+              <a:buNone/>
+            </a:pPr>
+            <a:r>
+              <a:rPr kumimoji="0" lang="en-US" altLang="zh-CN" sz="1100" b="0" i="0" u="none" strike="noStrike" cap="none" normalizeH="0" baseline="0" dirty="0" smtClean="0">
+                <a:ln>
+                  <a:noFill/>
+                </a:ln>
+                <a:solidFill>
+                  <a:schemeClr val="tx1"/>
+                </a:solidFill>
+                <a:effectLst>
+                  <a:outerShdw blurRad="38100" dist="38100" dir="2700000" algn="tl">
+                    <a:srgbClr val="000000">
+                      <a:alpha val="43137"/>
+                    </a:srgbClr>
+                  </a:outerShdw>
+                </a:effectLst>
+                <a:latin typeface="Arial" panose="020B0604020202020204" pitchFamily="34" charset="0"/>
+                <a:ea typeface="黑体" panose="02010609060101010101" pitchFamily="2" charset="-122"/>
+              </a:rPr>
+              <a:t>1</a:t>
+            </a:r>
+            <a:endParaRPr kumimoji="0" lang="zh-CN" altLang="en-US" sz="1100" b="0" i="0" u="none" strike="noStrike" cap="none" normalizeH="0" baseline="0" dirty="0" smtClean="0">
+              <a:ln>
+                <a:noFill/>
+              </a:ln>
+              <a:solidFill>
+                <a:schemeClr val="tx1"/>
+              </a:solidFill>
+              <a:effectLst>
+                <a:outerShdw blurRad="38100" dist="38100" dir="2700000" algn="tl">
+                  <a:srgbClr val="000000">
+                    <a:alpha val="43137"/>
+                  </a:srgbClr>
+                </a:outerShdw>
+              </a:effectLst>
+              <a:latin typeface="Arial" panose="020B0604020202020204" pitchFamily="34" charset="0"/>
+              <a:ea typeface="黑体" panose="02010609060101010101" pitchFamily="2" charset="-122"/>
+            </a:endParaRPr>
+          </a:p>
+        </p:txBody>
+      </p:sp>
+      <p:sp>
+        <p:nvSpPr>
+          <p:cNvPr id="22" name="矩形 21"/>
+          <p:cNvSpPr/>
+          <p:nvPr/>
+        </p:nvSpPr>
+        <p:spPr bwMode="auto">
+          <a:xfrm>
+            <a:off x="2495550" y="2063162"/>
+            <a:ext cx="190500" cy="224246"/>
+          </a:xfrm>
+          <a:prstGeom prst="rect">
+            <a:avLst/>
+          </a:prstGeom>
+          <a:solidFill>
+            <a:schemeClr val="bg1"/>
+          </a:solidFill>
+          <a:ln w="9525" cap="flat" cmpd="sng" algn="ctr">
+            <a:solidFill>
+              <a:schemeClr val="tx1"/>
+            </a:solidFill>
+            <a:prstDash val="solid"/>
+            <a:round/>
+            <a:headEnd type="none" w="med" len="med"/>
+            <a:tailEnd type="none" w="med" len="med"/>
+          </a:ln>
+        </p:spPr>
+        <p:txBody>
+          <a:bodyPr vert="horz" wrap="square" lIns="91440" tIns="45720" rIns="91440" bIns="45720" numCol="1" rtlCol="0" anchor="ctr" anchorCtr="0" compatLnSpc="1"/>
+          <a:lstStyle/>
+          <a:p>
+            <a:pPr marL="0" marR="0" indent="0" algn="ctr" defTabSz="914400" rtl="0" eaLnBrk="1" fontAlgn="base" latinLnBrk="0" hangingPunct="1">
+              <a:lnSpc>
+                <a:spcPct val="100000"/>
+              </a:lnSpc>
+              <a:spcBef>
+                <a:spcPct val="0"/>
+              </a:spcBef>
+              <a:spcAft>
+                <a:spcPct val="0"/>
+              </a:spcAft>
+              <a:buClrTx/>
+              <a:buSzTx/>
+              <a:buFontTx/>
+              <a:buNone/>
+            </a:pPr>
+            <a:r>
+              <a:rPr lang="en-US" altLang="zh-CN" sz="1100" dirty="0"/>
+              <a:t>6</a:t>
+            </a:r>
+            <a:endParaRPr kumimoji="0" lang="zh-CN" altLang="en-US" sz="1100" b="0" i="0" u="none" strike="noStrike" cap="none" normalizeH="0" baseline="0" dirty="0" smtClean="0">
+              <a:ln>
+                <a:noFill/>
+              </a:ln>
+              <a:solidFill>
+                <a:schemeClr val="tx1"/>
+              </a:solidFill>
+              <a:effectLst>
+                <a:outerShdw blurRad="38100" dist="38100" dir="2700000" algn="tl">
+                  <a:srgbClr val="000000">
+                    <a:alpha val="43137"/>
+                  </a:srgbClr>
+                </a:outerShdw>
+              </a:effectLst>
+              <a:latin typeface="Arial" panose="020B0604020202020204" pitchFamily="34" charset="0"/>
+              <a:ea typeface="黑体" panose="02010609060101010101" pitchFamily="2" charset="-122"/>
+            </a:endParaRPr>
+          </a:p>
+        </p:txBody>
+      </p:sp>
+      <p:sp>
+        <p:nvSpPr>
+          <p:cNvPr id="23" name="矩形 22"/>
+          <p:cNvSpPr/>
+          <p:nvPr/>
+        </p:nvSpPr>
+        <p:spPr bwMode="auto">
+          <a:xfrm>
+            <a:off x="3162300" y="1636123"/>
+            <a:ext cx="190500" cy="224246"/>
+          </a:xfrm>
+          <a:prstGeom prst="rect">
+            <a:avLst/>
+          </a:prstGeom>
+          <a:solidFill>
+            <a:schemeClr val="bg1"/>
+          </a:solidFill>
+          <a:ln w="9525" cap="flat" cmpd="sng" algn="ctr">
+            <a:solidFill>
+              <a:schemeClr val="tx1"/>
+            </a:solidFill>
+            <a:prstDash val="solid"/>
+            <a:round/>
+            <a:headEnd type="none" w="med" len="med"/>
+            <a:tailEnd type="none" w="med" len="med"/>
+          </a:ln>
+        </p:spPr>
+        <p:txBody>
+          <a:bodyPr vert="horz" wrap="square" lIns="91440" tIns="45720" rIns="91440" bIns="45720" numCol="1" rtlCol="0" anchor="ctr" anchorCtr="0" compatLnSpc="1"/>
+          <a:lstStyle/>
+          <a:p>
+            <a:pPr marL="0" marR="0" indent="0" algn="ctr" defTabSz="914400" rtl="0" eaLnBrk="1" fontAlgn="base" latinLnBrk="0" hangingPunct="1">
+              <a:lnSpc>
+                <a:spcPct val="100000"/>
+              </a:lnSpc>
+              <a:spcBef>
+                <a:spcPct val="0"/>
+              </a:spcBef>
+              <a:spcAft>
+                <a:spcPct val="0"/>
+              </a:spcAft>
+              <a:buClrTx/>
+              <a:buSzTx/>
+              <a:buFontTx/>
+              <a:buNone/>
+            </a:pPr>
+            <a:r>
+              <a:rPr lang="en-US" altLang="zh-CN" sz="1100" dirty="0"/>
+              <a:t>5</a:t>
+            </a:r>
+            <a:endParaRPr kumimoji="0" lang="zh-CN" altLang="en-US" sz="1100" b="0" i="0" u="none" strike="noStrike" cap="none" normalizeH="0" baseline="0" dirty="0" smtClean="0">
+              <a:ln>
+                <a:noFill/>
+              </a:ln>
+              <a:solidFill>
+                <a:schemeClr val="tx1"/>
+              </a:solidFill>
+              <a:effectLst>
+                <a:outerShdw blurRad="38100" dist="38100" dir="2700000" algn="tl">
+                  <a:srgbClr val="000000">
+                    <a:alpha val="43137"/>
+                  </a:srgbClr>
+                </a:outerShdw>
+              </a:effectLst>
+              <a:latin typeface="Arial" panose="020B0604020202020204" pitchFamily="34" charset="0"/>
+              <a:ea typeface="黑体" panose="02010609060101010101" pitchFamily="2" charset="-122"/>
+            </a:endParaRPr>
+          </a:p>
+        </p:txBody>
+      </p:sp>
+      <p:sp>
+        <p:nvSpPr>
+          <p:cNvPr id="24" name="矩形 23"/>
+          <p:cNvSpPr/>
+          <p:nvPr/>
+        </p:nvSpPr>
+        <p:spPr bwMode="auto">
+          <a:xfrm>
+            <a:off x="3162300" y="1354183"/>
+            <a:ext cx="190500" cy="224246"/>
+          </a:xfrm>
+          <a:prstGeom prst="rect">
+            <a:avLst/>
+          </a:prstGeom>
+          <a:solidFill>
+            <a:schemeClr val="bg1"/>
+          </a:solidFill>
+          <a:ln w="9525" cap="flat" cmpd="sng" algn="ctr">
+            <a:solidFill>
+              <a:schemeClr val="tx1"/>
+            </a:solidFill>
+            <a:prstDash val="solid"/>
+            <a:round/>
+            <a:headEnd type="none" w="med" len="med"/>
+            <a:tailEnd type="none" w="med" len="med"/>
+          </a:ln>
+        </p:spPr>
+        <p:txBody>
+          <a:bodyPr vert="horz" wrap="square" lIns="91440" tIns="45720" rIns="91440" bIns="45720" numCol="1" rtlCol="0" anchor="ctr" anchorCtr="0" compatLnSpc="1"/>
+          <a:lstStyle/>
+          <a:p>
+            <a:pPr marL="0" marR="0" indent="0" algn="ctr" defTabSz="914400" rtl="0" eaLnBrk="1" fontAlgn="base" latinLnBrk="0" hangingPunct="1">
+              <a:lnSpc>
+                <a:spcPct val="100000"/>
+              </a:lnSpc>
+              <a:spcBef>
+                <a:spcPct val="0"/>
+              </a:spcBef>
+              <a:spcAft>
+                <a:spcPct val="0"/>
+              </a:spcAft>
+              <a:buClrTx/>
+              <a:buSzTx/>
+              <a:buFontTx/>
+              <a:buNone/>
+            </a:pPr>
+            <a:r>
+              <a:rPr lang="en-US" altLang="zh-CN" sz="1100" dirty="0"/>
+              <a:t>4</a:t>
+            </a:r>
+            <a:endParaRPr kumimoji="0" lang="zh-CN" altLang="en-US" sz="1100" b="0" i="0" u="none" strike="noStrike" cap="none" normalizeH="0" baseline="0" dirty="0" smtClean="0">
+              <a:ln>
+                <a:noFill/>
+              </a:ln>
+              <a:solidFill>
+                <a:schemeClr val="tx1"/>
+              </a:solidFill>
+              <a:effectLst>
+                <a:outerShdw blurRad="38100" dist="38100" dir="2700000" algn="tl">
+                  <a:srgbClr val="000000">
+                    <a:alpha val="43137"/>
+                  </a:srgbClr>
+                </a:outerShdw>
+              </a:effectLst>
+              <a:latin typeface="Arial" panose="020B0604020202020204" pitchFamily="34" charset="0"/>
+              <a:ea typeface="黑体" panose="02010609060101010101" pitchFamily="2" charset="-122"/>
+            </a:endParaRPr>
+          </a:p>
+        </p:txBody>
+      </p:sp>
+      <p:sp>
+        <p:nvSpPr>
+          <p:cNvPr id="25" name="矩形 24"/>
+          <p:cNvSpPr/>
+          <p:nvPr/>
+        </p:nvSpPr>
+        <p:spPr bwMode="auto">
+          <a:xfrm>
+            <a:off x="1557746" y="1636123"/>
+            <a:ext cx="190500" cy="224246"/>
+          </a:xfrm>
+          <a:prstGeom prst="rect">
+            <a:avLst/>
+          </a:prstGeom>
+          <a:solidFill>
+            <a:schemeClr val="bg1"/>
+          </a:solidFill>
+          <a:ln w="9525" cap="flat" cmpd="sng" algn="ctr">
+            <a:solidFill>
+              <a:schemeClr val="tx1"/>
+            </a:solidFill>
+            <a:prstDash val="solid"/>
+            <a:round/>
+            <a:headEnd type="none" w="med" len="med"/>
+            <a:tailEnd type="none" w="med" len="med"/>
+          </a:ln>
+        </p:spPr>
+        <p:txBody>
+          <a:bodyPr vert="horz" wrap="square" lIns="91440" tIns="45720" rIns="91440" bIns="45720" numCol="1" rtlCol="0" anchor="ctr" anchorCtr="0" compatLnSpc="1"/>
+          <a:lstStyle/>
+          <a:p>
+            <a:pPr marL="0" marR="0" indent="0" algn="ctr" defTabSz="914400" rtl="0" eaLnBrk="1" fontAlgn="base" latinLnBrk="0" hangingPunct="1">
+              <a:lnSpc>
+                <a:spcPct val="100000"/>
+              </a:lnSpc>
+              <a:spcBef>
+                <a:spcPct val="0"/>
+              </a:spcBef>
+              <a:spcAft>
+                <a:spcPct val="0"/>
+              </a:spcAft>
+              <a:buClrTx/>
+              <a:buSzTx/>
+              <a:buFontTx/>
+              <a:buNone/>
+            </a:pPr>
+            <a:r>
+              <a:rPr lang="en-US" altLang="zh-CN" sz="1100" dirty="0"/>
+              <a:t>3</a:t>
+            </a:r>
+            <a:endParaRPr kumimoji="0" lang="zh-CN" altLang="en-US" sz="1100" b="0" i="0" u="none" strike="noStrike" cap="none" normalizeH="0" baseline="0" dirty="0" smtClean="0">
+              <a:ln>
+                <a:noFill/>
+              </a:ln>
+              <a:solidFill>
+                <a:schemeClr val="tx1"/>
+              </a:solidFill>
+              <a:effectLst>
+                <a:outerShdw blurRad="38100" dist="38100" dir="2700000" algn="tl">
+                  <a:srgbClr val="000000">
+                    <a:alpha val="43137"/>
+                  </a:srgbClr>
+                </a:outerShdw>
+              </a:effectLst>
+              <a:latin typeface="Arial" panose="020B0604020202020204" pitchFamily="34" charset="0"/>
+              <a:ea typeface="黑体" panose="02010609060101010101" pitchFamily="2" charset="-122"/>
+            </a:endParaRPr>
+          </a:p>
+        </p:txBody>
+      </p:sp>
+      <p:cxnSp>
+        <p:nvCxnSpPr>
+          <p:cNvPr id="28" name="直接箭头连接符 27"/>
+          <p:cNvCxnSpPr/>
+          <p:nvPr/>
+        </p:nvCxnSpPr>
+        <p:spPr bwMode="auto">
+          <a:xfrm>
+            <a:off x="2269399" y="1924434"/>
+            <a:ext cx="0" cy="579438"/>
+          </a:xfrm>
+          <a:prstGeom prst="straightConnector1">
+            <a:avLst/>
+          </a:prstGeom>
+          <a:solidFill>
+            <a:schemeClr val="accent1"/>
+          </a:solidFill>
+          <a:ln w="9525" cap="flat" cmpd="sng" algn="ctr">
+            <a:solidFill>
+              <a:schemeClr val="tx1"/>
+            </a:solidFill>
+            <a:prstDash val="solid"/>
+            <a:round/>
+            <a:headEnd type="none" w="med" len="med"/>
+            <a:tailEnd type="triangle"/>
+          </a:ln>
+        </p:spPr>
+      </p:cxnSp>
+      <p:sp>
+        <p:nvSpPr>
+          <p:cNvPr id="29" name="矩形 28"/>
+          <p:cNvSpPr/>
+          <p:nvPr/>
+        </p:nvSpPr>
+        <p:spPr bwMode="auto">
+          <a:xfrm>
+            <a:off x="2174149" y="2082596"/>
+            <a:ext cx="190500" cy="224246"/>
+          </a:xfrm>
+          <a:prstGeom prst="rect">
+            <a:avLst/>
+          </a:prstGeom>
+          <a:solidFill>
+            <a:schemeClr val="bg1"/>
+          </a:solidFill>
+          <a:ln w="9525" cap="flat" cmpd="sng" algn="ctr">
+            <a:solidFill>
+              <a:schemeClr val="tx1"/>
+            </a:solidFill>
+            <a:prstDash val="solid"/>
+            <a:round/>
+            <a:headEnd type="none" w="med" len="med"/>
+            <a:tailEnd type="none" w="med" len="med"/>
+          </a:ln>
+        </p:spPr>
+        <p:txBody>
+          <a:bodyPr vert="horz" wrap="square" lIns="91440" tIns="45720" rIns="91440" bIns="45720" numCol="1" rtlCol="0" anchor="ctr" anchorCtr="0" compatLnSpc="1"/>
+          <a:lstStyle/>
+          <a:p>
+            <a:pPr marL="0" marR="0" indent="0" algn="ctr" defTabSz="914400" rtl="0" eaLnBrk="1" fontAlgn="base" latinLnBrk="0" hangingPunct="1">
+              <a:lnSpc>
+                <a:spcPct val="100000"/>
+              </a:lnSpc>
+              <a:spcBef>
+                <a:spcPct val="0"/>
+              </a:spcBef>
+              <a:spcAft>
+                <a:spcPct val="0"/>
+              </a:spcAft>
+              <a:buClrTx/>
+              <a:buSzTx/>
+              <a:buFontTx/>
+              <a:buNone/>
+            </a:pPr>
+            <a:r>
+              <a:rPr lang="en-US" altLang="zh-CN" sz="1100" dirty="0"/>
+              <a:t>2</a:t>
+            </a:r>
+            <a:endParaRPr kumimoji="0" lang="zh-CN" altLang="en-US" sz="1100" b="0" i="0" u="none" strike="noStrike" cap="none" normalizeH="0" baseline="0" dirty="0" smtClean="0">
+              <a:ln>
+                <a:noFill/>
+              </a:ln>
+              <a:solidFill>
+                <a:schemeClr val="tx1"/>
+              </a:solidFill>
+              <a:effectLst>
+                <a:outerShdw blurRad="38100" dist="38100" dir="2700000" algn="tl">
+                  <a:srgbClr val="000000">
+                    <a:alpha val="43137"/>
+                  </a:srgbClr>
+                </a:outerShdw>
+              </a:effectLst>
+              <a:latin typeface="Arial" panose="020B0604020202020204" pitchFamily="34" charset="0"/>
+              <a:ea typeface="黑体" panose="02010609060101010101" pitchFamily="2" charset="-122"/>
+            </a:endParaRPr>
+          </a:p>
+        </p:txBody>
+      </p:sp>
+      <p:sp>
+        <p:nvSpPr>
+          <p:cNvPr id="27" name="文本框 26"/>
+          <p:cNvSpPr txBox="1"/>
+          <p:nvPr/>
+        </p:nvSpPr>
+        <p:spPr>
+          <a:xfrm>
+            <a:off x="5029200" y="1139604"/>
+            <a:ext cx="3733800" cy="2308324"/>
+          </a:xfrm>
+          <a:prstGeom prst="rect">
+            <a:avLst/>
+          </a:prstGeom>
+          <a:noFill/>
+        </p:spPr>
+        <p:txBody>
+          <a:bodyPr wrap="square" rtlCol="0">
+            <a:spAutoFit/>
+          </a:bodyPr>
+          <a:lstStyle/>
+          <a:p>
+            <a:pPr algn="l"/>
+            <a:r>
+              <a:rPr lang="en-US" altLang="zh-CN" sz="1600" dirty="0">
+                <a:effectLst/>
+              </a:rPr>
+              <a:t>MQ</a:t>
+            </a:r>
+            <a:r>
+              <a:rPr lang="zh-CN" altLang="en-US" sz="1600" dirty="0">
+                <a:effectLst/>
+              </a:rPr>
+              <a:t>消息发送上半场，即上图中的</a:t>
+            </a:r>
+            <a:r>
+              <a:rPr lang="en-US" altLang="zh-CN" sz="1600" dirty="0" smtClean="0">
+                <a:effectLst/>
+              </a:rPr>
+              <a:t>1-3</a:t>
+            </a:r>
+          </a:p>
+          <a:p>
+            <a:pPr marL="342900" indent="-342900" algn="l">
+              <a:buFont typeface="+mj-lt"/>
+              <a:buAutoNum type="arabicPeriod"/>
+            </a:pPr>
+            <a:r>
+              <a:rPr lang="zh-CN" altLang="en-US" sz="1600" dirty="0">
+                <a:effectLst/>
+              </a:rPr>
+              <a:t>发送端</a:t>
+            </a:r>
+            <a:r>
+              <a:rPr lang="en-US" altLang="zh-CN" sz="1600" dirty="0">
+                <a:effectLst/>
+              </a:rPr>
+              <a:t>MQ-client</a:t>
+            </a:r>
+            <a:r>
+              <a:rPr lang="zh-CN" altLang="en-US" sz="1600" dirty="0">
+                <a:effectLst/>
+              </a:rPr>
+              <a:t>将消息发给服务端</a:t>
+            </a:r>
+            <a:r>
+              <a:rPr lang="en-US" altLang="zh-CN" sz="1600" dirty="0" smtClean="0">
+                <a:effectLst/>
+              </a:rPr>
+              <a:t>MQ-server</a:t>
+            </a:r>
+          </a:p>
+          <a:p>
+            <a:pPr marL="342900" indent="-342900" algn="l">
+              <a:buFont typeface="+mj-lt"/>
+              <a:buAutoNum type="arabicPeriod"/>
+            </a:pPr>
+            <a:r>
+              <a:rPr lang="zh-CN" altLang="en-US" sz="1600" dirty="0">
+                <a:effectLst/>
+              </a:rPr>
+              <a:t>服务端</a:t>
+            </a:r>
+            <a:r>
+              <a:rPr lang="en-US" altLang="zh-CN" sz="1600" dirty="0">
+                <a:effectLst/>
+              </a:rPr>
+              <a:t>MQ-server</a:t>
+            </a:r>
+            <a:r>
+              <a:rPr lang="zh-CN" altLang="en-US" sz="1600" dirty="0">
+                <a:effectLst/>
+              </a:rPr>
+              <a:t>将消息</a:t>
+            </a:r>
+            <a:r>
+              <a:rPr lang="zh-CN" altLang="en-US" sz="1600" dirty="0" smtClean="0">
+                <a:effectLst/>
+              </a:rPr>
+              <a:t>落地</a:t>
+            </a:r>
+            <a:endParaRPr lang="en-US" altLang="zh-CN" sz="1600" dirty="0" smtClean="0">
+              <a:effectLst/>
+            </a:endParaRPr>
+          </a:p>
+          <a:p>
+            <a:pPr marL="342900" indent="-342900" algn="l">
+              <a:buFont typeface="+mj-lt"/>
+              <a:buAutoNum type="arabicPeriod"/>
+            </a:pPr>
+            <a:r>
+              <a:rPr lang="zh-CN" altLang="en-US" sz="1600" dirty="0">
+                <a:effectLst/>
+              </a:rPr>
+              <a:t>服务端</a:t>
+            </a:r>
+            <a:r>
+              <a:rPr lang="en-US" altLang="zh-CN" sz="1600" dirty="0">
+                <a:effectLst/>
+              </a:rPr>
+              <a:t>MQ-server</a:t>
+            </a:r>
+            <a:r>
+              <a:rPr lang="zh-CN" altLang="en-US" sz="1600" dirty="0">
+                <a:effectLst/>
+              </a:rPr>
+              <a:t>回</a:t>
+            </a:r>
+            <a:r>
+              <a:rPr lang="en-US" altLang="zh-CN" sz="1600" dirty="0">
+                <a:effectLst/>
+              </a:rPr>
+              <a:t>ACK</a:t>
+            </a:r>
+            <a:r>
+              <a:rPr lang="zh-CN" altLang="en-US" sz="1600" dirty="0">
+                <a:effectLst/>
+              </a:rPr>
+              <a:t>给发送端</a:t>
+            </a:r>
+            <a:r>
+              <a:rPr lang="en-US" altLang="zh-CN" sz="1600" dirty="0" smtClean="0">
+                <a:effectLst/>
+              </a:rPr>
+              <a:t>MQ-client</a:t>
+            </a:r>
+          </a:p>
+          <a:p>
+            <a:pPr algn="l"/>
+            <a:r>
+              <a:rPr lang="zh-CN" altLang="en-US" sz="1600" dirty="0">
+                <a:solidFill>
+                  <a:srgbClr val="FF0000"/>
+                </a:solidFill>
+                <a:effectLst/>
+              </a:rPr>
+              <a:t>如果</a:t>
+            </a:r>
+            <a:r>
+              <a:rPr lang="en-US" altLang="zh-CN" sz="1600" dirty="0">
+                <a:solidFill>
+                  <a:srgbClr val="FF0000"/>
+                </a:solidFill>
+                <a:effectLst/>
+              </a:rPr>
+              <a:t>3</a:t>
+            </a:r>
+            <a:r>
+              <a:rPr lang="zh-CN" altLang="en-US" sz="1600" dirty="0">
+                <a:solidFill>
+                  <a:srgbClr val="FF0000"/>
+                </a:solidFill>
+                <a:effectLst/>
+              </a:rPr>
+              <a:t>丢失，发送端</a:t>
+            </a:r>
+            <a:r>
+              <a:rPr lang="en-US" altLang="zh-CN" sz="1600" dirty="0">
+                <a:solidFill>
+                  <a:srgbClr val="FF0000"/>
+                </a:solidFill>
+                <a:effectLst/>
+              </a:rPr>
+              <a:t>MQ-client</a:t>
+            </a:r>
+            <a:r>
+              <a:rPr lang="zh-CN" altLang="en-US" sz="1600" dirty="0">
+                <a:solidFill>
+                  <a:srgbClr val="FF0000"/>
+                </a:solidFill>
+                <a:effectLst/>
+              </a:rPr>
+              <a:t>超时后会重发消息，可能导致服务端</a:t>
+            </a:r>
+            <a:r>
+              <a:rPr lang="en-US" altLang="zh-CN" sz="1600" dirty="0">
+                <a:solidFill>
+                  <a:srgbClr val="FF0000"/>
+                </a:solidFill>
+                <a:effectLst/>
+              </a:rPr>
+              <a:t>MQ-server</a:t>
+            </a:r>
+            <a:r>
+              <a:rPr lang="zh-CN" altLang="en-US" sz="1600" dirty="0">
+                <a:solidFill>
+                  <a:srgbClr val="FF0000"/>
+                </a:solidFill>
+                <a:effectLst/>
+              </a:rPr>
+              <a:t>收到重复消息。</a:t>
+            </a:r>
+          </a:p>
+        </p:txBody>
+      </p:sp>
+      <p:sp>
+        <p:nvSpPr>
+          <p:cNvPr id="30" name="文本框 29"/>
+          <p:cNvSpPr txBox="1"/>
+          <p:nvPr/>
+        </p:nvSpPr>
+        <p:spPr>
+          <a:xfrm>
+            <a:off x="753917" y="3892383"/>
+            <a:ext cx="7483766" cy="2062103"/>
+          </a:xfrm>
+          <a:prstGeom prst="rect">
+            <a:avLst/>
+          </a:prstGeom>
+          <a:noFill/>
+        </p:spPr>
+        <p:txBody>
+          <a:bodyPr wrap="square" rtlCol="0">
+            <a:spAutoFit/>
+          </a:bodyPr>
+          <a:lstStyle/>
+          <a:p>
+            <a:pPr algn="l"/>
+            <a:r>
+              <a:rPr lang="zh-CN" altLang="en-US" sz="1600" dirty="0">
+                <a:effectLst/>
+              </a:rPr>
+              <a:t>此时重发是</a:t>
+            </a:r>
+            <a:r>
+              <a:rPr lang="en-US" altLang="zh-CN" sz="1600" dirty="0">
+                <a:effectLst/>
+              </a:rPr>
+              <a:t>MQ-client</a:t>
+            </a:r>
+            <a:r>
+              <a:rPr lang="zh-CN" altLang="en-US" sz="1600" dirty="0">
+                <a:effectLst/>
+              </a:rPr>
+              <a:t>发起的，消息的处理是</a:t>
+            </a:r>
+            <a:r>
+              <a:rPr lang="en-US" altLang="zh-CN" sz="1600" dirty="0">
+                <a:effectLst/>
+              </a:rPr>
+              <a:t>MQ-server</a:t>
+            </a:r>
+            <a:r>
+              <a:rPr lang="zh-CN" altLang="en-US" sz="1600" dirty="0">
+                <a:effectLst/>
+              </a:rPr>
+              <a:t>，为了避免步骤</a:t>
+            </a:r>
+            <a:r>
+              <a:rPr lang="en-US" altLang="zh-CN" sz="1600" dirty="0">
+                <a:effectLst/>
+              </a:rPr>
+              <a:t>2</a:t>
+            </a:r>
+            <a:r>
+              <a:rPr lang="zh-CN" altLang="en-US" sz="1600" dirty="0">
+                <a:effectLst/>
+              </a:rPr>
+              <a:t>落地重复的消息，对每条消息，</a:t>
+            </a:r>
+            <a:r>
+              <a:rPr lang="en-US" altLang="zh-CN" sz="1600" dirty="0">
+                <a:effectLst/>
+              </a:rPr>
+              <a:t>MQ</a:t>
+            </a:r>
+            <a:r>
+              <a:rPr lang="zh-CN" altLang="en-US" sz="1600" dirty="0">
+                <a:effectLst/>
+              </a:rPr>
+              <a:t>系统内部必须生成一个</a:t>
+            </a:r>
+            <a:r>
+              <a:rPr lang="en-US" altLang="zh-CN" sz="1600" dirty="0">
+                <a:effectLst/>
+              </a:rPr>
+              <a:t>inner-</a:t>
+            </a:r>
+            <a:r>
+              <a:rPr lang="en-US" altLang="zh-CN" sz="1600" dirty="0" err="1">
+                <a:effectLst/>
+              </a:rPr>
+              <a:t>msg</a:t>
+            </a:r>
+            <a:r>
+              <a:rPr lang="en-US" altLang="zh-CN" sz="1600" dirty="0">
+                <a:effectLst/>
+              </a:rPr>
+              <a:t>-id</a:t>
+            </a:r>
+            <a:r>
+              <a:rPr lang="zh-CN" altLang="en-US" sz="1600" dirty="0">
+                <a:effectLst/>
+              </a:rPr>
+              <a:t>，作为去重和幂等的依据，这个内部消息</a:t>
+            </a:r>
+            <a:r>
+              <a:rPr lang="en-US" altLang="zh-CN" sz="1600" dirty="0">
+                <a:effectLst/>
+              </a:rPr>
+              <a:t>ID</a:t>
+            </a:r>
+            <a:r>
+              <a:rPr lang="zh-CN" altLang="en-US" sz="1600" dirty="0">
+                <a:effectLst/>
+              </a:rPr>
+              <a:t>的特性是</a:t>
+            </a:r>
+            <a:r>
+              <a:rPr lang="zh-CN" altLang="en-US" sz="1600" dirty="0" smtClean="0">
+                <a:effectLst/>
+              </a:rPr>
+              <a:t>：</a:t>
+            </a:r>
+            <a:endParaRPr lang="en-US" altLang="zh-CN" sz="1600" dirty="0" smtClean="0">
+              <a:effectLst/>
+            </a:endParaRPr>
+          </a:p>
+          <a:p>
+            <a:pPr marL="342900" indent="-342900" algn="l">
+              <a:buFont typeface="+mj-lt"/>
+              <a:buAutoNum type="alphaUcPeriod"/>
+            </a:pPr>
+            <a:r>
+              <a:rPr lang="zh-CN" altLang="en-US" sz="1600" dirty="0" smtClean="0">
+                <a:effectLst/>
+              </a:rPr>
+              <a:t>全局唯一</a:t>
+            </a:r>
+            <a:endParaRPr lang="en-US" altLang="zh-CN" sz="1600" dirty="0">
+              <a:effectLst/>
+            </a:endParaRPr>
+          </a:p>
+          <a:p>
+            <a:pPr marL="342900" indent="-342900" algn="l">
+              <a:buFont typeface="+mj-lt"/>
+              <a:buAutoNum type="alphaUcPeriod"/>
+            </a:pPr>
+            <a:r>
+              <a:rPr lang="en-US" altLang="zh-CN" sz="1600" dirty="0" smtClean="0">
+                <a:effectLst/>
+              </a:rPr>
+              <a:t>MQ</a:t>
+            </a:r>
+            <a:r>
+              <a:rPr lang="zh-CN" altLang="en-US" sz="1600" dirty="0">
+                <a:effectLst/>
+              </a:rPr>
+              <a:t>生成，具备业务无关性，对消息发送方和消息接收方屏蔽</a:t>
+            </a:r>
+          </a:p>
+          <a:p>
+            <a:pPr algn="l"/>
+            <a:r>
+              <a:rPr lang="zh-CN" altLang="en-US" sz="1600" dirty="0">
+                <a:effectLst/>
+              </a:rPr>
+              <a:t> </a:t>
+            </a:r>
+          </a:p>
+          <a:p>
+            <a:pPr algn="l"/>
+            <a:r>
+              <a:rPr lang="zh-CN" altLang="en-US" sz="1600" dirty="0">
+                <a:effectLst/>
+              </a:rPr>
+              <a:t>有了这个</a:t>
+            </a:r>
+            <a:r>
+              <a:rPr lang="en-US" altLang="zh-CN" sz="1600" dirty="0">
+                <a:effectLst/>
+              </a:rPr>
+              <a:t>inner-</a:t>
+            </a:r>
+            <a:r>
+              <a:rPr lang="en-US" altLang="zh-CN" sz="1600" dirty="0" err="1">
+                <a:effectLst/>
+              </a:rPr>
+              <a:t>msg</a:t>
+            </a:r>
+            <a:r>
+              <a:rPr lang="en-US" altLang="zh-CN" sz="1600" dirty="0">
+                <a:effectLst/>
+              </a:rPr>
+              <a:t>-id</a:t>
+            </a:r>
+            <a:r>
+              <a:rPr lang="zh-CN" altLang="en-US" sz="1600" dirty="0">
+                <a:effectLst/>
+              </a:rPr>
+              <a:t>，就能保证上半场重发，也只有</a:t>
+            </a:r>
+            <a:r>
+              <a:rPr lang="en-US" altLang="zh-CN" sz="1600" dirty="0">
+                <a:effectLst/>
+              </a:rPr>
+              <a:t>1</a:t>
+            </a:r>
+            <a:r>
+              <a:rPr lang="zh-CN" altLang="en-US" sz="1600" dirty="0">
+                <a:effectLst/>
+              </a:rPr>
+              <a:t>条消息落到</a:t>
+            </a:r>
+            <a:r>
+              <a:rPr lang="en-US" altLang="zh-CN" sz="1600" dirty="0">
+                <a:effectLst/>
+              </a:rPr>
+              <a:t>MQ-server</a:t>
+            </a:r>
+            <a:r>
+              <a:rPr lang="zh-CN" altLang="en-US" sz="1600" dirty="0">
+                <a:effectLst/>
+              </a:rPr>
+              <a:t>的</a:t>
+            </a:r>
+            <a:r>
+              <a:rPr lang="en-US" altLang="zh-CN" sz="1600" dirty="0">
+                <a:effectLst/>
+              </a:rPr>
+              <a:t>DB</a:t>
+            </a:r>
+            <a:r>
+              <a:rPr lang="zh-CN" altLang="en-US" sz="1600" dirty="0">
+                <a:effectLst/>
+              </a:rPr>
+              <a:t>中，实现上半场幂等。</a:t>
+            </a:r>
           </a:p>
         </p:txBody>
       </p:sp>
@@ -14423,15 +15550,20 @@
             <p:ph type="title"/>
           </p:nvPr>
         </p:nvSpPr>
-        <p:spPr/>
+        <p:spPr>
+          <a:xfrm>
+            <a:off x="304800" y="457200"/>
+            <a:ext cx="8001000" cy="563562"/>
+          </a:xfrm>
+        </p:spPr>
         <p:txBody>
           <a:bodyPr/>
-          <a:p>
-            <a:r>
-              <a:rPr lang="zh-CN" altLang="en-US"/>
+          <a:lstStyle/>
+          <a:p>
+            <a:r>
+              <a:rPr lang="zh-CN" altLang="en-US" dirty="0"/>
               <a:t>下半场的幂等性设计</a:t>
             </a:r>
-            <a:endParaRPr lang="zh-CN" altLang="en-US"/>
           </a:p>
         </p:txBody>
       </p:sp>
@@ -14452,8 +15584,1400 @@
           <a:p>
             <a:fld id="{1EAD90CE-CA62-48F8-87DA-AA74ACBFB15B}" type="slidenum">
               <a:rPr lang="en-US" altLang="zh-CN" smtClean="0"/>
+              <a:t>4</a:t>
             </a:fld>
             <a:endParaRPr lang="en-US" altLang="zh-CN"/>
+          </a:p>
+        </p:txBody>
+      </p:sp>
+      <p:sp>
+        <p:nvSpPr>
+          <p:cNvPr id="5" name="矩形 4"/>
+          <p:cNvSpPr/>
+          <p:nvPr/>
+        </p:nvSpPr>
+        <p:spPr bwMode="auto">
+          <a:xfrm>
+            <a:off x="1812471" y="1299754"/>
+            <a:ext cx="914400" cy="609600"/>
+          </a:xfrm>
+          <a:prstGeom prst="rect">
+            <a:avLst/>
+          </a:prstGeom>
+          <a:solidFill>
+            <a:srgbClr val="00B0F0"/>
+          </a:solidFill>
+          <a:ln w="9525" cap="flat" cmpd="sng" algn="ctr">
+            <a:solidFill>
+              <a:schemeClr val="tx1"/>
+            </a:solidFill>
+            <a:prstDash val="solid"/>
+            <a:round/>
+            <a:headEnd type="none" w="med" len="med"/>
+            <a:tailEnd type="none" w="med" len="med"/>
+          </a:ln>
+        </p:spPr>
+        <p:txBody>
+          <a:bodyPr vert="horz" wrap="square" lIns="91440" tIns="45720" rIns="91440" bIns="45720" numCol="1" rtlCol="0" anchor="ctr" anchorCtr="0" compatLnSpc="1"/>
+          <a:lstStyle/>
+          <a:p>
+            <a:pPr marL="0" marR="0" indent="0" algn="ctr" defTabSz="914400" rtl="0" eaLnBrk="1" fontAlgn="base" latinLnBrk="0" hangingPunct="1">
+              <a:lnSpc>
+                <a:spcPct val="100000"/>
+              </a:lnSpc>
+              <a:spcBef>
+                <a:spcPct val="0"/>
+              </a:spcBef>
+              <a:spcAft>
+                <a:spcPct val="0"/>
+              </a:spcAft>
+              <a:buClrTx/>
+              <a:buSzTx/>
+              <a:buFontTx/>
+              <a:buNone/>
+            </a:pPr>
+            <a:r>
+              <a:rPr kumimoji="0" lang="en-US" altLang="zh-CN" sz="1200" b="0" i="0" u="none" strike="noStrike" cap="none" normalizeH="0" baseline="0" dirty="0" smtClean="0">
+                <a:ln>
+                  <a:noFill/>
+                </a:ln>
+                <a:solidFill>
+                  <a:schemeClr val="tx1"/>
+                </a:solidFill>
+                <a:effectLst>
+                  <a:outerShdw blurRad="38100" dist="38100" dir="2700000" algn="tl">
+                    <a:srgbClr val="000000">
+                      <a:alpha val="43137"/>
+                    </a:srgbClr>
+                  </a:outerShdw>
+                </a:effectLst>
+                <a:latin typeface="Arial" panose="020B0604020202020204" pitchFamily="34" charset="0"/>
+                <a:ea typeface="黑体" panose="02010609060101010101" pitchFamily="2" charset="-122"/>
+              </a:rPr>
+              <a:t>MQ-server</a:t>
+            </a:r>
+            <a:endParaRPr kumimoji="0" lang="zh-CN" altLang="en-US" sz="1200" b="0" i="0" u="none" strike="noStrike" cap="none" normalizeH="0" baseline="0" dirty="0" smtClean="0">
+              <a:ln>
+                <a:noFill/>
+              </a:ln>
+              <a:solidFill>
+                <a:schemeClr val="tx1"/>
+              </a:solidFill>
+              <a:effectLst>
+                <a:outerShdw blurRad="38100" dist="38100" dir="2700000" algn="tl">
+                  <a:srgbClr val="000000">
+                    <a:alpha val="43137"/>
+                  </a:srgbClr>
+                </a:outerShdw>
+              </a:effectLst>
+              <a:latin typeface="Arial" panose="020B0604020202020204" pitchFamily="34" charset="0"/>
+              <a:ea typeface="黑体" panose="02010609060101010101" pitchFamily="2" charset="-122"/>
+            </a:endParaRPr>
+          </a:p>
+        </p:txBody>
+      </p:sp>
+      <p:sp>
+        <p:nvSpPr>
+          <p:cNvPr id="6" name="矩形 5"/>
+          <p:cNvSpPr/>
+          <p:nvPr/>
+        </p:nvSpPr>
+        <p:spPr bwMode="auto">
+          <a:xfrm>
+            <a:off x="3412671" y="1299754"/>
+            <a:ext cx="914400" cy="609600"/>
+          </a:xfrm>
+          <a:prstGeom prst="rect">
+            <a:avLst/>
+          </a:prstGeom>
+          <a:solidFill>
+            <a:srgbClr val="FFFF00"/>
+          </a:solidFill>
+          <a:ln w="9525" cap="flat" cmpd="sng" algn="ctr">
+            <a:solidFill>
+              <a:schemeClr val="tx1"/>
+            </a:solidFill>
+            <a:prstDash val="solid"/>
+            <a:round/>
+            <a:headEnd type="none" w="med" len="med"/>
+            <a:tailEnd type="none" w="med" len="med"/>
+          </a:ln>
+        </p:spPr>
+        <p:txBody>
+          <a:bodyPr vert="horz" wrap="square" lIns="91440" tIns="45720" rIns="91440" bIns="45720" numCol="1" rtlCol="0" anchor="ctr" anchorCtr="0" compatLnSpc="1"/>
+          <a:lstStyle/>
+          <a:p>
+            <a:r>
+              <a:rPr lang="en-US" altLang="zh-CN" sz="1200" dirty="0" smtClean="0"/>
+              <a:t>Consumer</a:t>
+            </a:r>
+          </a:p>
+          <a:p>
+            <a:r>
+              <a:rPr kumimoji="0" lang="en-US" altLang="zh-CN" sz="1200" b="0" i="0" u="none" strike="noStrike" cap="none" normalizeH="0" baseline="0" dirty="0" smtClean="0">
+                <a:ln>
+                  <a:noFill/>
+                </a:ln>
+                <a:solidFill>
+                  <a:schemeClr val="tx1"/>
+                </a:solidFill>
+                <a:effectLst>
+                  <a:outerShdw blurRad="38100" dist="38100" dir="2700000" algn="tl">
+                    <a:srgbClr val="000000">
+                      <a:alpha val="43137"/>
+                    </a:srgbClr>
+                  </a:outerShdw>
+                </a:effectLst>
+              </a:rPr>
+              <a:t>(MQ-client)</a:t>
+            </a:r>
+            <a:endParaRPr kumimoji="0" lang="zh-CN" altLang="en-US" sz="1200" b="0" i="0" u="none" strike="noStrike" cap="none" normalizeH="0" baseline="0" dirty="0" smtClean="0">
+              <a:ln>
+                <a:noFill/>
+              </a:ln>
+              <a:solidFill>
+                <a:schemeClr val="tx1"/>
+              </a:solidFill>
+              <a:effectLst>
+                <a:outerShdw blurRad="38100" dist="38100" dir="2700000" algn="tl">
+                  <a:srgbClr val="000000">
+                    <a:alpha val="43137"/>
+                  </a:srgbClr>
+                </a:outerShdw>
+              </a:effectLst>
+            </a:endParaRPr>
+          </a:p>
+        </p:txBody>
+      </p:sp>
+      <p:sp>
+        <p:nvSpPr>
+          <p:cNvPr id="7" name="矩形 6"/>
+          <p:cNvSpPr/>
+          <p:nvPr/>
+        </p:nvSpPr>
+        <p:spPr bwMode="auto">
+          <a:xfrm>
+            <a:off x="306977" y="1295400"/>
+            <a:ext cx="914400" cy="609600"/>
+          </a:xfrm>
+          <a:prstGeom prst="rect">
+            <a:avLst/>
+          </a:prstGeom>
+          <a:solidFill>
+            <a:srgbClr val="92D050"/>
+          </a:solidFill>
+          <a:ln w="9525" cap="flat" cmpd="sng" algn="ctr">
+            <a:solidFill>
+              <a:schemeClr val="tx1"/>
+            </a:solidFill>
+            <a:prstDash val="solid"/>
+            <a:round/>
+            <a:headEnd type="none" w="med" len="med"/>
+            <a:tailEnd type="none" w="med" len="med"/>
+          </a:ln>
+        </p:spPr>
+        <p:txBody>
+          <a:bodyPr vert="horz" wrap="square" lIns="91440" tIns="45720" rIns="91440" bIns="45720" numCol="1" rtlCol="0" anchor="ctr" anchorCtr="0" compatLnSpc="1"/>
+          <a:lstStyle/>
+          <a:p>
+            <a:r>
+              <a:rPr lang="en-US" altLang="zh-CN" sz="1200" dirty="0" smtClean="0"/>
+              <a:t>Producer</a:t>
+            </a:r>
+          </a:p>
+          <a:p>
+            <a:r>
+              <a:rPr kumimoji="0" lang="en-US" altLang="zh-CN" sz="1200" b="0" i="0" u="none" strike="noStrike" cap="none" normalizeH="0" baseline="0" dirty="0" smtClean="0">
+                <a:ln>
+                  <a:noFill/>
+                </a:ln>
+                <a:solidFill>
+                  <a:schemeClr val="tx1"/>
+                </a:solidFill>
+                <a:effectLst>
+                  <a:outerShdw blurRad="38100" dist="38100" dir="2700000" algn="tl">
+                    <a:srgbClr val="000000">
+                      <a:alpha val="43137"/>
+                    </a:srgbClr>
+                  </a:outerShdw>
+                </a:effectLst>
+              </a:rPr>
+              <a:t>(MQ-client)</a:t>
+            </a:r>
+            <a:endParaRPr kumimoji="0" lang="zh-CN" altLang="en-US" sz="1200" b="0" i="0" u="none" strike="noStrike" cap="none" normalizeH="0" baseline="0" dirty="0" smtClean="0">
+              <a:ln>
+                <a:noFill/>
+              </a:ln>
+              <a:solidFill>
+                <a:schemeClr val="tx1"/>
+              </a:solidFill>
+              <a:effectLst>
+                <a:outerShdw blurRad="38100" dist="38100" dir="2700000" algn="tl">
+                  <a:srgbClr val="000000">
+                    <a:alpha val="43137"/>
+                  </a:srgbClr>
+                </a:outerShdw>
+              </a:effectLst>
+            </a:endParaRPr>
+          </a:p>
+        </p:txBody>
+      </p:sp>
+      <p:sp>
+        <p:nvSpPr>
+          <p:cNvPr id="8" name="流程图: 磁盘 7"/>
+          <p:cNvSpPr/>
+          <p:nvPr/>
+        </p:nvSpPr>
+        <p:spPr bwMode="auto">
+          <a:xfrm>
+            <a:off x="1916380" y="2488792"/>
+            <a:ext cx="706582" cy="217714"/>
+          </a:xfrm>
+          <a:prstGeom prst="flowChartMagneticDisk">
+            <a:avLst/>
+          </a:prstGeom>
+          <a:solidFill>
+            <a:schemeClr val="accent2">
+              <a:lumMod val="75000"/>
+            </a:schemeClr>
+          </a:solidFill>
+          <a:ln w="9525" cap="flat" cmpd="sng" algn="ctr">
+            <a:solidFill>
+              <a:schemeClr val="tx1"/>
+            </a:solidFill>
+            <a:prstDash val="solid"/>
+            <a:round/>
+            <a:headEnd type="none" w="med" len="med"/>
+            <a:tailEnd type="none" w="med" len="med"/>
+          </a:ln>
+        </p:spPr>
+        <p:txBody>
+          <a:bodyPr vert="horz" wrap="square" lIns="91440" tIns="45720" rIns="91440" bIns="45720" numCol="1" rtlCol="0" anchor="ctr" anchorCtr="0" compatLnSpc="1"/>
+          <a:lstStyle/>
+          <a:p>
+            <a:pPr marL="0" marR="0" indent="0" algn="ctr" defTabSz="914400" rtl="0" eaLnBrk="1" fontAlgn="base" latinLnBrk="0" hangingPunct="1">
+              <a:lnSpc>
+                <a:spcPct val="100000"/>
+              </a:lnSpc>
+              <a:spcBef>
+                <a:spcPct val="0"/>
+              </a:spcBef>
+              <a:spcAft>
+                <a:spcPct val="0"/>
+              </a:spcAft>
+              <a:buClrTx/>
+              <a:buSzTx/>
+              <a:buFontTx/>
+              <a:buNone/>
+            </a:pPr>
+            <a:r>
+              <a:rPr lang="en-US" altLang="zh-CN" sz="1200" dirty="0" err="1" smtClean="0"/>
+              <a:t>db</a:t>
+            </a:r>
+            <a:endParaRPr kumimoji="0" lang="zh-CN" altLang="en-US" sz="1200" b="0" i="0" u="none" strike="noStrike" cap="none" normalizeH="0" baseline="0" dirty="0" smtClean="0">
+              <a:ln>
+                <a:noFill/>
+              </a:ln>
+              <a:solidFill>
+                <a:schemeClr val="tx1"/>
+              </a:solidFill>
+              <a:effectLst>
+                <a:outerShdw blurRad="38100" dist="38100" dir="2700000" algn="tl">
+                  <a:srgbClr val="000000">
+                    <a:alpha val="43137"/>
+                  </a:srgbClr>
+                </a:outerShdw>
+              </a:effectLst>
+            </a:endParaRPr>
+          </a:p>
+        </p:txBody>
+      </p:sp>
+      <p:cxnSp>
+        <p:nvCxnSpPr>
+          <p:cNvPr id="9" name="直接箭头连接符 8"/>
+          <p:cNvCxnSpPr/>
+          <p:nvPr/>
+        </p:nvCxnSpPr>
+        <p:spPr bwMode="auto">
+          <a:xfrm>
+            <a:off x="1202871" y="1528354"/>
+            <a:ext cx="609600" cy="0"/>
+          </a:xfrm>
+          <a:prstGeom prst="straightConnector1">
+            <a:avLst/>
+          </a:prstGeom>
+          <a:solidFill>
+            <a:schemeClr val="accent1"/>
+          </a:solidFill>
+          <a:ln w="9525" cap="flat" cmpd="sng" algn="ctr">
+            <a:solidFill>
+              <a:schemeClr val="tx1"/>
+            </a:solidFill>
+            <a:prstDash val="solid"/>
+            <a:round/>
+            <a:headEnd type="none" w="med" len="med"/>
+            <a:tailEnd type="triangle"/>
+          </a:ln>
+        </p:spPr>
+      </p:cxnSp>
+      <p:cxnSp>
+        <p:nvCxnSpPr>
+          <p:cNvPr id="10" name="直接箭头连接符 9"/>
+          <p:cNvCxnSpPr/>
+          <p:nvPr/>
+        </p:nvCxnSpPr>
+        <p:spPr bwMode="auto">
+          <a:xfrm>
+            <a:off x="2422071" y="1909354"/>
+            <a:ext cx="0" cy="579438"/>
+          </a:xfrm>
+          <a:prstGeom prst="straightConnector1">
+            <a:avLst/>
+          </a:prstGeom>
+          <a:solidFill>
+            <a:schemeClr val="accent1"/>
+          </a:solidFill>
+          <a:ln w="9525" cap="flat" cmpd="sng" algn="ctr">
+            <a:solidFill>
+              <a:schemeClr val="tx1"/>
+            </a:solidFill>
+            <a:prstDash val="solid"/>
+            <a:round/>
+            <a:headEnd type="none" w="med" len="med"/>
+            <a:tailEnd type="triangle"/>
+          </a:ln>
+        </p:spPr>
+      </p:cxnSp>
+      <p:cxnSp>
+        <p:nvCxnSpPr>
+          <p:cNvPr id="11" name="直接箭头连接符 10"/>
+          <p:cNvCxnSpPr/>
+          <p:nvPr/>
+        </p:nvCxnSpPr>
+        <p:spPr bwMode="auto">
+          <a:xfrm flipH="1">
+            <a:off x="1202871" y="1756954"/>
+            <a:ext cx="609600" cy="0"/>
+          </a:xfrm>
+          <a:prstGeom prst="straightConnector1">
+            <a:avLst/>
+          </a:prstGeom>
+          <a:solidFill>
+            <a:schemeClr val="accent1"/>
+          </a:solidFill>
+          <a:ln w="9525" cap="flat" cmpd="sng" algn="ctr">
+            <a:solidFill>
+              <a:schemeClr val="tx1"/>
+            </a:solidFill>
+            <a:prstDash val="solid"/>
+            <a:round/>
+            <a:headEnd type="none" w="med" len="med"/>
+            <a:tailEnd type="triangle"/>
+          </a:ln>
+        </p:spPr>
+      </p:cxnSp>
+      <p:cxnSp>
+        <p:nvCxnSpPr>
+          <p:cNvPr id="12" name="直接箭头连接符 11"/>
+          <p:cNvCxnSpPr/>
+          <p:nvPr/>
+        </p:nvCxnSpPr>
+        <p:spPr bwMode="auto">
+          <a:xfrm>
+            <a:off x="2726871" y="1528354"/>
+            <a:ext cx="685800" cy="0"/>
+          </a:xfrm>
+          <a:prstGeom prst="straightConnector1">
+            <a:avLst/>
+          </a:prstGeom>
+          <a:solidFill>
+            <a:schemeClr val="accent1"/>
+          </a:solidFill>
+          <a:ln w="9525" cap="flat" cmpd="sng" algn="ctr">
+            <a:solidFill>
+              <a:schemeClr val="tx1"/>
+            </a:solidFill>
+            <a:prstDash val="solid"/>
+            <a:round/>
+            <a:headEnd type="none" w="med" len="med"/>
+            <a:tailEnd type="triangle"/>
+          </a:ln>
+        </p:spPr>
+      </p:cxnSp>
+      <p:cxnSp>
+        <p:nvCxnSpPr>
+          <p:cNvPr id="13" name="直接箭头连接符 12"/>
+          <p:cNvCxnSpPr/>
+          <p:nvPr/>
+        </p:nvCxnSpPr>
+        <p:spPr bwMode="auto">
+          <a:xfrm flipH="1">
+            <a:off x="2726871" y="1756954"/>
+            <a:ext cx="685800" cy="0"/>
+          </a:xfrm>
+          <a:prstGeom prst="straightConnector1">
+            <a:avLst/>
+          </a:prstGeom>
+          <a:solidFill>
+            <a:schemeClr val="accent1"/>
+          </a:solidFill>
+          <a:ln w="9525" cap="flat" cmpd="sng" algn="ctr">
+            <a:solidFill>
+              <a:schemeClr val="tx1"/>
+            </a:solidFill>
+            <a:prstDash val="solid"/>
+            <a:round/>
+            <a:headEnd type="none" w="med" len="med"/>
+            <a:tailEnd type="triangle"/>
+          </a:ln>
+        </p:spPr>
+      </p:cxnSp>
+      <p:sp>
+        <p:nvSpPr>
+          <p:cNvPr id="14" name="矩形 13"/>
+          <p:cNvSpPr/>
+          <p:nvPr/>
+        </p:nvSpPr>
+        <p:spPr bwMode="auto">
+          <a:xfrm>
+            <a:off x="1393371" y="1375954"/>
+            <a:ext cx="190500" cy="224246"/>
+          </a:xfrm>
+          <a:prstGeom prst="rect">
+            <a:avLst/>
+          </a:prstGeom>
+          <a:solidFill>
+            <a:schemeClr val="bg1"/>
+          </a:solidFill>
+          <a:ln w="9525" cap="flat" cmpd="sng" algn="ctr">
+            <a:solidFill>
+              <a:schemeClr val="tx1"/>
+            </a:solidFill>
+            <a:prstDash val="solid"/>
+            <a:round/>
+            <a:headEnd type="none" w="med" len="med"/>
+            <a:tailEnd type="none" w="med" len="med"/>
+          </a:ln>
+        </p:spPr>
+        <p:txBody>
+          <a:bodyPr vert="horz" wrap="square" lIns="91440" tIns="45720" rIns="91440" bIns="45720" numCol="1" rtlCol="0" anchor="ctr" anchorCtr="0" compatLnSpc="1"/>
+          <a:lstStyle/>
+          <a:p>
+            <a:pPr marL="0" marR="0" indent="0" algn="ctr" defTabSz="914400" rtl="0" eaLnBrk="1" fontAlgn="base" latinLnBrk="0" hangingPunct="1">
+              <a:lnSpc>
+                <a:spcPct val="100000"/>
+              </a:lnSpc>
+              <a:spcBef>
+                <a:spcPct val="0"/>
+              </a:spcBef>
+              <a:spcAft>
+                <a:spcPct val="0"/>
+              </a:spcAft>
+              <a:buClrTx/>
+              <a:buSzTx/>
+              <a:buFontTx/>
+              <a:buNone/>
+            </a:pPr>
+            <a:r>
+              <a:rPr kumimoji="0" lang="en-US" altLang="zh-CN" sz="1100" b="0" i="0" u="none" strike="noStrike" cap="none" normalizeH="0" baseline="0" dirty="0" smtClean="0">
+                <a:ln>
+                  <a:noFill/>
+                </a:ln>
+                <a:solidFill>
+                  <a:schemeClr val="tx1"/>
+                </a:solidFill>
+                <a:effectLst>
+                  <a:outerShdw blurRad="38100" dist="38100" dir="2700000" algn="tl">
+                    <a:srgbClr val="000000">
+                      <a:alpha val="43137"/>
+                    </a:srgbClr>
+                  </a:outerShdw>
+                </a:effectLst>
+                <a:latin typeface="Arial" panose="020B0604020202020204" pitchFamily="34" charset="0"/>
+                <a:ea typeface="黑体" panose="02010609060101010101" pitchFamily="2" charset="-122"/>
+              </a:rPr>
+              <a:t>1</a:t>
+            </a:r>
+            <a:endParaRPr kumimoji="0" lang="zh-CN" altLang="en-US" sz="1100" b="0" i="0" u="none" strike="noStrike" cap="none" normalizeH="0" baseline="0" dirty="0" smtClean="0">
+              <a:ln>
+                <a:noFill/>
+              </a:ln>
+              <a:solidFill>
+                <a:schemeClr val="tx1"/>
+              </a:solidFill>
+              <a:effectLst>
+                <a:outerShdw blurRad="38100" dist="38100" dir="2700000" algn="tl">
+                  <a:srgbClr val="000000">
+                    <a:alpha val="43137"/>
+                  </a:srgbClr>
+                </a:outerShdw>
+              </a:effectLst>
+              <a:latin typeface="Arial" panose="020B0604020202020204" pitchFamily="34" charset="0"/>
+              <a:ea typeface="黑体" panose="02010609060101010101" pitchFamily="2" charset="-122"/>
+            </a:endParaRPr>
+          </a:p>
+        </p:txBody>
+      </p:sp>
+      <p:sp>
+        <p:nvSpPr>
+          <p:cNvPr id="15" name="矩形 14"/>
+          <p:cNvSpPr/>
+          <p:nvPr/>
+        </p:nvSpPr>
+        <p:spPr bwMode="auto">
+          <a:xfrm>
+            <a:off x="2326821" y="2067516"/>
+            <a:ext cx="190500" cy="224246"/>
+          </a:xfrm>
+          <a:prstGeom prst="rect">
+            <a:avLst/>
+          </a:prstGeom>
+          <a:solidFill>
+            <a:schemeClr val="bg1"/>
+          </a:solidFill>
+          <a:ln w="9525" cap="flat" cmpd="sng" algn="ctr">
+            <a:solidFill>
+              <a:schemeClr val="tx1"/>
+            </a:solidFill>
+            <a:prstDash val="solid"/>
+            <a:round/>
+            <a:headEnd type="none" w="med" len="med"/>
+            <a:tailEnd type="none" w="med" len="med"/>
+          </a:ln>
+        </p:spPr>
+        <p:txBody>
+          <a:bodyPr vert="horz" wrap="square" lIns="91440" tIns="45720" rIns="91440" bIns="45720" numCol="1" rtlCol="0" anchor="ctr" anchorCtr="0" compatLnSpc="1"/>
+          <a:lstStyle/>
+          <a:p>
+            <a:pPr marL="0" marR="0" indent="0" algn="ctr" defTabSz="914400" rtl="0" eaLnBrk="1" fontAlgn="base" latinLnBrk="0" hangingPunct="1">
+              <a:lnSpc>
+                <a:spcPct val="100000"/>
+              </a:lnSpc>
+              <a:spcBef>
+                <a:spcPct val="0"/>
+              </a:spcBef>
+              <a:spcAft>
+                <a:spcPct val="0"/>
+              </a:spcAft>
+              <a:buClrTx/>
+              <a:buSzTx/>
+              <a:buFontTx/>
+              <a:buNone/>
+            </a:pPr>
+            <a:r>
+              <a:rPr lang="en-US" altLang="zh-CN" sz="1100" dirty="0"/>
+              <a:t>6</a:t>
+            </a:r>
+            <a:endParaRPr kumimoji="0" lang="zh-CN" altLang="en-US" sz="1100" b="0" i="0" u="none" strike="noStrike" cap="none" normalizeH="0" baseline="0" dirty="0" smtClean="0">
+              <a:ln>
+                <a:noFill/>
+              </a:ln>
+              <a:solidFill>
+                <a:schemeClr val="tx1"/>
+              </a:solidFill>
+              <a:effectLst>
+                <a:outerShdw blurRad="38100" dist="38100" dir="2700000" algn="tl">
+                  <a:srgbClr val="000000">
+                    <a:alpha val="43137"/>
+                  </a:srgbClr>
+                </a:outerShdw>
+              </a:effectLst>
+              <a:latin typeface="Arial" panose="020B0604020202020204" pitchFamily="34" charset="0"/>
+              <a:ea typeface="黑体" panose="02010609060101010101" pitchFamily="2" charset="-122"/>
+            </a:endParaRPr>
+          </a:p>
+        </p:txBody>
+      </p:sp>
+      <p:sp>
+        <p:nvSpPr>
+          <p:cNvPr id="16" name="矩形 15"/>
+          <p:cNvSpPr/>
+          <p:nvPr/>
+        </p:nvSpPr>
+        <p:spPr bwMode="auto">
+          <a:xfrm>
+            <a:off x="2993571" y="1640477"/>
+            <a:ext cx="190500" cy="224246"/>
+          </a:xfrm>
+          <a:prstGeom prst="rect">
+            <a:avLst/>
+          </a:prstGeom>
+          <a:solidFill>
+            <a:schemeClr val="bg1"/>
+          </a:solidFill>
+          <a:ln w="9525" cap="flat" cmpd="sng" algn="ctr">
+            <a:solidFill>
+              <a:schemeClr val="tx1"/>
+            </a:solidFill>
+            <a:prstDash val="solid"/>
+            <a:round/>
+            <a:headEnd type="none" w="med" len="med"/>
+            <a:tailEnd type="none" w="med" len="med"/>
+          </a:ln>
+        </p:spPr>
+        <p:txBody>
+          <a:bodyPr vert="horz" wrap="square" lIns="91440" tIns="45720" rIns="91440" bIns="45720" numCol="1" rtlCol="0" anchor="ctr" anchorCtr="0" compatLnSpc="1"/>
+          <a:lstStyle/>
+          <a:p>
+            <a:pPr marL="0" marR="0" indent="0" algn="ctr" defTabSz="914400" rtl="0" eaLnBrk="1" fontAlgn="base" latinLnBrk="0" hangingPunct="1">
+              <a:lnSpc>
+                <a:spcPct val="100000"/>
+              </a:lnSpc>
+              <a:spcBef>
+                <a:spcPct val="0"/>
+              </a:spcBef>
+              <a:spcAft>
+                <a:spcPct val="0"/>
+              </a:spcAft>
+              <a:buClrTx/>
+              <a:buSzTx/>
+              <a:buFontTx/>
+              <a:buNone/>
+            </a:pPr>
+            <a:r>
+              <a:rPr lang="en-US" altLang="zh-CN" sz="1100" dirty="0"/>
+              <a:t>5</a:t>
+            </a:r>
+            <a:endParaRPr kumimoji="0" lang="zh-CN" altLang="en-US" sz="1100" b="0" i="0" u="none" strike="noStrike" cap="none" normalizeH="0" baseline="0" dirty="0" smtClean="0">
+              <a:ln>
+                <a:noFill/>
+              </a:ln>
+              <a:solidFill>
+                <a:schemeClr val="tx1"/>
+              </a:solidFill>
+              <a:effectLst>
+                <a:outerShdw blurRad="38100" dist="38100" dir="2700000" algn="tl">
+                  <a:srgbClr val="000000">
+                    <a:alpha val="43137"/>
+                  </a:srgbClr>
+                </a:outerShdw>
+              </a:effectLst>
+              <a:latin typeface="Arial" panose="020B0604020202020204" pitchFamily="34" charset="0"/>
+              <a:ea typeface="黑体" panose="02010609060101010101" pitchFamily="2" charset="-122"/>
+            </a:endParaRPr>
+          </a:p>
+        </p:txBody>
+      </p:sp>
+      <p:sp>
+        <p:nvSpPr>
+          <p:cNvPr id="17" name="矩形 16"/>
+          <p:cNvSpPr/>
+          <p:nvPr/>
+        </p:nvSpPr>
+        <p:spPr bwMode="auto">
+          <a:xfrm>
+            <a:off x="2993571" y="1358537"/>
+            <a:ext cx="190500" cy="224246"/>
+          </a:xfrm>
+          <a:prstGeom prst="rect">
+            <a:avLst/>
+          </a:prstGeom>
+          <a:solidFill>
+            <a:schemeClr val="bg1"/>
+          </a:solidFill>
+          <a:ln w="9525" cap="flat" cmpd="sng" algn="ctr">
+            <a:solidFill>
+              <a:schemeClr val="tx1"/>
+            </a:solidFill>
+            <a:prstDash val="solid"/>
+            <a:round/>
+            <a:headEnd type="none" w="med" len="med"/>
+            <a:tailEnd type="none" w="med" len="med"/>
+          </a:ln>
+        </p:spPr>
+        <p:txBody>
+          <a:bodyPr vert="horz" wrap="square" lIns="91440" tIns="45720" rIns="91440" bIns="45720" numCol="1" rtlCol="0" anchor="ctr" anchorCtr="0" compatLnSpc="1"/>
+          <a:lstStyle/>
+          <a:p>
+            <a:pPr marL="0" marR="0" indent="0" algn="ctr" defTabSz="914400" rtl="0" eaLnBrk="1" fontAlgn="base" latinLnBrk="0" hangingPunct="1">
+              <a:lnSpc>
+                <a:spcPct val="100000"/>
+              </a:lnSpc>
+              <a:spcBef>
+                <a:spcPct val="0"/>
+              </a:spcBef>
+              <a:spcAft>
+                <a:spcPct val="0"/>
+              </a:spcAft>
+              <a:buClrTx/>
+              <a:buSzTx/>
+              <a:buFontTx/>
+              <a:buNone/>
+            </a:pPr>
+            <a:r>
+              <a:rPr lang="en-US" altLang="zh-CN" sz="1100" dirty="0"/>
+              <a:t>4</a:t>
+            </a:r>
+            <a:endParaRPr kumimoji="0" lang="zh-CN" altLang="en-US" sz="1100" b="0" i="0" u="none" strike="noStrike" cap="none" normalizeH="0" baseline="0" dirty="0" smtClean="0">
+              <a:ln>
+                <a:noFill/>
+              </a:ln>
+              <a:solidFill>
+                <a:schemeClr val="tx1"/>
+              </a:solidFill>
+              <a:effectLst>
+                <a:outerShdw blurRad="38100" dist="38100" dir="2700000" algn="tl">
+                  <a:srgbClr val="000000">
+                    <a:alpha val="43137"/>
+                  </a:srgbClr>
+                </a:outerShdw>
+              </a:effectLst>
+              <a:latin typeface="Arial" panose="020B0604020202020204" pitchFamily="34" charset="0"/>
+              <a:ea typeface="黑体" panose="02010609060101010101" pitchFamily="2" charset="-122"/>
+            </a:endParaRPr>
+          </a:p>
+        </p:txBody>
+      </p:sp>
+      <p:sp>
+        <p:nvSpPr>
+          <p:cNvPr id="18" name="矩形 17"/>
+          <p:cNvSpPr/>
+          <p:nvPr/>
+        </p:nvSpPr>
+        <p:spPr bwMode="auto">
+          <a:xfrm>
+            <a:off x="1389017" y="1640477"/>
+            <a:ext cx="190500" cy="224246"/>
+          </a:xfrm>
+          <a:prstGeom prst="rect">
+            <a:avLst/>
+          </a:prstGeom>
+          <a:solidFill>
+            <a:schemeClr val="bg1"/>
+          </a:solidFill>
+          <a:ln w="9525" cap="flat" cmpd="sng" algn="ctr">
+            <a:solidFill>
+              <a:schemeClr val="tx1"/>
+            </a:solidFill>
+            <a:prstDash val="solid"/>
+            <a:round/>
+            <a:headEnd type="none" w="med" len="med"/>
+            <a:tailEnd type="none" w="med" len="med"/>
+          </a:ln>
+        </p:spPr>
+        <p:txBody>
+          <a:bodyPr vert="horz" wrap="square" lIns="91440" tIns="45720" rIns="91440" bIns="45720" numCol="1" rtlCol="0" anchor="ctr" anchorCtr="0" compatLnSpc="1"/>
+          <a:lstStyle/>
+          <a:p>
+            <a:pPr marL="0" marR="0" indent="0" algn="ctr" defTabSz="914400" rtl="0" eaLnBrk="1" fontAlgn="base" latinLnBrk="0" hangingPunct="1">
+              <a:lnSpc>
+                <a:spcPct val="100000"/>
+              </a:lnSpc>
+              <a:spcBef>
+                <a:spcPct val="0"/>
+              </a:spcBef>
+              <a:spcAft>
+                <a:spcPct val="0"/>
+              </a:spcAft>
+              <a:buClrTx/>
+              <a:buSzTx/>
+              <a:buFontTx/>
+              <a:buNone/>
+            </a:pPr>
+            <a:r>
+              <a:rPr lang="en-US" altLang="zh-CN" sz="1100" dirty="0"/>
+              <a:t>3</a:t>
+            </a:r>
+            <a:endParaRPr kumimoji="0" lang="zh-CN" altLang="en-US" sz="1100" b="0" i="0" u="none" strike="noStrike" cap="none" normalizeH="0" baseline="0" dirty="0" smtClean="0">
+              <a:ln>
+                <a:noFill/>
+              </a:ln>
+              <a:solidFill>
+                <a:schemeClr val="tx1"/>
+              </a:solidFill>
+              <a:effectLst>
+                <a:outerShdw blurRad="38100" dist="38100" dir="2700000" algn="tl">
+                  <a:srgbClr val="000000">
+                    <a:alpha val="43137"/>
+                  </a:srgbClr>
+                </a:outerShdw>
+              </a:effectLst>
+              <a:latin typeface="Arial" panose="020B0604020202020204" pitchFamily="34" charset="0"/>
+              <a:ea typeface="黑体" panose="02010609060101010101" pitchFamily="2" charset="-122"/>
+            </a:endParaRPr>
+          </a:p>
+        </p:txBody>
+      </p:sp>
+      <p:cxnSp>
+        <p:nvCxnSpPr>
+          <p:cNvPr id="19" name="直接箭头连接符 18"/>
+          <p:cNvCxnSpPr/>
+          <p:nvPr/>
+        </p:nvCxnSpPr>
+        <p:spPr bwMode="auto">
+          <a:xfrm>
+            <a:off x="2100670" y="1928788"/>
+            <a:ext cx="0" cy="579438"/>
+          </a:xfrm>
+          <a:prstGeom prst="straightConnector1">
+            <a:avLst/>
+          </a:prstGeom>
+          <a:solidFill>
+            <a:schemeClr val="accent1"/>
+          </a:solidFill>
+          <a:ln w="9525" cap="flat" cmpd="sng" algn="ctr">
+            <a:solidFill>
+              <a:schemeClr val="tx1"/>
+            </a:solidFill>
+            <a:prstDash val="solid"/>
+            <a:round/>
+            <a:headEnd type="none" w="med" len="med"/>
+            <a:tailEnd type="triangle"/>
+          </a:ln>
+        </p:spPr>
+      </p:cxnSp>
+      <p:sp>
+        <p:nvSpPr>
+          <p:cNvPr id="20" name="矩形 19"/>
+          <p:cNvSpPr/>
+          <p:nvPr/>
+        </p:nvSpPr>
+        <p:spPr bwMode="auto">
+          <a:xfrm>
+            <a:off x="2005420" y="2086950"/>
+            <a:ext cx="190500" cy="224246"/>
+          </a:xfrm>
+          <a:prstGeom prst="rect">
+            <a:avLst/>
+          </a:prstGeom>
+          <a:solidFill>
+            <a:schemeClr val="bg1"/>
+          </a:solidFill>
+          <a:ln w="9525" cap="flat" cmpd="sng" algn="ctr">
+            <a:solidFill>
+              <a:schemeClr val="tx1"/>
+            </a:solidFill>
+            <a:prstDash val="solid"/>
+            <a:round/>
+            <a:headEnd type="none" w="med" len="med"/>
+            <a:tailEnd type="none" w="med" len="med"/>
+          </a:ln>
+        </p:spPr>
+        <p:txBody>
+          <a:bodyPr vert="horz" wrap="square" lIns="91440" tIns="45720" rIns="91440" bIns="45720" numCol="1" rtlCol="0" anchor="ctr" anchorCtr="0" compatLnSpc="1"/>
+          <a:lstStyle/>
+          <a:p>
+            <a:pPr marL="0" marR="0" indent="0" algn="ctr" defTabSz="914400" rtl="0" eaLnBrk="1" fontAlgn="base" latinLnBrk="0" hangingPunct="1">
+              <a:lnSpc>
+                <a:spcPct val="100000"/>
+              </a:lnSpc>
+              <a:spcBef>
+                <a:spcPct val="0"/>
+              </a:spcBef>
+              <a:spcAft>
+                <a:spcPct val="0"/>
+              </a:spcAft>
+              <a:buClrTx/>
+              <a:buSzTx/>
+              <a:buFontTx/>
+              <a:buNone/>
+            </a:pPr>
+            <a:r>
+              <a:rPr lang="en-US" altLang="zh-CN" sz="1100" dirty="0"/>
+              <a:t>2</a:t>
+            </a:r>
+            <a:endParaRPr kumimoji="0" lang="zh-CN" altLang="en-US" sz="1100" b="0" i="0" u="none" strike="noStrike" cap="none" normalizeH="0" baseline="0" dirty="0" smtClean="0">
+              <a:ln>
+                <a:noFill/>
+              </a:ln>
+              <a:solidFill>
+                <a:schemeClr val="tx1"/>
+              </a:solidFill>
+              <a:effectLst>
+                <a:outerShdw blurRad="38100" dist="38100" dir="2700000" algn="tl">
+                  <a:srgbClr val="000000">
+                    <a:alpha val="43137"/>
+                  </a:srgbClr>
+                </a:outerShdw>
+              </a:effectLst>
+              <a:latin typeface="Arial" panose="020B0604020202020204" pitchFamily="34" charset="0"/>
+              <a:ea typeface="黑体" panose="02010609060101010101" pitchFamily="2" charset="-122"/>
+            </a:endParaRPr>
+          </a:p>
+        </p:txBody>
+      </p:sp>
+      <p:sp>
+        <p:nvSpPr>
+          <p:cNvPr id="2" name="文本框 1"/>
+          <p:cNvSpPr txBox="1"/>
+          <p:nvPr/>
+        </p:nvSpPr>
+        <p:spPr>
+          <a:xfrm>
+            <a:off x="4648201" y="633616"/>
+            <a:ext cx="4038599" cy="2462213"/>
+          </a:xfrm>
+          <a:prstGeom prst="rect">
+            <a:avLst/>
+          </a:prstGeom>
+          <a:noFill/>
+        </p:spPr>
+        <p:txBody>
+          <a:bodyPr wrap="square" rtlCol="0">
+            <a:spAutoFit/>
+          </a:bodyPr>
+          <a:lstStyle/>
+          <a:p>
+            <a:pPr algn="l"/>
+            <a:r>
+              <a:rPr lang="en-US" altLang="zh-CN" sz="1400" dirty="0">
+                <a:effectLst/>
+              </a:rPr>
+              <a:t>MQ</a:t>
+            </a:r>
+            <a:r>
+              <a:rPr lang="zh-CN" altLang="en-US" sz="1400" dirty="0">
+                <a:effectLst/>
+              </a:rPr>
+              <a:t>消息发送下半场，即上图中的</a:t>
+            </a:r>
+            <a:r>
+              <a:rPr lang="en-US" altLang="zh-CN" sz="1400" dirty="0" smtClean="0">
+                <a:effectLst/>
+              </a:rPr>
+              <a:t>4-6</a:t>
+            </a:r>
+          </a:p>
+          <a:p>
+            <a:pPr marL="342900" indent="-342900" algn="l">
+              <a:buFont typeface="+mj-lt"/>
+              <a:buAutoNum type="arabicPeriod" startAt="4"/>
+            </a:pPr>
+            <a:r>
+              <a:rPr lang="zh-CN" altLang="en-US" sz="1400" dirty="0">
+                <a:effectLst/>
+              </a:rPr>
+              <a:t>服务端</a:t>
+            </a:r>
+            <a:r>
+              <a:rPr lang="en-US" altLang="zh-CN" sz="1400" dirty="0">
+                <a:effectLst/>
+              </a:rPr>
+              <a:t>MQ-server</a:t>
+            </a:r>
+            <a:r>
+              <a:rPr lang="zh-CN" altLang="en-US" sz="1400" dirty="0">
+                <a:effectLst/>
+              </a:rPr>
+              <a:t>将消息发给接收端</a:t>
+            </a:r>
+            <a:r>
+              <a:rPr lang="en-US" altLang="zh-CN" sz="1400" dirty="0" smtClean="0">
+                <a:effectLst/>
+              </a:rPr>
+              <a:t>MQ-client</a:t>
+            </a:r>
+          </a:p>
+          <a:p>
+            <a:pPr marL="342900" indent="-342900" algn="l">
+              <a:buFont typeface="+mj-lt"/>
+              <a:buAutoNum type="arabicPeriod" startAt="4"/>
+            </a:pPr>
+            <a:r>
+              <a:rPr lang="zh-CN" altLang="en-US" sz="1400" dirty="0">
+                <a:effectLst/>
+              </a:rPr>
+              <a:t>接收端</a:t>
+            </a:r>
+            <a:r>
+              <a:rPr lang="en-US" altLang="zh-CN" sz="1400" dirty="0">
+                <a:effectLst/>
+              </a:rPr>
+              <a:t>MQ-client</a:t>
+            </a:r>
+            <a:r>
+              <a:rPr lang="zh-CN" altLang="en-US" sz="1400" dirty="0">
+                <a:effectLst/>
+              </a:rPr>
+              <a:t>回</a:t>
+            </a:r>
+            <a:r>
+              <a:rPr lang="en-US" altLang="zh-CN" sz="1400" dirty="0">
+                <a:effectLst/>
+              </a:rPr>
+              <a:t>ACK</a:t>
+            </a:r>
+            <a:r>
+              <a:rPr lang="zh-CN" altLang="en-US" sz="1400" dirty="0">
+                <a:effectLst/>
+              </a:rPr>
+              <a:t>给服务</a:t>
+            </a:r>
+            <a:r>
+              <a:rPr lang="zh-CN" altLang="en-US" sz="1400" dirty="0" smtClean="0">
+                <a:effectLst/>
+              </a:rPr>
+              <a:t>端</a:t>
+            </a:r>
+            <a:endParaRPr lang="en-US" altLang="zh-CN" sz="1400" dirty="0" smtClean="0">
+              <a:effectLst/>
+            </a:endParaRPr>
+          </a:p>
+          <a:p>
+            <a:pPr marL="342900" indent="-342900" algn="l">
+              <a:buFont typeface="+mj-lt"/>
+              <a:buAutoNum type="arabicPeriod" startAt="4"/>
+            </a:pPr>
+            <a:r>
+              <a:rPr lang="zh-CN" altLang="en-US" sz="1400" dirty="0">
+                <a:effectLst/>
+              </a:rPr>
+              <a:t>服务端</a:t>
+            </a:r>
+            <a:r>
+              <a:rPr lang="en-US" altLang="zh-CN" sz="1400" dirty="0">
+                <a:effectLst/>
+              </a:rPr>
+              <a:t>MQ-server</a:t>
+            </a:r>
+            <a:r>
+              <a:rPr lang="zh-CN" altLang="en-US" sz="1400" dirty="0">
+                <a:effectLst/>
+              </a:rPr>
+              <a:t>将落地消息</a:t>
+            </a:r>
+            <a:r>
+              <a:rPr lang="zh-CN" altLang="en-US" sz="1400" dirty="0" smtClean="0">
+                <a:effectLst/>
+              </a:rPr>
+              <a:t>删除</a:t>
+            </a:r>
+            <a:endParaRPr lang="en-US" altLang="zh-CN" sz="1400" dirty="0" smtClean="0">
+              <a:effectLst/>
+            </a:endParaRPr>
+          </a:p>
+          <a:p>
+            <a:pPr algn="l"/>
+            <a:r>
+              <a:rPr lang="zh-CN" altLang="en-US" sz="1400" dirty="0">
+                <a:solidFill>
+                  <a:srgbClr val="FF0000"/>
+                </a:solidFill>
+                <a:effectLst/>
+              </a:rPr>
+              <a:t>需要强调的是，接收端</a:t>
+            </a:r>
+            <a:r>
+              <a:rPr lang="en-US" altLang="zh-CN" sz="1400" dirty="0">
+                <a:solidFill>
+                  <a:srgbClr val="FF0000"/>
+                </a:solidFill>
+                <a:effectLst/>
+              </a:rPr>
+              <a:t>MQ-client</a:t>
+            </a:r>
+            <a:r>
+              <a:rPr lang="zh-CN" altLang="en-US" sz="1400" dirty="0">
+                <a:solidFill>
+                  <a:srgbClr val="FF0000"/>
+                </a:solidFill>
+                <a:effectLst/>
+              </a:rPr>
+              <a:t>回</a:t>
+            </a:r>
+            <a:r>
+              <a:rPr lang="en-US" altLang="zh-CN" sz="1400" dirty="0">
+                <a:solidFill>
+                  <a:srgbClr val="FF0000"/>
+                </a:solidFill>
+                <a:effectLst/>
+              </a:rPr>
+              <a:t>ACK</a:t>
+            </a:r>
+            <a:r>
+              <a:rPr lang="zh-CN" altLang="en-US" sz="1400" dirty="0">
+                <a:solidFill>
+                  <a:srgbClr val="FF0000"/>
+                </a:solidFill>
+                <a:effectLst/>
+              </a:rPr>
+              <a:t>给服务端</a:t>
+            </a:r>
+            <a:r>
+              <a:rPr lang="en-US" altLang="zh-CN" sz="1400" dirty="0">
+                <a:solidFill>
+                  <a:srgbClr val="FF0000"/>
+                </a:solidFill>
+                <a:effectLst/>
+              </a:rPr>
+              <a:t>MQ-server</a:t>
+            </a:r>
+            <a:r>
+              <a:rPr lang="zh-CN" altLang="en-US" sz="1400" dirty="0">
+                <a:solidFill>
+                  <a:srgbClr val="FF0000"/>
+                </a:solidFill>
+                <a:effectLst/>
+              </a:rPr>
+              <a:t>，是消息消费业务方的主动调用行为，不能由</a:t>
+            </a:r>
+            <a:r>
+              <a:rPr lang="en-US" altLang="zh-CN" sz="1400" dirty="0">
+                <a:solidFill>
+                  <a:srgbClr val="FF0000"/>
+                </a:solidFill>
+                <a:effectLst/>
+              </a:rPr>
+              <a:t>MQ-client</a:t>
+            </a:r>
+            <a:r>
+              <a:rPr lang="zh-CN" altLang="en-US" sz="1400" dirty="0">
+                <a:solidFill>
+                  <a:srgbClr val="FF0000"/>
+                </a:solidFill>
+                <a:effectLst/>
+              </a:rPr>
+              <a:t>自动发起，因为</a:t>
+            </a:r>
+            <a:r>
+              <a:rPr lang="en-US" altLang="zh-CN" sz="1400" dirty="0">
+                <a:solidFill>
+                  <a:srgbClr val="FF0000"/>
+                </a:solidFill>
+                <a:effectLst/>
+              </a:rPr>
+              <a:t>MQ</a:t>
+            </a:r>
+            <a:r>
+              <a:rPr lang="zh-CN" altLang="en-US" sz="1400" dirty="0">
+                <a:solidFill>
+                  <a:srgbClr val="FF0000"/>
+                </a:solidFill>
+                <a:effectLst/>
+              </a:rPr>
+              <a:t>系统不知道消费方什么时候真正消费成功。</a:t>
+            </a:r>
+          </a:p>
+          <a:p>
+            <a:pPr algn="l"/>
+            <a:r>
+              <a:rPr lang="zh-CN" altLang="en-US" sz="1400" dirty="0">
+                <a:solidFill>
+                  <a:srgbClr val="FF0000"/>
+                </a:solidFill>
+                <a:effectLst/>
+              </a:rPr>
+              <a:t>如果</a:t>
+            </a:r>
+            <a:r>
+              <a:rPr lang="en-US" altLang="zh-CN" sz="1400" dirty="0">
+                <a:solidFill>
+                  <a:srgbClr val="FF0000"/>
+                </a:solidFill>
+                <a:effectLst/>
+              </a:rPr>
+              <a:t>5</a:t>
+            </a:r>
+            <a:r>
+              <a:rPr lang="zh-CN" altLang="en-US" sz="1400" dirty="0">
+                <a:solidFill>
+                  <a:srgbClr val="FF0000"/>
+                </a:solidFill>
+                <a:effectLst/>
+              </a:rPr>
+              <a:t>丢失，服务端</a:t>
+            </a:r>
+            <a:r>
+              <a:rPr lang="en-US" altLang="zh-CN" sz="1400" dirty="0">
+                <a:solidFill>
+                  <a:srgbClr val="FF0000"/>
+                </a:solidFill>
+                <a:effectLst/>
+              </a:rPr>
+              <a:t>MQ-server</a:t>
+            </a:r>
+            <a:r>
+              <a:rPr lang="zh-CN" altLang="en-US" sz="1400" dirty="0">
+                <a:solidFill>
+                  <a:srgbClr val="FF0000"/>
+                </a:solidFill>
+                <a:effectLst/>
+              </a:rPr>
+              <a:t>超时后会重发消息，可能导致</a:t>
+            </a:r>
+            <a:r>
+              <a:rPr lang="en-US" altLang="zh-CN" sz="1400" dirty="0">
+                <a:solidFill>
+                  <a:srgbClr val="FF0000"/>
+                </a:solidFill>
+                <a:effectLst/>
+              </a:rPr>
+              <a:t>MQ-client</a:t>
+            </a:r>
+            <a:r>
+              <a:rPr lang="zh-CN" altLang="en-US" sz="1400" dirty="0">
+                <a:solidFill>
+                  <a:srgbClr val="FF0000"/>
+                </a:solidFill>
+                <a:effectLst/>
+              </a:rPr>
+              <a:t>收到重复的消息。</a:t>
+            </a:r>
+          </a:p>
+        </p:txBody>
+      </p:sp>
+      <p:sp>
+        <p:nvSpPr>
+          <p:cNvPr id="21" name="文本框 20"/>
+          <p:cNvSpPr txBox="1"/>
+          <p:nvPr/>
+        </p:nvSpPr>
+        <p:spPr>
+          <a:xfrm>
+            <a:off x="517628" y="3996482"/>
+            <a:ext cx="8169172" cy="1815882"/>
+          </a:xfrm>
+          <a:prstGeom prst="rect">
+            <a:avLst/>
+          </a:prstGeom>
+          <a:noFill/>
+        </p:spPr>
+        <p:txBody>
+          <a:bodyPr wrap="square" rtlCol="0">
+            <a:spAutoFit/>
+          </a:bodyPr>
+          <a:lstStyle/>
+          <a:p>
+            <a:pPr algn="l"/>
+            <a:r>
+              <a:rPr lang="zh-CN" altLang="en-US" sz="1600" dirty="0">
+                <a:effectLst/>
+              </a:rPr>
+              <a:t>此时重发是</a:t>
+            </a:r>
+            <a:r>
+              <a:rPr lang="en-US" altLang="zh-CN" sz="1600" dirty="0">
+                <a:effectLst/>
+              </a:rPr>
+              <a:t>MQ-server</a:t>
+            </a:r>
+            <a:r>
+              <a:rPr lang="zh-CN" altLang="en-US" sz="1600" dirty="0">
+                <a:effectLst/>
+              </a:rPr>
+              <a:t>发起的，消息的处理是消息消费业务方，消息重发势必导致业务方重复消费（上例中的一次付款，重复发卡），为了保证业务幂等性</a:t>
+            </a:r>
+            <a:r>
+              <a:rPr lang="zh-CN" altLang="en-US" sz="1600" b="1" dirty="0">
+                <a:effectLst/>
+              </a:rPr>
+              <a:t>，业务消息体中，必须有一个</a:t>
+            </a:r>
+            <a:r>
+              <a:rPr lang="en-US" altLang="zh-CN" sz="1600" b="1" dirty="0">
+                <a:effectLst/>
+              </a:rPr>
+              <a:t>biz-id</a:t>
+            </a:r>
+            <a:r>
+              <a:rPr lang="zh-CN" altLang="en-US" sz="1600" dirty="0">
+                <a:effectLst/>
+              </a:rPr>
+              <a:t>，作为去重和幂等的依据，这个业务</a:t>
+            </a:r>
+            <a:r>
+              <a:rPr lang="en-US" altLang="zh-CN" sz="1600" dirty="0">
+                <a:effectLst/>
+              </a:rPr>
+              <a:t>ID</a:t>
+            </a:r>
+            <a:r>
+              <a:rPr lang="zh-CN" altLang="en-US" sz="1600" dirty="0">
+                <a:effectLst/>
+              </a:rPr>
+              <a:t>的特性是</a:t>
+            </a:r>
+            <a:r>
+              <a:rPr lang="zh-CN" altLang="en-US" sz="1600" dirty="0" smtClean="0">
+                <a:effectLst/>
+              </a:rPr>
+              <a:t>：</a:t>
+            </a:r>
+            <a:endParaRPr lang="en-US" altLang="zh-CN" sz="1600" dirty="0" smtClean="0">
+              <a:effectLst/>
+            </a:endParaRPr>
+          </a:p>
+          <a:p>
+            <a:pPr marL="342900" indent="-342900" algn="l">
+              <a:buFont typeface="+mj-lt"/>
+              <a:buAutoNum type="alphaUcPeriod"/>
+            </a:pPr>
+            <a:r>
+              <a:rPr lang="zh-CN" altLang="en-US" sz="1600" dirty="0" smtClean="0">
+                <a:effectLst/>
+              </a:rPr>
+              <a:t>对于</a:t>
+            </a:r>
+            <a:r>
+              <a:rPr lang="zh-CN" altLang="en-US" sz="1600" dirty="0">
+                <a:effectLst/>
+              </a:rPr>
+              <a:t>同一个业务场景，全局</a:t>
+            </a:r>
+            <a:r>
+              <a:rPr lang="zh-CN" altLang="en-US" sz="1600" dirty="0" smtClean="0">
+                <a:effectLst/>
+              </a:rPr>
+              <a:t>唯一</a:t>
+            </a:r>
+            <a:endParaRPr lang="en-US" altLang="zh-CN" sz="1600" dirty="0" smtClean="0">
+              <a:effectLst/>
+            </a:endParaRPr>
+          </a:p>
+          <a:p>
+            <a:pPr marL="342900" indent="-342900" algn="l">
+              <a:buFont typeface="+mj-lt"/>
+              <a:buAutoNum type="alphaUcPeriod"/>
+            </a:pPr>
+            <a:r>
+              <a:rPr lang="zh-CN" altLang="en-US" sz="1600" dirty="0" smtClean="0">
+                <a:effectLst/>
+              </a:rPr>
+              <a:t>由</a:t>
+            </a:r>
+            <a:r>
+              <a:rPr lang="zh-CN" altLang="en-US" sz="1600" dirty="0">
+                <a:effectLst/>
+              </a:rPr>
+              <a:t>业务消息发送方生成，业务相关，对</a:t>
+            </a:r>
+            <a:r>
+              <a:rPr lang="en-US" altLang="zh-CN" sz="1600" dirty="0">
+                <a:effectLst/>
+              </a:rPr>
+              <a:t>MQ</a:t>
+            </a:r>
+            <a:r>
+              <a:rPr lang="zh-CN" altLang="en-US" sz="1600" dirty="0" smtClean="0">
+                <a:effectLst/>
+              </a:rPr>
+              <a:t>透明</a:t>
+            </a:r>
+            <a:endParaRPr lang="en-US" altLang="zh-CN" sz="1600" dirty="0" smtClean="0">
+              <a:effectLst/>
+            </a:endParaRPr>
+          </a:p>
+          <a:p>
+            <a:pPr marL="342900" indent="-342900" algn="l">
+              <a:buFont typeface="+mj-lt"/>
+              <a:buAutoNum type="alphaUcPeriod"/>
+            </a:pPr>
+            <a:r>
+              <a:rPr lang="zh-CN" altLang="en-US" sz="1600" dirty="0" smtClean="0">
+                <a:effectLst/>
+              </a:rPr>
+              <a:t>由</a:t>
+            </a:r>
+            <a:r>
+              <a:rPr lang="zh-CN" altLang="en-US" sz="1600" dirty="0">
+                <a:effectLst/>
+              </a:rPr>
+              <a:t>业务消息消费方负责判重，以保证幂等</a:t>
+            </a:r>
+          </a:p>
+          <a:p>
+            <a:pPr algn="l"/>
+            <a:endParaRPr lang="zh-CN" altLang="en-US" sz="1600" dirty="0"/>
           </a:p>
         </p:txBody>
       </p:sp>
@@ -14462,6 +16986,13 @@
   <p:clrMapOvr>
     <a:masterClrMapping/>
   </p:clrMapOvr>
+  <p:timing>
+    <p:tnLst>
+      <p:par>
+        <p:cTn id="1" dur="indefinite" restart="never" nodeType="tmRoot"/>
+      </p:par>
+    </p:tnLst>
+  </p:timing>
 </p:sld>
 </file>
 
@@ -14495,12 +17026,12 @@
         <p:spPr/>
         <p:txBody>
           <a:bodyPr/>
+          <a:lstStyle/>
           <a:p>
             <a:r>
               <a:rPr lang="zh-CN" altLang="en-US"/>
               <a:t>总结</a:t>
             </a:r>
-            <a:endParaRPr lang="zh-CN" altLang="en-US"/>
           </a:p>
         </p:txBody>
       </p:sp>
@@ -14521,8 +17052,232 @@
           <a:p>
             <a:fld id="{1EAD90CE-CA62-48F8-87DA-AA74ACBFB15B}" type="slidenum">
               <a:rPr lang="en-US" altLang="zh-CN" smtClean="0"/>
+              <a:t>5</a:t>
             </a:fld>
             <a:endParaRPr lang="en-US" altLang="zh-CN"/>
+          </a:p>
+        </p:txBody>
+      </p:sp>
+      <p:sp>
+        <p:nvSpPr>
+          <p:cNvPr id="5" name="文本框 4"/>
+          <p:cNvSpPr txBox="1"/>
+          <p:nvPr/>
+        </p:nvSpPr>
+        <p:spPr>
+          <a:xfrm>
+            <a:off x="800100" y="2209800"/>
+            <a:ext cx="7772400" cy="3139321"/>
+          </a:xfrm>
+          <a:prstGeom prst="rect">
+            <a:avLst/>
+          </a:prstGeom>
+          <a:solidFill>
+            <a:schemeClr val="tx2">
+              <a:lumMod val="20000"/>
+              <a:lumOff val="80000"/>
+            </a:schemeClr>
+          </a:solidFill>
+        </p:spPr>
+        <p:txBody>
+          <a:bodyPr wrap="square" rtlCol="0">
+            <a:spAutoFit/>
+          </a:bodyPr>
+          <a:lstStyle/>
+          <a:p>
+            <a:pPr algn="l"/>
+            <a:r>
+              <a:rPr lang="en-US" altLang="zh-CN" dirty="0" smtClean="0">
+                <a:effectLst/>
+              </a:rPr>
+              <a:t>MQ</a:t>
+            </a:r>
+            <a:r>
+              <a:rPr lang="zh-CN" altLang="en-US" dirty="0">
+                <a:effectLst/>
+              </a:rPr>
+              <a:t>为了保证消息必达，消息上下半场均可能发送重复消息，如何保证消息的幂等性呢？</a:t>
+            </a:r>
+          </a:p>
+          <a:p>
+            <a:pPr algn="l"/>
+            <a:r>
+              <a:rPr lang="zh-CN" altLang="en-US" dirty="0">
+                <a:effectLst/>
+              </a:rPr>
+              <a:t>上半场</a:t>
+            </a:r>
+          </a:p>
+          <a:p>
+            <a:pPr algn="l"/>
+            <a:r>
+              <a:rPr lang="en-US" altLang="zh-CN" dirty="0">
+                <a:effectLst/>
+              </a:rPr>
+              <a:t>MQ-client</a:t>
+            </a:r>
+            <a:r>
+              <a:rPr lang="zh-CN" altLang="en-US" dirty="0">
+                <a:effectLst/>
+              </a:rPr>
+              <a:t>生成</a:t>
+            </a:r>
+            <a:r>
+              <a:rPr lang="en-US" altLang="zh-CN" dirty="0">
+                <a:effectLst/>
+              </a:rPr>
+              <a:t>inner-</a:t>
+            </a:r>
+            <a:r>
+              <a:rPr lang="en-US" altLang="zh-CN" dirty="0" err="1">
+                <a:effectLst/>
+              </a:rPr>
+              <a:t>msg</a:t>
+            </a:r>
+            <a:r>
+              <a:rPr lang="en-US" altLang="zh-CN" dirty="0">
+                <a:effectLst/>
+              </a:rPr>
+              <a:t>-id</a:t>
+            </a:r>
+            <a:r>
+              <a:rPr lang="zh-CN" altLang="en-US" dirty="0">
+                <a:effectLst/>
+              </a:rPr>
+              <a:t>，保证上半场幂等。</a:t>
+            </a:r>
+          </a:p>
+          <a:p>
+            <a:pPr algn="l"/>
+            <a:r>
+              <a:rPr lang="zh-CN" altLang="en-US" dirty="0">
+                <a:effectLst/>
+              </a:rPr>
+              <a:t>这个</a:t>
+            </a:r>
+            <a:r>
+              <a:rPr lang="en-US" altLang="zh-CN" dirty="0">
+                <a:effectLst/>
+              </a:rPr>
+              <a:t>ID</a:t>
+            </a:r>
+            <a:r>
+              <a:rPr lang="zh-CN" altLang="en-US" dirty="0">
+                <a:effectLst/>
+              </a:rPr>
+              <a:t>全局唯一，业务无关，由</a:t>
+            </a:r>
+            <a:r>
+              <a:rPr lang="en-US" altLang="zh-CN" dirty="0">
+                <a:effectLst/>
+              </a:rPr>
+              <a:t>MQ</a:t>
+            </a:r>
+            <a:r>
+              <a:rPr lang="zh-CN" altLang="en-US" dirty="0">
+                <a:effectLst/>
+              </a:rPr>
+              <a:t>保证。</a:t>
+            </a:r>
+          </a:p>
+          <a:p>
+            <a:pPr algn="l"/>
+            <a:r>
+              <a:rPr lang="zh-CN" altLang="en-US" dirty="0">
+                <a:effectLst/>
+              </a:rPr>
+              <a:t> </a:t>
+            </a:r>
+          </a:p>
+          <a:p>
+            <a:pPr algn="l"/>
+            <a:r>
+              <a:rPr lang="zh-CN" altLang="en-US" dirty="0">
+                <a:effectLst/>
+              </a:rPr>
+              <a:t>下半场</a:t>
+            </a:r>
+          </a:p>
+          <a:p>
+            <a:pPr algn="l"/>
+            <a:r>
+              <a:rPr lang="zh-CN" altLang="en-US" dirty="0">
+                <a:effectLst/>
+              </a:rPr>
+              <a:t>业务发送方带入</a:t>
+            </a:r>
+            <a:r>
+              <a:rPr lang="en-US" altLang="zh-CN" dirty="0">
+                <a:effectLst/>
+              </a:rPr>
+              <a:t>biz-id</a:t>
+            </a:r>
+            <a:r>
+              <a:rPr lang="zh-CN" altLang="en-US" dirty="0">
+                <a:effectLst/>
+              </a:rPr>
+              <a:t>，业务接收方去重保证幂等。</a:t>
+            </a:r>
+          </a:p>
+          <a:p>
+            <a:pPr algn="l"/>
+            <a:r>
+              <a:rPr lang="zh-CN" altLang="en-US" dirty="0">
+                <a:effectLst/>
+              </a:rPr>
+              <a:t>这个</a:t>
+            </a:r>
+            <a:r>
+              <a:rPr lang="en-US" altLang="zh-CN" dirty="0">
+                <a:effectLst/>
+              </a:rPr>
+              <a:t>ID</a:t>
+            </a:r>
+            <a:r>
+              <a:rPr lang="zh-CN" altLang="en-US" dirty="0">
+                <a:effectLst/>
+              </a:rPr>
+              <a:t>对单业务唯一，业务相关，对</a:t>
+            </a:r>
+            <a:r>
+              <a:rPr lang="en-US" altLang="zh-CN" dirty="0">
+                <a:effectLst/>
+              </a:rPr>
+              <a:t>MQ</a:t>
+            </a:r>
+            <a:r>
+              <a:rPr lang="zh-CN" altLang="en-US" dirty="0">
+                <a:effectLst/>
+              </a:rPr>
+              <a:t>透明。</a:t>
+            </a:r>
+          </a:p>
+          <a:p>
+            <a:pPr algn="l"/>
+            <a:endParaRPr lang="zh-CN" altLang="en-US" dirty="0">
+              <a:effectLst/>
+            </a:endParaRPr>
+          </a:p>
+          <a:p>
+            <a:pPr algn="l"/>
+            <a:r>
+              <a:rPr lang="zh-CN" altLang="en-US" dirty="0">
+                <a:effectLst/>
+              </a:rPr>
+              <a:t>结论：幂等性，不仅对</a:t>
+            </a:r>
+            <a:r>
+              <a:rPr lang="en-US" altLang="zh-CN" dirty="0">
+                <a:effectLst/>
+              </a:rPr>
+              <a:t>MQ</a:t>
+            </a:r>
+            <a:r>
+              <a:rPr lang="zh-CN" altLang="en-US" dirty="0">
+                <a:effectLst/>
+              </a:rPr>
+              <a:t>有要求，对业务上下游也有要求。</a:t>
+            </a:r>
           </a:p>
         </p:txBody>
       </p:sp>
@@ -14531,6 +17286,13 @@
   <p:clrMapOvr>
     <a:masterClrMapping/>
   </p:clrMapOvr>
+  <p:timing>
+    <p:tnLst>
+      <p:par>
+        <p:cTn id="1" dur="indefinite" restart="never" nodeType="tmRoot"/>
+      </p:par>
+    </p:tnLst>
+  </p:timing>
 </p:sld>
 </file>
 
@@ -14568,6 +17330,7 @@
           <a:p>
             <a:fld id="{1EAD90CE-CA62-48F8-87DA-AA74ACBFB15B}" type="slidenum">
               <a:rPr lang="en-US" altLang="zh-CN" smtClean="0"/>
+              <a:t>6</a:t>
             </a:fld>
             <a:endParaRPr lang="en-US" altLang="zh-CN"/>
           </a:p>
@@ -14637,7 +17400,7 @@
           <p:nvPr/>
         </p:nvPicPr>
         <p:blipFill>
-          <a:blip r:embed="rId1">
+          <a:blip r:embed="rId3">
             <a:extLst>
               <a:ext uri="{28A0092B-C50C-407E-A947-70E740481C1C}">
                 <a14:useLocalDpi xmlns:a14="http://schemas.microsoft.com/office/drawing/2010/main" val="0"/>
@@ -14734,6 +17497,7 @@
           <a:p>
             <a:fld id="{1EAD90CE-CA62-48F8-87DA-AA74ACBFB15B}" type="slidenum">
               <a:rPr lang="en-US" altLang="zh-CN" smtClean="0"/>
+              <a:t>7</a:t>
             </a:fld>
             <a:endParaRPr lang="en-US" altLang="zh-CN"/>
           </a:p>
@@ -14748,7 +17512,7 @@
           <p:nvPr/>
         </p:nvPicPr>
         <p:blipFill>
-          <a:blip r:embed="rId1">
+          <a:blip r:embed="rId3">
             <a:extLst>
               <a:ext uri="{28A0092B-C50C-407E-A947-70E740481C1C}">
                 <a14:useLocalDpi xmlns:a14="http://schemas.microsoft.com/office/drawing/2010/main" val="0"/>
@@ -14900,6 +17664,7 @@
           <a:p>
             <a:fld id="{1EAD90CE-CA62-48F8-87DA-AA74ACBFB15B}" type="slidenum">
               <a:rPr lang="en-US" altLang="zh-CN" smtClean="0"/>
+              <a:t>8</a:t>
             </a:fld>
             <a:endParaRPr lang="en-US" altLang="zh-CN"/>
           </a:p>
@@ -14914,7 +17679,7 @@
           <p:nvPr/>
         </p:nvPicPr>
         <p:blipFill>
-          <a:blip r:embed="rId1">
+          <a:blip r:embed="rId3">
             <a:extLst>
               <a:ext uri="{28A0092B-C50C-407E-A947-70E740481C1C}">
                 <a14:useLocalDpi xmlns:a14="http://schemas.microsoft.com/office/drawing/2010/main" val="0"/>
@@ -15066,6 +17831,7 @@
           <a:p>
             <a:fld id="{1EAD90CE-CA62-48F8-87DA-AA74ACBFB15B}" type="slidenum">
               <a:rPr lang="en-US" altLang="zh-CN" smtClean="0"/>
+              <a:t>9</a:t>
             </a:fld>
             <a:endParaRPr lang="en-US" altLang="zh-CN"/>
           </a:p>
@@ -15080,7 +17846,7 @@
           <p:nvPr/>
         </p:nvPicPr>
         <p:blipFill>
-          <a:blip r:embed="rId1">
+          <a:blip r:embed="rId3">
             <a:extLst>
               <a:ext uri="{28A0092B-C50C-407E-A947-70E740481C1C}">
                 <a14:useLocalDpi xmlns:a14="http://schemas.microsoft.com/office/drawing/2010/main" val="0"/>
@@ -17506,6 +20272,8 @@
       </a:bgFillStyleLst>
     </a:fmtScheme>
   </a:themeElements>
+  <a:objectDefaults/>
+  <a:extraClrSchemeLst/>
   <a:extLst>
     <a:ext uri="{05A4C25C-085E-4340-85A3-A5531E510DB2}">
       <thm15:themeFamily xmlns:thm15="http://schemas.microsoft.com/office/thememl/2012/main" name="Office Theme" id="{62F939B6-93AF-4DB8-9C6B-D6C7DFDC589F}" vid="{4A3C46E8-61CC-4603-A589-7422A47A8E4A}"/>

--- a/MQ消息总线的幂等性设计.pptx
+++ b/MQ消息总线的幂等性设计.pptx
@@ -6,7 +6,7 @@
     <p:sldMasterId id="2147483660" r:id="rId2"/>
   </p:sldMasterIdLst>
   <p:notesMasterIdLst>
-    <p:notesMasterId r:id="rId21"/>
+    <p:notesMasterId r:id="rId11"/>
   </p:notesMasterIdLst>
   <p:sldIdLst>
     <p:sldId id="256" r:id="rId3"/>
@@ -16,17 +16,7 @@
     <p:sldId id="315" r:id="rId7"/>
     <p:sldId id="324" r:id="rId8"/>
     <p:sldId id="316" r:id="rId9"/>
-    <p:sldId id="320" r:id="rId10"/>
-    <p:sldId id="321" r:id="rId11"/>
-    <p:sldId id="323" r:id="rId12"/>
-    <p:sldId id="322" r:id="rId13"/>
-    <p:sldId id="317" r:id="rId14"/>
-    <p:sldId id="319" r:id="rId15"/>
-    <p:sldId id="318" r:id="rId16"/>
-    <p:sldId id="325" r:id="rId17"/>
-    <p:sldId id="311" r:id="rId18"/>
-    <p:sldId id="312" r:id="rId19"/>
-    <p:sldId id="263" r:id="rId20"/>
+    <p:sldId id="263" r:id="rId10"/>
   </p:sldIdLst>
   <p:sldSz cx="9144000" cy="6858000" type="screen4x3"/>
   <p:notesSz cx="6858000" cy="9144000"/>
@@ -873,510 +863,6 @@
 </p:notes>
 </file>
 
-<file path=ppt/notesSlides/notesSlide10.xml><?xml version="1.0" encoding="utf-8"?>
-<p:notes xmlns:a="http://schemas.openxmlformats.org/drawingml/2006/main" xmlns:r="http://schemas.openxmlformats.org/officeDocument/2006/relationships" xmlns:p="http://schemas.openxmlformats.org/presentationml/2006/main">
-  <p:cSld>
-    <p:spTree>
-      <p:nvGrpSpPr>
-        <p:cNvPr id="1" name=""/>
-        <p:cNvGrpSpPr/>
-        <p:nvPr/>
-      </p:nvGrpSpPr>
-      <p:grpSpPr>
-        <a:xfrm>
-          <a:off x="0" y="0"/>
-          <a:ext cx="0" cy="0"/>
-          <a:chOff x="0" y="0"/>
-          <a:chExt cx="0" cy="0"/>
-        </a:xfrm>
-      </p:grpSpPr>
-      <p:sp>
-        <p:nvSpPr>
-          <p:cNvPr id="2" name="幻灯片图像占位符 1"/>
-          <p:cNvSpPr>
-            <a:spLocks noGrp="1" noRot="1" noChangeAspect="1"/>
-          </p:cNvSpPr>
-          <p:nvPr>
-            <p:ph type="sldImg"/>
-          </p:nvPr>
-        </p:nvSpPr>
-        <p:spPr/>
-      </p:sp>
-      <p:sp>
-        <p:nvSpPr>
-          <p:cNvPr id="3" name="备注占位符 2"/>
-          <p:cNvSpPr>
-            <a:spLocks noGrp="1"/>
-          </p:cNvSpPr>
-          <p:nvPr>
-            <p:ph type="body" idx="1"/>
-          </p:nvPr>
-        </p:nvSpPr>
-        <p:spPr/>
-        <p:txBody>
-          <a:bodyPr/>
-          <a:lstStyle/>
-          <a:p>
-            <a:endParaRPr kumimoji="1" lang="zh-CN" altLang="en-US" dirty="0"/>
-          </a:p>
-        </p:txBody>
-      </p:sp>
-      <p:sp>
-        <p:nvSpPr>
-          <p:cNvPr id="4" name="幻灯片编号占位符 3"/>
-          <p:cNvSpPr>
-            <a:spLocks noGrp="1"/>
-          </p:cNvSpPr>
-          <p:nvPr>
-            <p:ph type="sldNum" sz="quarter" idx="10"/>
-          </p:nvPr>
-        </p:nvSpPr>
-        <p:spPr/>
-        <p:txBody>
-          <a:bodyPr/>
-          <a:lstStyle/>
-          <a:p>
-            <a:fld id="{CB382EB3-1D32-46C2-98FF-9F30FFCBC56C}" type="slidenum">
-              <a:rPr lang="en-US" altLang="zh-CN" smtClean="0"/>
-              <a:t>11</a:t>
-            </a:fld>
-            <a:endParaRPr lang="en-US" altLang="zh-CN"/>
-          </a:p>
-        </p:txBody>
-      </p:sp>
-    </p:spTree>
-    <p:extLst>
-      <p:ext uri="{BB962C8B-B14F-4D97-AF65-F5344CB8AC3E}">
-        <p14:creationId xmlns:p14="http://schemas.microsoft.com/office/powerpoint/2010/main" val="3287667840"/>
-      </p:ext>
-    </p:extLst>
-  </p:cSld>
-  <p:clrMapOvr>
-    <a:masterClrMapping/>
-  </p:clrMapOvr>
-</p:notes>
-</file>
-
-<file path=ppt/notesSlides/notesSlide11.xml><?xml version="1.0" encoding="utf-8"?>
-<p:notes xmlns:a="http://schemas.openxmlformats.org/drawingml/2006/main" xmlns:r="http://schemas.openxmlformats.org/officeDocument/2006/relationships" xmlns:p="http://schemas.openxmlformats.org/presentationml/2006/main">
-  <p:cSld>
-    <p:spTree>
-      <p:nvGrpSpPr>
-        <p:cNvPr id="1" name=""/>
-        <p:cNvGrpSpPr/>
-        <p:nvPr/>
-      </p:nvGrpSpPr>
-      <p:grpSpPr>
-        <a:xfrm>
-          <a:off x="0" y="0"/>
-          <a:ext cx="0" cy="0"/>
-          <a:chOff x="0" y="0"/>
-          <a:chExt cx="0" cy="0"/>
-        </a:xfrm>
-      </p:grpSpPr>
-      <p:sp>
-        <p:nvSpPr>
-          <p:cNvPr id="2" name="幻灯片图像占位符 1"/>
-          <p:cNvSpPr>
-            <a:spLocks noGrp="1" noRot="1" noChangeAspect="1"/>
-          </p:cNvSpPr>
-          <p:nvPr>
-            <p:ph type="sldImg"/>
-          </p:nvPr>
-        </p:nvSpPr>
-        <p:spPr/>
-      </p:sp>
-      <p:sp>
-        <p:nvSpPr>
-          <p:cNvPr id="3" name="备注占位符 2"/>
-          <p:cNvSpPr>
-            <a:spLocks noGrp="1"/>
-          </p:cNvSpPr>
-          <p:nvPr>
-            <p:ph type="body" idx="1"/>
-          </p:nvPr>
-        </p:nvSpPr>
-        <p:spPr/>
-        <p:txBody>
-          <a:bodyPr/>
-          <a:lstStyle/>
-          <a:p>
-            <a:endParaRPr kumimoji="1" lang="zh-CN" altLang="en-US" dirty="0"/>
-          </a:p>
-        </p:txBody>
-      </p:sp>
-      <p:sp>
-        <p:nvSpPr>
-          <p:cNvPr id="4" name="幻灯片编号占位符 3"/>
-          <p:cNvSpPr>
-            <a:spLocks noGrp="1"/>
-          </p:cNvSpPr>
-          <p:nvPr>
-            <p:ph type="sldNum" sz="quarter" idx="10"/>
-          </p:nvPr>
-        </p:nvSpPr>
-        <p:spPr/>
-        <p:txBody>
-          <a:bodyPr/>
-          <a:lstStyle/>
-          <a:p>
-            <a:fld id="{CB382EB3-1D32-46C2-98FF-9F30FFCBC56C}" type="slidenum">
-              <a:rPr lang="en-US" altLang="zh-CN" smtClean="0"/>
-              <a:t>12</a:t>
-            </a:fld>
-            <a:endParaRPr lang="en-US" altLang="zh-CN"/>
-          </a:p>
-        </p:txBody>
-      </p:sp>
-    </p:spTree>
-    <p:extLst>
-      <p:ext uri="{BB962C8B-B14F-4D97-AF65-F5344CB8AC3E}">
-        <p14:creationId xmlns:p14="http://schemas.microsoft.com/office/powerpoint/2010/main" val="3597886858"/>
-      </p:ext>
-    </p:extLst>
-  </p:cSld>
-  <p:clrMapOvr>
-    <a:masterClrMapping/>
-  </p:clrMapOvr>
-</p:notes>
-</file>
-
-<file path=ppt/notesSlides/notesSlide12.xml><?xml version="1.0" encoding="utf-8"?>
-<p:notes xmlns:a="http://schemas.openxmlformats.org/drawingml/2006/main" xmlns:r="http://schemas.openxmlformats.org/officeDocument/2006/relationships" xmlns:p="http://schemas.openxmlformats.org/presentationml/2006/main">
-  <p:cSld>
-    <p:spTree>
-      <p:nvGrpSpPr>
-        <p:cNvPr id="1" name=""/>
-        <p:cNvGrpSpPr/>
-        <p:nvPr/>
-      </p:nvGrpSpPr>
-      <p:grpSpPr>
-        <a:xfrm>
-          <a:off x="0" y="0"/>
-          <a:ext cx="0" cy="0"/>
-          <a:chOff x="0" y="0"/>
-          <a:chExt cx="0" cy="0"/>
-        </a:xfrm>
-      </p:grpSpPr>
-      <p:sp>
-        <p:nvSpPr>
-          <p:cNvPr id="2" name="幻灯片图像占位符 1"/>
-          <p:cNvSpPr>
-            <a:spLocks noGrp="1" noRot="1" noChangeAspect="1"/>
-          </p:cNvSpPr>
-          <p:nvPr>
-            <p:ph type="sldImg"/>
-          </p:nvPr>
-        </p:nvSpPr>
-        <p:spPr/>
-      </p:sp>
-      <p:sp>
-        <p:nvSpPr>
-          <p:cNvPr id="3" name="备注占位符 2"/>
-          <p:cNvSpPr>
-            <a:spLocks noGrp="1"/>
-          </p:cNvSpPr>
-          <p:nvPr>
-            <p:ph type="body" idx="1"/>
-          </p:nvPr>
-        </p:nvSpPr>
-        <p:spPr/>
-        <p:txBody>
-          <a:bodyPr/>
-          <a:lstStyle/>
-          <a:p>
-            <a:endParaRPr kumimoji="1" lang="zh-CN" altLang="en-US" dirty="0"/>
-          </a:p>
-        </p:txBody>
-      </p:sp>
-      <p:sp>
-        <p:nvSpPr>
-          <p:cNvPr id="4" name="幻灯片编号占位符 3"/>
-          <p:cNvSpPr>
-            <a:spLocks noGrp="1"/>
-          </p:cNvSpPr>
-          <p:nvPr>
-            <p:ph type="sldNum" sz="quarter" idx="10"/>
-          </p:nvPr>
-        </p:nvSpPr>
-        <p:spPr/>
-        <p:txBody>
-          <a:bodyPr/>
-          <a:lstStyle/>
-          <a:p>
-            <a:fld id="{CB382EB3-1D32-46C2-98FF-9F30FFCBC56C}" type="slidenum">
-              <a:rPr lang="en-US" altLang="zh-CN" smtClean="0"/>
-              <a:t>13</a:t>
-            </a:fld>
-            <a:endParaRPr lang="en-US" altLang="zh-CN"/>
-          </a:p>
-        </p:txBody>
-      </p:sp>
-    </p:spTree>
-    <p:extLst>
-      <p:ext uri="{BB962C8B-B14F-4D97-AF65-F5344CB8AC3E}">
-        <p14:creationId xmlns:p14="http://schemas.microsoft.com/office/powerpoint/2010/main" val="2025331373"/>
-      </p:ext>
-    </p:extLst>
-  </p:cSld>
-  <p:clrMapOvr>
-    <a:masterClrMapping/>
-  </p:clrMapOvr>
-</p:notes>
-</file>
-
-<file path=ppt/notesSlides/notesSlide13.xml><?xml version="1.0" encoding="utf-8"?>
-<p:notes xmlns:a="http://schemas.openxmlformats.org/drawingml/2006/main" xmlns:r="http://schemas.openxmlformats.org/officeDocument/2006/relationships" xmlns:p="http://schemas.openxmlformats.org/presentationml/2006/main">
-  <p:cSld>
-    <p:spTree>
-      <p:nvGrpSpPr>
-        <p:cNvPr id="1" name=""/>
-        <p:cNvGrpSpPr/>
-        <p:nvPr/>
-      </p:nvGrpSpPr>
-      <p:grpSpPr>
-        <a:xfrm>
-          <a:off x="0" y="0"/>
-          <a:ext cx="0" cy="0"/>
-          <a:chOff x="0" y="0"/>
-          <a:chExt cx="0" cy="0"/>
-        </a:xfrm>
-      </p:grpSpPr>
-      <p:sp>
-        <p:nvSpPr>
-          <p:cNvPr id="2" name="幻灯片图像占位符 1"/>
-          <p:cNvSpPr>
-            <a:spLocks noGrp="1" noRot="1" noChangeAspect="1"/>
-          </p:cNvSpPr>
-          <p:nvPr>
-            <p:ph type="sldImg"/>
-          </p:nvPr>
-        </p:nvSpPr>
-        <p:spPr/>
-      </p:sp>
-      <p:sp>
-        <p:nvSpPr>
-          <p:cNvPr id="3" name="备注占位符 2"/>
-          <p:cNvSpPr>
-            <a:spLocks noGrp="1"/>
-          </p:cNvSpPr>
-          <p:nvPr>
-            <p:ph type="body" idx="1"/>
-          </p:nvPr>
-        </p:nvSpPr>
-        <p:spPr/>
-        <p:txBody>
-          <a:bodyPr/>
-          <a:lstStyle/>
-          <a:p>
-            <a:endParaRPr kumimoji="1" lang="zh-CN" altLang="en-US" dirty="0"/>
-          </a:p>
-        </p:txBody>
-      </p:sp>
-      <p:sp>
-        <p:nvSpPr>
-          <p:cNvPr id="4" name="幻灯片编号占位符 3"/>
-          <p:cNvSpPr>
-            <a:spLocks noGrp="1"/>
-          </p:cNvSpPr>
-          <p:nvPr>
-            <p:ph type="sldNum" sz="quarter" idx="10"/>
-          </p:nvPr>
-        </p:nvSpPr>
-        <p:spPr/>
-        <p:txBody>
-          <a:bodyPr/>
-          <a:lstStyle/>
-          <a:p>
-            <a:fld id="{CB382EB3-1D32-46C2-98FF-9F30FFCBC56C}" type="slidenum">
-              <a:rPr lang="en-US" altLang="zh-CN" smtClean="0"/>
-              <a:t>14</a:t>
-            </a:fld>
-            <a:endParaRPr lang="en-US" altLang="zh-CN"/>
-          </a:p>
-        </p:txBody>
-      </p:sp>
-    </p:spTree>
-    <p:extLst>
-      <p:ext uri="{BB962C8B-B14F-4D97-AF65-F5344CB8AC3E}">
-        <p14:creationId xmlns:p14="http://schemas.microsoft.com/office/powerpoint/2010/main" val="2047748003"/>
-      </p:ext>
-    </p:extLst>
-  </p:cSld>
-  <p:clrMapOvr>
-    <a:masterClrMapping/>
-  </p:clrMapOvr>
-</p:notes>
-</file>
-
-<file path=ppt/notesSlides/notesSlide14.xml><?xml version="1.0" encoding="utf-8"?>
-<p:notes xmlns:a="http://schemas.openxmlformats.org/drawingml/2006/main" xmlns:r="http://schemas.openxmlformats.org/officeDocument/2006/relationships" xmlns:p="http://schemas.openxmlformats.org/presentationml/2006/main">
-  <p:cSld>
-    <p:spTree>
-      <p:nvGrpSpPr>
-        <p:cNvPr id="1" name=""/>
-        <p:cNvGrpSpPr/>
-        <p:nvPr/>
-      </p:nvGrpSpPr>
-      <p:grpSpPr>
-        <a:xfrm>
-          <a:off x="0" y="0"/>
-          <a:ext cx="0" cy="0"/>
-          <a:chOff x="0" y="0"/>
-          <a:chExt cx="0" cy="0"/>
-        </a:xfrm>
-      </p:grpSpPr>
-      <p:sp>
-        <p:nvSpPr>
-          <p:cNvPr id="2" name="幻灯片图像占位符 1"/>
-          <p:cNvSpPr>
-            <a:spLocks noGrp="1" noRot="1" noChangeAspect="1"/>
-          </p:cNvSpPr>
-          <p:nvPr>
-            <p:ph type="sldImg"/>
-          </p:nvPr>
-        </p:nvSpPr>
-        <p:spPr/>
-      </p:sp>
-      <p:sp>
-        <p:nvSpPr>
-          <p:cNvPr id="3" name="备注占位符 2"/>
-          <p:cNvSpPr>
-            <a:spLocks noGrp="1"/>
-          </p:cNvSpPr>
-          <p:nvPr>
-            <p:ph type="body" idx="1"/>
-          </p:nvPr>
-        </p:nvSpPr>
-        <p:spPr/>
-        <p:txBody>
-          <a:bodyPr/>
-          <a:lstStyle/>
-          <a:p>
-            <a:endParaRPr kumimoji="1" lang="zh-CN" altLang="en-US" dirty="0"/>
-          </a:p>
-        </p:txBody>
-      </p:sp>
-      <p:sp>
-        <p:nvSpPr>
-          <p:cNvPr id="4" name="幻灯片编号占位符 3"/>
-          <p:cNvSpPr>
-            <a:spLocks noGrp="1"/>
-          </p:cNvSpPr>
-          <p:nvPr>
-            <p:ph type="sldNum" sz="quarter" idx="10"/>
-          </p:nvPr>
-        </p:nvSpPr>
-        <p:spPr/>
-        <p:txBody>
-          <a:bodyPr/>
-          <a:lstStyle/>
-          <a:p>
-            <a:fld id="{CB382EB3-1D32-46C2-98FF-9F30FFCBC56C}" type="slidenum">
-              <a:rPr lang="en-US" altLang="zh-CN" smtClean="0"/>
-              <a:t>15</a:t>
-            </a:fld>
-            <a:endParaRPr lang="en-US" altLang="zh-CN"/>
-          </a:p>
-        </p:txBody>
-      </p:sp>
-    </p:spTree>
-    <p:extLst>
-      <p:ext uri="{BB962C8B-B14F-4D97-AF65-F5344CB8AC3E}">
-        <p14:creationId xmlns:p14="http://schemas.microsoft.com/office/powerpoint/2010/main" val="3206928469"/>
-      </p:ext>
-    </p:extLst>
-  </p:cSld>
-  <p:clrMapOvr>
-    <a:masterClrMapping/>
-  </p:clrMapOvr>
-</p:notes>
-</file>
-
-<file path=ppt/notesSlides/notesSlide15.xml><?xml version="1.0" encoding="utf-8"?>
-<p:notes xmlns:a="http://schemas.openxmlformats.org/drawingml/2006/main" xmlns:r="http://schemas.openxmlformats.org/officeDocument/2006/relationships" xmlns:p="http://schemas.openxmlformats.org/presentationml/2006/main">
-  <p:cSld>
-    <p:spTree>
-      <p:nvGrpSpPr>
-        <p:cNvPr id="1" name=""/>
-        <p:cNvGrpSpPr/>
-        <p:nvPr/>
-      </p:nvGrpSpPr>
-      <p:grpSpPr>
-        <a:xfrm>
-          <a:off x="0" y="0"/>
-          <a:ext cx="0" cy="0"/>
-          <a:chOff x="0" y="0"/>
-          <a:chExt cx="0" cy="0"/>
-        </a:xfrm>
-      </p:grpSpPr>
-      <p:sp>
-        <p:nvSpPr>
-          <p:cNvPr id="2" name="幻灯片图像占位符 1"/>
-          <p:cNvSpPr>
-            <a:spLocks noGrp="1" noRot="1" noChangeAspect="1"/>
-          </p:cNvSpPr>
-          <p:nvPr>
-            <p:ph type="sldImg"/>
-          </p:nvPr>
-        </p:nvSpPr>
-        <p:spPr/>
-      </p:sp>
-      <p:sp>
-        <p:nvSpPr>
-          <p:cNvPr id="3" name="备注占位符 2"/>
-          <p:cNvSpPr>
-            <a:spLocks noGrp="1"/>
-          </p:cNvSpPr>
-          <p:nvPr>
-            <p:ph type="body" idx="1"/>
-          </p:nvPr>
-        </p:nvSpPr>
-        <p:spPr/>
-        <p:txBody>
-          <a:bodyPr/>
-          <a:lstStyle/>
-          <a:p>
-            <a:endParaRPr kumimoji="1" lang="zh-CN" altLang="en-US" dirty="0"/>
-          </a:p>
-        </p:txBody>
-      </p:sp>
-      <p:sp>
-        <p:nvSpPr>
-          <p:cNvPr id="4" name="幻灯片编号占位符 3"/>
-          <p:cNvSpPr>
-            <a:spLocks noGrp="1"/>
-          </p:cNvSpPr>
-          <p:nvPr>
-            <p:ph type="sldNum" sz="quarter" idx="10"/>
-          </p:nvPr>
-        </p:nvSpPr>
-        <p:spPr/>
-        <p:txBody>
-          <a:bodyPr/>
-          <a:lstStyle/>
-          <a:p>
-            <a:fld id="{CB382EB3-1D32-46C2-98FF-9F30FFCBC56C}" type="slidenum">
-              <a:rPr lang="en-US" altLang="zh-CN" smtClean="0"/>
-              <a:t>16</a:t>
-            </a:fld>
-            <a:endParaRPr lang="en-US" altLang="zh-CN"/>
-          </a:p>
-        </p:txBody>
-      </p:sp>
-    </p:spTree>
-    <p:extLst>
-      <p:ext uri="{BB962C8B-B14F-4D97-AF65-F5344CB8AC3E}">
-        <p14:creationId xmlns:p14="http://schemas.microsoft.com/office/powerpoint/2010/main" val="3027682367"/>
-      </p:ext>
-    </p:extLst>
-  </p:cSld>
-  <p:clrMapOvr>
-    <a:masterClrMapping/>
-  </p:clrMapOvr>
-</p:notes>
-</file>
-
 <file path=ppt/notesSlides/notesSlide2.xml><?xml version="1.0" encoding="utf-8"?>
 <p:notes xmlns:a="http://schemas.openxmlformats.org/drawingml/2006/main" xmlns:r="http://schemas.openxmlformats.org/officeDocument/2006/relationships" xmlns:p="http://schemas.openxmlformats.org/presentationml/2006/main">
   <p:cSld>
@@ -1788,258 +1274,6 @@
     <p:extLst>
       <p:ext uri="{BB962C8B-B14F-4D97-AF65-F5344CB8AC3E}">
         <p14:creationId xmlns:p14="http://schemas.microsoft.com/office/powerpoint/2010/main" val="2600856021"/>
-      </p:ext>
-    </p:extLst>
-  </p:cSld>
-  <p:clrMapOvr>
-    <a:masterClrMapping/>
-  </p:clrMapOvr>
-</p:notes>
-</file>
-
-<file path=ppt/notesSlides/notesSlide7.xml><?xml version="1.0" encoding="utf-8"?>
-<p:notes xmlns:a="http://schemas.openxmlformats.org/drawingml/2006/main" xmlns:r="http://schemas.openxmlformats.org/officeDocument/2006/relationships" xmlns:p="http://schemas.openxmlformats.org/presentationml/2006/main">
-  <p:cSld>
-    <p:spTree>
-      <p:nvGrpSpPr>
-        <p:cNvPr id="1" name=""/>
-        <p:cNvGrpSpPr/>
-        <p:nvPr/>
-      </p:nvGrpSpPr>
-      <p:grpSpPr>
-        <a:xfrm>
-          <a:off x="0" y="0"/>
-          <a:ext cx="0" cy="0"/>
-          <a:chOff x="0" y="0"/>
-          <a:chExt cx="0" cy="0"/>
-        </a:xfrm>
-      </p:grpSpPr>
-      <p:sp>
-        <p:nvSpPr>
-          <p:cNvPr id="2" name="幻灯片图像占位符 1"/>
-          <p:cNvSpPr>
-            <a:spLocks noGrp="1" noRot="1" noChangeAspect="1"/>
-          </p:cNvSpPr>
-          <p:nvPr>
-            <p:ph type="sldImg"/>
-          </p:nvPr>
-        </p:nvSpPr>
-        <p:spPr/>
-      </p:sp>
-      <p:sp>
-        <p:nvSpPr>
-          <p:cNvPr id="3" name="备注占位符 2"/>
-          <p:cNvSpPr>
-            <a:spLocks noGrp="1"/>
-          </p:cNvSpPr>
-          <p:nvPr>
-            <p:ph type="body" idx="1"/>
-          </p:nvPr>
-        </p:nvSpPr>
-        <p:spPr/>
-        <p:txBody>
-          <a:bodyPr/>
-          <a:lstStyle/>
-          <a:p>
-            <a:endParaRPr kumimoji="1" lang="zh-CN" altLang="en-US" dirty="0"/>
-          </a:p>
-        </p:txBody>
-      </p:sp>
-      <p:sp>
-        <p:nvSpPr>
-          <p:cNvPr id="4" name="幻灯片编号占位符 3"/>
-          <p:cNvSpPr>
-            <a:spLocks noGrp="1"/>
-          </p:cNvSpPr>
-          <p:nvPr>
-            <p:ph type="sldNum" sz="quarter" idx="10"/>
-          </p:nvPr>
-        </p:nvSpPr>
-        <p:spPr/>
-        <p:txBody>
-          <a:bodyPr/>
-          <a:lstStyle/>
-          <a:p>
-            <a:fld id="{CB382EB3-1D32-46C2-98FF-9F30FFCBC56C}" type="slidenum">
-              <a:rPr lang="en-US" altLang="zh-CN" smtClean="0"/>
-              <a:t>8</a:t>
-            </a:fld>
-            <a:endParaRPr lang="en-US" altLang="zh-CN"/>
-          </a:p>
-        </p:txBody>
-      </p:sp>
-    </p:spTree>
-    <p:extLst>
-      <p:ext uri="{BB962C8B-B14F-4D97-AF65-F5344CB8AC3E}">
-        <p14:creationId xmlns:p14="http://schemas.microsoft.com/office/powerpoint/2010/main" val="4140703243"/>
-      </p:ext>
-    </p:extLst>
-  </p:cSld>
-  <p:clrMapOvr>
-    <a:masterClrMapping/>
-  </p:clrMapOvr>
-</p:notes>
-</file>
-
-<file path=ppt/notesSlides/notesSlide8.xml><?xml version="1.0" encoding="utf-8"?>
-<p:notes xmlns:a="http://schemas.openxmlformats.org/drawingml/2006/main" xmlns:r="http://schemas.openxmlformats.org/officeDocument/2006/relationships" xmlns:p="http://schemas.openxmlformats.org/presentationml/2006/main">
-  <p:cSld>
-    <p:spTree>
-      <p:nvGrpSpPr>
-        <p:cNvPr id="1" name=""/>
-        <p:cNvGrpSpPr/>
-        <p:nvPr/>
-      </p:nvGrpSpPr>
-      <p:grpSpPr>
-        <a:xfrm>
-          <a:off x="0" y="0"/>
-          <a:ext cx="0" cy="0"/>
-          <a:chOff x="0" y="0"/>
-          <a:chExt cx="0" cy="0"/>
-        </a:xfrm>
-      </p:grpSpPr>
-      <p:sp>
-        <p:nvSpPr>
-          <p:cNvPr id="2" name="幻灯片图像占位符 1"/>
-          <p:cNvSpPr>
-            <a:spLocks noGrp="1" noRot="1" noChangeAspect="1"/>
-          </p:cNvSpPr>
-          <p:nvPr>
-            <p:ph type="sldImg"/>
-          </p:nvPr>
-        </p:nvSpPr>
-        <p:spPr/>
-      </p:sp>
-      <p:sp>
-        <p:nvSpPr>
-          <p:cNvPr id="3" name="备注占位符 2"/>
-          <p:cNvSpPr>
-            <a:spLocks noGrp="1"/>
-          </p:cNvSpPr>
-          <p:nvPr>
-            <p:ph type="body" idx="1"/>
-          </p:nvPr>
-        </p:nvSpPr>
-        <p:spPr/>
-        <p:txBody>
-          <a:bodyPr/>
-          <a:lstStyle/>
-          <a:p>
-            <a:endParaRPr kumimoji="1" lang="zh-CN" altLang="en-US" dirty="0"/>
-          </a:p>
-        </p:txBody>
-      </p:sp>
-      <p:sp>
-        <p:nvSpPr>
-          <p:cNvPr id="4" name="幻灯片编号占位符 3"/>
-          <p:cNvSpPr>
-            <a:spLocks noGrp="1"/>
-          </p:cNvSpPr>
-          <p:nvPr>
-            <p:ph type="sldNum" sz="quarter" idx="10"/>
-          </p:nvPr>
-        </p:nvSpPr>
-        <p:spPr/>
-        <p:txBody>
-          <a:bodyPr/>
-          <a:lstStyle/>
-          <a:p>
-            <a:fld id="{CB382EB3-1D32-46C2-98FF-9F30FFCBC56C}" type="slidenum">
-              <a:rPr lang="en-US" altLang="zh-CN" smtClean="0"/>
-              <a:t>9</a:t>
-            </a:fld>
-            <a:endParaRPr lang="en-US" altLang="zh-CN"/>
-          </a:p>
-        </p:txBody>
-      </p:sp>
-    </p:spTree>
-    <p:extLst>
-      <p:ext uri="{BB962C8B-B14F-4D97-AF65-F5344CB8AC3E}">
-        <p14:creationId xmlns:p14="http://schemas.microsoft.com/office/powerpoint/2010/main" val="2660973616"/>
-      </p:ext>
-    </p:extLst>
-  </p:cSld>
-  <p:clrMapOvr>
-    <a:masterClrMapping/>
-  </p:clrMapOvr>
-</p:notes>
-</file>
-
-<file path=ppt/notesSlides/notesSlide9.xml><?xml version="1.0" encoding="utf-8"?>
-<p:notes xmlns:a="http://schemas.openxmlformats.org/drawingml/2006/main" xmlns:r="http://schemas.openxmlformats.org/officeDocument/2006/relationships" xmlns:p="http://schemas.openxmlformats.org/presentationml/2006/main">
-  <p:cSld>
-    <p:spTree>
-      <p:nvGrpSpPr>
-        <p:cNvPr id="1" name=""/>
-        <p:cNvGrpSpPr/>
-        <p:nvPr/>
-      </p:nvGrpSpPr>
-      <p:grpSpPr>
-        <a:xfrm>
-          <a:off x="0" y="0"/>
-          <a:ext cx="0" cy="0"/>
-          <a:chOff x="0" y="0"/>
-          <a:chExt cx="0" cy="0"/>
-        </a:xfrm>
-      </p:grpSpPr>
-      <p:sp>
-        <p:nvSpPr>
-          <p:cNvPr id="2" name="幻灯片图像占位符 1"/>
-          <p:cNvSpPr>
-            <a:spLocks noGrp="1" noRot="1" noChangeAspect="1"/>
-          </p:cNvSpPr>
-          <p:nvPr>
-            <p:ph type="sldImg"/>
-          </p:nvPr>
-        </p:nvSpPr>
-        <p:spPr/>
-      </p:sp>
-      <p:sp>
-        <p:nvSpPr>
-          <p:cNvPr id="3" name="备注占位符 2"/>
-          <p:cNvSpPr>
-            <a:spLocks noGrp="1"/>
-          </p:cNvSpPr>
-          <p:nvPr>
-            <p:ph type="body" idx="1"/>
-          </p:nvPr>
-        </p:nvSpPr>
-        <p:spPr/>
-        <p:txBody>
-          <a:bodyPr/>
-          <a:lstStyle/>
-          <a:p>
-            <a:endParaRPr kumimoji="1" lang="zh-CN" altLang="en-US" dirty="0"/>
-          </a:p>
-        </p:txBody>
-      </p:sp>
-      <p:sp>
-        <p:nvSpPr>
-          <p:cNvPr id="4" name="幻灯片编号占位符 3"/>
-          <p:cNvSpPr>
-            <a:spLocks noGrp="1"/>
-          </p:cNvSpPr>
-          <p:nvPr>
-            <p:ph type="sldNum" sz="quarter" idx="10"/>
-          </p:nvPr>
-        </p:nvSpPr>
-        <p:spPr/>
-        <p:txBody>
-          <a:bodyPr/>
-          <a:lstStyle/>
-          <a:p>
-            <a:fld id="{CB382EB3-1D32-46C2-98FF-9F30FFCBC56C}" type="slidenum">
-              <a:rPr lang="en-US" altLang="zh-CN" smtClean="0"/>
-              <a:t>10</a:t>
-            </a:fld>
-            <a:endParaRPr lang="en-US" altLang="zh-CN"/>
-          </a:p>
-        </p:txBody>
-      </p:sp>
-    </p:spTree>
-    <p:extLst>
-      <p:ext uri="{BB962C8B-B14F-4D97-AF65-F5344CB8AC3E}">
-        <p14:creationId xmlns:p14="http://schemas.microsoft.com/office/powerpoint/2010/main" val="3955536692"/>
       </p:ext>
     </p:extLst>
   </p:cSld>
@@ -2161,7 +1395,7 @@
           <a:p>
             <a:fld id="{EE0025A7-E727-4FBE-9F41-4F06D36C93BD}" type="datetime2">
               <a:rPr lang="zh-CN" altLang="en-US" smtClean="0"/>
-              <a:t>2018年4月17日</a:t>
+              <a:t>2018年4月18日</a:t>
             </a:fld>
             <a:endParaRPr lang="en-US" altLang="zh-CN"/>
           </a:p>
@@ -7185,7 +6419,7 @@
           <a:p>
             <a:fld id="{90D80B66-F943-4100-867B-A199D16441AE}" type="datetime2">
               <a:rPr lang="zh-CN" altLang="en-US" b="0"/>
-              <a:t>2018年4月17日</a:t>
+              <a:t>2018年4月18日</a:t>
             </a:fld>
             <a:endParaRPr lang="en-US" altLang="zh-CN" b="0" dirty="0"/>
           </a:p>
@@ -7456,5332 +6690,9 @@
           <a:p>
             <a:r>
               <a:rPr lang="zh-CN" altLang="en-US" dirty="0" smtClean="0"/>
-              <a:t>分享人</a:t>
-            </a:r>
-            <a:r>
-              <a:rPr lang="zh-CN" altLang="en-US" dirty="0" smtClean="0"/>
-              <a:t>：毛中勇</a:t>
+              <a:t>分享人：毛中勇</a:t>
             </a:r>
             <a:endParaRPr lang="en-US" altLang="zh-CN" dirty="0"/>
-          </a:p>
-        </p:txBody>
-      </p:sp>
-    </p:spTree>
-  </p:cSld>
-  <p:clrMapOvr>
-    <a:masterClrMapping/>
-  </p:clrMapOvr>
-</p:sld>
-</file>
-
-<file path=ppt/slides/slide10.xml><?xml version="1.0" encoding="utf-8"?>
-<p:sld xmlns:a="http://schemas.openxmlformats.org/drawingml/2006/main" xmlns:r="http://schemas.openxmlformats.org/officeDocument/2006/relationships" xmlns:p="http://schemas.openxmlformats.org/presentationml/2006/main">
-  <p:cSld>
-    <p:spTree>
-      <p:nvGrpSpPr>
-        <p:cNvPr id="1" name=""/>
-        <p:cNvGrpSpPr/>
-        <p:nvPr/>
-      </p:nvGrpSpPr>
-      <p:grpSpPr>
-        <a:xfrm>
-          <a:off x="0" y="0"/>
-          <a:ext cx="0" cy="0"/>
-          <a:chOff x="0" y="0"/>
-          <a:chExt cx="0" cy="0"/>
-        </a:xfrm>
-      </p:grpSpPr>
-      <p:pic>
-        <p:nvPicPr>
-          <p:cNvPr id="7170" name="Picture 2"/>
-          <p:cNvPicPr>
-            <a:picLocks noChangeAspect="1" noChangeArrowheads="1"/>
-          </p:cNvPicPr>
-          <p:nvPr/>
-        </p:nvPicPr>
-        <p:blipFill>
-          <a:blip r:embed="rId3">
-            <a:extLst>
-              <a:ext uri="{28A0092B-C50C-407E-A947-70E740481C1C}">
-                <a14:useLocalDpi xmlns:a14="http://schemas.microsoft.com/office/drawing/2010/main" val="0"/>
-              </a:ext>
-            </a:extLst>
-          </a:blip>
-          <a:srcRect/>
-          <a:stretch>
-            <a:fillRect/>
-          </a:stretch>
-        </p:blipFill>
-        <p:spPr bwMode="auto">
-          <a:xfrm>
-            <a:off x="0" y="304800"/>
-            <a:ext cx="9067800" cy="6324600"/>
-          </a:xfrm>
-          <a:prstGeom prst="rect">
-            <a:avLst/>
-          </a:prstGeom>
-          <a:noFill/>
-          <a:ln>
-            <a:noFill/>
-          </a:ln>
-          <a:effectLst/>
-          <a:extLst>
-            <a:ext uri="{909E8E84-426E-40DD-AFC4-6F175D3DCCD1}">
-              <a14:hiddenFill xmlns:a14="http://schemas.microsoft.com/office/drawing/2010/main">
-                <a:solidFill>
-                  <a:schemeClr val="accent1"/>
-                </a:solidFill>
-              </a14:hiddenFill>
-            </a:ext>
-            <a:ext uri="{91240B29-F687-4F45-9708-019B960494DF}">
-              <a14:hiddenLine xmlns:a14="http://schemas.microsoft.com/office/drawing/2010/main" w="9525">
-                <a:solidFill>
-                  <a:schemeClr val="tx1"/>
-                </a:solidFill>
-                <a:miter lim="800000"/>
-                <a:headEnd/>
-                <a:tailEnd/>
-              </a14:hiddenLine>
-            </a:ext>
-            <a:ext uri="{AF507438-7753-43E0-B8FC-AC1667EBCBE1}">
-              <a14:hiddenEffects xmlns:a14="http://schemas.microsoft.com/office/drawing/2010/main">
-                <a:effectLst>
-                  <a:outerShdw dist="35921" dir="2700000" algn="ctr" rotWithShape="0">
-                    <a:schemeClr val="bg2"/>
-                  </a:outerShdw>
-                </a:effectLst>
-              </a14:hiddenEffects>
-            </a:ext>
-          </a:extLst>
-        </p:spPr>
-      </p:pic>
-      <p:sp>
-        <p:nvSpPr>
-          <p:cNvPr id="4" name="幻灯片编号占位符 3"/>
-          <p:cNvSpPr>
-            <a:spLocks noGrp="1"/>
-          </p:cNvSpPr>
-          <p:nvPr>
-            <p:ph type="sldNum" sz="quarter" idx="11"/>
-          </p:nvPr>
-        </p:nvSpPr>
-        <p:spPr/>
-        <p:txBody>
-          <a:bodyPr/>
-          <a:lstStyle/>
-          <a:p>
-            <a:fld id="{1EAD90CE-CA62-48F8-87DA-AA74ACBFB15B}" type="slidenum">
-              <a:rPr lang="en-US" altLang="zh-CN" smtClean="0"/>
-              <a:t>10</a:t>
-            </a:fld>
-            <a:endParaRPr lang="en-US" altLang="zh-CN"/>
-          </a:p>
-        </p:txBody>
-      </p:sp>
-      <p:sp>
-        <p:nvSpPr>
-          <p:cNvPr id="2" name="文本框 1"/>
-          <p:cNvSpPr txBox="1"/>
-          <p:nvPr/>
-        </p:nvSpPr>
-        <p:spPr>
-          <a:xfrm>
-            <a:off x="304800" y="609600"/>
-            <a:ext cx="2871299" cy="646331"/>
-          </a:xfrm>
-          <a:prstGeom prst="rect">
-            <a:avLst/>
-          </a:prstGeom>
-          <a:noFill/>
-        </p:spPr>
-        <p:txBody>
-          <a:bodyPr wrap="none" rtlCol="0">
-            <a:spAutoFit/>
-          </a:bodyPr>
-          <a:lstStyle/>
-          <a:p>
-            <a:r>
-              <a:rPr kumimoji="1" lang="en-US" altLang="zh-CN" sz="3600" b="1" dirty="0" smtClean="0">
-                <a:solidFill>
-                  <a:schemeClr val="accent1"/>
-                </a:solidFill>
-                <a:latin typeface="微软雅黑" panose="020B0503020204020204" pitchFamily="34" charset="-122"/>
-                <a:ea typeface="微软雅黑" panose="020B0503020204020204" pitchFamily="34" charset="-122"/>
-                <a:cs typeface="微软雅黑" panose="020B0503020204020204" pitchFamily="34" charset="-122"/>
-              </a:rPr>
-              <a:t>2.2 </a:t>
-            </a:r>
-            <a:r>
-              <a:rPr kumimoji="1" lang="zh-CN" altLang="en-US" sz="3600" b="1" dirty="0" smtClean="0">
-                <a:solidFill>
-                  <a:schemeClr val="accent1"/>
-                </a:solidFill>
-                <a:latin typeface="微软雅黑" panose="020B0503020204020204" pitchFamily="34" charset="-122"/>
-                <a:ea typeface="微软雅黑" panose="020B0503020204020204" pitchFamily="34" charset="-122"/>
-                <a:cs typeface="微软雅黑" panose="020B0503020204020204" pitchFamily="34" charset="-122"/>
-              </a:rPr>
-              <a:t>消息推送</a:t>
-            </a:r>
-            <a:endParaRPr kumimoji="1" lang="zh-CN" altLang="en-US" sz="3600" b="1" dirty="0">
-              <a:solidFill>
-                <a:schemeClr val="accent1"/>
-              </a:solidFill>
-              <a:latin typeface="微软雅黑" panose="020B0503020204020204" pitchFamily="34" charset="-122"/>
-              <a:ea typeface="微软雅黑" panose="020B0503020204020204" pitchFamily="34" charset="-122"/>
-              <a:cs typeface="微软雅黑" panose="020B0503020204020204" pitchFamily="34" charset="-122"/>
-            </a:endParaRPr>
-          </a:p>
-        </p:txBody>
-      </p:sp>
-    </p:spTree>
-  </p:cSld>
-  <p:clrMapOvr>
-    <a:masterClrMapping/>
-  </p:clrMapOvr>
-</p:sld>
-</file>
-
-<file path=ppt/slides/slide11.xml><?xml version="1.0" encoding="utf-8"?>
-<p:sld xmlns:a="http://schemas.openxmlformats.org/drawingml/2006/main" xmlns:r="http://schemas.openxmlformats.org/officeDocument/2006/relationships" xmlns:p="http://schemas.openxmlformats.org/presentationml/2006/main">
-  <p:cSld>
-    <p:spTree>
-      <p:nvGrpSpPr>
-        <p:cNvPr id="1" name=""/>
-        <p:cNvGrpSpPr/>
-        <p:nvPr/>
-      </p:nvGrpSpPr>
-      <p:grpSpPr>
-        <a:xfrm>
-          <a:off x="0" y="0"/>
-          <a:ext cx="0" cy="0"/>
-          <a:chOff x="0" y="0"/>
-          <a:chExt cx="0" cy="0"/>
-        </a:xfrm>
-      </p:grpSpPr>
-      <p:sp>
-        <p:nvSpPr>
-          <p:cNvPr id="4" name="幻灯片编号占位符 3"/>
-          <p:cNvSpPr>
-            <a:spLocks noGrp="1"/>
-          </p:cNvSpPr>
-          <p:nvPr>
-            <p:ph type="sldNum" sz="quarter" idx="11"/>
-          </p:nvPr>
-        </p:nvSpPr>
-        <p:spPr/>
-        <p:txBody>
-          <a:bodyPr/>
-          <a:lstStyle/>
-          <a:p>
-            <a:fld id="{1EAD90CE-CA62-48F8-87DA-AA74ACBFB15B}" type="slidenum">
-              <a:rPr lang="en-US" altLang="zh-CN" smtClean="0"/>
-              <a:t>11</a:t>
-            </a:fld>
-            <a:endParaRPr lang="en-US" altLang="zh-CN"/>
-          </a:p>
-        </p:txBody>
-      </p:sp>
-      <p:pic>
-        <p:nvPicPr>
-          <p:cNvPr id="6146" name="Picture 2"/>
-          <p:cNvPicPr>
-            <a:picLocks noChangeAspect="1" noChangeArrowheads="1"/>
-          </p:cNvPicPr>
-          <p:nvPr/>
-        </p:nvPicPr>
-        <p:blipFill>
-          <a:blip r:embed="rId3">
-            <a:extLst>
-              <a:ext uri="{28A0092B-C50C-407E-A947-70E740481C1C}">
-                <a14:useLocalDpi xmlns:a14="http://schemas.microsoft.com/office/drawing/2010/main" val="0"/>
-              </a:ext>
-            </a:extLst>
-          </a:blip>
-          <a:srcRect/>
-          <a:stretch>
-            <a:fillRect/>
-          </a:stretch>
-        </p:blipFill>
-        <p:spPr bwMode="auto">
-          <a:xfrm>
-            <a:off x="57150" y="304800"/>
-            <a:ext cx="6572250" cy="6477000"/>
-          </a:xfrm>
-          <a:prstGeom prst="rect">
-            <a:avLst/>
-          </a:prstGeom>
-          <a:noFill/>
-          <a:ln>
-            <a:noFill/>
-          </a:ln>
-          <a:effectLst/>
-          <a:extLst>
-            <a:ext uri="{909E8E84-426E-40DD-AFC4-6F175D3DCCD1}">
-              <a14:hiddenFill xmlns:a14="http://schemas.microsoft.com/office/drawing/2010/main">
-                <a:solidFill>
-                  <a:schemeClr val="accent1"/>
-                </a:solidFill>
-              </a14:hiddenFill>
-            </a:ext>
-            <a:ext uri="{91240B29-F687-4F45-9708-019B960494DF}">
-              <a14:hiddenLine xmlns:a14="http://schemas.microsoft.com/office/drawing/2010/main" w="9525">
-                <a:solidFill>
-                  <a:schemeClr val="tx1"/>
-                </a:solidFill>
-                <a:miter lim="800000"/>
-                <a:headEnd/>
-                <a:tailEnd/>
-              </a14:hiddenLine>
-            </a:ext>
-            <a:ext uri="{AF507438-7753-43E0-B8FC-AC1667EBCBE1}">
-              <a14:hiddenEffects xmlns:a14="http://schemas.microsoft.com/office/drawing/2010/main">
-                <a:effectLst>
-                  <a:outerShdw dist="35921" dir="2700000" algn="ctr" rotWithShape="0">
-                    <a:schemeClr val="bg2"/>
-                  </a:outerShdw>
-                </a:effectLst>
-              </a14:hiddenEffects>
-            </a:ext>
-          </a:extLst>
-        </p:spPr>
-      </p:pic>
-      <p:sp>
-        <p:nvSpPr>
-          <p:cNvPr id="2" name="文本框 1"/>
-          <p:cNvSpPr txBox="1"/>
-          <p:nvPr/>
-        </p:nvSpPr>
-        <p:spPr>
-          <a:xfrm>
-            <a:off x="5943600" y="990600"/>
-            <a:ext cx="2871299" cy="646331"/>
-          </a:xfrm>
-          <a:prstGeom prst="rect">
-            <a:avLst/>
-          </a:prstGeom>
-          <a:noFill/>
-        </p:spPr>
-        <p:txBody>
-          <a:bodyPr wrap="none" rtlCol="0">
-            <a:spAutoFit/>
-          </a:bodyPr>
-          <a:lstStyle/>
-          <a:p>
-            <a:r>
-              <a:rPr kumimoji="1" lang="en-US" altLang="zh-CN" sz="3600" b="1" dirty="0" smtClean="0">
-                <a:solidFill>
-                  <a:schemeClr val="accent1"/>
-                </a:solidFill>
-                <a:latin typeface="微软雅黑" panose="020B0503020204020204" pitchFamily="34" charset="-122"/>
-                <a:ea typeface="微软雅黑" panose="020B0503020204020204" pitchFamily="34" charset="-122"/>
-                <a:cs typeface="微软雅黑" panose="020B0503020204020204" pitchFamily="34" charset="-122"/>
-              </a:rPr>
-              <a:t>2.2 </a:t>
-            </a:r>
-            <a:r>
-              <a:rPr kumimoji="1" lang="zh-CN" altLang="en-US" sz="3600" b="1" dirty="0" smtClean="0">
-                <a:solidFill>
-                  <a:schemeClr val="accent1"/>
-                </a:solidFill>
-                <a:latin typeface="微软雅黑" panose="020B0503020204020204" pitchFamily="34" charset="-122"/>
-                <a:ea typeface="微软雅黑" panose="020B0503020204020204" pitchFamily="34" charset="-122"/>
-                <a:cs typeface="微软雅黑" panose="020B0503020204020204" pitchFamily="34" charset="-122"/>
-              </a:rPr>
-              <a:t>消息推送</a:t>
-            </a:r>
-            <a:endParaRPr kumimoji="1" lang="zh-CN" altLang="en-US" sz="3600" b="1" dirty="0">
-              <a:solidFill>
-                <a:schemeClr val="accent1"/>
-              </a:solidFill>
-              <a:latin typeface="微软雅黑" panose="020B0503020204020204" pitchFamily="34" charset="-122"/>
-              <a:ea typeface="微软雅黑" panose="020B0503020204020204" pitchFamily="34" charset="-122"/>
-              <a:cs typeface="微软雅黑" panose="020B0503020204020204" pitchFamily="34" charset="-122"/>
-            </a:endParaRPr>
-          </a:p>
-        </p:txBody>
-      </p:sp>
-    </p:spTree>
-  </p:cSld>
-  <p:clrMapOvr>
-    <a:masterClrMapping/>
-  </p:clrMapOvr>
-</p:sld>
-</file>
-
-<file path=ppt/slides/slide12.xml><?xml version="1.0" encoding="utf-8"?>
-<p:sld xmlns:a="http://schemas.openxmlformats.org/drawingml/2006/main" xmlns:r="http://schemas.openxmlformats.org/officeDocument/2006/relationships" xmlns:p="http://schemas.openxmlformats.org/presentationml/2006/main">
-  <p:cSld>
-    <p:spTree>
-      <p:nvGrpSpPr>
-        <p:cNvPr id="1" name=""/>
-        <p:cNvGrpSpPr/>
-        <p:nvPr/>
-      </p:nvGrpSpPr>
-      <p:grpSpPr>
-        <a:xfrm>
-          <a:off x="0" y="0"/>
-          <a:ext cx="0" cy="0"/>
-          <a:chOff x="0" y="0"/>
-          <a:chExt cx="0" cy="0"/>
-        </a:xfrm>
-      </p:grpSpPr>
-      <p:sp>
-        <p:nvSpPr>
-          <p:cNvPr id="4" name="幻灯片编号占位符 3"/>
-          <p:cNvSpPr>
-            <a:spLocks noGrp="1"/>
-          </p:cNvSpPr>
-          <p:nvPr>
-            <p:ph type="sldNum" sz="quarter" idx="11"/>
-          </p:nvPr>
-        </p:nvSpPr>
-        <p:spPr/>
-        <p:txBody>
-          <a:bodyPr/>
-          <a:lstStyle/>
-          <a:p>
-            <a:fld id="{1EAD90CE-CA62-48F8-87DA-AA74ACBFB15B}" type="slidenum">
-              <a:rPr lang="en-US" altLang="zh-CN" smtClean="0"/>
-              <a:t>12</a:t>
-            </a:fld>
-            <a:endParaRPr lang="en-US" altLang="zh-CN"/>
-          </a:p>
-        </p:txBody>
-      </p:sp>
-      <p:pic>
-        <p:nvPicPr>
-          <p:cNvPr id="1026" name="Picture 2"/>
-          <p:cNvPicPr>
-            <a:picLocks noChangeAspect="1" noChangeArrowheads="1"/>
-          </p:cNvPicPr>
-          <p:nvPr/>
-        </p:nvPicPr>
-        <p:blipFill>
-          <a:blip r:embed="rId3">
-            <a:extLst>
-              <a:ext uri="{28A0092B-C50C-407E-A947-70E740481C1C}">
-                <a14:useLocalDpi xmlns:a14="http://schemas.microsoft.com/office/drawing/2010/main" val="0"/>
-              </a:ext>
-            </a:extLst>
-          </a:blip>
-          <a:srcRect/>
-          <a:stretch>
-            <a:fillRect/>
-          </a:stretch>
-        </p:blipFill>
-        <p:spPr bwMode="auto">
-          <a:xfrm>
-            <a:off x="762000" y="314325"/>
-            <a:ext cx="6581775" cy="6543675"/>
-          </a:xfrm>
-          <a:prstGeom prst="rect">
-            <a:avLst/>
-          </a:prstGeom>
-          <a:noFill/>
-          <a:ln>
-            <a:noFill/>
-          </a:ln>
-          <a:effectLst/>
-          <a:extLst>
-            <a:ext uri="{909E8E84-426E-40DD-AFC4-6F175D3DCCD1}">
-              <a14:hiddenFill xmlns:a14="http://schemas.microsoft.com/office/drawing/2010/main">
-                <a:solidFill>
-                  <a:schemeClr val="accent1"/>
-                </a:solidFill>
-              </a14:hiddenFill>
-            </a:ext>
-            <a:ext uri="{91240B29-F687-4F45-9708-019B960494DF}">
-              <a14:hiddenLine xmlns:a14="http://schemas.microsoft.com/office/drawing/2010/main" w="9525">
-                <a:solidFill>
-                  <a:schemeClr val="tx1"/>
-                </a:solidFill>
-                <a:miter lim="800000"/>
-                <a:headEnd/>
-                <a:tailEnd/>
-              </a14:hiddenLine>
-            </a:ext>
-            <a:ext uri="{AF507438-7753-43E0-B8FC-AC1667EBCBE1}">
-              <a14:hiddenEffects xmlns:a14="http://schemas.microsoft.com/office/drawing/2010/main">
-                <a:effectLst>
-                  <a:outerShdw dist="35921" dir="2700000" algn="ctr" rotWithShape="0">
-                    <a:schemeClr val="bg2"/>
-                  </a:outerShdw>
-                </a:effectLst>
-              </a14:hiddenEffects>
-            </a:ext>
-          </a:extLst>
-        </p:spPr>
-      </p:pic>
-      <p:sp>
-        <p:nvSpPr>
-          <p:cNvPr id="2" name="文本框 1"/>
-          <p:cNvSpPr txBox="1"/>
-          <p:nvPr/>
-        </p:nvSpPr>
-        <p:spPr>
-          <a:xfrm>
-            <a:off x="5661010" y="536344"/>
-            <a:ext cx="2949590" cy="646331"/>
-          </a:xfrm>
-          <a:prstGeom prst="rect">
-            <a:avLst/>
-          </a:prstGeom>
-          <a:noFill/>
-        </p:spPr>
-        <p:txBody>
-          <a:bodyPr wrap="none" rtlCol="0">
-            <a:spAutoFit/>
-          </a:bodyPr>
-          <a:lstStyle/>
-          <a:p>
-            <a:r>
-              <a:rPr kumimoji="1" lang="en-US" altLang="zh-CN" sz="3600" b="1" dirty="0" smtClean="0">
-                <a:solidFill>
-                  <a:schemeClr val="accent1"/>
-                </a:solidFill>
-                <a:latin typeface="微软雅黑" panose="020B0503020204020204" pitchFamily="34" charset="-122"/>
-                <a:ea typeface="微软雅黑" panose="020B0503020204020204" pitchFamily="34" charset="-122"/>
-                <a:cs typeface="微软雅黑" panose="020B0503020204020204" pitchFamily="34" charset="-122"/>
-              </a:rPr>
-              <a:t>2.3 Java</a:t>
-            </a:r>
-            <a:r>
-              <a:rPr kumimoji="1" lang="zh-CN" altLang="en-US" sz="3600" b="1" dirty="0" smtClean="0">
-                <a:solidFill>
-                  <a:schemeClr val="accent1"/>
-                </a:solidFill>
-                <a:latin typeface="微软雅黑" panose="020B0503020204020204" pitchFamily="34" charset="-122"/>
-                <a:ea typeface="微软雅黑" panose="020B0503020204020204" pitchFamily="34" charset="-122"/>
-                <a:cs typeface="微软雅黑" panose="020B0503020204020204" pitchFamily="34" charset="-122"/>
-              </a:rPr>
-              <a:t>任务</a:t>
-            </a:r>
-            <a:endParaRPr kumimoji="1" lang="zh-CN" altLang="en-US" sz="3600" b="1" dirty="0">
-              <a:solidFill>
-                <a:schemeClr val="accent1"/>
-              </a:solidFill>
-              <a:latin typeface="微软雅黑" panose="020B0503020204020204" pitchFamily="34" charset="-122"/>
-              <a:ea typeface="微软雅黑" panose="020B0503020204020204" pitchFamily="34" charset="-122"/>
-              <a:cs typeface="微软雅黑" panose="020B0503020204020204" pitchFamily="34" charset="-122"/>
-            </a:endParaRPr>
-          </a:p>
-        </p:txBody>
-      </p:sp>
-    </p:spTree>
-  </p:cSld>
-  <p:clrMapOvr>
-    <a:masterClrMapping/>
-  </p:clrMapOvr>
-</p:sld>
-</file>
-
-<file path=ppt/slides/slide13.xml><?xml version="1.0" encoding="utf-8"?>
-<p:sld xmlns:a="http://schemas.openxmlformats.org/drawingml/2006/main" xmlns:r="http://schemas.openxmlformats.org/officeDocument/2006/relationships" xmlns:p="http://schemas.openxmlformats.org/presentationml/2006/main">
-  <p:cSld>
-    <p:spTree>
-      <p:nvGrpSpPr>
-        <p:cNvPr id="1" name=""/>
-        <p:cNvGrpSpPr/>
-        <p:nvPr/>
-      </p:nvGrpSpPr>
-      <p:grpSpPr>
-        <a:xfrm>
-          <a:off x="0" y="0"/>
-          <a:ext cx="0" cy="0"/>
-          <a:chOff x="0" y="0"/>
-          <a:chExt cx="0" cy="0"/>
-        </a:xfrm>
-      </p:grpSpPr>
-      <p:sp>
-        <p:nvSpPr>
-          <p:cNvPr id="4" name="幻灯片编号占位符 3"/>
-          <p:cNvSpPr>
-            <a:spLocks noGrp="1"/>
-          </p:cNvSpPr>
-          <p:nvPr>
-            <p:ph type="sldNum" sz="quarter" idx="11"/>
-          </p:nvPr>
-        </p:nvSpPr>
-        <p:spPr/>
-        <p:txBody>
-          <a:bodyPr/>
-          <a:lstStyle/>
-          <a:p>
-            <a:fld id="{1EAD90CE-CA62-48F8-87DA-AA74ACBFB15B}" type="slidenum">
-              <a:rPr lang="en-US" altLang="zh-CN" smtClean="0"/>
-              <a:t>13</a:t>
-            </a:fld>
-            <a:endParaRPr lang="en-US" altLang="zh-CN"/>
-          </a:p>
-        </p:txBody>
-      </p:sp>
-      <p:sp>
-        <p:nvSpPr>
-          <p:cNvPr id="2" name="文本框 1"/>
-          <p:cNvSpPr txBox="1"/>
-          <p:nvPr/>
-        </p:nvSpPr>
-        <p:spPr>
-          <a:xfrm>
-            <a:off x="5661010" y="536344"/>
-            <a:ext cx="2949590" cy="646331"/>
-          </a:xfrm>
-          <a:prstGeom prst="rect">
-            <a:avLst/>
-          </a:prstGeom>
-          <a:noFill/>
-        </p:spPr>
-        <p:txBody>
-          <a:bodyPr wrap="none" rtlCol="0">
-            <a:spAutoFit/>
-          </a:bodyPr>
-          <a:lstStyle/>
-          <a:p>
-            <a:r>
-              <a:rPr kumimoji="1" lang="en-US" altLang="zh-CN" sz="3600" b="1" dirty="0" smtClean="0">
-                <a:solidFill>
-                  <a:schemeClr val="accent1"/>
-                </a:solidFill>
-                <a:latin typeface="微软雅黑" panose="020B0503020204020204" pitchFamily="34" charset="-122"/>
-                <a:ea typeface="微软雅黑" panose="020B0503020204020204" pitchFamily="34" charset="-122"/>
-                <a:cs typeface="微软雅黑" panose="020B0503020204020204" pitchFamily="34" charset="-122"/>
-              </a:rPr>
-              <a:t>2.3 Java</a:t>
-            </a:r>
-            <a:r>
-              <a:rPr kumimoji="1" lang="zh-CN" altLang="en-US" sz="3600" b="1" dirty="0" smtClean="0">
-                <a:solidFill>
-                  <a:schemeClr val="accent1"/>
-                </a:solidFill>
-                <a:latin typeface="微软雅黑" panose="020B0503020204020204" pitchFamily="34" charset="-122"/>
-                <a:ea typeface="微软雅黑" panose="020B0503020204020204" pitchFamily="34" charset="-122"/>
-                <a:cs typeface="微软雅黑" panose="020B0503020204020204" pitchFamily="34" charset="-122"/>
-              </a:rPr>
-              <a:t>任务</a:t>
-            </a:r>
-            <a:endParaRPr kumimoji="1" lang="zh-CN" altLang="en-US" sz="3600" b="1" dirty="0">
-              <a:solidFill>
-                <a:schemeClr val="accent1"/>
-              </a:solidFill>
-              <a:latin typeface="微软雅黑" panose="020B0503020204020204" pitchFamily="34" charset="-122"/>
-              <a:ea typeface="微软雅黑" panose="020B0503020204020204" pitchFamily="34" charset="-122"/>
-              <a:cs typeface="微软雅黑" panose="020B0503020204020204" pitchFamily="34" charset="-122"/>
-            </a:endParaRPr>
-          </a:p>
-        </p:txBody>
-      </p:sp>
-      <p:pic>
-        <p:nvPicPr>
-          <p:cNvPr id="2050" name="Picture 2"/>
-          <p:cNvPicPr>
-            <a:picLocks noChangeAspect="1" noChangeArrowheads="1"/>
-          </p:cNvPicPr>
-          <p:nvPr/>
-        </p:nvPicPr>
-        <p:blipFill>
-          <a:blip r:embed="rId3">
-            <a:extLst>
-              <a:ext uri="{28A0092B-C50C-407E-A947-70E740481C1C}">
-                <a14:useLocalDpi xmlns:a14="http://schemas.microsoft.com/office/drawing/2010/main" val="0"/>
-              </a:ext>
-            </a:extLst>
-          </a:blip>
-          <a:srcRect/>
-          <a:stretch>
-            <a:fillRect/>
-          </a:stretch>
-        </p:blipFill>
-        <p:spPr bwMode="auto">
-          <a:xfrm>
-            <a:off x="44824" y="1905000"/>
-            <a:ext cx="9022976" cy="3438525"/>
-          </a:xfrm>
-          <a:prstGeom prst="rect">
-            <a:avLst/>
-          </a:prstGeom>
-          <a:noFill/>
-          <a:ln>
-            <a:noFill/>
-          </a:ln>
-          <a:effectLst/>
-          <a:extLst>
-            <a:ext uri="{909E8E84-426E-40DD-AFC4-6F175D3DCCD1}">
-              <a14:hiddenFill xmlns:a14="http://schemas.microsoft.com/office/drawing/2010/main">
-                <a:solidFill>
-                  <a:schemeClr val="accent1"/>
-                </a:solidFill>
-              </a14:hiddenFill>
-            </a:ext>
-            <a:ext uri="{91240B29-F687-4F45-9708-019B960494DF}">
-              <a14:hiddenLine xmlns:a14="http://schemas.microsoft.com/office/drawing/2010/main" w="9525">
-                <a:solidFill>
-                  <a:schemeClr val="tx1"/>
-                </a:solidFill>
-                <a:miter lim="800000"/>
-                <a:headEnd/>
-                <a:tailEnd/>
-              </a14:hiddenLine>
-            </a:ext>
-            <a:ext uri="{AF507438-7753-43E0-B8FC-AC1667EBCBE1}">
-              <a14:hiddenEffects xmlns:a14="http://schemas.microsoft.com/office/drawing/2010/main">
-                <a:effectLst>
-                  <a:outerShdw dist="35921" dir="2700000" algn="ctr" rotWithShape="0">
-                    <a:schemeClr val="bg2"/>
-                  </a:outerShdw>
-                </a:effectLst>
-              </a14:hiddenEffects>
-            </a:ext>
-          </a:extLst>
-        </p:spPr>
-      </p:pic>
-    </p:spTree>
-  </p:cSld>
-  <p:clrMapOvr>
-    <a:masterClrMapping/>
-  </p:clrMapOvr>
-</p:sld>
-</file>
-
-<file path=ppt/slides/slide14.xml><?xml version="1.0" encoding="utf-8"?>
-<p:sld xmlns:a="http://schemas.openxmlformats.org/drawingml/2006/main" xmlns:r="http://schemas.openxmlformats.org/officeDocument/2006/relationships" xmlns:p="http://schemas.openxmlformats.org/presentationml/2006/main">
-  <p:cSld>
-    <p:spTree>
-      <p:nvGrpSpPr>
-        <p:cNvPr id="1" name=""/>
-        <p:cNvGrpSpPr/>
-        <p:nvPr/>
-      </p:nvGrpSpPr>
-      <p:grpSpPr>
-        <a:xfrm>
-          <a:off x="0" y="0"/>
-          <a:ext cx="0" cy="0"/>
-          <a:chOff x="0" y="0"/>
-          <a:chExt cx="0" cy="0"/>
-        </a:xfrm>
-      </p:grpSpPr>
-      <p:sp>
-        <p:nvSpPr>
-          <p:cNvPr id="4" name="幻灯片编号占位符 3"/>
-          <p:cNvSpPr>
-            <a:spLocks noGrp="1"/>
-          </p:cNvSpPr>
-          <p:nvPr>
-            <p:ph type="sldNum" sz="quarter" idx="11"/>
-          </p:nvPr>
-        </p:nvSpPr>
-        <p:spPr/>
-        <p:txBody>
-          <a:bodyPr/>
-          <a:lstStyle/>
-          <a:p>
-            <a:fld id="{1EAD90CE-CA62-48F8-87DA-AA74ACBFB15B}" type="slidenum">
-              <a:rPr lang="en-US" altLang="zh-CN" smtClean="0"/>
-              <a:t>14</a:t>
-            </a:fld>
-            <a:endParaRPr lang="en-US" altLang="zh-CN"/>
-          </a:p>
-        </p:txBody>
-      </p:sp>
-      <p:pic>
-        <p:nvPicPr>
-          <p:cNvPr id="10243" name="Picture 3"/>
-          <p:cNvPicPr>
-            <a:picLocks noChangeAspect="1" noChangeArrowheads="1"/>
-          </p:cNvPicPr>
-          <p:nvPr/>
-        </p:nvPicPr>
-        <p:blipFill>
-          <a:blip r:embed="rId3">
-            <a:extLst>
-              <a:ext uri="{28A0092B-C50C-407E-A947-70E740481C1C}">
-                <a14:useLocalDpi xmlns:a14="http://schemas.microsoft.com/office/drawing/2010/main" val="0"/>
-              </a:ext>
-            </a:extLst>
-          </a:blip>
-          <a:srcRect/>
-          <a:stretch>
-            <a:fillRect/>
-          </a:stretch>
-        </p:blipFill>
-        <p:spPr bwMode="auto">
-          <a:xfrm>
-            <a:off x="0" y="990600"/>
-            <a:ext cx="9144000" cy="5257800"/>
-          </a:xfrm>
-          <a:prstGeom prst="rect">
-            <a:avLst/>
-          </a:prstGeom>
-          <a:noFill/>
-          <a:ln>
-            <a:noFill/>
-          </a:ln>
-          <a:effectLst/>
-          <a:extLst>
-            <a:ext uri="{909E8E84-426E-40DD-AFC4-6F175D3DCCD1}">
-              <a14:hiddenFill xmlns:a14="http://schemas.microsoft.com/office/drawing/2010/main">
-                <a:solidFill>
-                  <a:schemeClr val="accent1"/>
-                </a:solidFill>
-              </a14:hiddenFill>
-            </a:ext>
-            <a:ext uri="{91240B29-F687-4F45-9708-019B960494DF}">
-              <a14:hiddenLine xmlns:a14="http://schemas.microsoft.com/office/drawing/2010/main" w="9525">
-                <a:solidFill>
-                  <a:schemeClr val="tx1"/>
-                </a:solidFill>
-                <a:miter lim="800000"/>
-                <a:headEnd/>
-                <a:tailEnd/>
-              </a14:hiddenLine>
-            </a:ext>
-            <a:ext uri="{AF507438-7753-43E0-B8FC-AC1667EBCBE1}">
-              <a14:hiddenEffects xmlns:a14="http://schemas.microsoft.com/office/drawing/2010/main">
-                <a:effectLst>
-                  <a:outerShdw dist="35921" dir="2700000" algn="ctr" rotWithShape="0">
-                    <a:schemeClr val="bg2"/>
-                  </a:outerShdw>
-                </a:effectLst>
-              </a14:hiddenEffects>
-            </a:ext>
-          </a:extLst>
-        </p:spPr>
-      </p:pic>
-      <p:sp>
-        <p:nvSpPr>
-          <p:cNvPr id="2" name="文本框 1"/>
-          <p:cNvSpPr txBox="1"/>
-          <p:nvPr/>
-        </p:nvSpPr>
-        <p:spPr>
-          <a:xfrm>
-            <a:off x="2277368" y="536345"/>
-            <a:ext cx="4334585" cy="646331"/>
-          </a:xfrm>
-          <a:prstGeom prst="rect">
-            <a:avLst/>
-          </a:prstGeom>
-          <a:noFill/>
-        </p:spPr>
-        <p:txBody>
-          <a:bodyPr wrap="none" rtlCol="0">
-            <a:spAutoFit/>
-          </a:bodyPr>
-          <a:lstStyle/>
-          <a:p>
-            <a:r>
-              <a:rPr kumimoji="1" lang="en-US" altLang="zh-CN" sz="3600" b="1" dirty="0" smtClean="0">
-                <a:solidFill>
-                  <a:schemeClr val="accent1"/>
-                </a:solidFill>
-                <a:latin typeface="微软雅黑" panose="020B0503020204020204" pitchFamily="34" charset="-122"/>
-                <a:ea typeface="微软雅黑" panose="020B0503020204020204" pitchFamily="34" charset="-122"/>
-                <a:cs typeface="微软雅黑" panose="020B0503020204020204" pitchFamily="34" charset="-122"/>
-              </a:rPr>
-              <a:t>2.4 Java</a:t>
-            </a:r>
-            <a:r>
-              <a:rPr kumimoji="1" lang="zh-CN" altLang="en-US" sz="3600" b="1" dirty="0" smtClean="0">
-                <a:solidFill>
-                  <a:schemeClr val="accent1"/>
-                </a:solidFill>
-                <a:latin typeface="微软雅黑" panose="020B0503020204020204" pitchFamily="34" charset="-122"/>
-                <a:ea typeface="微软雅黑" panose="020B0503020204020204" pitchFamily="34" charset="-122"/>
-                <a:cs typeface="微软雅黑" panose="020B0503020204020204" pitchFamily="34" charset="-122"/>
-              </a:rPr>
-              <a:t>分布式调用</a:t>
-            </a:r>
-            <a:endParaRPr kumimoji="1" lang="zh-CN" altLang="en-US" sz="3600" b="1" dirty="0">
-              <a:solidFill>
-                <a:schemeClr val="accent1"/>
-              </a:solidFill>
-              <a:latin typeface="微软雅黑" panose="020B0503020204020204" pitchFamily="34" charset="-122"/>
-              <a:ea typeface="微软雅黑" panose="020B0503020204020204" pitchFamily="34" charset="-122"/>
-              <a:cs typeface="微软雅黑" panose="020B0503020204020204" pitchFamily="34" charset="-122"/>
-            </a:endParaRPr>
-          </a:p>
-        </p:txBody>
-      </p:sp>
-    </p:spTree>
-  </p:cSld>
-  <p:clrMapOvr>
-    <a:masterClrMapping/>
-  </p:clrMapOvr>
-</p:sld>
-</file>
-
-<file path=ppt/slides/slide15.xml><?xml version="1.0" encoding="utf-8"?>
-<p:sld xmlns:a="http://schemas.openxmlformats.org/drawingml/2006/main" xmlns:r="http://schemas.openxmlformats.org/officeDocument/2006/relationships" xmlns:p="http://schemas.openxmlformats.org/presentationml/2006/main">
-  <p:cSld>
-    <p:spTree>
-      <p:nvGrpSpPr>
-        <p:cNvPr id="1" name=""/>
-        <p:cNvGrpSpPr/>
-        <p:nvPr/>
-      </p:nvGrpSpPr>
-      <p:grpSpPr>
-        <a:xfrm>
-          <a:off x="0" y="0"/>
-          <a:ext cx="0" cy="0"/>
-          <a:chOff x="0" y="0"/>
-          <a:chExt cx="0" cy="0"/>
-        </a:xfrm>
-      </p:grpSpPr>
-      <p:sp>
-        <p:nvSpPr>
-          <p:cNvPr id="4" name="幻灯片编号占位符 3"/>
-          <p:cNvSpPr>
-            <a:spLocks noGrp="1"/>
-          </p:cNvSpPr>
-          <p:nvPr>
-            <p:ph type="sldNum" sz="quarter" idx="11"/>
-          </p:nvPr>
-        </p:nvSpPr>
-        <p:spPr/>
-        <p:txBody>
-          <a:bodyPr/>
-          <a:lstStyle/>
-          <a:p>
-            <a:fld id="{1EAD90CE-CA62-48F8-87DA-AA74ACBFB15B}" type="slidenum">
-              <a:rPr lang="en-US" altLang="zh-CN" smtClean="0"/>
-              <a:t>15</a:t>
-            </a:fld>
-            <a:endParaRPr lang="en-US" altLang="zh-CN"/>
-          </a:p>
-        </p:txBody>
-      </p:sp>
-      <p:sp>
-        <p:nvSpPr>
-          <p:cNvPr id="2" name="文本框 1"/>
-          <p:cNvSpPr txBox="1"/>
-          <p:nvPr/>
-        </p:nvSpPr>
-        <p:spPr>
-          <a:xfrm>
-            <a:off x="2277368" y="536345"/>
-            <a:ext cx="4334585" cy="646331"/>
-          </a:xfrm>
-          <a:prstGeom prst="rect">
-            <a:avLst/>
-          </a:prstGeom>
-          <a:noFill/>
-        </p:spPr>
-        <p:txBody>
-          <a:bodyPr wrap="none" rtlCol="0">
-            <a:spAutoFit/>
-          </a:bodyPr>
-          <a:lstStyle/>
-          <a:p>
-            <a:r>
-              <a:rPr kumimoji="1" lang="en-US" altLang="zh-CN" sz="3600" b="1" dirty="0" smtClean="0">
-                <a:solidFill>
-                  <a:schemeClr val="accent1"/>
-                </a:solidFill>
-                <a:latin typeface="微软雅黑" panose="020B0503020204020204" pitchFamily="34" charset="-122"/>
-                <a:ea typeface="微软雅黑" panose="020B0503020204020204" pitchFamily="34" charset="-122"/>
-                <a:cs typeface="微软雅黑" panose="020B0503020204020204" pitchFamily="34" charset="-122"/>
-              </a:rPr>
-              <a:t>2.4 Java</a:t>
-            </a:r>
-            <a:r>
-              <a:rPr kumimoji="1" lang="zh-CN" altLang="en-US" sz="3600" b="1" dirty="0" smtClean="0">
-                <a:solidFill>
-                  <a:schemeClr val="accent1"/>
-                </a:solidFill>
-                <a:latin typeface="微软雅黑" panose="020B0503020204020204" pitchFamily="34" charset="-122"/>
-                <a:ea typeface="微软雅黑" panose="020B0503020204020204" pitchFamily="34" charset="-122"/>
-                <a:cs typeface="微软雅黑" panose="020B0503020204020204" pitchFamily="34" charset="-122"/>
-              </a:rPr>
-              <a:t>分布式调用</a:t>
-            </a:r>
-            <a:endParaRPr kumimoji="1" lang="zh-CN" altLang="en-US" sz="3600" b="1" dirty="0">
-              <a:solidFill>
-                <a:schemeClr val="accent1"/>
-              </a:solidFill>
-              <a:latin typeface="微软雅黑" panose="020B0503020204020204" pitchFamily="34" charset="-122"/>
-              <a:ea typeface="微软雅黑" panose="020B0503020204020204" pitchFamily="34" charset="-122"/>
-              <a:cs typeface="微软雅黑" panose="020B0503020204020204" pitchFamily="34" charset="-122"/>
-            </a:endParaRPr>
-          </a:p>
-        </p:txBody>
-      </p:sp>
-      <p:pic>
-        <p:nvPicPr>
-          <p:cNvPr id="11266" name="Picture 2"/>
-          <p:cNvPicPr>
-            <a:picLocks noChangeAspect="1" noChangeArrowheads="1"/>
-          </p:cNvPicPr>
-          <p:nvPr/>
-        </p:nvPicPr>
-        <p:blipFill>
-          <a:blip r:embed="rId3">
-            <a:extLst>
-              <a:ext uri="{28A0092B-C50C-407E-A947-70E740481C1C}">
-                <a14:useLocalDpi xmlns:a14="http://schemas.microsoft.com/office/drawing/2010/main" val="0"/>
-              </a:ext>
-            </a:extLst>
-          </a:blip>
-          <a:srcRect/>
-          <a:stretch>
-            <a:fillRect/>
-          </a:stretch>
-        </p:blipFill>
-        <p:spPr bwMode="auto">
-          <a:xfrm>
-            <a:off x="1066800" y="1219200"/>
-            <a:ext cx="7391400" cy="5504234"/>
-          </a:xfrm>
-          <a:prstGeom prst="rect">
-            <a:avLst/>
-          </a:prstGeom>
-          <a:noFill/>
-          <a:ln>
-            <a:noFill/>
-          </a:ln>
-          <a:effectLst/>
-          <a:extLst>
-            <a:ext uri="{909E8E84-426E-40DD-AFC4-6F175D3DCCD1}">
-              <a14:hiddenFill xmlns:a14="http://schemas.microsoft.com/office/drawing/2010/main">
-                <a:solidFill>
-                  <a:schemeClr val="accent1"/>
-                </a:solidFill>
-              </a14:hiddenFill>
-            </a:ext>
-            <a:ext uri="{91240B29-F687-4F45-9708-019B960494DF}">
-              <a14:hiddenLine xmlns:a14="http://schemas.microsoft.com/office/drawing/2010/main" w="9525">
-                <a:solidFill>
-                  <a:schemeClr val="tx1"/>
-                </a:solidFill>
-                <a:miter lim="800000"/>
-                <a:headEnd/>
-                <a:tailEnd/>
-              </a14:hiddenLine>
-            </a:ext>
-            <a:ext uri="{AF507438-7753-43E0-B8FC-AC1667EBCBE1}">
-              <a14:hiddenEffects xmlns:a14="http://schemas.microsoft.com/office/drawing/2010/main">
-                <a:effectLst>
-                  <a:outerShdw dist="35921" dir="2700000" algn="ctr" rotWithShape="0">
-                    <a:schemeClr val="bg2"/>
-                  </a:outerShdw>
-                </a:effectLst>
-              </a14:hiddenEffects>
-            </a:ext>
-          </a:extLst>
-        </p:spPr>
-      </p:pic>
-    </p:spTree>
-  </p:cSld>
-  <p:clrMapOvr>
-    <a:masterClrMapping/>
-  </p:clrMapOvr>
-</p:sld>
-</file>
-
-<file path=ppt/slides/slide16.xml><?xml version="1.0" encoding="utf-8"?>
-<p:sld xmlns:a="http://schemas.openxmlformats.org/drawingml/2006/main" xmlns:r="http://schemas.openxmlformats.org/officeDocument/2006/relationships" xmlns:p="http://schemas.openxmlformats.org/presentationml/2006/main">
-  <p:cSld>
-    <p:spTree>
-      <p:nvGrpSpPr>
-        <p:cNvPr id="1" name=""/>
-        <p:cNvGrpSpPr/>
-        <p:nvPr/>
-      </p:nvGrpSpPr>
-      <p:grpSpPr>
-        <a:xfrm>
-          <a:off x="0" y="0"/>
-          <a:ext cx="0" cy="0"/>
-          <a:chOff x="0" y="0"/>
-          <a:chExt cx="0" cy="0"/>
-        </a:xfrm>
-      </p:grpSpPr>
-      <p:sp>
-        <p:nvSpPr>
-          <p:cNvPr id="4" name="幻灯片编号占位符 3"/>
-          <p:cNvSpPr>
-            <a:spLocks noGrp="1"/>
-          </p:cNvSpPr>
-          <p:nvPr>
-            <p:ph type="sldNum" sz="quarter" idx="11"/>
-          </p:nvPr>
-        </p:nvSpPr>
-        <p:spPr/>
-        <p:txBody>
-          <a:bodyPr/>
-          <a:lstStyle/>
-          <a:p>
-            <a:fld id="{1EAD90CE-CA62-48F8-87DA-AA74ACBFB15B}" type="slidenum">
-              <a:rPr lang="en-US" altLang="zh-CN" smtClean="0"/>
-              <a:t>16</a:t>
-            </a:fld>
-            <a:endParaRPr lang="en-US" altLang="zh-CN"/>
-          </a:p>
-        </p:txBody>
-      </p:sp>
-      <p:grpSp>
-        <p:nvGrpSpPr>
-          <p:cNvPr id="97" name="Group 3"/>
-          <p:cNvGrpSpPr/>
-          <p:nvPr/>
-        </p:nvGrpSpPr>
-        <p:grpSpPr bwMode="auto">
-          <a:xfrm>
-            <a:off x="1828802" y="1795463"/>
-            <a:ext cx="5410200" cy="665162"/>
-            <a:chOff x="1152" y="1275"/>
-            <a:chExt cx="3408" cy="419"/>
-          </a:xfrm>
-        </p:grpSpPr>
-        <p:grpSp>
-          <p:nvGrpSpPr>
-            <p:cNvPr id="98" name="Group 4"/>
-            <p:cNvGrpSpPr/>
-            <p:nvPr/>
-          </p:nvGrpSpPr>
-          <p:grpSpPr bwMode="auto">
-            <a:xfrm>
-              <a:off x="1152" y="1275"/>
-              <a:ext cx="480" cy="419"/>
-              <a:chOff x="1110" y="2656"/>
-              <a:chExt cx="1549" cy="1351"/>
-            </a:xfrm>
-          </p:grpSpPr>
-          <p:sp>
-            <p:nvSpPr>
-              <p:cNvPr id="102" name="AutoShape 5"/>
-              <p:cNvSpPr>
-                <a:spLocks noChangeArrowheads="1"/>
-              </p:cNvSpPr>
-              <p:nvPr/>
-            </p:nvSpPr>
-            <p:spPr bwMode="gray">
-              <a:xfrm>
-                <a:off x="1123" y="2679"/>
-                <a:ext cx="1536" cy="1328"/>
-              </a:xfrm>
-              <a:prstGeom prst="hexagon">
-                <a:avLst>
-                  <a:gd name="adj" fmla="val 28916"/>
-                  <a:gd name="vf" fmla="val 115470"/>
-                </a:avLst>
-              </a:prstGeom>
-              <a:solidFill>
-                <a:srgbClr val="808080"/>
-              </a:solidFill>
-              <a:ln>
-                <a:noFill/>
-              </a:ln>
-              <a:extLst>
-                <a:ext uri="{91240B29-F687-4F45-9708-019B960494DF}">
-                  <a14:hiddenLine xmlns:a14="http://schemas.microsoft.com/office/drawing/2010/main" w="9525">
-                    <a:solidFill>
-                      <a:srgbClr val="000000"/>
-                    </a:solidFill>
-                    <a:miter lim="800000"/>
-                    <a:headEnd/>
-                    <a:tailEnd/>
-                  </a14:hiddenLine>
-                </a:ext>
-              </a:extLst>
-            </p:spPr>
-            <p:txBody>
-              <a:bodyPr wrap="none" anchor="ctr"/>
-              <a:lstStyle>
-                <a:lvl1pPr eaLnBrk="0" hangingPunct="0">
-                  <a:defRPr>
-                    <a:solidFill>
-                      <a:schemeClr val="tx1"/>
-                    </a:solidFill>
-                    <a:latin typeface="Arial" panose="020B0604020202020204" pitchFamily="34" charset="0"/>
-                    <a:ea typeface="宋体" panose="02010600030101010101" pitchFamily="2" charset="-122"/>
-                  </a:defRPr>
-                </a:lvl1pPr>
-                <a:lvl2pPr marL="742950" indent="-285750" eaLnBrk="0" hangingPunct="0">
-                  <a:defRPr>
-                    <a:solidFill>
-                      <a:schemeClr val="tx1"/>
-                    </a:solidFill>
-                    <a:latin typeface="Arial" panose="020B0604020202020204" pitchFamily="34" charset="0"/>
-                    <a:ea typeface="宋体" panose="02010600030101010101" pitchFamily="2" charset="-122"/>
-                  </a:defRPr>
-                </a:lvl2pPr>
-                <a:lvl3pPr marL="1143000" indent="-228600" eaLnBrk="0" hangingPunct="0">
-                  <a:defRPr>
-                    <a:solidFill>
-                      <a:schemeClr val="tx1"/>
-                    </a:solidFill>
-                    <a:latin typeface="Arial" panose="020B0604020202020204" pitchFamily="34" charset="0"/>
-                    <a:ea typeface="宋体" panose="02010600030101010101" pitchFamily="2" charset="-122"/>
-                  </a:defRPr>
-                </a:lvl3pPr>
-                <a:lvl4pPr marL="1600200" indent="-228600" eaLnBrk="0" hangingPunct="0">
-                  <a:defRPr>
-                    <a:solidFill>
-                      <a:schemeClr val="tx1"/>
-                    </a:solidFill>
-                    <a:latin typeface="Arial" panose="020B0604020202020204" pitchFamily="34" charset="0"/>
-                    <a:ea typeface="宋体" panose="02010600030101010101" pitchFamily="2" charset="-122"/>
-                  </a:defRPr>
-                </a:lvl4pPr>
-                <a:lvl5pPr marL="2057400" indent="-228600" eaLnBrk="0" hangingPunct="0">
-                  <a:defRPr>
-                    <a:solidFill>
-                      <a:schemeClr val="tx1"/>
-                    </a:solidFill>
-                    <a:latin typeface="Arial" panose="020B0604020202020204" pitchFamily="34" charset="0"/>
-                    <a:ea typeface="宋体" panose="02010600030101010101" pitchFamily="2" charset="-122"/>
-                  </a:defRPr>
-                </a:lvl5pPr>
-                <a:lvl6pPr marL="2514600" indent="-228600" eaLnBrk="0" fontAlgn="base" hangingPunct="0">
-                  <a:spcBef>
-                    <a:spcPct val="0"/>
-                  </a:spcBef>
-                  <a:spcAft>
-                    <a:spcPct val="0"/>
-                  </a:spcAft>
-                  <a:defRPr>
-                    <a:solidFill>
-                      <a:schemeClr val="tx1"/>
-                    </a:solidFill>
-                    <a:latin typeface="Arial" panose="020B0604020202020204" pitchFamily="34" charset="0"/>
-                    <a:ea typeface="宋体" panose="02010600030101010101" pitchFamily="2" charset="-122"/>
-                  </a:defRPr>
-                </a:lvl6pPr>
-                <a:lvl7pPr marL="2971800" indent="-228600" eaLnBrk="0" fontAlgn="base" hangingPunct="0">
-                  <a:spcBef>
-                    <a:spcPct val="0"/>
-                  </a:spcBef>
-                  <a:spcAft>
-                    <a:spcPct val="0"/>
-                  </a:spcAft>
-                  <a:defRPr>
-                    <a:solidFill>
-                      <a:schemeClr val="tx1"/>
-                    </a:solidFill>
-                    <a:latin typeface="Arial" panose="020B0604020202020204" pitchFamily="34" charset="0"/>
-                    <a:ea typeface="宋体" panose="02010600030101010101" pitchFamily="2" charset="-122"/>
-                  </a:defRPr>
-                </a:lvl7pPr>
-                <a:lvl8pPr marL="3429000" indent="-228600" eaLnBrk="0" fontAlgn="base" hangingPunct="0">
-                  <a:spcBef>
-                    <a:spcPct val="0"/>
-                  </a:spcBef>
-                  <a:spcAft>
-                    <a:spcPct val="0"/>
-                  </a:spcAft>
-                  <a:defRPr>
-                    <a:solidFill>
-                      <a:schemeClr val="tx1"/>
-                    </a:solidFill>
-                    <a:latin typeface="Arial" panose="020B0604020202020204" pitchFamily="34" charset="0"/>
-                    <a:ea typeface="宋体" panose="02010600030101010101" pitchFamily="2" charset="-122"/>
-                  </a:defRPr>
-                </a:lvl8pPr>
-                <a:lvl9pPr marL="3886200" indent="-228600" eaLnBrk="0" fontAlgn="base" hangingPunct="0">
-                  <a:spcBef>
-                    <a:spcPct val="0"/>
-                  </a:spcBef>
-                  <a:spcAft>
-                    <a:spcPct val="0"/>
-                  </a:spcAft>
-                  <a:defRPr>
-                    <a:solidFill>
-                      <a:schemeClr val="tx1"/>
-                    </a:solidFill>
-                    <a:latin typeface="Arial" panose="020B0604020202020204" pitchFamily="34" charset="0"/>
-                    <a:ea typeface="宋体" panose="02010600030101010101" pitchFamily="2" charset="-122"/>
-                  </a:defRPr>
-                </a:lvl9pPr>
-              </a:lstStyle>
-              <a:p>
-                <a:pPr eaLnBrk="1" hangingPunct="1"/>
-                <a:endParaRPr lang="zh-CN" altLang="en-US" sz="2800" b="1">
-                  <a:latin typeface="微软雅黑" panose="020B0503020204020204" pitchFamily="34" charset="-122"/>
-                  <a:ea typeface="微软雅黑" panose="020B0503020204020204" pitchFamily="34" charset="-122"/>
-                  <a:cs typeface="微软雅黑" panose="020B0503020204020204" pitchFamily="34" charset="-122"/>
-                </a:endParaRPr>
-              </a:p>
-            </p:txBody>
-          </p:sp>
-          <p:sp>
-            <p:nvSpPr>
-              <p:cNvPr id="103" name="AutoShape 6"/>
-              <p:cNvSpPr>
-                <a:spLocks noChangeArrowheads="1"/>
-              </p:cNvSpPr>
-              <p:nvPr/>
-            </p:nvSpPr>
-            <p:spPr bwMode="gray">
-              <a:xfrm>
-                <a:off x="1110" y="2656"/>
-                <a:ext cx="1536" cy="1328"/>
-              </a:xfrm>
-              <a:prstGeom prst="hexagon">
-                <a:avLst>
-                  <a:gd name="adj" fmla="val 28916"/>
-                  <a:gd name="vf" fmla="val 115470"/>
-                </a:avLst>
-              </a:prstGeom>
-              <a:gradFill rotWithShape="1">
-                <a:gsLst>
-                  <a:gs pos="0">
-                    <a:srgbClr val="E6E6E6"/>
-                  </a:gs>
-                  <a:gs pos="7500">
-                    <a:srgbClr val="7D8496"/>
-                  </a:gs>
-                  <a:gs pos="26500">
-                    <a:srgbClr val="E6E6E6"/>
-                  </a:gs>
-                  <a:gs pos="34000">
-                    <a:srgbClr val="7D8496"/>
-                  </a:gs>
-                  <a:gs pos="46500">
-                    <a:srgbClr val="E6E6E6"/>
-                  </a:gs>
-                  <a:gs pos="50000">
-                    <a:srgbClr val="FFFFFF"/>
-                  </a:gs>
-                  <a:gs pos="53500">
-                    <a:srgbClr val="E6E6E6"/>
-                  </a:gs>
-                  <a:gs pos="66000">
-                    <a:srgbClr val="7D8496"/>
-                  </a:gs>
-                  <a:gs pos="73500">
-                    <a:srgbClr val="E6E6E6"/>
-                  </a:gs>
-                  <a:gs pos="92500">
-                    <a:srgbClr val="7D8496"/>
-                  </a:gs>
-                  <a:gs pos="100000">
-                    <a:srgbClr val="E6E6E6"/>
-                  </a:gs>
-                </a:gsLst>
-                <a:lin ang="2700000" scaled="1"/>
-              </a:gradFill>
-              <a:ln w="9525">
-                <a:solidFill>
-                  <a:srgbClr val="C0C0C0"/>
-                </a:solidFill>
-                <a:miter lim="800000"/>
-              </a:ln>
-            </p:spPr>
-            <p:txBody>
-              <a:bodyPr wrap="none" anchor="ctr"/>
-              <a:lstStyle>
-                <a:lvl1pPr eaLnBrk="0" hangingPunct="0">
-                  <a:defRPr>
-                    <a:solidFill>
-                      <a:schemeClr val="tx1"/>
-                    </a:solidFill>
-                    <a:latin typeface="Arial" panose="020B0604020202020204" pitchFamily="34" charset="0"/>
-                    <a:ea typeface="宋体" panose="02010600030101010101" pitchFamily="2" charset="-122"/>
-                  </a:defRPr>
-                </a:lvl1pPr>
-                <a:lvl2pPr marL="742950" indent="-285750" eaLnBrk="0" hangingPunct="0">
-                  <a:defRPr>
-                    <a:solidFill>
-                      <a:schemeClr val="tx1"/>
-                    </a:solidFill>
-                    <a:latin typeface="Arial" panose="020B0604020202020204" pitchFamily="34" charset="0"/>
-                    <a:ea typeface="宋体" panose="02010600030101010101" pitchFamily="2" charset="-122"/>
-                  </a:defRPr>
-                </a:lvl2pPr>
-                <a:lvl3pPr marL="1143000" indent="-228600" eaLnBrk="0" hangingPunct="0">
-                  <a:defRPr>
-                    <a:solidFill>
-                      <a:schemeClr val="tx1"/>
-                    </a:solidFill>
-                    <a:latin typeface="Arial" panose="020B0604020202020204" pitchFamily="34" charset="0"/>
-                    <a:ea typeface="宋体" panose="02010600030101010101" pitchFamily="2" charset="-122"/>
-                  </a:defRPr>
-                </a:lvl3pPr>
-                <a:lvl4pPr marL="1600200" indent="-228600" eaLnBrk="0" hangingPunct="0">
-                  <a:defRPr>
-                    <a:solidFill>
-                      <a:schemeClr val="tx1"/>
-                    </a:solidFill>
-                    <a:latin typeface="Arial" panose="020B0604020202020204" pitchFamily="34" charset="0"/>
-                    <a:ea typeface="宋体" panose="02010600030101010101" pitchFamily="2" charset="-122"/>
-                  </a:defRPr>
-                </a:lvl4pPr>
-                <a:lvl5pPr marL="2057400" indent="-228600" eaLnBrk="0" hangingPunct="0">
-                  <a:defRPr>
-                    <a:solidFill>
-                      <a:schemeClr val="tx1"/>
-                    </a:solidFill>
-                    <a:latin typeface="Arial" panose="020B0604020202020204" pitchFamily="34" charset="0"/>
-                    <a:ea typeface="宋体" panose="02010600030101010101" pitchFamily="2" charset="-122"/>
-                  </a:defRPr>
-                </a:lvl5pPr>
-                <a:lvl6pPr marL="2514600" indent="-228600" eaLnBrk="0" fontAlgn="base" hangingPunct="0">
-                  <a:spcBef>
-                    <a:spcPct val="0"/>
-                  </a:spcBef>
-                  <a:spcAft>
-                    <a:spcPct val="0"/>
-                  </a:spcAft>
-                  <a:defRPr>
-                    <a:solidFill>
-                      <a:schemeClr val="tx1"/>
-                    </a:solidFill>
-                    <a:latin typeface="Arial" panose="020B0604020202020204" pitchFamily="34" charset="0"/>
-                    <a:ea typeface="宋体" panose="02010600030101010101" pitchFamily="2" charset="-122"/>
-                  </a:defRPr>
-                </a:lvl6pPr>
-                <a:lvl7pPr marL="2971800" indent="-228600" eaLnBrk="0" fontAlgn="base" hangingPunct="0">
-                  <a:spcBef>
-                    <a:spcPct val="0"/>
-                  </a:spcBef>
-                  <a:spcAft>
-                    <a:spcPct val="0"/>
-                  </a:spcAft>
-                  <a:defRPr>
-                    <a:solidFill>
-                      <a:schemeClr val="tx1"/>
-                    </a:solidFill>
-                    <a:latin typeface="Arial" panose="020B0604020202020204" pitchFamily="34" charset="0"/>
-                    <a:ea typeface="宋体" panose="02010600030101010101" pitchFamily="2" charset="-122"/>
-                  </a:defRPr>
-                </a:lvl7pPr>
-                <a:lvl8pPr marL="3429000" indent="-228600" eaLnBrk="0" fontAlgn="base" hangingPunct="0">
-                  <a:spcBef>
-                    <a:spcPct val="0"/>
-                  </a:spcBef>
-                  <a:spcAft>
-                    <a:spcPct val="0"/>
-                  </a:spcAft>
-                  <a:defRPr>
-                    <a:solidFill>
-                      <a:schemeClr val="tx1"/>
-                    </a:solidFill>
-                    <a:latin typeface="Arial" panose="020B0604020202020204" pitchFamily="34" charset="0"/>
-                    <a:ea typeface="宋体" panose="02010600030101010101" pitchFamily="2" charset="-122"/>
-                  </a:defRPr>
-                </a:lvl8pPr>
-                <a:lvl9pPr marL="3886200" indent="-228600" eaLnBrk="0" fontAlgn="base" hangingPunct="0">
-                  <a:spcBef>
-                    <a:spcPct val="0"/>
-                  </a:spcBef>
-                  <a:spcAft>
-                    <a:spcPct val="0"/>
-                  </a:spcAft>
-                  <a:defRPr>
-                    <a:solidFill>
-                      <a:schemeClr val="tx1"/>
-                    </a:solidFill>
-                    <a:latin typeface="Arial" panose="020B0604020202020204" pitchFamily="34" charset="0"/>
-                    <a:ea typeface="宋体" panose="02010600030101010101" pitchFamily="2" charset="-122"/>
-                  </a:defRPr>
-                </a:lvl9pPr>
-              </a:lstStyle>
-              <a:p>
-                <a:pPr eaLnBrk="1" hangingPunct="1"/>
-                <a:endParaRPr lang="zh-CN" altLang="en-US" sz="2800" b="1">
-                  <a:latin typeface="微软雅黑" panose="020B0503020204020204" pitchFamily="34" charset="-122"/>
-                  <a:ea typeface="微软雅黑" panose="020B0503020204020204" pitchFamily="34" charset="-122"/>
-                  <a:cs typeface="微软雅黑" panose="020B0503020204020204" pitchFamily="34" charset="-122"/>
-                </a:endParaRPr>
-              </a:p>
-            </p:txBody>
-          </p:sp>
-          <p:sp>
-            <p:nvSpPr>
-              <p:cNvPr id="104" name="AutoShape 7"/>
-              <p:cNvSpPr>
-                <a:spLocks noChangeArrowheads="1"/>
-              </p:cNvSpPr>
-              <p:nvPr/>
-            </p:nvSpPr>
-            <p:spPr bwMode="gray">
-              <a:xfrm>
-                <a:off x="1200" y="2737"/>
-                <a:ext cx="1349" cy="1167"/>
-              </a:xfrm>
-              <a:prstGeom prst="hexagon">
-                <a:avLst>
-                  <a:gd name="adj" fmla="val 28896"/>
-                  <a:gd name="vf" fmla="val 115470"/>
-                </a:avLst>
-              </a:prstGeom>
-              <a:gradFill rotWithShape="1">
-                <a:gsLst>
-                  <a:gs pos="0">
-                    <a:schemeClr val="hlink">
-                      <a:gamma/>
-                      <a:shade val="46275"/>
-                      <a:invGamma/>
-                    </a:schemeClr>
-                  </a:gs>
-                  <a:gs pos="100000">
-                    <a:schemeClr val="hlink"/>
-                  </a:gs>
-                </a:gsLst>
-                <a:lin ang="2700000" scaled="1"/>
-              </a:gradFill>
-              <a:ln w="9525">
-                <a:solidFill>
-                  <a:schemeClr val="tx1"/>
-                </a:solidFill>
-                <a:miter lim="800000"/>
-              </a:ln>
-              <a:effectLst/>
-            </p:spPr>
-            <p:txBody>
-              <a:bodyPr wrap="none" anchor="ctr"/>
-              <a:lstStyle/>
-              <a:p>
-                <a:pPr>
-                  <a:defRPr/>
-                </a:pPr>
-                <a:endParaRPr lang="zh-CN" altLang="en-US" sz="2800" b="1">
-                  <a:latin typeface="微软雅黑" panose="020B0503020204020204" pitchFamily="34" charset="-122"/>
-                  <a:ea typeface="微软雅黑" panose="020B0503020204020204" pitchFamily="34" charset="-122"/>
-                  <a:cs typeface="微软雅黑" panose="020B0503020204020204" pitchFamily="34" charset="-122"/>
-                </a:endParaRPr>
-              </a:p>
-            </p:txBody>
-          </p:sp>
-        </p:grpSp>
-        <p:sp>
-          <p:nvSpPr>
-            <p:cNvPr id="99" name="Line 8"/>
-            <p:cNvSpPr>
-              <a:spLocks noChangeShapeType="1"/>
-            </p:cNvSpPr>
-            <p:nvPr/>
-          </p:nvSpPr>
-          <p:spPr bwMode="auto">
-            <a:xfrm>
-              <a:off x="1536" y="1659"/>
-              <a:ext cx="3024" cy="0"/>
-            </a:xfrm>
-            <a:prstGeom prst="line">
-              <a:avLst/>
-            </a:prstGeom>
-            <a:noFill/>
-            <a:ln w="25400">
-              <a:solidFill>
-                <a:schemeClr val="tx2"/>
-              </a:solidFill>
-              <a:prstDash val="sysDot"/>
-              <a:round/>
-              <a:tailEnd type="oval" w="med" len="med"/>
-            </a:ln>
-            <a:extLst>
-              <a:ext uri="{909E8E84-426E-40DD-AFC4-6F175D3DCCD1}">
-                <a14:hiddenFill xmlns:a14="http://schemas.microsoft.com/office/drawing/2010/main">
-                  <a:noFill/>
-                </a14:hiddenFill>
-              </a:ext>
-            </a:extLst>
-          </p:spPr>
-          <p:txBody>
-            <a:bodyPr wrap="none" anchor="ctr"/>
-            <a:lstStyle/>
-            <a:p>
-              <a:endParaRPr lang="zh-CN" altLang="en-US" sz="2800" b="1">
-                <a:latin typeface="微软雅黑" panose="020B0503020204020204" pitchFamily="34" charset="-122"/>
-                <a:ea typeface="微软雅黑" panose="020B0503020204020204" pitchFamily="34" charset="-122"/>
-                <a:cs typeface="微软雅黑" panose="020B0503020204020204" pitchFamily="34" charset="-122"/>
-              </a:endParaRPr>
-            </a:p>
-          </p:txBody>
-        </p:sp>
-        <p:sp>
-          <p:nvSpPr>
-            <p:cNvPr id="100" name="Text Box 9"/>
-            <p:cNvSpPr txBox="1">
-              <a:spLocks noChangeArrowheads="1"/>
-            </p:cNvSpPr>
-            <p:nvPr/>
-          </p:nvSpPr>
-          <p:spPr bwMode="auto">
-            <a:xfrm>
-              <a:off x="1746" y="1294"/>
-              <a:ext cx="2604" cy="330"/>
-            </a:xfrm>
-            <a:prstGeom prst="rect">
-              <a:avLst/>
-            </a:prstGeom>
-            <a:noFill/>
-            <a:ln>
-              <a:noFill/>
-            </a:ln>
-            <a:extLst>
-              <a:ext uri="{909E8E84-426E-40DD-AFC4-6F175D3DCCD1}">
-                <a14:hiddenFill xmlns:a14="http://schemas.microsoft.com/office/drawing/2010/main">
-                  <a:solidFill>
-                    <a:srgbClr val="FFFFFF"/>
-                  </a:solidFill>
-                </a14:hiddenFill>
-              </a:ext>
-              <a:ext uri="{91240B29-F687-4F45-9708-019B960494DF}">
-                <a14:hiddenLine xmlns:a14="http://schemas.microsoft.com/office/drawing/2010/main" w="9525">
-                  <a:solidFill>
-                    <a:srgbClr val="000000"/>
-                  </a:solidFill>
-                  <a:miter lim="800000"/>
-                  <a:headEnd/>
-                  <a:tailEnd/>
-                </a14:hiddenLine>
-              </a:ext>
-            </a:extLst>
-          </p:spPr>
-          <p:txBody>
-            <a:bodyPr wrap="none">
-              <a:spAutoFit/>
-            </a:bodyPr>
-            <a:lstStyle>
-              <a:lvl1pPr eaLnBrk="0" hangingPunct="0">
-                <a:defRPr>
-                  <a:solidFill>
-                    <a:schemeClr val="tx1"/>
-                  </a:solidFill>
-                  <a:latin typeface="Arial" panose="020B0604020202020204" pitchFamily="34" charset="0"/>
-                  <a:ea typeface="宋体" panose="02010600030101010101" pitchFamily="2" charset="-122"/>
-                </a:defRPr>
-              </a:lvl1pPr>
-              <a:lvl2pPr marL="742950" indent="-285750" eaLnBrk="0" hangingPunct="0">
-                <a:defRPr>
-                  <a:solidFill>
-                    <a:schemeClr val="tx1"/>
-                  </a:solidFill>
-                  <a:latin typeface="Arial" panose="020B0604020202020204" pitchFamily="34" charset="0"/>
-                  <a:ea typeface="宋体" panose="02010600030101010101" pitchFamily="2" charset="-122"/>
-                </a:defRPr>
-              </a:lvl2pPr>
-              <a:lvl3pPr marL="1143000" indent="-228600" eaLnBrk="0" hangingPunct="0">
-                <a:defRPr>
-                  <a:solidFill>
-                    <a:schemeClr val="tx1"/>
-                  </a:solidFill>
-                  <a:latin typeface="Arial" panose="020B0604020202020204" pitchFamily="34" charset="0"/>
-                  <a:ea typeface="宋体" panose="02010600030101010101" pitchFamily="2" charset="-122"/>
-                </a:defRPr>
-              </a:lvl3pPr>
-              <a:lvl4pPr marL="1600200" indent="-228600" eaLnBrk="0" hangingPunct="0">
-                <a:defRPr>
-                  <a:solidFill>
-                    <a:schemeClr val="tx1"/>
-                  </a:solidFill>
-                  <a:latin typeface="Arial" panose="020B0604020202020204" pitchFamily="34" charset="0"/>
-                  <a:ea typeface="宋体" panose="02010600030101010101" pitchFamily="2" charset="-122"/>
-                </a:defRPr>
-              </a:lvl4pPr>
-              <a:lvl5pPr marL="2057400" indent="-228600" eaLnBrk="0" hangingPunct="0">
-                <a:defRPr>
-                  <a:solidFill>
-                    <a:schemeClr val="tx1"/>
-                  </a:solidFill>
-                  <a:latin typeface="Arial" panose="020B0604020202020204" pitchFamily="34" charset="0"/>
-                  <a:ea typeface="宋体" panose="02010600030101010101" pitchFamily="2" charset="-122"/>
-                </a:defRPr>
-              </a:lvl5pPr>
-              <a:lvl6pPr marL="2514600" indent="-228600" eaLnBrk="0" fontAlgn="base" hangingPunct="0">
-                <a:spcBef>
-                  <a:spcPct val="0"/>
-                </a:spcBef>
-                <a:spcAft>
-                  <a:spcPct val="0"/>
-                </a:spcAft>
-                <a:defRPr>
-                  <a:solidFill>
-                    <a:schemeClr val="tx1"/>
-                  </a:solidFill>
-                  <a:latin typeface="Arial" panose="020B0604020202020204" pitchFamily="34" charset="0"/>
-                  <a:ea typeface="宋体" panose="02010600030101010101" pitchFamily="2" charset="-122"/>
-                </a:defRPr>
-              </a:lvl6pPr>
-              <a:lvl7pPr marL="2971800" indent="-228600" eaLnBrk="0" fontAlgn="base" hangingPunct="0">
-                <a:spcBef>
-                  <a:spcPct val="0"/>
-                </a:spcBef>
-                <a:spcAft>
-                  <a:spcPct val="0"/>
-                </a:spcAft>
-                <a:defRPr>
-                  <a:solidFill>
-                    <a:schemeClr val="tx1"/>
-                  </a:solidFill>
-                  <a:latin typeface="Arial" panose="020B0604020202020204" pitchFamily="34" charset="0"/>
-                  <a:ea typeface="宋体" panose="02010600030101010101" pitchFamily="2" charset="-122"/>
-                </a:defRPr>
-              </a:lvl7pPr>
-              <a:lvl8pPr marL="3429000" indent="-228600" eaLnBrk="0" fontAlgn="base" hangingPunct="0">
-                <a:spcBef>
-                  <a:spcPct val="0"/>
-                </a:spcBef>
-                <a:spcAft>
-                  <a:spcPct val="0"/>
-                </a:spcAft>
-                <a:defRPr>
-                  <a:solidFill>
-                    <a:schemeClr val="tx1"/>
-                  </a:solidFill>
-                  <a:latin typeface="Arial" panose="020B0604020202020204" pitchFamily="34" charset="0"/>
-                  <a:ea typeface="宋体" panose="02010600030101010101" pitchFamily="2" charset="-122"/>
-                </a:defRPr>
-              </a:lvl8pPr>
-              <a:lvl9pPr marL="3886200" indent="-228600" eaLnBrk="0" fontAlgn="base" hangingPunct="0">
-                <a:spcBef>
-                  <a:spcPct val="0"/>
-                </a:spcBef>
-                <a:spcAft>
-                  <a:spcPct val="0"/>
-                </a:spcAft>
-                <a:defRPr>
-                  <a:solidFill>
-                    <a:schemeClr val="tx1"/>
-                  </a:solidFill>
-                  <a:latin typeface="Arial" panose="020B0604020202020204" pitchFamily="34" charset="0"/>
-                  <a:ea typeface="宋体" panose="02010600030101010101" pitchFamily="2" charset="-122"/>
-                </a:defRPr>
-              </a:lvl9pPr>
-            </a:lstStyle>
-            <a:p>
-              <a:r>
-                <a:rPr lang="zh-CN" altLang="en-US" sz="2800" b="1" dirty="0" smtClean="0">
-                  <a:solidFill>
-                    <a:schemeClr val="tx2"/>
-                  </a:solidFill>
-                  <a:latin typeface="微软雅黑" panose="020B0503020204020204" pitchFamily="34" charset="-122"/>
-                  <a:ea typeface="微软雅黑" panose="020B0503020204020204" pitchFamily="34" charset="-122"/>
-                  <a:cs typeface="微软雅黑" panose="020B0503020204020204" pitchFamily="34" charset="-122"/>
-                </a:rPr>
-                <a:t>项目是如何区分环境的？</a:t>
-              </a:r>
-              <a:endParaRPr lang="en-US" altLang="zh-CN" sz="2800" b="1" dirty="0">
-                <a:solidFill>
-                  <a:schemeClr val="tx2"/>
-                </a:solidFill>
-                <a:latin typeface="微软雅黑" panose="020B0503020204020204" pitchFamily="34" charset="-122"/>
-                <a:ea typeface="微软雅黑" panose="020B0503020204020204" pitchFamily="34" charset="-122"/>
-                <a:cs typeface="微软雅黑" panose="020B0503020204020204" pitchFamily="34" charset="-122"/>
-              </a:endParaRPr>
-            </a:p>
-          </p:txBody>
-        </p:sp>
-        <p:sp>
-          <p:nvSpPr>
-            <p:cNvPr id="101" name="Text Box 10"/>
-            <p:cNvSpPr txBox="1">
-              <a:spLocks noChangeArrowheads="1"/>
-            </p:cNvSpPr>
-            <p:nvPr/>
-          </p:nvSpPr>
-          <p:spPr bwMode="gray">
-            <a:xfrm>
-              <a:off x="1260" y="1337"/>
-              <a:ext cx="256" cy="330"/>
-            </a:xfrm>
-            <a:prstGeom prst="rect">
-              <a:avLst/>
-            </a:prstGeom>
-            <a:noFill/>
-            <a:ln>
-              <a:noFill/>
-            </a:ln>
-            <a:extLst>
-              <a:ext uri="{909E8E84-426E-40DD-AFC4-6F175D3DCCD1}">
-                <a14:hiddenFill xmlns:a14="http://schemas.microsoft.com/office/drawing/2010/main">
-                  <a:solidFill>
-                    <a:srgbClr val="FFFFFF"/>
-                  </a:solidFill>
-                </a14:hiddenFill>
-              </a:ext>
-              <a:ext uri="{91240B29-F687-4F45-9708-019B960494DF}">
-                <a14:hiddenLine xmlns:a14="http://schemas.microsoft.com/office/drawing/2010/main" w="9525">
-                  <a:solidFill>
-                    <a:srgbClr val="000000"/>
-                  </a:solidFill>
-                  <a:miter lim="800000"/>
-                  <a:headEnd/>
-                  <a:tailEnd/>
-                </a14:hiddenLine>
-              </a:ext>
-            </a:extLst>
-          </p:spPr>
-          <p:txBody>
-            <a:bodyPr wrap="none">
-              <a:spAutoFit/>
-            </a:bodyPr>
-            <a:lstStyle>
-              <a:lvl1pPr eaLnBrk="0" hangingPunct="0">
-                <a:defRPr>
-                  <a:solidFill>
-                    <a:schemeClr val="tx1"/>
-                  </a:solidFill>
-                  <a:latin typeface="Arial" panose="020B0604020202020204" pitchFamily="34" charset="0"/>
-                  <a:ea typeface="宋体" panose="02010600030101010101" pitchFamily="2" charset="-122"/>
-                </a:defRPr>
-              </a:lvl1pPr>
-              <a:lvl2pPr marL="742950" indent="-285750" eaLnBrk="0" hangingPunct="0">
-                <a:defRPr>
-                  <a:solidFill>
-                    <a:schemeClr val="tx1"/>
-                  </a:solidFill>
-                  <a:latin typeface="Arial" panose="020B0604020202020204" pitchFamily="34" charset="0"/>
-                  <a:ea typeface="宋体" panose="02010600030101010101" pitchFamily="2" charset="-122"/>
-                </a:defRPr>
-              </a:lvl2pPr>
-              <a:lvl3pPr marL="1143000" indent="-228600" eaLnBrk="0" hangingPunct="0">
-                <a:defRPr>
-                  <a:solidFill>
-                    <a:schemeClr val="tx1"/>
-                  </a:solidFill>
-                  <a:latin typeface="Arial" panose="020B0604020202020204" pitchFamily="34" charset="0"/>
-                  <a:ea typeface="宋体" panose="02010600030101010101" pitchFamily="2" charset="-122"/>
-                </a:defRPr>
-              </a:lvl3pPr>
-              <a:lvl4pPr marL="1600200" indent="-228600" eaLnBrk="0" hangingPunct="0">
-                <a:defRPr>
-                  <a:solidFill>
-                    <a:schemeClr val="tx1"/>
-                  </a:solidFill>
-                  <a:latin typeface="Arial" panose="020B0604020202020204" pitchFamily="34" charset="0"/>
-                  <a:ea typeface="宋体" panose="02010600030101010101" pitchFamily="2" charset="-122"/>
-                </a:defRPr>
-              </a:lvl4pPr>
-              <a:lvl5pPr marL="2057400" indent="-228600" eaLnBrk="0" hangingPunct="0">
-                <a:defRPr>
-                  <a:solidFill>
-                    <a:schemeClr val="tx1"/>
-                  </a:solidFill>
-                  <a:latin typeface="Arial" panose="020B0604020202020204" pitchFamily="34" charset="0"/>
-                  <a:ea typeface="宋体" panose="02010600030101010101" pitchFamily="2" charset="-122"/>
-                </a:defRPr>
-              </a:lvl5pPr>
-              <a:lvl6pPr marL="2514600" indent="-228600" eaLnBrk="0" fontAlgn="base" hangingPunct="0">
-                <a:spcBef>
-                  <a:spcPct val="0"/>
-                </a:spcBef>
-                <a:spcAft>
-                  <a:spcPct val="0"/>
-                </a:spcAft>
-                <a:defRPr>
-                  <a:solidFill>
-                    <a:schemeClr val="tx1"/>
-                  </a:solidFill>
-                  <a:latin typeface="Arial" panose="020B0604020202020204" pitchFamily="34" charset="0"/>
-                  <a:ea typeface="宋体" panose="02010600030101010101" pitchFamily="2" charset="-122"/>
-                </a:defRPr>
-              </a:lvl6pPr>
-              <a:lvl7pPr marL="2971800" indent="-228600" eaLnBrk="0" fontAlgn="base" hangingPunct="0">
-                <a:spcBef>
-                  <a:spcPct val="0"/>
-                </a:spcBef>
-                <a:spcAft>
-                  <a:spcPct val="0"/>
-                </a:spcAft>
-                <a:defRPr>
-                  <a:solidFill>
-                    <a:schemeClr val="tx1"/>
-                  </a:solidFill>
-                  <a:latin typeface="Arial" panose="020B0604020202020204" pitchFamily="34" charset="0"/>
-                  <a:ea typeface="宋体" panose="02010600030101010101" pitchFamily="2" charset="-122"/>
-                </a:defRPr>
-              </a:lvl7pPr>
-              <a:lvl8pPr marL="3429000" indent="-228600" eaLnBrk="0" fontAlgn="base" hangingPunct="0">
-                <a:spcBef>
-                  <a:spcPct val="0"/>
-                </a:spcBef>
-                <a:spcAft>
-                  <a:spcPct val="0"/>
-                </a:spcAft>
-                <a:defRPr>
-                  <a:solidFill>
-                    <a:schemeClr val="tx1"/>
-                  </a:solidFill>
-                  <a:latin typeface="Arial" panose="020B0604020202020204" pitchFamily="34" charset="0"/>
-                  <a:ea typeface="宋体" panose="02010600030101010101" pitchFamily="2" charset="-122"/>
-                </a:defRPr>
-              </a:lvl8pPr>
-              <a:lvl9pPr marL="3886200" indent="-228600" eaLnBrk="0" fontAlgn="base" hangingPunct="0">
-                <a:spcBef>
-                  <a:spcPct val="0"/>
-                </a:spcBef>
-                <a:spcAft>
-                  <a:spcPct val="0"/>
-                </a:spcAft>
-                <a:defRPr>
-                  <a:solidFill>
-                    <a:schemeClr val="tx1"/>
-                  </a:solidFill>
-                  <a:latin typeface="Arial" panose="020B0604020202020204" pitchFamily="34" charset="0"/>
-                  <a:ea typeface="宋体" panose="02010600030101010101" pitchFamily="2" charset="-122"/>
-                </a:defRPr>
-              </a:lvl9pPr>
-            </a:lstStyle>
-            <a:p>
-              <a:pPr algn="ctr"/>
-              <a:r>
-                <a:rPr lang="en-US" altLang="zh-CN" sz="2800" b="1">
-                  <a:solidFill>
-                    <a:schemeClr val="bg1"/>
-                  </a:solidFill>
-                  <a:latin typeface="微软雅黑" panose="020B0503020204020204" pitchFamily="34" charset="-122"/>
-                  <a:ea typeface="微软雅黑" panose="020B0503020204020204" pitchFamily="34" charset="-122"/>
-                  <a:cs typeface="微软雅黑" panose="020B0503020204020204" pitchFamily="34" charset="-122"/>
-                </a:rPr>
-                <a:t>1</a:t>
-              </a:r>
-            </a:p>
-          </p:txBody>
-        </p:sp>
-      </p:grpSp>
-      <p:grpSp>
-        <p:nvGrpSpPr>
-          <p:cNvPr id="105" name="Group 11"/>
-          <p:cNvGrpSpPr/>
-          <p:nvPr/>
-        </p:nvGrpSpPr>
-        <p:grpSpPr bwMode="auto">
-          <a:xfrm>
-            <a:off x="1828800" y="2709863"/>
-            <a:ext cx="6513513" cy="665162"/>
-            <a:chOff x="1152" y="1851"/>
-            <a:chExt cx="4103" cy="419"/>
-          </a:xfrm>
-        </p:grpSpPr>
-        <p:grpSp>
-          <p:nvGrpSpPr>
-            <p:cNvPr id="106" name="Group 12"/>
-            <p:cNvGrpSpPr/>
-            <p:nvPr/>
-          </p:nvGrpSpPr>
-          <p:grpSpPr bwMode="auto">
-            <a:xfrm>
-              <a:off x="1152" y="1851"/>
-              <a:ext cx="480" cy="419"/>
-              <a:chOff x="3174" y="2656"/>
-              <a:chExt cx="1549" cy="1351"/>
-            </a:xfrm>
-          </p:grpSpPr>
-          <p:sp>
-            <p:nvSpPr>
-              <p:cNvPr id="110" name="AutoShape 13"/>
-              <p:cNvSpPr>
-                <a:spLocks noChangeArrowheads="1"/>
-              </p:cNvSpPr>
-              <p:nvPr/>
-            </p:nvSpPr>
-            <p:spPr bwMode="gray">
-              <a:xfrm>
-                <a:off x="3187" y="2679"/>
-                <a:ext cx="1536" cy="1328"/>
-              </a:xfrm>
-              <a:prstGeom prst="hexagon">
-                <a:avLst>
-                  <a:gd name="adj" fmla="val 28916"/>
-                  <a:gd name="vf" fmla="val 115470"/>
-                </a:avLst>
-              </a:prstGeom>
-              <a:solidFill>
-                <a:srgbClr val="808080"/>
-              </a:solidFill>
-              <a:ln>
-                <a:noFill/>
-              </a:ln>
-              <a:extLst>
-                <a:ext uri="{91240B29-F687-4F45-9708-019B960494DF}">
-                  <a14:hiddenLine xmlns:a14="http://schemas.microsoft.com/office/drawing/2010/main" w="9525">
-                    <a:solidFill>
-                      <a:srgbClr val="000000"/>
-                    </a:solidFill>
-                    <a:miter lim="800000"/>
-                    <a:headEnd/>
-                    <a:tailEnd/>
-                  </a14:hiddenLine>
-                </a:ext>
-              </a:extLst>
-            </p:spPr>
-            <p:txBody>
-              <a:bodyPr wrap="none" anchor="ctr"/>
-              <a:lstStyle>
-                <a:lvl1pPr eaLnBrk="0" hangingPunct="0">
-                  <a:defRPr>
-                    <a:solidFill>
-                      <a:schemeClr val="tx1"/>
-                    </a:solidFill>
-                    <a:latin typeface="Arial" panose="020B0604020202020204" pitchFamily="34" charset="0"/>
-                    <a:ea typeface="宋体" panose="02010600030101010101" pitchFamily="2" charset="-122"/>
-                  </a:defRPr>
-                </a:lvl1pPr>
-                <a:lvl2pPr marL="742950" indent="-285750" eaLnBrk="0" hangingPunct="0">
-                  <a:defRPr>
-                    <a:solidFill>
-                      <a:schemeClr val="tx1"/>
-                    </a:solidFill>
-                    <a:latin typeface="Arial" panose="020B0604020202020204" pitchFamily="34" charset="0"/>
-                    <a:ea typeface="宋体" panose="02010600030101010101" pitchFamily="2" charset="-122"/>
-                  </a:defRPr>
-                </a:lvl2pPr>
-                <a:lvl3pPr marL="1143000" indent="-228600" eaLnBrk="0" hangingPunct="0">
-                  <a:defRPr>
-                    <a:solidFill>
-                      <a:schemeClr val="tx1"/>
-                    </a:solidFill>
-                    <a:latin typeface="Arial" panose="020B0604020202020204" pitchFamily="34" charset="0"/>
-                    <a:ea typeface="宋体" panose="02010600030101010101" pitchFamily="2" charset="-122"/>
-                  </a:defRPr>
-                </a:lvl3pPr>
-                <a:lvl4pPr marL="1600200" indent="-228600" eaLnBrk="0" hangingPunct="0">
-                  <a:defRPr>
-                    <a:solidFill>
-                      <a:schemeClr val="tx1"/>
-                    </a:solidFill>
-                    <a:latin typeface="Arial" panose="020B0604020202020204" pitchFamily="34" charset="0"/>
-                    <a:ea typeface="宋体" panose="02010600030101010101" pitchFamily="2" charset="-122"/>
-                  </a:defRPr>
-                </a:lvl4pPr>
-                <a:lvl5pPr marL="2057400" indent="-228600" eaLnBrk="0" hangingPunct="0">
-                  <a:defRPr>
-                    <a:solidFill>
-                      <a:schemeClr val="tx1"/>
-                    </a:solidFill>
-                    <a:latin typeface="Arial" panose="020B0604020202020204" pitchFamily="34" charset="0"/>
-                    <a:ea typeface="宋体" panose="02010600030101010101" pitchFamily="2" charset="-122"/>
-                  </a:defRPr>
-                </a:lvl5pPr>
-                <a:lvl6pPr marL="2514600" indent="-228600" eaLnBrk="0" fontAlgn="base" hangingPunct="0">
-                  <a:spcBef>
-                    <a:spcPct val="0"/>
-                  </a:spcBef>
-                  <a:spcAft>
-                    <a:spcPct val="0"/>
-                  </a:spcAft>
-                  <a:defRPr>
-                    <a:solidFill>
-                      <a:schemeClr val="tx1"/>
-                    </a:solidFill>
-                    <a:latin typeface="Arial" panose="020B0604020202020204" pitchFamily="34" charset="0"/>
-                    <a:ea typeface="宋体" panose="02010600030101010101" pitchFamily="2" charset="-122"/>
-                  </a:defRPr>
-                </a:lvl6pPr>
-                <a:lvl7pPr marL="2971800" indent="-228600" eaLnBrk="0" fontAlgn="base" hangingPunct="0">
-                  <a:spcBef>
-                    <a:spcPct val="0"/>
-                  </a:spcBef>
-                  <a:spcAft>
-                    <a:spcPct val="0"/>
-                  </a:spcAft>
-                  <a:defRPr>
-                    <a:solidFill>
-                      <a:schemeClr val="tx1"/>
-                    </a:solidFill>
-                    <a:latin typeface="Arial" panose="020B0604020202020204" pitchFamily="34" charset="0"/>
-                    <a:ea typeface="宋体" panose="02010600030101010101" pitchFamily="2" charset="-122"/>
-                  </a:defRPr>
-                </a:lvl7pPr>
-                <a:lvl8pPr marL="3429000" indent="-228600" eaLnBrk="0" fontAlgn="base" hangingPunct="0">
-                  <a:spcBef>
-                    <a:spcPct val="0"/>
-                  </a:spcBef>
-                  <a:spcAft>
-                    <a:spcPct val="0"/>
-                  </a:spcAft>
-                  <a:defRPr>
-                    <a:solidFill>
-                      <a:schemeClr val="tx1"/>
-                    </a:solidFill>
-                    <a:latin typeface="Arial" panose="020B0604020202020204" pitchFamily="34" charset="0"/>
-                    <a:ea typeface="宋体" panose="02010600030101010101" pitchFamily="2" charset="-122"/>
-                  </a:defRPr>
-                </a:lvl8pPr>
-                <a:lvl9pPr marL="3886200" indent="-228600" eaLnBrk="0" fontAlgn="base" hangingPunct="0">
-                  <a:spcBef>
-                    <a:spcPct val="0"/>
-                  </a:spcBef>
-                  <a:spcAft>
-                    <a:spcPct val="0"/>
-                  </a:spcAft>
-                  <a:defRPr>
-                    <a:solidFill>
-                      <a:schemeClr val="tx1"/>
-                    </a:solidFill>
-                    <a:latin typeface="Arial" panose="020B0604020202020204" pitchFamily="34" charset="0"/>
-                    <a:ea typeface="宋体" panose="02010600030101010101" pitchFamily="2" charset="-122"/>
-                  </a:defRPr>
-                </a:lvl9pPr>
-              </a:lstStyle>
-              <a:p>
-                <a:pPr eaLnBrk="1" hangingPunct="1"/>
-                <a:endParaRPr lang="zh-CN" altLang="en-US" sz="2800" b="1">
-                  <a:latin typeface="微软雅黑" panose="020B0503020204020204" pitchFamily="34" charset="-122"/>
-                  <a:ea typeface="微软雅黑" panose="020B0503020204020204" pitchFamily="34" charset="-122"/>
-                  <a:cs typeface="微软雅黑" panose="020B0503020204020204" pitchFamily="34" charset="-122"/>
-                </a:endParaRPr>
-              </a:p>
-            </p:txBody>
-          </p:sp>
-          <p:sp>
-            <p:nvSpPr>
-              <p:cNvPr id="111" name="AutoShape 14"/>
-              <p:cNvSpPr>
-                <a:spLocks noChangeArrowheads="1"/>
-              </p:cNvSpPr>
-              <p:nvPr/>
-            </p:nvSpPr>
-            <p:spPr bwMode="gray">
-              <a:xfrm>
-                <a:off x="3174" y="2656"/>
-                <a:ext cx="1536" cy="1328"/>
-              </a:xfrm>
-              <a:prstGeom prst="hexagon">
-                <a:avLst>
-                  <a:gd name="adj" fmla="val 28916"/>
-                  <a:gd name="vf" fmla="val 115470"/>
-                </a:avLst>
-              </a:prstGeom>
-              <a:gradFill rotWithShape="1">
-                <a:gsLst>
-                  <a:gs pos="0">
-                    <a:srgbClr val="E6E6E6"/>
-                  </a:gs>
-                  <a:gs pos="7500">
-                    <a:srgbClr val="7D8496"/>
-                  </a:gs>
-                  <a:gs pos="26500">
-                    <a:srgbClr val="E6E6E6"/>
-                  </a:gs>
-                  <a:gs pos="34000">
-                    <a:srgbClr val="7D8496"/>
-                  </a:gs>
-                  <a:gs pos="46500">
-                    <a:srgbClr val="E6E6E6"/>
-                  </a:gs>
-                  <a:gs pos="50000">
-                    <a:srgbClr val="FFFFFF"/>
-                  </a:gs>
-                  <a:gs pos="53500">
-                    <a:srgbClr val="E6E6E6"/>
-                  </a:gs>
-                  <a:gs pos="66000">
-                    <a:srgbClr val="7D8496"/>
-                  </a:gs>
-                  <a:gs pos="73500">
-                    <a:srgbClr val="E6E6E6"/>
-                  </a:gs>
-                  <a:gs pos="92500">
-                    <a:srgbClr val="7D8496"/>
-                  </a:gs>
-                  <a:gs pos="100000">
-                    <a:srgbClr val="E6E6E6"/>
-                  </a:gs>
-                </a:gsLst>
-                <a:lin ang="2700000" scaled="1"/>
-              </a:gradFill>
-              <a:ln w="9525">
-                <a:solidFill>
-                  <a:srgbClr val="C0C0C0"/>
-                </a:solidFill>
-                <a:miter lim="800000"/>
-              </a:ln>
-            </p:spPr>
-            <p:txBody>
-              <a:bodyPr wrap="none" anchor="ctr"/>
-              <a:lstStyle>
-                <a:lvl1pPr eaLnBrk="0" hangingPunct="0">
-                  <a:defRPr>
-                    <a:solidFill>
-                      <a:schemeClr val="tx1"/>
-                    </a:solidFill>
-                    <a:latin typeface="Arial" panose="020B0604020202020204" pitchFamily="34" charset="0"/>
-                    <a:ea typeface="宋体" panose="02010600030101010101" pitchFamily="2" charset="-122"/>
-                  </a:defRPr>
-                </a:lvl1pPr>
-                <a:lvl2pPr marL="742950" indent="-285750" eaLnBrk="0" hangingPunct="0">
-                  <a:defRPr>
-                    <a:solidFill>
-                      <a:schemeClr val="tx1"/>
-                    </a:solidFill>
-                    <a:latin typeface="Arial" panose="020B0604020202020204" pitchFamily="34" charset="0"/>
-                    <a:ea typeface="宋体" panose="02010600030101010101" pitchFamily="2" charset="-122"/>
-                  </a:defRPr>
-                </a:lvl2pPr>
-                <a:lvl3pPr marL="1143000" indent="-228600" eaLnBrk="0" hangingPunct="0">
-                  <a:defRPr>
-                    <a:solidFill>
-                      <a:schemeClr val="tx1"/>
-                    </a:solidFill>
-                    <a:latin typeface="Arial" panose="020B0604020202020204" pitchFamily="34" charset="0"/>
-                    <a:ea typeface="宋体" panose="02010600030101010101" pitchFamily="2" charset="-122"/>
-                  </a:defRPr>
-                </a:lvl3pPr>
-                <a:lvl4pPr marL="1600200" indent="-228600" eaLnBrk="0" hangingPunct="0">
-                  <a:defRPr>
-                    <a:solidFill>
-                      <a:schemeClr val="tx1"/>
-                    </a:solidFill>
-                    <a:latin typeface="Arial" panose="020B0604020202020204" pitchFamily="34" charset="0"/>
-                    <a:ea typeface="宋体" panose="02010600030101010101" pitchFamily="2" charset="-122"/>
-                  </a:defRPr>
-                </a:lvl4pPr>
-                <a:lvl5pPr marL="2057400" indent="-228600" eaLnBrk="0" hangingPunct="0">
-                  <a:defRPr>
-                    <a:solidFill>
-                      <a:schemeClr val="tx1"/>
-                    </a:solidFill>
-                    <a:latin typeface="Arial" panose="020B0604020202020204" pitchFamily="34" charset="0"/>
-                    <a:ea typeface="宋体" panose="02010600030101010101" pitchFamily="2" charset="-122"/>
-                  </a:defRPr>
-                </a:lvl5pPr>
-                <a:lvl6pPr marL="2514600" indent="-228600" eaLnBrk="0" fontAlgn="base" hangingPunct="0">
-                  <a:spcBef>
-                    <a:spcPct val="0"/>
-                  </a:spcBef>
-                  <a:spcAft>
-                    <a:spcPct val="0"/>
-                  </a:spcAft>
-                  <a:defRPr>
-                    <a:solidFill>
-                      <a:schemeClr val="tx1"/>
-                    </a:solidFill>
-                    <a:latin typeface="Arial" panose="020B0604020202020204" pitchFamily="34" charset="0"/>
-                    <a:ea typeface="宋体" panose="02010600030101010101" pitchFamily="2" charset="-122"/>
-                  </a:defRPr>
-                </a:lvl6pPr>
-                <a:lvl7pPr marL="2971800" indent="-228600" eaLnBrk="0" fontAlgn="base" hangingPunct="0">
-                  <a:spcBef>
-                    <a:spcPct val="0"/>
-                  </a:spcBef>
-                  <a:spcAft>
-                    <a:spcPct val="0"/>
-                  </a:spcAft>
-                  <a:defRPr>
-                    <a:solidFill>
-                      <a:schemeClr val="tx1"/>
-                    </a:solidFill>
-                    <a:latin typeface="Arial" panose="020B0604020202020204" pitchFamily="34" charset="0"/>
-                    <a:ea typeface="宋体" panose="02010600030101010101" pitchFamily="2" charset="-122"/>
-                  </a:defRPr>
-                </a:lvl7pPr>
-                <a:lvl8pPr marL="3429000" indent="-228600" eaLnBrk="0" fontAlgn="base" hangingPunct="0">
-                  <a:spcBef>
-                    <a:spcPct val="0"/>
-                  </a:spcBef>
-                  <a:spcAft>
-                    <a:spcPct val="0"/>
-                  </a:spcAft>
-                  <a:defRPr>
-                    <a:solidFill>
-                      <a:schemeClr val="tx1"/>
-                    </a:solidFill>
-                    <a:latin typeface="Arial" panose="020B0604020202020204" pitchFamily="34" charset="0"/>
-                    <a:ea typeface="宋体" panose="02010600030101010101" pitchFamily="2" charset="-122"/>
-                  </a:defRPr>
-                </a:lvl8pPr>
-                <a:lvl9pPr marL="3886200" indent="-228600" eaLnBrk="0" fontAlgn="base" hangingPunct="0">
-                  <a:spcBef>
-                    <a:spcPct val="0"/>
-                  </a:spcBef>
-                  <a:spcAft>
-                    <a:spcPct val="0"/>
-                  </a:spcAft>
-                  <a:defRPr>
-                    <a:solidFill>
-                      <a:schemeClr val="tx1"/>
-                    </a:solidFill>
-                    <a:latin typeface="Arial" panose="020B0604020202020204" pitchFamily="34" charset="0"/>
-                    <a:ea typeface="宋体" panose="02010600030101010101" pitchFamily="2" charset="-122"/>
-                  </a:defRPr>
-                </a:lvl9pPr>
-              </a:lstStyle>
-              <a:p>
-                <a:pPr eaLnBrk="1" hangingPunct="1"/>
-                <a:endParaRPr lang="zh-CN" altLang="en-US" sz="2800" b="1">
-                  <a:latin typeface="微软雅黑" panose="020B0503020204020204" pitchFamily="34" charset="-122"/>
-                  <a:ea typeface="微软雅黑" panose="020B0503020204020204" pitchFamily="34" charset="-122"/>
-                  <a:cs typeface="微软雅黑" panose="020B0503020204020204" pitchFamily="34" charset="-122"/>
-                </a:endParaRPr>
-              </a:p>
-            </p:txBody>
-          </p:sp>
-          <p:sp>
-            <p:nvSpPr>
-              <p:cNvPr id="112" name="AutoShape 15"/>
-              <p:cNvSpPr>
-                <a:spLocks noChangeArrowheads="1"/>
-              </p:cNvSpPr>
-              <p:nvPr/>
-            </p:nvSpPr>
-            <p:spPr bwMode="gray">
-              <a:xfrm>
-                <a:off x="3264" y="2737"/>
-                <a:ext cx="1349" cy="1167"/>
-              </a:xfrm>
-              <a:prstGeom prst="hexagon">
-                <a:avLst>
-                  <a:gd name="adj" fmla="val 28896"/>
-                  <a:gd name="vf" fmla="val 115470"/>
-                </a:avLst>
-              </a:prstGeom>
-              <a:gradFill rotWithShape="1">
-                <a:gsLst>
-                  <a:gs pos="0">
-                    <a:schemeClr val="accent1">
-                      <a:gamma/>
-                      <a:shade val="46275"/>
-                      <a:invGamma/>
-                    </a:schemeClr>
-                  </a:gs>
-                  <a:gs pos="100000">
-                    <a:schemeClr val="accent1"/>
-                  </a:gs>
-                </a:gsLst>
-                <a:lin ang="2700000" scaled="1"/>
-              </a:gradFill>
-              <a:ln w="9525">
-                <a:solidFill>
-                  <a:schemeClr val="tx1"/>
-                </a:solidFill>
-                <a:miter lim="800000"/>
-              </a:ln>
-              <a:effectLst/>
-            </p:spPr>
-            <p:txBody>
-              <a:bodyPr wrap="none" anchor="ctr"/>
-              <a:lstStyle/>
-              <a:p>
-                <a:pPr>
-                  <a:defRPr/>
-                </a:pPr>
-                <a:endParaRPr lang="zh-CN" altLang="en-US" sz="2800" b="1">
-                  <a:latin typeface="微软雅黑" panose="020B0503020204020204" pitchFamily="34" charset="-122"/>
-                  <a:ea typeface="微软雅黑" panose="020B0503020204020204" pitchFamily="34" charset="-122"/>
-                  <a:cs typeface="微软雅黑" panose="020B0503020204020204" pitchFamily="34" charset="-122"/>
-                </a:endParaRPr>
-              </a:p>
-            </p:txBody>
-          </p:sp>
-        </p:grpSp>
-        <p:sp>
-          <p:nvSpPr>
-            <p:cNvPr id="107" name="Line 16"/>
-            <p:cNvSpPr>
-              <a:spLocks noChangeShapeType="1"/>
-            </p:cNvSpPr>
-            <p:nvPr/>
-          </p:nvSpPr>
-          <p:spPr bwMode="auto">
-            <a:xfrm>
-              <a:off x="1536" y="2235"/>
-              <a:ext cx="3024" cy="0"/>
-            </a:xfrm>
-            <a:prstGeom prst="line">
-              <a:avLst/>
-            </a:prstGeom>
-            <a:noFill/>
-            <a:ln w="25400">
-              <a:solidFill>
-                <a:schemeClr val="tx2"/>
-              </a:solidFill>
-              <a:prstDash val="sysDot"/>
-              <a:round/>
-              <a:tailEnd type="oval" w="med" len="med"/>
-            </a:ln>
-            <a:extLst>
-              <a:ext uri="{909E8E84-426E-40DD-AFC4-6F175D3DCCD1}">
-                <a14:hiddenFill xmlns:a14="http://schemas.microsoft.com/office/drawing/2010/main">
-                  <a:noFill/>
-                </a14:hiddenFill>
-              </a:ext>
-            </a:extLst>
-          </p:spPr>
-          <p:txBody>
-            <a:bodyPr wrap="none" anchor="ctr"/>
-            <a:lstStyle/>
-            <a:p>
-              <a:endParaRPr lang="zh-CN" altLang="en-US" sz="2800" b="1">
-                <a:latin typeface="微软雅黑" panose="020B0503020204020204" pitchFamily="34" charset="-122"/>
-                <a:ea typeface="微软雅黑" panose="020B0503020204020204" pitchFamily="34" charset="-122"/>
-                <a:cs typeface="微软雅黑" panose="020B0503020204020204" pitchFamily="34" charset="-122"/>
-              </a:endParaRPr>
-            </a:p>
-          </p:txBody>
-        </p:sp>
-        <p:sp>
-          <p:nvSpPr>
-            <p:cNvPr id="108" name="Text Box 17"/>
-            <p:cNvSpPr txBox="1">
-              <a:spLocks noChangeArrowheads="1"/>
-            </p:cNvSpPr>
-            <p:nvPr/>
-          </p:nvSpPr>
-          <p:spPr bwMode="auto">
-            <a:xfrm>
-              <a:off x="1746" y="1882"/>
-              <a:ext cx="3509" cy="330"/>
-            </a:xfrm>
-            <a:prstGeom prst="rect">
-              <a:avLst/>
-            </a:prstGeom>
-            <a:noFill/>
-            <a:ln>
-              <a:noFill/>
-            </a:ln>
-            <a:extLst>
-              <a:ext uri="{909E8E84-426E-40DD-AFC4-6F175D3DCCD1}">
-                <a14:hiddenFill xmlns:a14="http://schemas.microsoft.com/office/drawing/2010/main">
-                  <a:solidFill>
-                    <a:srgbClr val="FFFFFF"/>
-                  </a:solidFill>
-                </a14:hiddenFill>
-              </a:ext>
-              <a:ext uri="{91240B29-F687-4F45-9708-019B960494DF}">
-                <a14:hiddenLine xmlns:a14="http://schemas.microsoft.com/office/drawing/2010/main" w="9525">
-                  <a:solidFill>
-                    <a:srgbClr val="000000"/>
-                  </a:solidFill>
-                  <a:miter lim="800000"/>
-                  <a:headEnd/>
-                  <a:tailEnd/>
-                </a14:hiddenLine>
-              </a:ext>
-            </a:extLst>
-          </p:spPr>
-          <p:txBody>
-            <a:bodyPr wrap="none">
-              <a:spAutoFit/>
-            </a:bodyPr>
-            <a:lstStyle>
-              <a:lvl1pPr eaLnBrk="0" hangingPunct="0">
-                <a:defRPr>
-                  <a:solidFill>
-                    <a:schemeClr val="tx1"/>
-                  </a:solidFill>
-                  <a:latin typeface="Arial" panose="020B0604020202020204" pitchFamily="34" charset="0"/>
-                  <a:ea typeface="宋体" panose="02010600030101010101" pitchFamily="2" charset="-122"/>
-                </a:defRPr>
-              </a:lvl1pPr>
-              <a:lvl2pPr marL="742950" indent="-285750" eaLnBrk="0" hangingPunct="0">
-                <a:defRPr>
-                  <a:solidFill>
-                    <a:schemeClr val="tx1"/>
-                  </a:solidFill>
-                  <a:latin typeface="Arial" panose="020B0604020202020204" pitchFamily="34" charset="0"/>
-                  <a:ea typeface="宋体" panose="02010600030101010101" pitchFamily="2" charset="-122"/>
-                </a:defRPr>
-              </a:lvl2pPr>
-              <a:lvl3pPr marL="1143000" indent="-228600" eaLnBrk="0" hangingPunct="0">
-                <a:defRPr>
-                  <a:solidFill>
-                    <a:schemeClr val="tx1"/>
-                  </a:solidFill>
-                  <a:latin typeface="Arial" panose="020B0604020202020204" pitchFamily="34" charset="0"/>
-                  <a:ea typeface="宋体" panose="02010600030101010101" pitchFamily="2" charset="-122"/>
-                </a:defRPr>
-              </a:lvl3pPr>
-              <a:lvl4pPr marL="1600200" indent="-228600" eaLnBrk="0" hangingPunct="0">
-                <a:defRPr>
-                  <a:solidFill>
-                    <a:schemeClr val="tx1"/>
-                  </a:solidFill>
-                  <a:latin typeface="Arial" panose="020B0604020202020204" pitchFamily="34" charset="0"/>
-                  <a:ea typeface="宋体" panose="02010600030101010101" pitchFamily="2" charset="-122"/>
-                </a:defRPr>
-              </a:lvl4pPr>
-              <a:lvl5pPr marL="2057400" indent="-228600" eaLnBrk="0" hangingPunct="0">
-                <a:defRPr>
-                  <a:solidFill>
-                    <a:schemeClr val="tx1"/>
-                  </a:solidFill>
-                  <a:latin typeface="Arial" panose="020B0604020202020204" pitchFamily="34" charset="0"/>
-                  <a:ea typeface="宋体" panose="02010600030101010101" pitchFamily="2" charset="-122"/>
-                </a:defRPr>
-              </a:lvl5pPr>
-              <a:lvl6pPr marL="2514600" indent="-228600" eaLnBrk="0" fontAlgn="base" hangingPunct="0">
-                <a:spcBef>
-                  <a:spcPct val="0"/>
-                </a:spcBef>
-                <a:spcAft>
-                  <a:spcPct val="0"/>
-                </a:spcAft>
-                <a:defRPr>
-                  <a:solidFill>
-                    <a:schemeClr val="tx1"/>
-                  </a:solidFill>
-                  <a:latin typeface="Arial" panose="020B0604020202020204" pitchFamily="34" charset="0"/>
-                  <a:ea typeface="宋体" panose="02010600030101010101" pitchFamily="2" charset="-122"/>
-                </a:defRPr>
-              </a:lvl6pPr>
-              <a:lvl7pPr marL="2971800" indent="-228600" eaLnBrk="0" fontAlgn="base" hangingPunct="0">
-                <a:spcBef>
-                  <a:spcPct val="0"/>
-                </a:spcBef>
-                <a:spcAft>
-                  <a:spcPct val="0"/>
-                </a:spcAft>
-                <a:defRPr>
-                  <a:solidFill>
-                    <a:schemeClr val="tx1"/>
-                  </a:solidFill>
-                  <a:latin typeface="Arial" panose="020B0604020202020204" pitchFamily="34" charset="0"/>
-                  <a:ea typeface="宋体" panose="02010600030101010101" pitchFamily="2" charset="-122"/>
-                </a:defRPr>
-              </a:lvl7pPr>
-              <a:lvl8pPr marL="3429000" indent="-228600" eaLnBrk="0" fontAlgn="base" hangingPunct="0">
-                <a:spcBef>
-                  <a:spcPct val="0"/>
-                </a:spcBef>
-                <a:spcAft>
-                  <a:spcPct val="0"/>
-                </a:spcAft>
-                <a:defRPr>
-                  <a:solidFill>
-                    <a:schemeClr val="tx1"/>
-                  </a:solidFill>
-                  <a:latin typeface="Arial" panose="020B0604020202020204" pitchFamily="34" charset="0"/>
-                  <a:ea typeface="宋体" panose="02010600030101010101" pitchFamily="2" charset="-122"/>
-                </a:defRPr>
-              </a:lvl8pPr>
-              <a:lvl9pPr marL="3886200" indent="-228600" eaLnBrk="0" fontAlgn="base" hangingPunct="0">
-                <a:spcBef>
-                  <a:spcPct val="0"/>
-                </a:spcBef>
-                <a:spcAft>
-                  <a:spcPct val="0"/>
-                </a:spcAft>
-                <a:defRPr>
-                  <a:solidFill>
-                    <a:schemeClr val="tx1"/>
-                  </a:solidFill>
-                  <a:latin typeface="Arial" panose="020B0604020202020204" pitchFamily="34" charset="0"/>
-                  <a:ea typeface="宋体" panose="02010600030101010101" pitchFamily="2" charset="-122"/>
-                </a:defRPr>
-              </a:lvl9pPr>
-            </a:lstStyle>
-            <a:p>
-              <a:r>
-                <a:rPr lang="zh-CN" altLang="en-US" sz="2800" b="1" dirty="0" smtClean="0">
-                  <a:solidFill>
-                    <a:schemeClr val="tx2"/>
-                  </a:solidFill>
-                  <a:latin typeface="微软雅黑" panose="020B0503020204020204" pitchFamily="34" charset="-122"/>
-                  <a:ea typeface="微软雅黑" panose="020B0503020204020204" pitchFamily="34" charset="-122"/>
-                  <a:cs typeface="微软雅黑" panose="020B0503020204020204" pitchFamily="34" charset="-122"/>
-                </a:rPr>
-                <a:t>经常收到出错短信，生产却没错？</a:t>
-              </a:r>
-              <a:endParaRPr lang="en-US" altLang="zh-CN" sz="2800" b="1" dirty="0">
-                <a:solidFill>
-                  <a:schemeClr val="tx2"/>
-                </a:solidFill>
-                <a:latin typeface="微软雅黑" panose="020B0503020204020204" pitchFamily="34" charset="-122"/>
-                <a:ea typeface="微软雅黑" panose="020B0503020204020204" pitchFamily="34" charset="-122"/>
-                <a:cs typeface="微软雅黑" panose="020B0503020204020204" pitchFamily="34" charset="-122"/>
-              </a:endParaRPr>
-            </a:p>
-          </p:txBody>
-        </p:sp>
-        <p:sp>
-          <p:nvSpPr>
-            <p:cNvPr id="109" name="Text Box 18"/>
-            <p:cNvSpPr txBox="1">
-              <a:spLocks noChangeArrowheads="1"/>
-            </p:cNvSpPr>
-            <p:nvPr/>
-          </p:nvSpPr>
-          <p:spPr bwMode="gray">
-            <a:xfrm>
-              <a:off x="1260" y="1913"/>
-              <a:ext cx="256" cy="330"/>
-            </a:xfrm>
-            <a:prstGeom prst="rect">
-              <a:avLst/>
-            </a:prstGeom>
-            <a:noFill/>
-            <a:ln>
-              <a:noFill/>
-            </a:ln>
-            <a:extLst>
-              <a:ext uri="{909E8E84-426E-40DD-AFC4-6F175D3DCCD1}">
-                <a14:hiddenFill xmlns:a14="http://schemas.microsoft.com/office/drawing/2010/main">
-                  <a:solidFill>
-                    <a:srgbClr val="FFFFFF"/>
-                  </a:solidFill>
-                </a14:hiddenFill>
-              </a:ext>
-              <a:ext uri="{91240B29-F687-4F45-9708-019B960494DF}">
-                <a14:hiddenLine xmlns:a14="http://schemas.microsoft.com/office/drawing/2010/main" w="9525">
-                  <a:solidFill>
-                    <a:srgbClr val="000000"/>
-                  </a:solidFill>
-                  <a:miter lim="800000"/>
-                  <a:headEnd/>
-                  <a:tailEnd/>
-                </a14:hiddenLine>
-              </a:ext>
-            </a:extLst>
-          </p:spPr>
-          <p:txBody>
-            <a:bodyPr wrap="none">
-              <a:spAutoFit/>
-            </a:bodyPr>
-            <a:lstStyle>
-              <a:lvl1pPr eaLnBrk="0" hangingPunct="0">
-                <a:defRPr>
-                  <a:solidFill>
-                    <a:schemeClr val="tx1"/>
-                  </a:solidFill>
-                  <a:latin typeface="Arial" panose="020B0604020202020204" pitchFamily="34" charset="0"/>
-                  <a:ea typeface="宋体" panose="02010600030101010101" pitchFamily="2" charset="-122"/>
-                </a:defRPr>
-              </a:lvl1pPr>
-              <a:lvl2pPr marL="742950" indent="-285750" eaLnBrk="0" hangingPunct="0">
-                <a:defRPr>
-                  <a:solidFill>
-                    <a:schemeClr val="tx1"/>
-                  </a:solidFill>
-                  <a:latin typeface="Arial" panose="020B0604020202020204" pitchFamily="34" charset="0"/>
-                  <a:ea typeface="宋体" panose="02010600030101010101" pitchFamily="2" charset="-122"/>
-                </a:defRPr>
-              </a:lvl2pPr>
-              <a:lvl3pPr marL="1143000" indent="-228600" eaLnBrk="0" hangingPunct="0">
-                <a:defRPr>
-                  <a:solidFill>
-                    <a:schemeClr val="tx1"/>
-                  </a:solidFill>
-                  <a:latin typeface="Arial" panose="020B0604020202020204" pitchFamily="34" charset="0"/>
-                  <a:ea typeface="宋体" panose="02010600030101010101" pitchFamily="2" charset="-122"/>
-                </a:defRPr>
-              </a:lvl3pPr>
-              <a:lvl4pPr marL="1600200" indent="-228600" eaLnBrk="0" hangingPunct="0">
-                <a:defRPr>
-                  <a:solidFill>
-                    <a:schemeClr val="tx1"/>
-                  </a:solidFill>
-                  <a:latin typeface="Arial" panose="020B0604020202020204" pitchFamily="34" charset="0"/>
-                  <a:ea typeface="宋体" panose="02010600030101010101" pitchFamily="2" charset="-122"/>
-                </a:defRPr>
-              </a:lvl4pPr>
-              <a:lvl5pPr marL="2057400" indent="-228600" eaLnBrk="0" hangingPunct="0">
-                <a:defRPr>
-                  <a:solidFill>
-                    <a:schemeClr val="tx1"/>
-                  </a:solidFill>
-                  <a:latin typeface="Arial" panose="020B0604020202020204" pitchFamily="34" charset="0"/>
-                  <a:ea typeface="宋体" panose="02010600030101010101" pitchFamily="2" charset="-122"/>
-                </a:defRPr>
-              </a:lvl5pPr>
-              <a:lvl6pPr marL="2514600" indent="-228600" eaLnBrk="0" fontAlgn="base" hangingPunct="0">
-                <a:spcBef>
-                  <a:spcPct val="0"/>
-                </a:spcBef>
-                <a:spcAft>
-                  <a:spcPct val="0"/>
-                </a:spcAft>
-                <a:defRPr>
-                  <a:solidFill>
-                    <a:schemeClr val="tx1"/>
-                  </a:solidFill>
-                  <a:latin typeface="Arial" panose="020B0604020202020204" pitchFamily="34" charset="0"/>
-                  <a:ea typeface="宋体" panose="02010600030101010101" pitchFamily="2" charset="-122"/>
-                </a:defRPr>
-              </a:lvl6pPr>
-              <a:lvl7pPr marL="2971800" indent="-228600" eaLnBrk="0" fontAlgn="base" hangingPunct="0">
-                <a:spcBef>
-                  <a:spcPct val="0"/>
-                </a:spcBef>
-                <a:spcAft>
-                  <a:spcPct val="0"/>
-                </a:spcAft>
-                <a:defRPr>
-                  <a:solidFill>
-                    <a:schemeClr val="tx1"/>
-                  </a:solidFill>
-                  <a:latin typeface="Arial" panose="020B0604020202020204" pitchFamily="34" charset="0"/>
-                  <a:ea typeface="宋体" panose="02010600030101010101" pitchFamily="2" charset="-122"/>
-                </a:defRPr>
-              </a:lvl7pPr>
-              <a:lvl8pPr marL="3429000" indent="-228600" eaLnBrk="0" fontAlgn="base" hangingPunct="0">
-                <a:spcBef>
-                  <a:spcPct val="0"/>
-                </a:spcBef>
-                <a:spcAft>
-                  <a:spcPct val="0"/>
-                </a:spcAft>
-                <a:defRPr>
-                  <a:solidFill>
-                    <a:schemeClr val="tx1"/>
-                  </a:solidFill>
-                  <a:latin typeface="Arial" panose="020B0604020202020204" pitchFamily="34" charset="0"/>
-                  <a:ea typeface="宋体" panose="02010600030101010101" pitchFamily="2" charset="-122"/>
-                </a:defRPr>
-              </a:lvl8pPr>
-              <a:lvl9pPr marL="3886200" indent="-228600" eaLnBrk="0" fontAlgn="base" hangingPunct="0">
-                <a:spcBef>
-                  <a:spcPct val="0"/>
-                </a:spcBef>
-                <a:spcAft>
-                  <a:spcPct val="0"/>
-                </a:spcAft>
-                <a:defRPr>
-                  <a:solidFill>
-                    <a:schemeClr val="tx1"/>
-                  </a:solidFill>
-                  <a:latin typeface="Arial" panose="020B0604020202020204" pitchFamily="34" charset="0"/>
-                  <a:ea typeface="宋体" panose="02010600030101010101" pitchFamily="2" charset="-122"/>
-                </a:defRPr>
-              </a:lvl9pPr>
-            </a:lstStyle>
-            <a:p>
-              <a:pPr algn="ctr"/>
-              <a:r>
-                <a:rPr lang="en-US" altLang="zh-CN" sz="2800" b="1">
-                  <a:solidFill>
-                    <a:schemeClr val="bg1"/>
-                  </a:solidFill>
-                  <a:latin typeface="微软雅黑" panose="020B0503020204020204" pitchFamily="34" charset="-122"/>
-                  <a:ea typeface="微软雅黑" panose="020B0503020204020204" pitchFamily="34" charset="-122"/>
-                  <a:cs typeface="微软雅黑" panose="020B0503020204020204" pitchFamily="34" charset="-122"/>
-                </a:rPr>
-                <a:t>2</a:t>
-              </a:r>
-            </a:p>
-          </p:txBody>
-        </p:sp>
-      </p:grpSp>
-      <p:grpSp>
-        <p:nvGrpSpPr>
-          <p:cNvPr id="113" name="Group 19"/>
-          <p:cNvGrpSpPr/>
-          <p:nvPr/>
-        </p:nvGrpSpPr>
-        <p:grpSpPr bwMode="auto">
-          <a:xfrm>
-            <a:off x="1828800" y="3602038"/>
-            <a:ext cx="5410200" cy="665162"/>
-            <a:chOff x="1152" y="2413"/>
-            <a:chExt cx="3408" cy="419"/>
-          </a:xfrm>
-        </p:grpSpPr>
-        <p:grpSp>
-          <p:nvGrpSpPr>
-            <p:cNvPr id="114" name="Group 20"/>
-            <p:cNvGrpSpPr/>
-            <p:nvPr/>
-          </p:nvGrpSpPr>
-          <p:grpSpPr bwMode="auto">
-            <a:xfrm>
-              <a:off x="1152" y="2413"/>
-              <a:ext cx="480" cy="419"/>
-              <a:chOff x="1110" y="2656"/>
-              <a:chExt cx="1549" cy="1351"/>
-            </a:xfrm>
-          </p:grpSpPr>
-          <p:sp>
-            <p:nvSpPr>
-              <p:cNvPr id="118" name="AutoShape 21"/>
-              <p:cNvSpPr>
-                <a:spLocks noChangeArrowheads="1"/>
-              </p:cNvSpPr>
-              <p:nvPr/>
-            </p:nvSpPr>
-            <p:spPr bwMode="gray">
-              <a:xfrm>
-                <a:off x="1123" y="2679"/>
-                <a:ext cx="1536" cy="1328"/>
-              </a:xfrm>
-              <a:prstGeom prst="hexagon">
-                <a:avLst>
-                  <a:gd name="adj" fmla="val 28916"/>
-                  <a:gd name="vf" fmla="val 115470"/>
-                </a:avLst>
-              </a:prstGeom>
-              <a:solidFill>
-                <a:srgbClr val="808080"/>
-              </a:solidFill>
-              <a:ln>
-                <a:noFill/>
-              </a:ln>
-              <a:extLst>
-                <a:ext uri="{91240B29-F687-4F45-9708-019B960494DF}">
-                  <a14:hiddenLine xmlns:a14="http://schemas.microsoft.com/office/drawing/2010/main" w="9525">
-                    <a:solidFill>
-                      <a:srgbClr val="000000"/>
-                    </a:solidFill>
-                    <a:miter lim="800000"/>
-                    <a:headEnd/>
-                    <a:tailEnd/>
-                  </a14:hiddenLine>
-                </a:ext>
-              </a:extLst>
-            </p:spPr>
-            <p:txBody>
-              <a:bodyPr wrap="none" anchor="ctr"/>
-              <a:lstStyle>
-                <a:lvl1pPr eaLnBrk="0" hangingPunct="0">
-                  <a:defRPr>
-                    <a:solidFill>
-                      <a:schemeClr val="tx1"/>
-                    </a:solidFill>
-                    <a:latin typeface="Arial" panose="020B0604020202020204" pitchFamily="34" charset="0"/>
-                    <a:ea typeface="宋体" panose="02010600030101010101" pitchFamily="2" charset="-122"/>
-                  </a:defRPr>
-                </a:lvl1pPr>
-                <a:lvl2pPr marL="742950" indent="-285750" eaLnBrk="0" hangingPunct="0">
-                  <a:defRPr>
-                    <a:solidFill>
-                      <a:schemeClr val="tx1"/>
-                    </a:solidFill>
-                    <a:latin typeface="Arial" panose="020B0604020202020204" pitchFamily="34" charset="0"/>
-                    <a:ea typeface="宋体" panose="02010600030101010101" pitchFamily="2" charset="-122"/>
-                  </a:defRPr>
-                </a:lvl2pPr>
-                <a:lvl3pPr marL="1143000" indent="-228600" eaLnBrk="0" hangingPunct="0">
-                  <a:defRPr>
-                    <a:solidFill>
-                      <a:schemeClr val="tx1"/>
-                    </a:solidFill>
-                    <a:latin typeface="Arial" panose="020B0604020202020204" pitchFamily="34" charset="0"/>
-                    <a:ea typeface="宋体" panose="02010600030101010101" pitchFamily="2" charset="-122"/>
-                  </a:defRPr>
-                </a:lvl3pPr>
-                <a:lvl4pPr marL="1600200" indent="-228600" eaLnBrk="0" hangingPunct="0">
-                  <a:defRPr>
-                    <a:solidFill>
-                      <a:schemeClr val="tx1"/>
-                    </a:solidFill>
-                    <a:latin typeface="Arial" panose="020B0604020202020204" pitchFamily="34" charset="0"/>
-                    <a:ea typeface="宋体" panose="02010600030101010101" pitchFamily="2" charset="-122"/>
-                  </a:defRPr>
-                </a:lvl4pPr>
-                <a:lvl5pPr marL="2057400" indent="-228600" eaLnBrk="0" hangingPunct="0">
-                  <a:defRPr>
-                    <a:solidFill>
-                      <a:schemeClr val="tx1"/>
-                    </a:solidFill>
-                    <a:latin typeface="Arial" panose="020B0604020202020204" pitchFamily="34" charset="0"/>
-                    <a:ea typeface="宋体" panose="02010600030101010101" pitchFamily="2" charset="-122"/>
-                  </a:defRPr>
-                </a:lvl5pPr>
-                <a:lvl6pPr marL="2514600" indent="-228600" eaLnBrk="0" fontAlgn="base" hangingPunct="0">
-                  <a:spcBef>
-                    <a:spcPct val="0"/>
-                  </a:spcBef>
-                  <a:spcAft>
-                    <a:spcPct val="0"/>
-                  </a:spcAft>
-                  <a:defRPr>
-                    <a:solidFill>
-                      <a:schemeClr val="tx1"/>
-                    </a:solidFill>
-                    <a:latin typeface="Arial" panose="020B0604020202020204" pitchFamily="34" charset="0"/>
-                    <a:ea typeface="宋体" panose="02010600030101010101" pitchFamily="2" charset="-122"/>
-                  </a:defRPr>
-                </a:lvl6pPr>
-                <a:lvl7pPr marL="2971800" indent="-228600" eaLnBrk="0" fontAlgn="base" hangingPunct="0">
-                  <a:spcBef>
-                    <a:spcPct val="0"/>
-                  </a:spcBef>
-                  <a:spcAft>
-                    <a:spcPct val="0"/>
-                  </a:spcAft>
-                  <a:defRPr>
-                    <a:solidFill>
-                      <a:schemeClr val="tx1"/>
-                    </a:solidFill>
-                    <a:latin typeface="Arial" panose="020B0604020202020204" pitchFamily="34" charset="0"/>
-                    <a:ea typeface="宋体" panose="02010600030101010101" pitchFamily="2" charset="-122"/>
-                  </a:defRPr>
-                </a:lvl7pPr>
-                <a:lvl8pPr marL="3429000" indent="-228600" eaLnBrk="0" fontAlgn="base" hangingPunct="0">
-                  <a:spcBef>
-                    <a:spcPct val="0"/>
-                  </a:spcBef>
-                  <a:spcAft>
-                    <a:spcPct val="0"/>
-                  </a:spcAft>
-                  <a:defRPr>
-                    <a:solidFill>
-                      <a:schemeClr val="tx1"/>
-                    </a:solidFill>
-                    <a:latin typeface="Arial" panose="020B0604020202020204" pitchFamily="34" charset="0"/>
-                    <a:ea typeface="宋体" panose="02010600030101010101" pitchFamily="2" charset="-122"/>
-                  </a:defRPr>
-                </a:lvl8pPr>
-                <a:lvl9pPr marL="3886200" indent="-228600" eaLnBrk="0" fontAlgn="base" hangingPunct="0">
-                  <a:spcBef>
-                    <a:spcPct val="0"/>
-                  </a:spcBef>
-                  <a:spcAft>
-                    <a:spcPct val="0"/>
-                  </a:spcAft>
-                  <a:defRPr>
-                    <a:solidFill>
-                      <a:schemeClr val="tx1"/>
-                    </a:solidFill>
-                    <a:latin typeface="Arial" panose="020B0604020202020204" pitchFamily="34" charset="0"/>
-                    <a:ea typeface="宋体" panose="02010600030101010101" pitchFamily="2" charset="-122"/>
-                  </a:defRPr>
-                </a:lvl9pPr>
-              </a:lstStyle>
-              <a:p>
-                <a:pPr eaLnBrk="1" hangingPunct="1"/>
-                <a:endParaRPr lang="zh-CN" altLang="en-US" sz="2800" b="1">
-                  <a:latin typeface="微软雅黑" panose="020B0503020204020204" pitchFamily="34" charset="-122"/>
-                  <a:ea typeface="微软雅黑" panose="020B0503020204020204" pitchFamily="34" charset="-122"/>
-                  <a:cs typeface="微软雅黑" panose="020B0503020204020204" pitchFamily="34" charset="-122"/>
-                </a:endParaRPr>
-              </a:p>
-            </p:txBody>
-          </p:sp>
-          <p:sp>
-            <p:nvSpPr>
-              <p:cNvPr id="119" name="AutoShape 22"/>
-              <p:cNvSpPr>
-                <a:spLocks noChangeArrowheads="1"/>
-              </p:cNvSpPr>
-              <p:nvPr/>
-            </p:nvSpPr>
-            <p:spPr bwMode="gray">
-              <a:xfrm>
-                <a:off x="1110" y="2656"/>
-                <a:ext cx="1536" cy="1328"/>
-              </a:xfrm>
-              <a:prstGeom prst="hexagon">
-                <a:avLst>
-                  <a:gd name="adj" fmla="val 28916"/>
-                  <a:gd name="vf" fmla="val 115470"/>
-                </a:avLst>
-              </a:prstGeom>
-              <a:gradFill rotWithShape="1">
-                <a:gsLst>
-                  <a:gs pos="0">
-                    <a:srgbClr val="E6E6E6"/>
-                  </a:gs>
-                  <a:gs pos="7500">
-                    <a:srgbClr val="7D8496"/>
-                  </a:gs>
-                  <a:gs pos="26500">
-                    <a:srgbClr val="E6E6E6"/>
-                  </a:gs>
-                  <a:gs pos="34000">
-                    <a:srgbClr val="7D8496"/>
-                  </a:gs>
-                  <a:gs pos="46500">
-                    <a:srgbClr val="E6E6E6"/>
-                  </a:gs>
-                  <a:gs pos="50000">
-                    <a:srgbClr val="FFFFFF"/>
-                  </a:gs>
-                  <a:gs pos="53500">
-                    <a:srgbClr val="E6E6E6"/>
-                  </a:gs>
-                  <a:gs pos="66000">
-                    <a:srgbClr val="7D8496"/>
-                  </a:gs>
-                  <a:gs pos="73500">
-                    <a:srgbClr val="E6E6E6"/>
-                  </a:gs>
-                  <a:gs pos="92500">
-                    <a:srgbClr val="7D8496"/>
-                  </a:gs>
-                  <a:gs pos="100000">
-                    <a:srgbClr val="E6E6E6"/>
-                  </a:gs>
-                </a:gsLst>
-                <a:lin ang="2700000" scaled="1"/>
-              </a:gradFill>
-              <a:ln w="9525">
-                <a:solidFill>
-                  <a:srgbClr val="C0C0C0"/>
-                </a:solidFill>
-                <a:miter lim="800000"/>
-              </a:ln>
-            </p:spPr>
-            <p:txBody>
-              <a:bodyPr wrap="none" anchor="ctr"/>
-              <a:lstStyle>
-                <a:lvl1pPr eaLnBrk="0" hangingPunct="0">
-                  <a:defRPr>
-                    <a:solidFill>
-                      <a:schemeClr val="tx1"/>
-                    </a:solidFill>
-                    <a:latin typeface="Arial" panose="020B0604020202020204" pitchFamily="34" charset="0"/>
-                    <a:ea typeface="宋体" panose="02010600030101010101" pitchFamily="2" charset="-122"/>
-                  </a:defRPr>
-                </a:lvl1pPr>
-                <a:lvl2pPr marL="742950" indent="-285750" eaLnBrk="0" hangingPunct="0">
-                  <a:defRPr>
-                    <a:solidFill>
-                      <a:schemeClr val="tx1"/>
-                    </a:solidFill>
-                    <a:latin typeface="Arial" panose="020B0604020202020204" pitchFamily="34" charset="0"/>
-                    <a:ea typeface="宋体" panose="02010600030101010101" pitchFamily="2" charset="-122"/>
-                  </a:defRPr>
-                </a:lvl2pPr>
-                <a:lvl3pPr marL="1143000" indent="-228600" eaLnBrk="0" hangingPunct="0">
-                  <a:defRPr>
-                    <a:solidFill>
-                      <a:schemeClr val="tx1"/>
-                    </a:solidFill>
-                    <a:latin typeface="Arial" panose="020B0604020202020204" pitchFamily="34" charset="0"/>
-                    <a:ea typeface="宋体" panose="02010600030101010101" pitchFamily="2" charset="-122"/>
-                  </a:defRPr>
-                </a:lvl3pPr>
-                <a:lvl4pPr marL="1600200" indent="-228600" eaLnBrk="0" hangingPunct="0">
-                  <a:defRPr>
-                    <a:solidFill>
-                      <a:schemeClr val="tx1"/>
-                    </a:solidFill>
-                    <a:latin typeface="Arial" panose="020B0604020202020204" pitchFamily="34" charset="0"/>
-                    <a:ea typeface="宋体" panose="02010600030101010101" pitchFamily="2" charset="-122"/>
-                  </a:defRPr>
-                </a:lvl4pPr>
-                <a:lvl5pPr marL="2057400" indent="-228600" eaLnBrk="0" hangingPunct="0">
-                  <a:defRPr>
-                    <a:solidFill>
-                      <a:schemeClr val="tx1"/>
-                    </a:solidFill>
-                    <a:latin typeface="Arial" panose="020B0604020202020204" pitchFamily="34" charset="0"/>
-                    <a:ea typeface="宋体" panose="02010600030101010101" pitchFamily="2" charset="-122"/>
-                  </a:defRPr>
-                </a:lvl5pPr>
-                <a:lvl6pPr marL="2514600" indent="-228600" eaLnBrk="0" fontAlgn="base" hangingPunct="0">
-                  <a:spcBef>
-                    <a:spcPct val="0"/>
-                  </a:spcBef>
-                  <a:spcAft>
-                    <a:spcPct val="0"/>
-                  </a:spcAft>
-                  <a:defRPr>
-                    <a:solidFill>
-                      <a:schemeClr val="tx1"/>
-                    </a:solidFill>
-                    <a:latin typeface="Arial" panose="020B0604020202020204" pitchFamily="34" charset="0"/>
-                    <a:ea typeface="宋体" panose="02010600030101010101" pitchFamily="2" charset="-122"/>
-                  </a:defRPr>
-                </a:lvl6pPr>
-                <a:lvl7pPr marL="2971800" indent="-228600" eaLnBrk="0" fontAlgn="base" hangingPunct="0">
-                  <a:spcBef>
-                    <a:spcPct val="0"/>
-                  </a:spcBef>
-                  <a:spcAft>
-                    <a:spcPct val="0"/>
-                  </a:spcAft>
-                  <a:defRPr>
-                    <a:solidFill>
-                      <a:schemeClr val="tx1"/>
-                    </a:solidFill>
-                    <a:latin typeface="Arial" panose="020B0604020202020204" pitchFamily="34" charset="0"/>
-                    <a:ea typeface="宋体" panose="02010600030101010101" pitchFamily="2" charset="-122"/>
-                  </a:defRPr>
-                </a:lvl7pPr>
-                <a:lvl8pPr marL="3429000" indent="-228600" eaLnBrk="0" fontAlgn="base" hangingPunct="0">
-                  <a:spcBef>
-                    <a:spcPct val="0"/>
-                  </a:spcBef>
-                  <a:spcAft>
-                    <a:spcPct val="0"/>
-                  </a:spcAft>
-                  <a:defRPr>
-                    <a:solidFill>
-                      <a:schemeClr val="tx1"/>
-                    </a:solidFill>
-                    <a:latin typeface="Arial" panose="020B0604020202020204" pitchFamily="34" charset="0"/>
-                    <a:ea typeface="宋体" panose="02010600030101010101" pitchFamily="2" charset="-122"/>
-                  </a:defRPr>
-                </a:lvl8pPr>
-                <a:lvl9pPr marL="3886200" indent="-228600" eaLnBrk="0" fontAlgn="base" hangingPunct="0">
-                  <a:spcBef>
-                    <a:spcPct val="0"/>
-                  </a:spcBef>
-                  <a:spcAft>
-                    <a:spcPct val="0"/>
-                  </a:spcAft>
-                  <a:defRPr>
-                    <a:solidFill>
-                      <a:schemeClr val="tx1"/>
-                    </a:solidFill>
-                    <a:latin typeface="Arial" panose="020B0604020202020204" pitchFamily="34" charset="0"/>
-                    <a:ea typeface="宋体" panose="02010600030101010101" pitchFamily="2" charset="-122"/>
-                  </a:defRPr>
-                </a:lvl9pPr>
-              </a:lstStyle>
-              <a:p>
-                <a:pPr eaLnBrk="1" hangingPunct="1"/>
-                <a:endParaRPr lang="zh-CN" altLang="en-US" sz="2800" b="1">
-                  <a:latin typeface="微软雅黑" panose="020B0503020204020204" pitchFamily="34" charset="-122"/>
-                  <a:ea typeface="微软雅黑" panose="020B0503020204020204" pitchFamily="34" charset="-122"/>
-                  <a:cs typeface="微软雅黑" panose="020B0503020204020204" pitchFamily="34" charset="-122"/>
-                </a:endParaRPr>
-              </a:p>
-            </p:txBody>
-          </p:sp>
-          <p:sp>
-            <p:nvSpPr>
-              <p:cNvPr id="120" name="AutoShape 23"/>
-              <p:cNvSpPr>
-                <a:spLocks noChangeArrowheads="1"/>
-              </p:cNvSpPr>
-              <p:nvPr/>
-            </p:nvSpPr>
-            <p:spPr bwMode="gray">
-              <a:xfrm>
-                <a:off x="1200" y="2737"/>
-                <a:ext cx="1349" cy="1167"/>
-              </a:xfrm>
-              <a:prstGeom prst="hexagon">
-                <a:avLst>
-                  <a:gd name="adj" fmla="val 28896"/>
-                  <a:gd name="vf" fmla="val 115470"/>
-                </a:avLst>
-              </a:prstGeom>
-              <a:gradFill rotWithShape="1">
-                <a:gsLst>
-                  <a:gs pos="0">
-                    <a:schemeClr val="hlink">
-                      <a:gamma/>
-                      <a:shade val="46275"/>
-                      <a:invGamma/>
-                    </a:schemeClr>
-                  </a:gs>
-                  <a:gs pos="100000">
-                    <a:schemeClr val="hlink"/>
-                  </a:gs>
-                </a:gsLst>
-                <a:lin ang="2700000" scaled="1"/>
-              </a:gradFill>
-              <a:ln w="9525">
-                <a:solidFill>
-                  <a:schemeClr val="tx1"/>
-                </a:solidFill>
-                <a:miter lim="800000"/>
-              </a:ln>
-              <a:effectLst/>
-            </p:spPr>
-            <p:txBody>
-              <a:bodyPr wrap="none" anchor="ctr"/>
-              <a:lstStyle/>
-              <a:p>
-                <a:pPr>
-                  <a:defRPr/>
-                </a:pPr>
-                <a:endParaRPr lang="zh-CN" altLang="en-US" sz="2800" b="1">
-                  <a:latin typeface="微软雅黑" panose="020B0503020204020204" pitchFamily="34" charset="-122"/>
-                  <a:ea typeface="微软雅黑" panose="020B0503020204020204" pitchFamily="34" charset="-122"/>
-                  <a:cs typeface="微软雅黑" panose="020B0503020204020204" pitchFamily="34" charset="-122"/>
-                </a:endParaRPr>
-              </a:p>
-            </p:txBody>
-          </p:sp>
-        </p:grpSp>
-        <p:sp>
-          <p:nvSpPr>
-            <p:cNvPr id="115" name="Line 24"/>
-            <p:cNvSpPr>
-              <a:spLocks noChangeShapeType="1"/>
-            </p:cNvSpPr>
-            <p:nvPr/>
-          </p:nvSpPr>
-          <p:spPr bwMode="auto">
-            <a:xfrm>
-              <a:off x="1536" y="2797"/>
-              <a:ext cx="3024" cy="0"/>
-            </a:xfrm>
-            <a:prstGeom prst="line">
-              <a:avLst/>
-            </a:prstGeom>
-            <a:noFill/>
-            <a:ln w="25400">
-              <a:solidFill>
-                <a:schemeClr val="tx2"/>
-              </a:solidFill>
-              <a:prstDash val="sysDot"/>
-              <a:round/>
-              <a:tailEnd type="oval" w="med" len="med"/>
-            </a:ln>
-            <a:extLst>
-              <a:ext uri="{909E8E84-426E-40DD-AFC4-6F175D3DCCD1}">
-                <a14:hiddenFill xmlns:a14="http://schemas.microsoft.com/office/drawing/2010/main">
-                  <a:noFill/>
-                </a14:hiddenFill>
-              </a:ext>
-            </a:extLst>
-          </p:spPr>
-          <p:txBody>
-            <a:bodyPr wrap="none" anchor="ctr"/>
-            <a:lstStyle/>
-            <a:p>
-              <a:endParaRPr lang="zh-CN" altLang="en-US" sz="2800" b="1">
-                <a:latin typeface="微软雅黑" panose="020B0503020204020204" pitchFamily="34" charset="-122"/>
-                <a:ea typeface="微软雅黑" panose="020B0503020204020204" pitchFamily="34" charset="-122"/>
-                <a:cs typeface="微软雅黑" panose="020B0503020204020204" pitchFamily="34" charset="-122"/>
-              </a:endParaRPr>
-            </a:p>
-          </p:txBody>
-        </p:sp>
-        <p:sp>
-          <p:nvSpPr>
-            <p:cNvPr id="117" name="Text Box 26"/>
-            <p:cNvSpPr txBox="1">
-              <a:spLocks noChangeArrowheads="1"/>
-            </p:cNvSpPr>
-            <p:nvPr/>
-          </p:nvSpPr>
-          <p:spPr bwMode="gray">
-            <a:xfrm>
-              <a:off x="1260" y="2475"/>
-              <a:ext cx="256" cy="330"/>
-            </a:xfrm>
-            <a:prstGeom prst="rect">
-              <a:avLst/>
-            </a:prstGeom>
-            <a:noFill/>
-            <a:ln>
-              <a:noFill/>
-            </a:ln>
-            <a:extLst>
-              <a:ext uri="{909E8E84-426E-40DD-AFC4-6F175D3DCCD1}">
-                <a14:hiddenFill xmlns:a14="http://schemas.microsoft.com/office/drawing/2010/main">
-                  <a:solidFill>
-                    <a:srgbClr val="FFFFFF"/>
-                  </a:solidFill>
-                </a14:hiddenFill>
-              </a:ext>
-              <a:ext uri="{91240B29-F687-4F45-9708-019B960494DF}">
-                <a14:hiddenLine xmlns:a14="http://schemas.microsoft.com/office/drawing/2010/main" w="9525">
-                  <a:solidFill>
-                    <a:srgbClr val="000000"/>
-                  </a:solidFill>
-                  <a:miter lim="800000"/>
-                  <a:headEnd/>
-                  <a:tailEnd/>
-                </a14:hiddenLine>
-              </a:ext>
-            </a:extLst>
-          </p:spPr>
-          <p:txBody>
-            <a:bodyPr wrap="none">
-              <a:spAutoFit/>
-            </a:bodyPr>
-            <a:lstStyle>
-              <a:lvl1pPr eaLnBrk="0" hangingPunct="0">
-                <a:defRPr>
-                  <a:solidFill>
-                    <a:schemeClr val="tx1"/>
-                  </a:solidFill>
-                  <a:latin typeface="Arial" panose="020B0604020202020204" pitchFamily="34" charset="0"/>
-                  <a:ea typeface="宋体" panose="02010600030101010101" pitchFamily="2" charset="-122"/>
-                </a:defRPr>
-              </a:lvl1pPr>
-              <a:lvl2pPr marL="742950" indent="-285750" eaLnBrk="0" hangingPunct="0">
-                <a:defRPr>
-                  <a:solidFill>
-                    <a:schemeClr val="tx1"/>
-                  </a:solidFill>
-                  <a:latin typeface="Arial" panose="020B0604020202020204" pitchFamily="34" charset="0"/>
-                  <a:ea typeface="宋体" panose="02010600030101010101" pitchFamily="2" charset="-122"/>
-                </a:defRPr>
-              </a:lvl2pPr>
-              <a:lvl3pPr marL="1143000" indent="-228600" eaLnBrk="0" hangingPunct="0">
-                <a:defRPr>
-                  <a:solidFill>
-                    <a:schemeClr val="tx1"/>
-                  </a:solidFill>
-                  <a:latin typeface="Arial" panose="020B0604020202020204" pitchFamily="34" charset="0"/>
-                  <a:ea typeface="宋体" panose="02010600030101010101" pitchFamily="2" charset="-122"/>
-                </a:defRPr>
-              </a:lvl3pPr>
-              <a:lvl4pPr marL="1600200" indent="-228600" eaLnBrk="0" hangingPunct="0">
-                <a:defRPr>
-                  <a:solidFill>
-                    <a:schemeClr val="tx1"/>
-                  </a:solidFill>
-                  <a:latin typeface="Arial" panose="020B0604020202020204" pitchFamily="34" charset="0"/>
-                  <a:ea typeface="宋体" panose="02010600030101010101" pitchFamily="2" charset="-122"/>
-                </a:defRPr>
-              </a:lvl4pPr>
-              <a:lvl5pPr marL="2057400" indent="-228600" eaLnBrk="0" hangingPunct="0">
-                <a:defRPr>
-                  <a:solidFill>
-                    <a:schemeClr val="tx1"/>
-                  </a:solidFill>
-                  <a:latin typeface="Arial" panose="020B0604020202020204" pitchFamily="34" charset="0"/>
-                  <a:ea typeface="宋体" panose="02010600030101010101" pitchFamily="2" charset="-122"/>
-                </a:defRPr>
-              </a:lvl5pPr>
-              <a:lvl6pPr marL="2514600" indent="-228600" eaLnBrk="0" fontAlgn="base" hangingPunct="0">
-                <a:spcBef>
-                  <a:spcPct val="0"/>
-                </a:spcBef>
-                <a:spcAft>
-                  <a:spcPct val="0"/>
-                </a:spcAft>
-                <a:defRPr>
-                  <a:solidFill>
-                    <a:schemeClr val="tx1"/>
-                  </a:solidFill>
-                  <a:latin typeface="Arial" panose="020B0604020202020204" pitchFamily="34" charset="0"/>
-                  <a:ea typeface="宋体" panose="02010600030101010101" pitchFamily="2" charset="-122"/>
-                </a:defRPr>
-              </a:lvl6pPr>
-              <a:lvl7pPr marL="2971800" indent="-228600" eaLnBrk="0" fontAlgn="base" hangingPunct="0">
-                <a:spcBef>
-                  <a:spcPct val="0"/>
-                </a:spcBef>
-                <a:spcAft>
-                  <a:spcPct val="0"/>
-                </a:spcAft>
-                <a:defRPr>
-                  <a:solidFill>
-                    <a:schemeClr val="tx1"/>
-                  </a:solidFill>
-                  <a:latin typeface="Arial" panose="020B0604020202020204" pitchFamily="34" charset="0"/>
-                  <a:ea typeface="宋体" panose="02010600030101010101" pitchFamily="2" charset="-122"/>
-                </a:defRPr>
-              </a:lvl7pPr>
-              <a:lvl8pPr marL="3429000" indent="-228600" eaLnBrk="0" fontAlgn="base" hangingPunct="0">
-                <a:spcBef>
-                  <a:spcPct val="0"/>
-                </a:spcBef>
-                <a:spcAft>
-                  <a:spcPct val="0"/>
-                </a:spcAft>
-                <a:defRPr>
-                  <a:solidFill>
-                    <a:schemeClr val="tx1"/>
-                  </a:solidFill>
-                  <a:latin typeface="Arial" panose="020B0604020202020204" pitchFamily="34" charset="0"/>
-                  <a:ea typeface="宋体" panose="02010600030101010101" pitchFamily="2" charset="-122"/>
-                </a:defRPr>
-              </a:lvl8pPr>
-              <a:lvl9pPr marL="3886200" indent="-228600" eaLnBrk="0" fontAlgn="base" hangingPunct="0">
-                <a:spcBef>
-                  <a:spcPct val="0"/>
-                </a:spcBef>
-                <a:spcAft>
-                  <a:spcPct val="0"/>
-                </a:spcAft>
-                <a:defRPr>
-                  <a:solidFill>
-                    <a:schemeClr val="tx1"/>
-                  </a:solidFill>
-                  <a:latin typeface="Arial" panose="020B0604020202020204" pitchFamily="34" charset="0"/>
-                  <a:ea typeface="宋体" panose="02010600030101010101" pitchFamily="2" charset="-122"/>
-                </a:defRPr>
-              </a:lvl9pPr>
-            </a:lstStyle>
-            <a:p>
-              <a:pPr algn="ctr"/>
-              <a:r>
-                <a:rPr lang="en-US" altLang="zh-CN" sz="2800" b="1">
-                  <a:solidFill>
-                    <a:schemeClr val="bg1"/>
-                  </a:solidFill>
-                  <a:latin typeface="微软雅黑" panose="020B0503020204020204" pitchFamily="34" charset="-122"/>
-                  <a:ea typeface="微软雅黑" panose="020B0503020204020204" pitchFamily="34" charset="-122"/>
-                  <a:cs typeface="微软雅黑" panose="020B0503020204020204" pitchFamily="34" charset="-122"/>
-                </a:rPr>
-                <a:t>3</a:t>
-              </a:r>
-            </a:p>
-          </p:txBody>
-        </p:sp>
-      </p:grpSp>
-      <p:grpSp>
-        <p:nvGrpSpPr>
-          <p:cNvPr id="121" name="Group 27"/>
-          <p:cNvGrpSpPr/>
-          <p:nvPr/>
-        </p:nvGrpSpPr>
-        <p:grpSpPr bwMode="auto">
-          <a:xfrm>
-            <a:off x="1828800" y="4516438"/>
-            <a:ext cx="5410200" cy="665162"/>
-            <a:chOff x="1152" y="2989"/>
-            <a:chExt cx="3408" cy="419"/>
-          </a:xfrm>
-        </p:grpSpPr>
-        <p:grpSp>
-          <p:nvGrpSpPr>
-            <p:cNvPr id="122" name="Group 28"/>
-            <p:cNvGrpSpPr/>
-            <p:nvPr/>
-          </p:nvGrpSpPr>
-          <p:grpSpPr bwMode="auto">
-            <a:xfrm>
-              <a:off x="1152" y="2989"/>
-              <a:ext cx="480" cy="419"/>
-              <a:chOff x="3174" y="2656"/>
-              <a:chExt cx="1549" cy="1351"/>
-            </a:xfrm>
-          </p:grpSpPr>
-          <p:sp>
-            <p:nvSpPr>
-              <p:cNvPr id="126" name="AutoShape 29"/>
-              <p:cNvSpPr>
-                <a:spLocks noChangeArrowheads="1"/>
-              </p:cNvSpPr>
-              <p:nvPr/>
-            </p:nvSpPr>
-            <p:spPr bwMode="gray">
-              <a:xfrm>
-                <a:off x="3187" y="2679"/>
-                <a:ext cx="1536" cy="1328"/>
-              </a:xfrm>
-              <a:prstGeom prst="hexagon">
-                <a:avLst>
-                  <a:gd name="adj" fmla="val 28916"/>
-                  <a:gd name="vf" fmla="val 115470"/>
-                </a:avLst>
-              </a:prstGeom>
-              <a:solidFill>
-                <a:srgbClr val="808080"/>
-              </a:solidFill>
-              <a:ln>
-                <a:noFill/>
-              </a:ln>
-              <a:extLst>
-                <a:ext uri="{91240B29-F687-4F45-9708-019B960494DF}">
-                  <a14:hiddenLine xmlns:a14="http://schemas.microsoft.com/office/drawing/2010/main" w="9525">
-                    <a:solidFill>
-                      <a:srgbClr val="000000"/>
-                    </a:solidFill>
-                    <a:miter lim="800000"/>
-                    <a:headEnd/>
-                    <a:tailEnd/>
-                  </a14:hiddenLine>
-                </a:ext>
-              </a:extLst>
-            </p:spPr>
-            <p:txBody>
-              <a:bodyPr wrap="none" anchor="ctr"/>
-              <a:lstStyle>
-                <a:lvl1pPr eaLnBrk="0" hangingPunct="0">
-                  <a:defRPr>
-                    <a:solidFill>
-                      <a:schemeClr val="tx1"/>
-                    </a:solidFill>
-                    <a:latin typeface="Arial" panose="020B0604020202020204" pitchFamily="34" charset="0"/>
-                    <a:ea typeface="宋体" panose="02010600030101010101" pitchFamily="2" charset="-122"/>
-                  </a:defRPr>
-                </a:lvl1pPr>
-                <a:lvl2pPr marL="742950" indent="-285750" eaLnBrk="0" hangingPunct="0">
-                  <a:defRPr>
-                    <a:solidFill>
-                      <a:schemeClr val="tx1"/>
-                    </a:solidFill>
-                    <a:latin typeface="Arial" panose="020B0604020202020204" pitchFamily="34" charset="0"/>
-                    <a:ea typeface="宋体" panose="02010600030101010101" pitchFamily="2" charset="-122"/>
-                  </a:defRPr>
-                </a:lvl2pPr>
-                <a:lvl3pPr marL="1143000" indent="-228600" eaLnBrk="0" hangingPunct="0">
-                  <a:defRPr>
-                    <a:solidFill>
-                      <a:schemeClr val="tx1"/>
-                    </a:solidFill>
-                    <a:latin typeface="Arial" panose="020B0604020202020204" pitchFamily="34" charset="0"/>
-                    <a:ea typeface="宋体" panose="02010600030101010101" pitchFamily="2" charset="-122"/>
-                  </a:defRPr>
-                </a:lvl3pPr>
-                <a:lvl4pPr marL="1600200" indent="-228600" eaLnBrk="0" hangingPunct="0">
-                  <a:defRPr>
-                    <a:solidFill>
-                      <a:schemeClr val="tx1"/>
-                    </a:solidFill>
-                    <a:latin typeface="Arial" panose="020B0604020202020204" pitchFamily="34" charset="0"/>
-                    <a:ea typeface="宋体" panose="02010600030101010101" pitchFamily="2" charset="-122"/>
-                  </a:defRPr>
-                </a:lvl4pPr>
-                <a:lvl5pPr marL="2057400" indent="-228600" eaLnBrk="0" hangingPunct="0">
-                  <a:defRPr>
-                    <a:solidFill>
-                      <a:schemeClr val="tx1"/>
-                    </a:solidFill>
-                    <a:latin typeface="Arial" panose="020B0604020202020204" pitchFamily="34" charset="0"/>
-                    <a:ea typeface="宋体" panose="02010600030101010101" pitchFamily="2" charset="-122"/>
-                  </a:defRPr>
-                </a:lvl5pPr>
-                <a:lvl6pPr marL="2514600" indent="-228600" eaLnBrk="0" fontAlgn="base" hangingPunct="0">
-                  <a:spcBef>
-                    <a:spcPct val="0"/>
-                  </a:spcBef>
-                  <a:spcAft>
-                    <a:spcPct val="0"/>
-                  </a:spcAft>
-                  <a:defRPr>
-                    <a:solidFill>
-                      <a:schemeClr val="tx1"/>
-                    </a:solidFill>
-                    <a:latin typeface="Arial" panose="020B0604020202020204" pitchFamily="34" charset="0"/>
-                    <a:ea typeface="宋体" panose="02010600030101010101" pitchFamily="2" charset="-122"/>
-                  </a:defRPr>
-                </a:lvl6pPr>
-                <a:lvl7pPr marL="2971800" indent="-228600" eaLnBrk="0" fontAlgn="base" hangingPunct="0">
-                  <a:spcBef>
-                    <a:spcPct val="0"/>
-                  </a:spcBef>
-                  <a:spcAft>
-                    <a:spcPct val="0"/>
-                  </a:spcAft>
-                  <a:defRPr>
-                    <a:solidFill>
-                      <a:schemeClr val="tx1"/>
-                    </a:solidFill>
-                    <a:latin typeface="Arial" panose="020B0604020202020204" pitchFamily="34" charset="0"/>
-                    <a:ea typeface="宋体" panose="02010600030101010101" pitchFamily="2" charset="-122"/>
-                  </a:defRPr>
-                </a:lvl7pPr>
-                <a:lvl8pPr marL="3429000" indent="-228600" eaLnBrk="0" fontAlgn="base" hangingPunct="0">
-                  <a:spcBef>
-                    <a:spcPct val="0"/>
-                  </a:spcBef>
-                  <a:spcAft>
-                    <a:spcPct val="0"/>
-                  </a:spcAft>
-                  <a:defRPr>
-                    <a:solidFill>
-                      <a:schemeClr val="tx1"/>
-                    </a:solidFill>
-                    <a:latin typeface="Arial" panose="020B0604020202020204" pitchFamily="34" charset="0"/>
-                    <a:ea typeface="宋体" panose="02010600030101010101" pitchFamily="2" charset="-122"/>
-                  </a:defRPr>
-                </a:lvl8pPr>
-                <a:lvl9pPr marL="3886200" indent="-228600" eaLnBrk="0" fontAlgn="base" hangingPunct="0">
-                  <a:spcBef>
-                    <a:spcPct val="0"/>
-                  </a:spcBef>
-                  <a:spcAft>
-                    <a:spcPct val="0"/>
-                  </a:spcAft>
-                  <a:defRPr>
-                    <a:solidFill>
-                      <a:schemeClr val="tx1"/>
-                    </a:solidFill>
-                    <a:latin typeface="Arial" panose="020B0604020202020204" pitchFamily="34" charset="0"/>
-                    <a:ea typeface="宋体" panose="02010600030101010101" pitchFamily="2" charset="-122"/>
-                  </a:defRPr>
-                </a:lvl9pPr>
-              </a:lstStyle>
-              <a:p>
-                <a:pPr eaLnBrk="1" hangingPunct="1"/>
-                <a:endParaRPr lang="zh-CN" altLang="en-US" sz="2800" b="1">
-                  <a:latin typeface="微软雅黑" panose="020B0503020204020204" pitchFamily="34" charset="-122"/>
-                  <a:ea typeface="微软雅黑" panose="020B0503020204020204" pitchFamily="34" charset="-122"/>
-                  <a:cs typeface="微软雅黑" panose="020B0503020204020204" pitchFamily="34" charset="-122"/>
-                </a:endParaRPr>
-              </a:p>
-            </p:txBody>
-          </p:sp>
-          <p:sp>
-            <p:nvSpPr>
-              <p:cNvPr id="127" name="AutoShape 30"/>
-              <p:cNvSpPr>
-                <a:spLocks noChangeArrowheads="1"/>
-              </p:cNvSpPr>
-              <p:nvPr/>
-            </p:nvSpPr>
-            <p:spPr bwMode="gray">
-              <a:xfrm>
-                <a:off x="3174" y="2656"/>
-                <a:ext cx="1536" cy="1328"/>
-              </a:xfrm>
-              <a:prstGeom prst="hexagon">
-                <a:avLst>
-                  <a:gd name="adj" fmla="val 28916"/>
-                  <a:gd name="vf" fmla="val 115470"/>
-                </a:avLst>
-              </a:prstGeom>
-              <a:gradFill rotWithShape="1">
-                <a:gsLst>
-                  <a:gs pos="0">
-                    <a:srgbClr val="E6E6E6"/>
-                  </a:gs>
-                  <a:gs pos="7500">
-                    <a:srgbClr val="7D8496"/>
-                  </a:gs>
-                  <a:gs pos="26500">
-                    <a:srgbClr val="E6E6E6"/>
-                  </a:gs>
-                  <a:gs pos="34000">
-                    <a:srgbClr val="7D8496"/>
-                  </a:gs>
-                  <a:gs pos="46500">
-                    <a:srgbClr val="E6E6E6"/>
-                  </a:gs>
-                  <a:gs pos="50000">
-                    <a:srgbClr val="FFFFFF"/>
-                  </a:gs>
-                  <a:gs pos="53500">
-                    <a:srgbClr val="E6E6E6"/>
-                  </a:gs>
-                  <a:gs pos="66000">
-                    <a:srgbClr val="7D8496"/>
-                  </a:gs>
-                  <a:gs pos="73500">
-                    <a:srgbClr val="E6E6E6"/>
-                  </a:gs>
-                  <a:gs pos="92500">
-                    <a:srgbClr val="7D8496"/>
-                  </a:gs>
-                  <a:gs pos="100000">
-                    <a:srgbClr val="E6E6E6"/>
-                  </a:gs>
-                </a:gsLst>
-                <a:lin ang="2700000" scaled="1"/>
-              </a:gradFill>
-              <a:ln w="9525">
-                <a:solidFill>
-                  <a:srgbClr val="C0C0C0"/>
-                </a:solidFill>
-                <a:miter lim="800000"/>
-              </a:ln>
-            </p:spPr>
-            <p:txBody>
-              <a:bodyPr wrap="none" anchor="ctr"/>
-              <a:lstStyle>
-                <a:lvl1pPr eaLnBrk="0" hangingPunct="0">
-                  <a:defRPr>
-                    <a:solidFill>
-                      <a:schemeClr val="tx1"/>
-                    </a:solidFill>
-                    <a:latin typeface="Arial" panose="020B0604020202020204" pitchFamily="34" charset="0"/>
-                    <a:ea typeface="宋体" panose="02010600030101010101" pitchFamily="2" charset="-122"/>
-                  </a:defRPr>
-                </a:lvl1pPr>
-                <a:lvl2pPr marL="742950" indent="-285750" eaLnBrk="0" hangingPunct="0">
-                  <a:defRPr>
-                    <a:solidFill>
-                      <a:schemeClr val="tx1"/>
-                    </a:solidFill>
-                    <a:latin typeface="Arial" panose="020B0604020202020204" pitchFamily="34" charset="0"/>
-                    <a:ea typeface="宋体" panose="02010600030101010101" pitchFamily="2" charset="-122"/>
-                  </a:defRPr>
-                </a:lvl2pPr>
-                <a:lvl3pPr marL="1143000" indent="-228600" eaLnBrk="0" hangingPunct="0">
-                  <a:defRPr>
-                    <a:solidFill>
-                      <a:schemeClr val="tx1"/>
-                    </a:solidFill>
-                    <a:latin typeface="Arial" panose="020B0604020202020204" pitchFamily="34" charset="0"/>
-                    <a:ea typeface="宋体" panose="02010600030101010101" pitchFamily="2" charset="-122"/>
-                  </a:defRPr>
-                </a:lvl3pPr>
-                <a:lvl4pPr marL="1600200" indent="-228600" eaLnBrk="0" hangingPunct="0">
-                  <a:defRPr>
-                    <a:solidFill>
-                      <a:schemeClr val="tx1"/>
-                    </a:solidFill>
-                    <a:latin typeface="Arial" panose="020B0604020202020204" pitchFamily="34" charset="0"/>
-                    <a:ea typeface="宋体" panose="02010600030101010101" pitchFamily="2" charset="-122"/>
-                  </a:defRPr>
-                </a:lvl4pPr>
-                <a:lvl5pPr marL="2057400" indent="-228600" eaLnBrk="0" hangingPunct="0">
-                  <a:defRPr>
-                    <a:solidFill>
-                      <a:schemeClr val="tx1"/>
-                    </a:solidFill>
-                    <a:latin typeface="Arial" panose="020B0604020202020204" pitchFamily="34" charset="0"/>
-                    <a:ea typeface="宋体" panose="02010600030101010101" pitchFamily="2" charset="-122"/>
-                  </a:defRPr>
-                </a:lvl5pPr>
-                <a:lvl6pPr marL="2514600" indent="-228600" eaLnBrk="0" fontAlgn="base" hangingPunct="0">
-                  <a:spcBef>
-                    <a:spcPct val="0"/>
-                  </a:spcBef>
-                  <a:spcAft>
-                    <a:spcPct val="0"/>
-                  </a:spcAft>
-                  <a:defRPr>
-                    <a:solidFill>
-                      <a:schemeClr val="tx1"/>
-                    </a:solidFill>
-                    <a:latin typeface="Arial" panose="020B0604020202020204" pitchFamily="34" charset="0"/>
-                    <a:ea typeface="宋体" panose="02010600030101010101" pitchFamily="2" charset="-122"/>
-                  </a:defRPr>
-                </a:lvl6pPr>
-                <a:lvl7pPr marL="2971800" indent="-228600" eaLnBrk="0" fontAlgn="base" hangingPunct="0">
-                  <a:spcBef>
-                    <a:spcPct val="0"/>
-                  </a:spcBef>
-                  <a:spcAft>
-                    <a:spcPct val="0"/>
-                  </a:spcAft>
-                  <a:defRPr>
-                    <a:solidFill>
-                      <a:schemeClr val="tx1"/>
-                    </a:solidFill>
-                    <a:latin typeface="Arial" panose="020B0604020202020204" pitchFamily="34" charset="0"/>
-                    <a:ea typeface="宋体" panose="02010600030101010101" pitchFamily="2" charset="-122"/>
-                  </a:defRPr>
-                </a:lvl7pPr>
-                <a:lvl8pPr marL="3429000" indent="-228600" eaLnBrk="0" fontAlgn="base" hangingPunct="0">
-                  <a:spcBef>
-                    <a:spcPct val="0"/>
-                  </a:spcBef>
-                  <a:spcAft>
-                    <a:spcPct val="0"/>
-                  </a:spcAft>
-                  <a:defRPr>
-                    <a:solidFill>
-                      <a:schemeClr val="tx1"/>
-                    </a:solidFill>
-                    <a:latin typeface="Arial" panose="020B0604020202020204" pitchFamily="34" charset="0"/>
-                    <a:ea typeface="宋体" panose="02010600030101010101" pitchFamily="2" charset="-122"/>
-                  </a:defRPr>
-                </a:lvl8pPr>
-                <a:lvl9pPr marL="3886200" indent="-228600" eaLnBrk="0" fontAlgn="base" hangingPunct="0">
-                  <a:spcBef>
-                    <a:spcPct val="0"/>
-                  </a:spcBef>
-                  <a:spcAft>
-                    <a:spcPct val="0"/>
-                  </a:spcAft>
-                  <a:defRPr>
-                    <a:solidFill>
-                      <a:schemeClr val="tx1"/>
-                    </a:solidFill>
-                    <a:latin typeface="Arial" panose="020B0604020202020204" pitchFamily="34" charset="0"/>
-                    <a:ea typeface="宋体" panose="02010600030101010101" pitchFamily="2" charset="-122"/>
-                  </a:defRPr>
-                </a:lvl9pPr>
-              </a:lstStyle>
-              <a:p>
-                <a:pPr eaLnBrk="1" hangingPunct="1"/>
-                <a:endParaRPr lang="zh-CN" altLang="en-US" sz="2800" b="1">
-                  <a:latin typeface="微软雅黑" panose="020B0503020204020204" pitchFamily="34" charset="-122"/>
-                  <a:ea typeface="微软雅黑" panose="020B0503020204020204" pitchFamily="34" charset="-122"/>
-                  <a:cs typeface="微软雅黑" panose="020B0503020204020204" pitchFamily="34" charset="-122"/>
-                </a:endParaRPr>
-              </a:p>
-            </p:txBody>
-          </p:sp>
-          <p:sp>
-            <p:nvSpPr>
-              <p:cNvPr id="128" name="AutoShape 31"/>
-              <p:cNvSpPr>
-                <a:spLocks noChangeArrowheads="1"/>
-              </p:cNvSpPr>
-              <p:nvPr/>
-            </p:nvSpPr>
-            <p:spPr bwMode="gray">
-              <a:xfrm>
-                <a:off x="3264" y="2737"/>
-                <a:ext cx="1349" cy="1167"/>
-              </a:xfrm>
-              <a:prstGeom prst="hexagon">
-                <a:avLst>
-                  <a:gd name="adj" fmla="val 28896"/>
-                  <a:gd name="vf" fmla="val 115470"/>
-                </a:avLst>
-              </a:prstGeom>
-              <a:gradFill rotWithShape="1">
-                <a:gsLst>
-                  <a:gs pos="0">
-                    <a:schemeClr val="accent1">
-                      <a:gamma/>
-                      <a:shade val="46275"/>
-                      <a:invGamma/>
-                    </a:schemeClr>
-                  </a:gs>
-                  <a:gs pos="100000">
-                    <a:schemeClr val="accent1"/>
-                  </a:gs>
-                </a:gsLst>
-                <a:lin ang="2700000" scaled="1"/>
-              </a:gradFill>
-              <a:ln w="9525">
-                <a:solidFill>
-                  <a:schemeClr val="tx1"/>
-                </a:solidFill>
-                <a:miter lim="800000"/>
-              </a:ln>
-              <a:effectLst/>
-            </p:spPr>
-            <p:txBody>
-              <a:bodyPr wrap="none" anchor="ctr"/>
-              <a:lstStyle/>
-              <a:p>
-                <a:pPr>
-                  <a:defRPr/>
-                </a:pPr>
-                <a:endParaRPr lang="zh-CN" altLang="en-US" sz="2800" b="1">
-                  <a:latin typeface="微软雅黑" panose="020B0503020204020204" pitchFamily="34" charset="-122"/>
-                  <a:ea typeface="微软雅黑" panose="020B0503020204020204" pitchFamily="34" charset="-122"/>
-                  <a:cs typeface="微软雅黑" panose="020B0503020204020204" pitchFamily="34" charset="-122"/>
-                </a:endParaRPr>
-              </a:p>
-            </p:txBody>
-          </p:sp>
-        </p:grpSp>
-        <p:sp>
-          <p:nvSpPr>
-            <p:cNvPr id="123" name="Line 32"/>
-            <p:cNvSpPr>
-              <a:spLocks noChangeShapeType="1"/>
-            </p:cNvSpPr>
-            <p:nvPr/>
-          </p:nvSpPr>
-          <p:spPr bwMode="auto">
-            <a:xfrm>
-              <a:off x="1536" y="3373"/>
-              <a:ext cx="3024" cy="0"/>
-            </a:xfrm>
-            <a:prstGeom prst="line">
-              <a:avLst/>
-            </a:prstGeom>
-            <a:noFill/>
-            <a:ln w="25400">
-              <a:solidFill>
-                <a:schemeClr val="tx2"/>
-              </a:solidFill>
-              <a:prstDash val="sysDot"/>
-              <a:round/>
-              <a:tailEnd type="oval" w="med" len="med"/>
-            </a:ln>
-            <a:extLst>
-              <a:ext uri="{909E8E84-426E-40DD-AFC4-6F175D3DCCD1}">
-                <a14:hiddenFill xmlns:a14="http://schemas.microsoft.com/office/drawing/2010/main">
-                  <a:noFill/>
-                </a14:hiddenFill>
-              </a:ext>
-            </a:extLst>
-          </p:spPr>
-          <p:txBody>
-            <a:bodyPr wrap="none" anchor="ctr"/>
-            <a:lstStyle/>
-            <a:p>
-              <a:endParaRPr lang="zh-CN" altLang="en-US" sz="2800" b="1">
-                <a:latin typeface="微软雅黑" panose="020B0503020204020204" pitchFamily="34" charset="-122"/>
-                <a:ea typeface="微软雅黑" panose="020B0503020204020204" pitchFamily="34" charset="-122"/>
-                <a:cs typeface="微软雅黑" panose="020B0503020204020204" pitchFamily="34" charset="-122"/>
-              </a:endParaRPr>
-            </a:p>
-          </p:txBody>
-        </p:sp>
-        <p:sp>
-          <p:nvSpPr>
-            <p:cNvPr id="125" name="Text Box 34"/>
-            <p:cNvSpPr txBox="1">
-              <a:spLocks noChangeArrowheads="1"/>
-            </p:cNvSpPr>
-            <p:nvPr/>
-          </p:nvSpPr>
-          <p:spPr bwMode="gray">
-            <a:xfrm>
-              <a:off x="1260" y="3051"/>
-              <a:ext cx="256" cy="330"/>
-            </a:xfrm>
-            <a:prstGeom prst="rect">
-              <a:avLst/>
-            </a:prstGeom>
-            <a:noFill/>
-            <a:ln>
-              <a:noFill/>
-            </a:ln>
-            <a:extLst>
-              <a:ext uri="{909E8E84-426E-40DD-AFC4-6F175D3DCCD1}">
-                <a14:hiddenFill xmlns:a14="http://schemas.microsoft.com/office/drawing/2010/main">
-                  <a:solidFill>
-                    <a:srgbClr val="FFFFFF"/>
-                  </a:solidFill>
-                </a14:hiddenFill>
-              </a:ext>
-              <a:ext uri="{91240B29-F687-4F45-9708-019B960494DF}">
-                <a14:hiddenLine xmlns:a14="http://schemas.microsoft.com/office/drawing/2010/main" w="9525">
-                  <a:solidFill>
-                    <a:srgbClr val="000000"/>
-                  </a:solidFill>
-                  <a:miter lim="800000"/>
-                  <a:headEnd/>
-                  <a:tailEnd/>
-                </a14:hiddenLine>
-              </a:ext>
-            </a:extLst>
-          </p:spPr>
-          <p:txBody>
-            <a:bodyPr wrap="none">
-              <a:spAutoFit/>
-            </a:bodyPr>
-            <a:lstStyle>
-              <a:lvl1pPr eaLnBrk="0" hangingPunct="0">
-                <a:defRPr>
-                  <a:solidFill>
-                    <a:schemeClr val="tx1"/>
-                  </a:solidFill>
-                  <a:latin typeface="Arial" panose="020B0604020202020204" pitchFamily="34" charset="0"/>
-                  <a:ea typeface="宋体" panose="02010600030101010101" pitchFamily="2" charset="-122"/>
-                </a:defRPr>
-              </a:lvl1pPr>
-              <a:lvl2pPr marL="742950" indent="-285750" eaLnBrk="0" hangingPunct="0">
-                <a:defRPr>
-                  <a:solidFill>
-                    <a:schemeClr val="tx1"/>
-                  </a:solidFill>
-                  <a:latin typeface="Arial" panose="020B0604020202020204" pitchFamily="34" charset="0"/>
-                  <a:ea typeface="宋体" panose="02010600030101010101" pitchFamily="2" charset="-122"/>
-                </a:defRPr>
-              </a:lvl2pPr>
-              <a:lvl3pPr marL="1143000" indent="-228600" eaLnBrk="0" hangingPunct="0">
-                <a:defRPr>
-                  <a:solidFill>
-                    <a:schemeClr val="tx1"/>
-                  </a:solidFill>
-                  <a:latin typeface="Arial" panose="020B0604020202020204" pitchFamily="34" charset="0"/>
-                  <a:ea typeface="宋体" panose="02010600030101010101" pitchFamily="2" charset="-122"/>
-                </a:defRPr>
-              </a:lvl3pPr>
-              <a:lvl4pPr marL="1600200" indent="-228600" eaLnBrk="0" hangingPunct="0">
-                <a:defRPr>
-                  <a:solidFill>
-                    <a:schemeClr val="tx1"/>
-                  </a:solidFill>
-                  <a:latin typeface="Arial" panose="020B0604020202020204" pitchFamily="34" charset="0"/>
-                  <a:ea typeface="宋体" panose="02010600030101010101" pitchFamily="2" charset="-122"/>
-                </a:defRPr>
-              </a:lvl4pPr>
-              <a:lvl5pPr marL="2057400" indent="-228600" eaLnBrk="0" hangingPunct="0">
-                <a:defRPr>
-                  <a:solidFill>
-                    <a:schemeClr val="tx1"/>
-                  </a:solidFill>
-                  <a:latin typeface="Arial" panose="020B0604020202020204" pitchFamily="34" charset="0"/>
-                  <a:ea typeface="宋体" panose="02010600030101010101" pitchFamily="2" charset="-122"/>
-                </a:defRPr>
-              </a:lvl5pPr>
-              <a:lvl6pPr marL="2514600" indent="-228600" eaLnBrk="0" fontAlgn="base" hangingPunct="0">
-                <a:spcBef>
-                  <a:spcPct val="0"/>
-                </a:spcBef>
-                <a:spcAft>
-                  <a:spcPct val="0"/>
-                </a:spcAft>
-                <a:defRPr>
-                  <a:solidFill>
-                    <a:schemeClr val="tx1"/>
-                  </a:solidFill>
-                  <a:latin typeface="Arial" panose="020B0604020202020204" pitchFamily="34" charset="0"/>
-                  <a:ea typeface="宋体" panose="02010600030101010101" pitchFamily="2" charset="-122"/>
-                </a:defRPr>
-              </a:lvl6pPr>
-              <a:lvl7pPr marL="2971800" indent="-228600" eaLnBrk="0" fontAlgn="base" hangingPunct="0">
-                <a:spcBef>
-                  <a:spcPct val="0"/>
-                </a:spcBef>
-                <a:spcAft>
-                  <a:spcPct val="0"/>
-                </a:spcAft>
-                <a:defRPr>
-                  <a:solidFill>
-                    <a:schemeClr val="tx1"/>
-                  </a:solidFill>
-                  <a:latin typeface="Arial" panose="020B0604020202020204" pitchFamily="34" charset="0"/>
-                  <a:ea typeface="宋体" panose="02010600030101010101" pitchFamily="2" charset="-122"/>
-                </a:defRPr>
-              </a:lvl7pPr>
-              <a:lvl8pPr marL="3429000" indent="-228600" eaLnBrk="0" fontAlgn="base" hangingPunct="0">
-                <a:spcBef>
-                  <a:spcPct val="0"/>
-                </a:spcBef>
-                <a:spcAft>
-                  <a:spcPct val="0"/>
-                </a:spcAft>
-                <a:defRPr>
-                  <a:solidFill>
-                    <a:schemeClr val="tx1"/>
-                  </a:solidFill>
-                  <a:latin typeface="Arial" panose="020B0604020202020204" pitchFamily="34" charset="0"/>
-                  <a:ea typeface="宋体" panose="02010600030101010101" pitchFamily="2" charset="-122"/>
-                </a:defRPr>
-              </a:lvl8pPr>
-              <a:lvl9pPr marL="3886200" indent="-228600" eaLnBrk="0" fontAlgn="base" hangingPunct="0">
-                <a:spcBef>
-                  <a:spcPct val="0"/>
-                </a:spcBef>
-                <a:spcAft>
-                  <a:spcPct val="0"/>
-                </a:spcAft>
-                <a:defRPr>
-                  <a:solidFill>
-                    <a:schemeClr val="tx1"/>
-                  </a:solidFill>
-                  <a:latin typeface="Arial" panose="020B0604020202020204" pitchFamily="34" charset="0"/>
-                  <a:ea typeface="宋体" panose="02010600030101010101" pitchFamily="2" charset="-122"/>
-                </a:defRPr>
-              </a:lvl9pPr>
-            </a:lstStyle>
-            <a:p>
-              <a:pPr algn="ctr"/>
-              <a:r>
-                <a:rPr lang="en-US" altLang="zh-CN" sz="2800" b="1">
-                  <a:solidFill>
-                    <a:schemeClr val="bg1"/>
-                  </a:solidFill>
-                  <a:latin typeface="微软雅黑" panose="020B0503020204020204" pitchFamily="34" charset="-122"/>
-                  <a:ea typeface="微软雅黑" panose="020B0503020204020204" pitchFamily="34" charset="-122"/>
-                  <a:cs typeface="微软雅黑" panose="020B0503020204020204" pitchFamily="34" charset="-122"/>
-                </a:rPr>
-                <a:t>4</a:t>
-              </a:r>
-            </a:p>
-          </p:txBody>
-        </p:sp>
-      </p:grpSp>
-      <p:sp>
-        <p:nvSpPr>
-          <p:cNvPr id="2" name="文本框 1"/>
-          <p:cNvSpPr txBox="1"/>
-          <p:nvPr/>
-        </p:nvSpPr>
-        <p:spPr>
-          <a:xfrm>
-            <a:off x="2274837" y="536345"/>
-            <a:ext cx="4339650" cy="646331"/>
-          </a:xfrm>
-          <a:prstGeom prst="rect">
-            <a:avLst/>
-          </a:prstGeom>
-          <a:noFill/>
-        </p:spPr>
-        <p:txBody>
-          <a:bodyPr wrap="none" rtlCol="0">
-            <a:spAutoFit/>
-          </a:bodyPr>
-          <a:lstStyle/>
-          <a:p>
-            <a:r>
-              <a:rPr kumimoji="1" lang="zh-CN" altLang="en-US" sz="3600" b="1" dirty="0" smtClean="0">
-                <a:solidFill>
-                  <a:schemeClr val="accent1"/>
-                </a:solidFill>
-                <a:latin typeface="微软雅黑" panose="020B0503020204020204" pitchFamily="34" charset="-122"/>
-                <a:ea typeface="微软雅黑" panose="020B0503020204020204" pitchFamily="34" charset="-122"/>
-                <a:cs typeface="微软雅黑" panose="020B0503020204020204" pitchFamily="34" charset="-122"/>
-              </a:rPr>
-              <a:t>常见问题及注意事项</a:t>
-            </a:r>
-            <a:endParaRPr kumimoji="1" lang="zh-CN" altLang="en-US" sz="3600" b="1" dirty="0">
-              <a:solidFill>
-                <a:schemeClr val="accent1"/>
-              </a:solidFill>
-              <a:latin typeface="微软雅黑" panose="020B0503020204020204" pitchFamily="34" charset="-122"/>
-              <a:ea typeface="微软雅黑" panose="020B0503020204020204" pitchFamily="34" charset="-122"/>
-              <a:cs typeface="微软雅黑" panose="020B0503020204020204" pitchFamily="34" charset="-122"/>
-            </a:endParaRPr>
-          </a:p>
-        </p:txBody>
-      </p:sp>
-    </p:spTree>
-  </p:cSld>
-  <p:clrMapOvr>
-    <a:masterClrMapping/>
-  </p:clrMapOvr>
-</p:sld>
-</file>
-
-<file path=ppt/slides/slide17.xml><?xml version="1.0" encoding="utf-8"?>
-<p:sld xmlns:a="http://schemas.openxmlformats.org/drawingml/2006/main" xmlns:r="http://schemas.openxmlformats.org/officeDocument/2006/relationships" xmlns:p="http://schemas.openxmlformats.org/presentationml/2006/main">
-  <p:cSld>
-    <p:spTree>
-      <p:nvGrpSpPr>
-        <p:cNvPr id="1" name=""/>
-        <p:cNvGrpSpPr/>
-        <p:nvPr/>
-      </p:nvGrpSpPr>
-      <p:grpSpPr>
-        <a:xfrm>
-          <a:off x="0" y="0"/>
-          <a:ext cx="0" cy="0"/>
-          <a:chOff x="0" y="0"/>
-          <a:chExt cx="0" cy="0"/>
-        </a:xfrm>
-      </p:grpSpPr>
-      <p:sp>
-        <p:nvSpPr>
-          <p:cNvPr id="239618" name="Rectangle 2"/>
-          <p:cNvSpPr>
-            <a:spLocks noGrp="1" noChangeArrowheads="1"/>
-          </p:cNvSpPr>
-          <p:nvPr>
-            <p:ph type="title"/>
-          </p:nvPr>
-        </p:nvSpPr>
-        <p:spPr>
-          <a:xfrm>
-            <a:off x="304800" y="533400"/>
-            <a:ext cx="8001000" cy="563562"/>
-          </a:xfrm>
-        </p:spPr>
-        <p:txBody>
-          <a:bodyPr/>
-          <a:lstStyle/>
-          <a:p>
-            <a:r>
-              <a:rPr lang="en-US" altLang="zh-CN" b="1" dirty="0">
-                <a:effectLst>
-                  <a:outerShdw blurRad="38100" dist="38100" dir="2700000" algn="tl">
-                    <a:srgbClr val="000000">
-                      <a:alpha val="43137"/>
-                    </a:srgbClr>
-                  </a:outerShdw>
-                </a:effectLst>
-              </a:rPr>
-              <a:t>2. </a:t>
-            </a:r>
-            <a:r>
-              <a:rPr lang="zh-CN" altLang="en-US" b="1" dirty="0" smtClean="0">
-                <a:effectLst>
-                  <a:outerShdw blurRad="38100" dist="38100" dir="2700000" algn="tl">
-                    <a:srgbClr val="000000">
-                      <a:alpha val="43137"/>
-                    </a:srgbClr>
-                  </a:outerShdw>
-                </a:effectLst>
-              </a:rPr>
-              <a:t>建议与交流</a:t>
-            </a:r>
-            <a:endParaRPr lang="zh-CN" altLang="zh-CN" b="1" dirty="0">
-              <a:effectLst>
-                <a:outerShdw blurRad="38100" dist="38100" dir="2700000" algn="tl">
-                  <a:srgbClr val="000000">
-                    <a:alpha val="43137"/>
-                  </a:srgbClr>
-                </a:outerShdw>
-              </a:effectLst>
-            </a:endParaRPr>
-          </a:p>
-        </p:txBody>
-      </p:sp>
-      <p:sp>
-        <p:nvSpPr>
-          <p:cNvPr id="6" name="文本框 5"/>
-          <p:cNvSpPr txBox="1"/>
-          <p:nvPr/>
-        </p:nvSpPr>
-        <p:spPr>
-          <a:xfrm>
-            <a:off x="1524000" y="1487074"/>
-            <a:ext cx="1190681" cy="338554"/>
-          </a:xfrm>
-          <a:prstGeom prst="rect">
-            <a:avLst/>
-          </a:prstGeom>
-          <a:noFill/>
-        </p:spPr>
-        <p:txBody>
-          <a:bodyPr wrap="square" rtlCol="0">
-            <a:spAutoFit/>
-          </a:bodyPr>
-          <a:lstStyle/>
-          <a:p>
-            <a:r>
-              <a:rPr lang="zh-CN" altLang="en-US" sz="1600" dirty="0">
-                <a:latin typeface="微软雅黑 Light" panose="020B0502040204020203" charset="-122"/>
-                <a:ea typeface="微软雅黑 Light" panose="020B0502040204020203" charset="-122"/>
-              </a:rPr>
-              <a:t>问题一</a:t>
-            </a:r>
-          </a:p>
-        </p:txBody>
-      </p:sp>
-      <p:grpSp>
-        <p:nvGrpSpPr>
-          <p:cNvPr id="12" name="组合 27"/>
-          <p:cNvGrpSpPr/>
-          <p:nvPr/>
-        </p:nvGrpSpPr>
-        <p:grpSpPr>
-          <a:xfrm>
-            <a:off x="895094" y="1487074"/>
-            <a:ext cx="673537" cy="677108"/>
-            <a:chOff x="915492" y="1037371"/>
-            <a:chExt cx="586973" cy="586973"/>
-          </a:xfrm>
-        </p:grpSpPr>
-        <p:sp>
-          <p:nvSpPr>
-            <p:cNvPr id="13" name="椭圆 12"/>
-            <p:cNvSpPr/>
-            <p:nvPr/>
-          </p:nvSpPr>
-          <p:spPr>
-            <a:xfrm>
-              <a:off x="915492" y="1037371"/>
-              <a:ext cx="586973" cy="586973"/>
-            </a:xfrm>
-            <a:prstGeom prst="ellipse">
-              <a:avLst/>
-            </a:prstGeom>
-            <a:solidFill>
-              <a:srgbClr val="C12332"/>
-            </a:solidFill>
-            <a:ln>
-              <a:noFill/>
-            </a:ln>
-          </p:spPr>
-          <p:style>
-            <a:lnRef idx="2">
-              <a:schemeClr val="accent1">
-                <a:shade val="50000"/>
-              </a:schemeClr>
-            </a:lnRef>
-            <a:fillRef idx="1">
-              <a:schemeClr val="accent1"/>
-            </a:fillRef>
-            <a:effectRef idx="0">
-              <a:schemeClr val="accent1"/>
-            </a:effectRef>
-            <a:fontRef idx="minor">
-              <a:schemeClr val="lt1"/>
-            </a:fontRef>
-          </p:style>
-          <p:txBody>
-            <a:bodyPr rot="0" spcFirstLastPara="0" vertOverflow="overflow" horzOverflow="overflow" vert="horz" wrap="square" lIns="91440" tIns="45720" rIns="91440" bIns="45720" numCol="1" spcCol="0" rtlCol="0" fromWordArt="0" anchor="ctr" anchorCtr="0" forceAA="0" compatLnSpc="1">
-              <a:noAutofit/>
-            </a:bodyPr>
-            <a:lstStyle/>
-            <a:p>
-              <a:pPr algn="ctr"/>
-              <a:endParaRPr lang="zh-CN" altLang="en-US"/>
-            </a:p>
-          </p:txBody>
-        </p:sp>
-        <p:sp>
-          <p:nvSpPr>
-            <p:cNvPr id="14" name="Freeform 546"/>
-            <p:cNvSpPr>
-              <a:spLocks noEditPoints="1"/>
-            </p:cNvSpPr>
-            <p:nvPr/>
-          </p:nvSpPr>
-          <p:spPr bwMode="auto">
-            <a:xfrm>
-              <a:off x="1039273" y="1161151"/>
-              <a:ext cx="339411" cy="339411"/>
-            </a:xfrm>
-            <a:custGeom>
-              <a:avLst/>
-              <a:gdLst>
-                <a:gd name="T0" fmla="*/ 52 w 56"/>
-                <a:gd name="T1" fmla="*/ 30 h 56"/>
-                <a:gd name="T2" fmla="*/ 26 w 56"/>
-                <a:gd name="T3" fmla="*/ 56 h 56"/>
-                <a:gd name="T4" fmla="*/ 0 w 56"/>
-                <a:gd name="T5" fmla="*/ 30 h 56"/>
-                <a:gd name="T6" fmla="*/ 26 w 56"/>
-                <a:gd name="T7" fmla="*/ 3 h 56"/>
-                <a:gd name="T8" fmla="*/ 26 w 56"/>
-                <a:gd name="T9" fmla="*/ 30 h 56"/>
-                <a:gd name="T10" fmla="*/ 52 w 56"/>
-                <a:gd name="T11" fmla="*/ 30 h 56"/>
-                <a:gd name="T12" fmla="*/ 30 w 56"/>
-                <a:gd name="T13" fmla="*/ 0 h 56"/>
-                <a:gd name="T14" fmla="*/ 30 w 56"/>
-                <a:gd name="T15" fmla="*/ 0 h 56"/>
-                <a:gd name="T16" fmla="*/ 30 w 56"/>
-                <a:gd name="T17" fmla="*/ 26 h 56"/>
-                <a:gd name="T18" fmla="*/ 56 w 56"/>
-                <a:gd name="T19" fmla="*/ 26 h 56"/>
-                <a:gd name="T20" fmla="*/ 30 w 56"/>
-                <a:gd name="T21" fmla="*/ 0 h 56"/>
-              </a:gdLst>
-              <a:ahLst/>
-              <a:cxnLst>
-                <a:cxn ang="0">
-                  <a:pos x="T0" y="T1"/>
-                </a:cxn>
-                <a:cxn ang="0">
-                  <a:pos x="T2" y="T3"/>
-                </a:cxn>
-                <a:cxn ang="0">
-                  <a:pos x="T4" y="T5"/>
-                </a:cxn>
-                <a:cxn ang="0">
-                  <a:pos x="T6" y="T7"/>
-                </a:cxn>
-                <a:cxn ang="0">
-                  <a:pos x="T8" y="T9"/>
-                </a:cxn>
-                <a:cxn ang="0">
-                  <a:pos x="T10" y="T11"/>
-                </a:cxn>
-                <a:cxn ang="0">
-                  <a:pos x="T12" y="T13"/>
-                </a:cxn>
-                <a:cxn ang="0">
-                  <a:pos x="T14" y="T15"/>
-                </a:cxn>
-                <a:cxn ang="0">
-                  <a:pos x="T16" y="T17"/>
-                </a:cxn>
-                <a:cxn ang="0">
-                  <a:pos x="T18" y="T19"/>
-                </a:cxn>
-                <a:cxn ang="0">
-                  <a:pos x="T20" y="T21"/>
-                </a:cxn>
-              </a:cxnLst>
-              <a:rect l="0" t="0" r="r" b="b"/>
-              <a:pathLst>
-                <a:path w="56" h="56">
-                  <a:moveTo>
-                    <a:pt x="52" y="30"/>
-                  </a:moveTo>
-                  <a:cubicBezTo>
-                    <a:pt x="52" y="44"/>
-                    <a:pt x="41" y="56"/>
-                    <a:pt x="26" y="56"/>
-                  </a:cubicBezTo>
-                  <a:cubicBezTo>
-                    <a:pt x="11" y="56"/>
-                    <a:pt x="0" y="44"/>
-                    <a:pt x="0" y="30"/>
-                  </a:cubicBezTo>
-                  <a:cubicBezTo>
-                    <a:pt x="0" y="15"/>
-                    <a:pt x="11" y="3"/>
-                    <a:pt x="26" y="3"/>
-                  </a:cubicBezTo>
-                  <a:cubicBezTo>
-                    <a:pt x="26" y="30"/>
-                    <a:pt x="26" y="30"/>
-                    <a:pt x="26" y="30"/>
-                  </a:cubicBezTo>
-                  <a:cubicBezTo>
-                    <a:pt x="52" y="30"/>
-                    <a:pt x="52" y="30"/>
-                    <a:pt x="52" y="30"/>
-                  </a:cubicBezTo>
-                  <a:close/>
-                  <a:moveTo>
-                    <a:pt x="30" y="0"/>
-                  </a:moveTo>
-                  <a:cubicBezTo>
-                    <a:pt x="30" y="0"/>
-                    <a:pt x="30" y="0"/>
-                    <a:pt x="30" y="0"/>
-                  </a:cubicBezTo>
-                  <a:cubicBezTo>
-                    <a:pt x="30" y="26"/>
-                    <a:pt x="30" y="26"/>
-                    <a:pt x="30" y="26"/>
-                  </a:cubicBezTo>
-                  <a:cubicBezTo>
-                    <a:pt x="56" y="26"/>
-                    <a:pt x="56" y="26"/>
-                    <a:pt x="56" y="26"/>
-                  </a:cubicBezTo>
-                  <a:cubicBezTo>
-                    <a:pt x="56" y="12"/>
-                    <a:pt x="44" y="0"/>
-                    <a:pt x="30" y="0"/>
-                  </a:cubicBezTo>
-                  <a:close/>
-                </a:path>
-              </a:pathLst>
-            </a:custGeom>
-            <a:solidFill>
-              <a:schemeClr val="bg1"/>
-            </a:solidFill>
-            <a:ln>
-              <a:noFill/>
-            </a:ln>
-          </p:spPr>
-          <p:txBody>
-            <a:bodyPr vert="horz" wrap="square" lIns="68580" tIns="34290" rIns="68580" bIns="34290" numCol="1" anchor="t" anchorCtr="0" compatLnSpc="1"/>
-            <a:lstStyle/>
-            <a:p>
-              <a:endParaRPr lang="zh-CN" altLang="en-US" sz="1350"/>
-            </a:p>
-          </p:txBody>
-        </p:sp>
-      </p:grpSp>
-      <p:sp>
-        <p:nvSpPr>
-          <p:cNvPr id="21" name="文本框 20"/>
-          <p:cNvSpPr txBox="1"/>
-          <p:nvPr/>
-        </p:nvSpPr>
-        <p:spPr>
-          <a:xfrm>
-            <a:off x="1493874" y="3227725"/>
-            <a:ext cx="1190681" cy="338554"/>
-          </a:xfrm>
-          <a:prstGeom prst="rect">
-            <a:avLst/>
-          </a:prstGeom>
-          <a:noFill/>
-        </p:spPr>
-        <p:txBody>
-          <a:bodyPr wrap="square" rtlCol="0">
-            <a:spAutoFit/>
-          </a:bodyPr>
-          <a:lstStyle/>
-          <a:p>
-            <a:r>
-              <a:rPr lang="zh-CN" altLang="en-US" sz="1600" dirty="0">
-                <a:latin typeface="微软雅黑 Light" panose="020B0502040204020203" charset="-122"/>
-                <a:ea typeface="微软雅黑 Light" panose="020B0502040204020203" charset="-122"/>
-              </a:rPr>
-              <a:t>问题二</a:t>
-            </a:r>
-          </a:p>
-        </p:txBody>
-      </p:sp>
-      <p:grpSp>
-        <p:nvGrpSpPr>
-          <p:cNvPr id="23" name="组合 27"/>
-          <p:cNvGrpSpPr/>
-          <p:nvPr/>
-        </p:nvGrpSpPr>
-        <p:grpSpPr>
-          <a:xfrm>
-            <a:off x="895093" y="3200400"/>
-            <a:ext cx="673537" cy="677108"/>
-            <a:chOff x="915492" y="1037371"/>
-            <a:chExt cx="586973" cy="586973"/>
-          </a:xfrm>
-        </p:grpSpPr>
-        <p:sp>
-          <p:nvSpPr>
-            <p:cNvPr id="24" name="椭圆 23"/>
-            <p:cNvSpPr/>
-            <p:nvPr/>
-          </p:nvSpPr>
-          <p:spPr>
-            <a:xfrm>
-              <a:off x="915492" y="1037371"/>
-              <a:ext cx="586973" cy="586973"/>
-            </a:xfrm>
-            <a:prstGeom prst="ellipse">
-              <a:avLst/>
-            </a:prstGeom>
-            <a:solidFill>
-              <a:srgbClr val="C12332"/>
-            </a:solidFill>
-            <a:ln>
-              <a:noFill/>
-            </a:ln>
-          </p:spPr>
-          <p:style>
-            <a:lnRef idx="2">
-              <a:schemeClr val="accent1">
-                <a:shade val="50000"/>
-              </a:schemeClr>
-            </a:lnRef>
-            <a:fillRef idx="1">
-              <a:schemeClr val="accent1"/>
-            </a:fillRef>
-            <a:effectRef idx="0">
-              <a:schemeClr val="accent1"/>
-            </a:effectRef>
-            <a:fontRef idx="minor">
-              <a:schemeClr val="lt1"/>
-            </a:fontRef>
-          </p:style>
-          <p:txBody>
-            <a:bodyPr rot="0" spcFirstLastPara="0" vertOverflow="overflow" horzOverflow="overflow" vert="horz" wrap="square" lIns="91440" tIns="45720" rIns="91440" bIns="45720" numCol="1" spcCol="0" rtlCol="0" fromWordArt="0" anchor="ctr" anchorCtr="0" forceAA="0" compatLnSpc="1">
-              <a:noAutofit/>
-            </a:bodyPr>
-            <a:lstStyle/>
-            <a:p>
-              <a:pPr algn="ctr"/>
-              <a:endParaRPr lang="zh-CN" altLang="en-US"/>
-            </a:p>
-          </p:txBody>
-        </p:sp>
-        <p:sp>
-          <p:nvSpPr>
-            <p:cNvPr id="25" name="Freeform 546"/>
-            <p:cNvSpPr>
-              <a:spLocks noEditPoints="1"/>
-            </p:cNvSpPr>
-            <p:nvPr/>
-          </p:nvSpPr>
-          <p:spPr bwMode="auto">
-            <a:xfrm>
-              <a:off x="1039273" y="1161151"/>
-              <a:ext cx="339411" cy="339411"/>
-            </a:xfrm>
-            <a:custGeom>
-              <a:avLst/>
-              <a:gdLst>
-                <a:gd name="T0" fmla="*/ 52 w 56"/>
-                <a:gd name="T1" fmla="*/ 30 h 56"/>
-                <a:gd name="T2" fmla="*/ 26 w 56"/>
-                <a:gd name="T3" fmla="*/ 56 h 56"/>
-                <a:gd name="T4" fmla="*/ 0 w 56"/>
-                <a:gd name="T5" fmla="*/ 30 h 56"/>
-                <a:gd name="T6" fmla="*/ 26 w 56"/>
-                <a:gd name="T7" fmla="*/ 3 h 56"/>
-                <a:gd name="T8" fmla="*/ 26 w 56"/>
-                <a:gd name="T9" fmla="*/ 30 h 56"/>
-                <a:gd name="T10" fmla="*/ 52 w 56"/>
-                <a:gd name="T11" fmla="*/ 30 h 56"/>
-                <a:gd name="T12" fmla="*/ 30 w 56"/>
-                <a:gd name="T13" fmla="*/ 0 h 56"/>
-                <a:gd name="T14" fmla="*/ 30 w 56"/>
-                <a:gd name="T15" fmla="*/ 0 h 56"/>
-                <a:gd name="T16" fmla="*/ 30 w 56"/>
-                <a:gd name="T17" fmla="*/ 26 h 56"/>
-                <a:gd name="T18" fmla="*/ 56 w 56"/>
-                <a:gd name="T19" fmla="*/ 26 h 56"/>
-                <a:gd name="T20" fmla="*/ 30 w 56"/>
-                <a:gd name="T21" fmla="*/ 0 h 56"/>
-              </a:gdLst>
-              <a:ahLst/>
-              <a:cxnLst>
-                <a:cxn ang="0">
-                  <a:pos x="T0" y="T1"/>
-                </a:cxn>
-                <a:cxn ang="0">
-                  <a:pos x="T2" y="T3"/>
-                </a:cxn>
-                <a:cxn ang="0">
-                  <a:pos x="T4" y="T5"/>
-                </a:cxn>
-                <a:cxn ang="0">
-                  <a:pos x="T6" y="T7"/>
-                </a:cxn>
-                <a:cxn ang="0">
-                  <a:pos x="T8" y="T9"/>
-                </a:cxn>
-                <a:cxn ang="0">
-                  <a:pos x="T10" y="T11"/>
-                </a:cxn>
-                <a:cxn ang="0">
-                  <a:pos x="T12" y="T13"/>
-                </a:cxn>
-                <a:cxn ang="0">
-                  <a:pos x="T14" y="T15"/>
-                </a:cxn>
-                <a:cxn ang="0">
-                  <a:pos x="T16" y="T17"/>
-                </a:cxn>
-                <a:cxn ang="0">
-                  <a:pos x="T18" y="T19"/>
-                </a:cxn>
-                <a:cxn ang="0">
-                  <a:pos x="T20" y="T21"/>
-                </a:cxn>
-              </a:cxnLst>
-              <a:rect l="0" t="0" r="r" b="b"/>
-              <a:pathLst>
-                <a:path w="56" h="56">
-                  <a:moveTo>
-                    <a:pt x="52" y="30"/>
-                  </a:moveTo>
-                  <a:cubicBezTo>
-                    <a:pt x="52" y="44"/>
-                    <a:pt x="41" y="56"/>
-                    <a:pt x="26" y="56"/>
-                  </a:cubicBezTo>
-                  <a:cubicBezTo>
-                    <a:pt x="11" y="56"/>
-                    <a:pt x="0" y="44"/>
-                    <a:pt x="0" y="30"/>
-                  </a:cubicBezTo>
-                  <a:cubicBezTo>
-                    <a:pt x="0" y="15"/>
-                    <a:pt x="11" y="3"/>
-                    <a:pt x="26" y="3"/>
-                  </a:cubicBezTo>
-                  <a:cubicBezTo>
-                    <a:pt x="26" y="30"/>
-                    <a:pt x="26" y="30"/>
-                    <a:pt x="26" y="30"/>
-                  </a:cubicBezTo>
-                  <a:cubicBezTo>
-                    <a:pt x="52" y="30"/>
-                    <a:pt x="52" y="30"/>
-                    <a:pt x="52" y="30"/>
-                  </a:cubicBezTo>
-                  <a:close/>
-                  <a:moveTo>
-                    <a:pt x="30" y="0"/>
-                  </a:moveTo>
-                  <a:cubicBezTo>
-                    <a:pt x="30" y="0"/>
-                    <a:pt x="30" y="0"/>
-                    <a:pt x="30" y="0"/>
-                  </a:cubicBezTo>
-                  <a:cubicBezTo>
-                    <a:pt x="30" y="26"/>
-                    <a:pt x="30" y="26"/>
-                    <a:pt x="30" y="26"/>
-                  </a:cubicBezTo>
-                  <a:cubicBezTo>
-                    <a:pt x="56" y="26"/>
-                    <a:pt x="56" y="26"/>
-                    <a:pt x="56" y="26"/>
-                  </a:cubicBezTo>
-                  <a:cubicBezTo>
-                    <a:pt x="56" y="12"/>
-                    <a:pt x="44" y="0"/>
-                    <a:pt x="30" y="0"/>
-                  </a:cubicBezTo>
-                  <a:close/>
-                </a:path>
-              </a:pathLst>
-            </a:custGeom>
-            <a:solidFill>
-              <a:schemeClr val="bg1"/>
-            </a:solidFill>
-            <a:ln>
-              <a:noFill/>
-            </a:ln>
-          </p:spPr>
-          <p:txBody>
-            <a:bodyPr vert="horz" wrap="square" lIns="68580" tIns="34290" rIns="68580" bIns="34290" numCol="1" anchor="t" anchorCtr="0" compatLnSpc="1"/>
-            <a:lstStyle/>
-            <a:p>
-              <a:endParaRPr lang="zh-CN" altLang="en-US" sz="1350"/>
-            </a:p>
-          </p:txBody>
-        </p:sp>
-      </p:grpSp>
-      <p:sp>
-        <p:nvSpPr>
-          <p:cNvPr id="26" name="文本框 25"/>
-          <p:cNvSpPr txBox="1"/>
-          <p:nvPr/>
-        </p:nvSpPr>
-        <p:spPr>
-          <a:xfrm>
-            <a:off x="1524000" y="4961692"/>
-            <a:ext cx="1190681" cy="338554"/>
-          </a:xfrm>
-          <a:prstGeom prst="rect">
-            <a:avLst/>
-          </a:prstGeom>
-          <a:noFill/>
-        </p:spPr>
-        <p:txBody>
-          <a:bodyPr wrap="square" rtlCol="0">
-            <a:spAutoFit/>
-          </a:bodyPr>
-          <a:lstStyle/>
-          <a:p>
-            <a:r>
-              <a:rPr lang="zh-CN" altLang="en-US" sz="1600" dirty="0">
-                <a:latin typeface="微软雅黑 Light" panose="020B0502040204020203" charset="-122"/>
-                <a:ea typeface="微软雅黑 Light" panose="020B0502040204020203" charset="-122"/>
-              </a:rPr>
-              <a:t>问题三</a:t>
-            </a:r>
-          </a:p>
-        </p:txBody>
-      </p:sp>
-      <p:grpSp>
-        <p:nvGrpSpPr>
-          <p:cNvPr id="28" name="组合 27"/>
-          <p:cNvGrpSpPr/>
-          <p:nvPr/>
-        </p:nvGrpSpPr>
-        <p:grpSpPr>
-          <a:xfrm>
-            <a:off x="895094" y="4961692"/>
-            <a:ext cx="673537" cy="677108"/>
-            <a:chOff x="915492" y="1037371"/>
-            <a:chExt cx="586973" cy="586973"/>
-          </a:xfrm>
-        </p:grpSpPr>
-        <p:sp>
-          <p:nvSpPr>
-            <p:cNvPr id="29" name="椭圆 28"/>
-            <p:cNvSpPr/>
-            <p:nvPr/>
-          </p:nvSpPr>
-          <p:spPr>
-            <a:xfrm>
-              <a:off x="915492" y="1037371"/>
-              <a:ext cx="586973" cy="586973"/>
-            </a:xfrm>
-            <a:prstGeom prst="ellipse">
-              <a:avLst/>
-            </a:prstGeom>
-            <a:solidFill>
-              <a:srgbClr val="C12332"/>
-            </a:solidFill>
-            <a:ln>
-              <a:noFill/>
-            </a:ln>
-          </p:spPr>
-          <p:style>
-            <a:lnRef idx="2">
-              <a:schemeClr val="accent1">
-                <a:shade val="50000"/>
-              </a:schemeClr>
-            </a:lnRef>
-            <a:fillRef idx="1">
-              <a:schemeClr val="accent1"/>
-            </a:fillRef>
-            <a:effectRef idx="0">
-              <a:schemeClr val="accent1"/>
-            </a:effectRef>
-            <a:fontRef idx="minor">
-              <a:schemeClr val="lt1"/>
-            </a:fontRef>
-          </p:style>
-          <p:txBody>
-            <a:bodyPr rot="0" spcFirstLastPara="0" vertOverflow="overflow" horzOverflow="overflow" vert="horz" wrap="square" lIns="91440" tIns="45720" rIns="91440" bIns="45720" numCol="1" spcCol="0" rtlCol="0" fromWordArt="0" anchor="ctr" anchorCtr="0" forceAA="0" compatLnSpc="1">
-              <a:noAutofit/>
-            </a:bodyPr>
-            <a:lstStyle/>
-            <a:p>
-              <a:pPr algn="ctr"/>
-              <a:endParaRPr lang="zh-CN" altLang="en-US"/>
-            </a:p>
-          </p:txBody>
-        </p:sp>
-        <p:sp>
-          <p:nvSpPr>
-            <p:cNvPr id="30" name="Freeform 546"/>
-            <p:cNvSpPr>
-              <a:spLocks noEditPoints="1"/>
-            </p:cNvSpPr>
-            <p:nvPr/>
-          </p:nvSpPr>
-          <p:spPr bwMode="auto">
-            <a:xfrm>
-              <a:off x="1039273" y="1161151"/>
-              <a:ext cx="339411" cy="339411"/>
-            </a:xfrm>
-            <a:custGeom>
-              <a:avLst/>
-              <a:gdLst>
-                <a:gd name="T0" fmla="*/ 52 w 56"/>
-                <a:gd name="T1" fmla="*/ 30 h 56"/>
-                <a:gd name="T2" fmla="*/ 26 w 56"/>
-                <a:gd name="T3" fmla="*/ 56 h 56"/>
-                <a:gd name="T4" fmla="*/ 0 w 56"/>
-                <a:gd name="T5" fmla="*/ 30 h 56"/>
-                <a:gd name="T6" fmla="*/ 26 w 56"/>
-                <a:gd name="T7" fmla="*/ 3 h 56"/>
-                <a:gd name="T8" fmla="*/ 26 w 56"/>
-                <a:gd name="T9" fmla="*/ 30 h 56"/>
-                <a:gd name="T10" fmla="*/ 52 w 56"/>
-                <a:gd name="T11" fmla="*/ 30 h 56"/>
-                <a:gd name="T12" fmla="*/ 30 w 56"/>
-                <a:gd name="T13" fmla="*/ 0 h 56"/>
-                <a:gd name="T14" fmla="*/ 30 w 56"/>
-                <a:gd name="T15" fmla="*/ 0 h 56"/>
-                <a:gd name="T16" fmla="*/ 30 w 56"/>
-                <a:gd name="T17" fmla="*/ 26 h 56"/>
-                <a:gd name="T18" fmla="*/ 56 w 56"/>
-                <a:gd name="T19" fmla="*/ 26 h 56"/>
-                <a:gd name="T20" fmla="*/ 30 w 56"/>
-                <a:gd name="T21" fmla="*/ 0 h 56"/>
-              </a:gdLst>
-              <a:ahLst/>
-              <a:cxnLst>
-                <a:cxn ang="0">
-                  <a:pos x="T0" y="T1"/>
-                </a:cxn>
-                <a:cxn ang="0">
-                  <a:pos x="T2" y="T3"/>
-                </a:cxn>
-                <a:cxn ang="0">
-                  <a:pos x="T4" y="T5"/>
-                </a:cxn>
-                <a:cxn ang="0">
-                  <a:pos x="T6" y="T7"/>
-                </a:cxn>
-                <a:cxn ang="0">
-                  <a:pos x="T8" y="T9"/>
-                </a:cxn>
-                <a:cxn ang="0">
-                  <a:pos x="T10" y="T11"/>
-                </a:cxn>
-                <a:cxn ang="0">
-                  <a:pos x="T12" y="T13"/>
-                </a:cxn>
-                <a:cxn ang="0">
-                  <a:pos x="T14" y="T15"/>
-                </a:cxn>
-                <a:cxn ang="0">
-                  <a:pos x="T16" y="T17"/>
-                </a:cxn>
-                <a:cxn ang="0">
-                  <a:pos x="T18" y="T19"/>
-                </a:cxn>
-                <a:cxn ang="0">
-                  <a:pos x="T20" y="T21"/>
-                </a:cxn>
-              </a:cxnLst>
-              <a:rect l="0" t="0" r="r" b="b"/>
-              <a:pathLst>
-                <a:path w="56" h="56">
-                  <a:moveTo>
-                    <a:pt x="52" y="30"/>
-                  </a:moveTo>
-                  <a:cubicBezTo>
-                    <a:pt x="52" y="44"/>
-                    <a:pt x="41" y="56"/>
-                    <a:pt x="26" y="56"/>
-                  </a:cubicBezTo>
-                  <a:cubicBezTo>
-                    <a:pt x="11" y="56"/>
-                    <a:pt x="0" y="44"/>
-                    <a:pt x="0" y="30"/>
-                  </a:cubicBezTo>
-                  <a:cubicBezTo>
-                    <a:pt x="0" y="15"/>
-                    <a:pt x="11" y="3"/>
-                    <a:pt x="26" y="3"/>
-                  </a:cubicBezTo>
-                  <a:cubicBezTo>
-                    <a:pt x="26" y="30"/>
-                    <a:pt x="26" y="30"/>
-                    <a:pt x="26" y="30"/>
-                  </a:cubicBezTo>
-                  <a:cubicBezTo>
-                    <a:pt x="52" y="30"/>
-                    <a:pt x="52" y="30"/>
-                    <a:pt x="52" y="30"/>
-                  </a:cubicBezTo>
-                  <a:close/>
-                  <a:moveTo>
-                    <a:pt x="30" y="0"/>
-                  </a:moveTo>
-                  <a:cubicBezTo>
-                    <a:pt x="30" y="0"/>
-                    <a:pt x="30" y="0"/>
-                    <a:pt x="30" y="0"/>
-                  </a:cubicBezTo>
-                  <a:cubicBezTo>
-                    <a:pt x="30" y="26"/>
-                    <a:pt x="30" y="26"/>
-                    <a:pt x="30" y="26"/>
-                  </a:cubicBezTo>
-                  <a:cubicBezTo>
-                    <a:pt x="56" y="26"/>
-                    <a:pt x="56" y="26"/>
-                    <a:pt x="56" y="26"/>
-                  </a:cubicBezTo>
-                  <a:cubicBezTo>
-                    <a:pt x="56" y="12"/>
-                    <a:pt x="44" y="0"/>
-                    <a:pt x="30" y="0"/>
-                  </a:cubicBezTo>
-                  <a:close/>
-                </a:path>
-              </a:pathLst>
-            </a:custGeom>
-            <a:solidFill>
-              <a:schemeClr val="bg1"/>
-            </a:solidFill>
-            <a:ln>
-              <a:noFill/>
-            </a:ln>
-          </p:spPr>
-          <p:txBody>
-            <a:bodyPr vert="horz" wrap="square" lIns="68580" tIns="34290" rIns="68580" bIns="34290" numCol="1" anchor="t" anchorCtr="0" compatLnSpc="1"/>
-            <a:lstStyle/>
-            <a:p>
-              <a:endParaRPr lang="zh-CN" altLang="en-US" sz="1350"/>
-            </a:p>
-          </p:txBody>
-        </p:sp>
-      </p:grpSp>
-    </p:spTree>
-  </p:cSld>
-  <p:clrMapOvr>
-    <a:masterClrMapping/>
-  </p:clrMapOvr>
-  <p:timing>
-    <p:tnLst>
-      <p:par>
-        <p:cTn id="1" dur="indefinite" restart="never" nodeType="tmRoot">
-          <p:childTnLst>
-            <p:seq concurrent="1" nextAc="seek">
-              <p:cTn id="2" dur="indefinite" nodeType="mainSeq">
-                <p:childTnLst>
-                  <p:par>
-                    <p:cTn id="3" fill="hold">
-                      <p:stCondLst>
-                        <p:cond delay="indefinite"/>
-                        <p:cond evt="onBegin" delay="0">
-                          <p:tn val="2"/>
-                        </p:cond>
-                      </p:stCondLst>
-                      <p:childTnLst>
-                        <p:par>
-                          <p:cTn id="4" fill="hold">
-                            <p:stCondLst>
-                              <p:cond delay="0"/>
-                            </p:stCondLst>
-                            <p:childTnLst>
-                              <p:par>
-                                <p:cTn id="5" presetID="53" presetClass="entr" presetSubtype="16" fill="hold" nodeType="afterEffect">
-                                  <p:stCondLst>
-                                    <p:cond delay="0"/>
-                                  </p:stCondLst>
-                                  <p:childTnLst>
-                                    <p:set>
-                                      <p:cBhvr>
-                                        <p:cTn id="6" dur="1" fill="hold">
-                                          <p:stCondLst>
-                                            <p:cond delay="0"/>
-                                          </p:stCondLst>
-                                        </p:cTn>
-                                        <p:tgtEl>
-                                          <p:spTgt spid="12"/>
-                                        </p:tgtEl>
-                                        <p:attrNameLst>
-                                          <p:attrName>style.visibility</p:attrName>
-                                        </p:attrNameLst>
-                                      </p:cBhvr>
-                                      <p:to>
-                                        <p:strVal val="visible"/>
-                                      </p:to>
-                                    </p:set>
-                                    <p:anim calcmode="lin" valueType="num">
-                                      <p:cBhvr>
-                                        <p:cTn id="7" dur="500" fill="hold"/>
-                                        <p:tgtEl>
-                                          <p:spTgt spid="12"/>
-                                        </p:tgtEl>
-                                        <p:attrNameLst>
-                                          <p:attrName>ppt_w</p:attrName>
-                                        </p:attrNameLst>
-                                      </p:cBhvr>
-                                      <p:tavLst>
-                                        <p:tav tm="0">
-                                          <p:val>
-                                            <p:fltVal val="0"/>
-                                          </p:val>
-                                        </p:tav>
-                                        <p:tav tm="100000">
-                                          <p:val>
-                                            <p:strVal val="#ppt_w"/>
-                                          </p:val>
-                                        </p:tav>
-                                      </p:tavLst>
-                                    </p:anim>
-                                    <p:anim calcmode="lin" valueType="num">
-                                      <p:cBhvr>
-                                        <p:cTn id="8" dur="500" fill="hold"/>
-                                        <p:tgtEl>
-                                          <p:spTgt spid="12"/>
-                                        </p:tgtEl>
-                                        <p:attrNameLst>
-                                          <p:attrName>ppt_h</p:attrName>
-                                        </p:attrNameLst>
-                                      </p:cBhvr>
-                                      <p:tavLst>
-                                        <p:tav tm="0">
-                                          <p:val>
-                                            <p:fltVal val="0"/>
-                                          </p:val>
-                                        </p:tav>
-                                        <p:tav tm="100000">
-                                          <p:val>
-                                            <p:strVal val="#ppt_h"/>
-                                          </p:val>
-                                        </p:tav>
-                                      </p:tavLst>
-                                    </p:anim>
-                                    <p:animEffect transition="in" filter="fade">
-                                      <p:cBhvr>
-                                        <p:cTn id="9" dur="500"/>
-                                        <p:tgtEl>
-                                          <p:spTgt spid="12"/>
-                                        </p:tgtEl>
-                                      </p:cBhvr>
-                                    </p:animEffect>
-                                  </p:childTnLst>
-                                </p:cTn>
-                              </p:par>
-                              <p:par>
-                                <p:cTn id="10" presetID="10" presetClass="entr" presetSubtype="0" fill="hold" grpId="0" nodeType="withEffect">
-                                  <p:stCondLst>
-                                    <p:cond delay="0"/>
-                                  </p:stCondLst>
-                                  <p:childTnLst>
-                                    <p:set>
-                                      <p:cBhvr>
-                                        <p:cTn id="11" dur="1" fill="hold">
-                                          <p:stCondLst>
-                                            <p:cond delay="0"/>
-                                          </p:stCondLst>
-                                        </p:cTn>
-                                        <p:tgtEl>
-                                          <p:spTgt spid="6"/>
-                                        </p:tgtEl>
-                                        <p:attrNameLst>
-                                          <p:attrName>style.visibility</p:attrName>
-                                        </p:attrNameLst>
-                                      </p:cBhvr>
-                                      <p:to>
-                                        <p:strVal val="visible"/>
-                                      </p:to>
-                                    </p:set>
-                                    <p:animEffect transition="in" filter="fade">
-                                      <p:cBhvr>
-                                        <p:cTn id="12" dur="500"/>
-                                        <p:tgtEl>
-                                          <p:spTgt spid="6"/>
-                                        </p:tgtEl>
-                                      </p:cBhvr>
-                                    </p:animEffect>
-                                  </p:childTnLst>
-                                </p:cTn>
-                              </p:par>
-                            </p:childTnLst>
-                          </p:cTn>
-                        </p:par>
-                        <p:par>
-                          <p:cTn id="13" fill="hold">
-                            <p:stCondLst>
-                              <p:cond delay="500"/>
-                            </p:stCondLst>
-                            <p:childTnLst>
-                              <p:par>
-                                <p:cTn id="14" presetID="53" presetClass="entr" presetSubtype="16" fill="hold" nodeType="afterEffect">
-                                  <p:stCondLst>
-                                    <p:cond delay="0"/>
-                                  </p:stCondLst>
-                                  <p:childTnLst>
-                                    <p:set>
-                                      <p:cBhvr>
-                                        <p:cTn id="15" dur="1" fill="hold">
-                                          <p:stCondLst>
-                                            <p:cond delay="0"/>
-                                          </p:stCondLst>
-                                        </p:cTn>
-                                        <p:tgtEl>
-                                          <p:spTgt spid="23"/>
-                                        </p:tgtEl>
-                                        <p:attrNameLst>
-                                          <p:attrName>style.visibility</p:attrName>
-                                        </p:attrNameLst>
-                                      </p:cBhvr>
-                                      <p:to>
-                                        <p:strVal val="visible"/>
-                                      </p:to>
-                                    </p:set>
-                                    <p:anim calcmode="lin" valueType="num">
-                                      <p:cBhvr>
-                                        <p:cTn id="16" dur="500" fill="hold"/>
-                                        <p:tgtEl>
-                                          <p:spTgt spid="23"/>
-                                        </p:tgtEl>
-                                        <p:attrNameLst>
-                                          <p:attrName>ppt_w</p:attrName>
-                                        </p:attrNameLst>
-                                      </p:cBhvr>
-                                      <p:tavLst>
-                                        <p:tav tm="0">
-                                          <p:val>
-                                            <p:fltVal val="0"/>
-                                          </p:val>
-                                        </p:tav>
-                                        <p:tav tm="100000">
-                                          <p:val>
-                                            <p:strVal val="#ppt_w"/>
-                                          </p:val>
-                                        </p:tav>
-                                      </p:tavLst>
-                                    </p:anim>
-                                    <p:anim calcmode="lin" valueType="num">
-                                      <p:cBhvr>
-                                        <p:cTn id="17" dur="500" fill="hold"/>
-                                        <p:tgtEl>
-                                          <p:spTgt spid="23"/>
-                                        </p:tgtEl>
-                                        <p:attrNameLst>
-                                          <p:attrName>ppt_h</p:attrName>
-                                        </p:attrNameLst>
-                                      </p:cBhvr>
-                                      <p:tavLst>
-                                        <p:tav tm="0">
-                                          <p:val>
-                                            <p:fltVal val="0"/>
-                                          </p:val>
-                                        </p:tav>
-                                        <p:tav tm="100000">
-                                          <p:val>
-                                            <p:strVal val="#ppt_h"/>
-                                          </p:val>
-                                        </p:tav>
-                                      </p:tavLst>
-                                    </p:anim>
-                                    <p:animEffect transition="in" filter="fade">
-                                      <p:cBhvr>
-                                        <p:cTn id="18" dur="500"/>
-                                        <p:tgtEl>
-                                          <p:spTgt spid="23"/>
-                                        </p:tgtEl>
-                                      </p:cBhvr>
-                                    </p:animEffect>
-                                  </p:childTnLst>
-                                </p:cTn>
-                              </p:par>
-                              <p:par>
-                                <p:cTn id="19" presetID="10" presetClass="entr" presetSubtype="0" fill="hold" grpId="0" nodeType="withEffect">
-                                  <p:stCondLst>
-                                    <p:cond delay="0"/>
-                                  </p:stCondLst>
-                                  <p:childTnLst>
-                                    <p:set>
-                                      <p:cBhvr>
-                                        <p:cTn id="20" dur="1" fill="hold">
-                                          <p:stCondLst>
-                                            <p:cond delay="0"/>
-                                          </p:stCondLst>
-                                        </p:cTn>
-                                        <p:tgtEl>
-                                          <p:spTgt spid="21"/>
-                                        </p:tgtEl>
-                                        <p:attrNameLst>
-                                          <p:attrName>style.visibility</p:attrName>
-                                        </p:attrNameLst>
-                                      </p:cBhvr>
-                                      <p:to>
-                                        <p:strVal val="visible"/>
-                                      </p:to>
-                                    </p:set>
-                                    <p:animEffect transition="in" filter="fade">
-                                      <p:cBhvr>
-                                        <p:cTn id="21" dur="500"/>
-                                        <p:tgtEl>
-                                          <p:spTgt spid="21"/>
-                                        </p:tgtEl>
-                                      </p:cBhvr>
-                                    </p:animEffect>
-                                  </p:childTnLst>
-                                </p:cTn>
-                              </p:par>
-                            </p:childTnLst>
-                          </p:cTn>
-                        </p:par>
-                        <p:par>
-                          <p:cTn id="22" fill="hold">
-                            <p:stCondLst>
-                              <p:cond delay="1000"/>
-                            </p:stCondLst>
-                            <p:childTnLst>
-                              <p:par>
-                                <p:cTn id="23" presetID="53" presetClass="entr" presetSubtype="16" fill="hold" nodeType="afterEffect">
-                                  <p:stCondLst>
-                                    <p:cond delay="0"/>
-                                  </p:stCondLst>
-                                  <p:childTnLst>
-                                    <p:set>
-                                      <p:cBhvr>
-                                        <p:cTn id="24" dur="1" fill="hold">
-                                          <p:stCondLst>
-                                            <p:cond delay="0"/>
-                                          </p:stCondLst>
-                                        </p:cTn>
-                                        <p:tgtEl>
-                                          <p:spTgt spid="28"/>
-                                        </p:tgtEl>
-                                        <p:attrNameLst>
-                                          <p:attrName>style.visibility</p:attrName>
-                                        </p:attrNameLst>
-                                      </p:cBhvr>
-                                      <p:to>
-                                        <p:strVal val="visible"/>
-                                      </p:to>
-                                    </p:set>
-                                    <p:anim calcmode="lin" valueType="num">
-                                      <p:cBhvr>
-                                        <p:cTn id="25" dur="500" fill="hold"/>
-                                        <p:tgtEl>
-                                          <p:spTgt spid="28"/>
-                                        </p:tgtEl>
-                                        <p:attrNameLst>
-                                          <p:attrName>ppt_w</p:attrName>
-                                        </p:attrNameLst>
-                                      </p:cBhvr>
-                                      <p:tavLst>
-                                        <p:tav tm="0">
-                                          <p:val>
-                                            <p:fltVal val="0"/>
-                                          </p:val>
-                                        </p:tav>
-                                        <p:tav tm="100000">
-                                          <p:val>
-                                            <p:strVal val="#ppt_w"/>
-                                          </p:val>
-                                        </p:tav>
-                                      </p:tavLst>
-                                    </p:anim>
-                                    <p:anim calcmode="lin" valueType="num">
-                                      <p:cBhvr>
-                                        <p:cTn id="26" dur="500" fill="hold"/>
-                                        <p:tgtEl>
-                                          <p:spTgt spid="28"/>
-                                        </p:tgtEl>
-                                        <p:attrNameLst>
-                                          <p:attrName>ppt_h</p:attrName>
-                                        </p:attrNameLst>
-                                      </p:cBhvr>
-                                      <p:tavLst>
-                                        <p:tav tm="0">
-                                          <p:val>
-                                            <p:fltVal val="0"/>
-                                          </p:val>
-                                        </p:tav>
-                                        <p:tav tm="100000">
-                                          <p:val>
-                                            <p:strVal val="#ppt_h"/>
-                                          </p:val>
-                                        </p:tav>
-                                      </p:tavLst>
-                                    </p:anim>
-                                    <p:animEffect transition="in" filter="fade">
-                                      <p:cBhvr>
-                                        <p:cTn id="27" dur="500"/>
-                                        <p:tgtEl>
-                                          <p:spTgt spid="28"/>
-                                        </p:tgtEl>
-                                      </p:cBhvr>
-                                    </p:animEffect>
-                                  </p:childTnLst>
-                                </p:cTn>
-                              </p:par>
-                              <p:par>
-                                <p:cTn id="28" presetID="10" presetClass="entr" presetSubtype="0" fill="hold" grpId="0" nodeType="withEffect">
-                                  <p:stCondLst>
-                                    <p:cond delay="0"/>
-                                  </p:stCondLst>
-                                  <p:childTnLst>
-                                    <p:set>
-                                      <p:cBhvr>
-                                        <p:cTn id="29" dur="1" fill="hold">
-                                          <p:stCondLst>
-                                            <p:cond delay="0"/>
-                                          </p:stCondLst>
-                                        </p:cTn>
-                                        <p:tgtEl>
-                                          <p:spTgt spid="26"/>
-                                        </p:tgtEl>
-                                        <p:attrNameLst>
-                                          <p:attrName>style.visibility</p:attrName>
-                                        </p:attrNameLst>
-                                      </p:cBhvr>
-                                      <p:to>
-                                        <p:strVal val="visible"/>
-                                      </p:to>
-                                    </p:set>
-                                    <p:animEffect transition="in" filter="fade">
-                                      <p:cBhvr>
-                                        <p:cTn id="30" dur="500"/>
-                                        <p:tgtEl>
-                                          <p:spTgt spid="26"/>
-                                        </p:tgtEl>
-                                      </p:cBhvr>
-                                    </p:animEffect>
-                                  </p:childTnLst>
-                                </p:cTn>
-                              </p:par>
-                            </p:childTnLst>
-                          </p:cTn>
-                        </p:par>
-                      </p:childTnLst>
-                    </p:cTn>
-                  </p:par>
-                </p:childTnLst>
-              </p:cTn>
-              <p:prevCondLst>
-                <p:cond evt="onPrev" delay="0">
-                  <p:tgtEl>
-                    <p:sldTgt/>
-                  </p:tgtEl>
-                </p:cond>
-              </p:prevCondLst>
-              <p:nextCondLst>
-                <p:cond evt="onNext" delay="0">
-                  <p:tgtEl>
-                    <p:sldTgt/>
-                  </p:tgtEl>
-                </p:cond>
-              </p:nextCondLst>
-            </p:seq>
-          </p:childTnLst>
-        </p:cTn>
-      </p:par>
-    </p:tnLst>
-    <p:bldLst>
-      <p:bldP spid="6" grpId="0"/>
-      <p:bldP spid="21" grpId="0"/>
-      <p:bldP spid="26" grpId="0"/>
-    </p:bldLst>
-  </p:timing>
-</p:sld>
-</file>
-
-<file path=ppt/slides/slide18.xml><?xml version="1.0" encoding="utf-8"?>
-<p:sld xmlns:a="http://schemas.openxmlformats.org/drawingml/2006/main" xmlns:r="http://schemas.openxmlformats.org/officeDocument/2006/relationships" xmlns:p="http://schemas.openxmlformats.org/presentationml/2006/main">
-  <p:cSld>
-    <p:spTree>
-      <p:nvGrpSpPr>
-        <p:cNvPr id="1" name=""/>
-        <p:cNvGrpSpPr/>
-        <p:nvPr/>
-      </p:nvGrpSpPr>
-      <p:grpSpPr>
-        <a:xfrm>
-          <a:off x="0" y="0"/>
-          <a:ext cx="0" cy="0"/>
-          <a:chOff x="0" y="0"/>
-          <a:chExt cx="0" cy="0"/>
-        </a:xfrm>
-      </p:grpSpPr>
-      <p:sp>
-        <p:nvSpPr>
-          <p:cNvPr id="3" name="Rectangle 12"/>
-          <p:cNvSpPr>
-            <a:spLocks noGrp="1" noChangeArrowheads="1"/>
-          </p:cNvSpPr>
-          <p:nvPr>
-            <p:ph type="dt" sz="half" idx="2"/>
-          </p:nvPr>
-        </p:nvSpPr>
-        <p:spPr>
-          <a:xfrm>
-            <a:off x="798512" y="1600200"/>
-            <a:ext cx="2667000" cy="762000"/>
-          </a:xfrm>
-        </p:spPr>
-        <p:txBody>
-          <a:bodyPr/>
-          <a:lstStyle/>
-          <a:p>
-            <a:r>
-              <a:rPr lang="en-US" altLang="zh-CN" sz="5400" b="0" dirty="0">
-                <a:latin typeface="Arial" panose="020B0604020202020204" pitchFamily="34" charset="0"/>
-                <a:cs typeface="Arial" panose="020B0604020202020204" pitchFamily="34" charset="0"/>
-              </a:rPr>
-              <a:t>Thanks</a:t>
-            </a:r>
-          </a:p>
-        </p:txBody>
-      </p:sp>
-      <p:sp>
-        <p:nvSpPr>
-          <p:cNvPr id="136194" name="Rectangle 2"/>
-          <p:cNvSpPr>
-            <a:spLocks noGrp="1" noChangeArrowheads="1"/>
-          </p:cNvSpPr>
-          <p:nvPr>
-            <p:ph type="ctrTitle"/>
-          </p:nvPr>
-        </p:nvSpPr>
-        <p:spPr>
-          <a:xfrm>
-            <a:off x="874712" y="2362200"/>
-            <a:ext cx="6516688" cy="614362"/>
-          </a:xfrm>
-        </p:spPr>
-        <p:txBody>
-          <a:bodyPr/>
-          <a:lstStyle/>
-          <a:p>
-            <a:r>
-              <a:rPr lang="zh-CN" altLang="en-US" sz="3600" dirty="0"/>
-              <a:t>谢谢</a:t>
-            </a:r>
-            <a:r>
-              <a:rPr lang="en-US" altLang="zh-CN" sz="3600" dirty="0"/>
-              <a:t>!</a:t>
-            </a:r>
           </a:p>
         </p:txBody>
       </p:sp>
@@ -17029,7 +10940,7 @@
           <a:lstStyle/>
           <a:p>
             <a:r>
-              <a:rPr lang="zh-CN" altLang="en-US"/>
+              <a:rPr lang="zh-CN" altLang="en-US" dirty="0"/>
               <a:t>总结</a:t>
             </a:r>
           </a:p>
@@ -17338,19 +11249,58 @@
       </p:sp>
       <p:sp>
         <p:nvSpPr>
-          <p:cNvPr id="2" name="文本框 1"/>
+          <p:cNvPr id="3" name="标题 2"/>
+          <p:cNvSpPr>
+            <a:spLocks noGrp="1"/>
+          </p:cNvSpPr>
+          <p:nvPr>
+            <p:ph type="title"/>
+          </p:nvPr>
+        </p:nvSpPr>
+        <p:spPr>
+          <a:xfrm>
+            <a:off x="478971" y="838200"/>
+            <a:ext cx="8001000" cy="563562"/>
+          </a:xfrm>
+        </p:spPr>
+        <p:txBody>
+          <a:bodyPr/>
+          <a:lstStyle/>
+          <a:p>
+            <a:r>
+              <a:rPr lang="en-US" altLang="zh-CN" b="0" i="0" dirty="0" smtClean="0">
+                <a:solidFill>
+                  <a:srgbClr val="4F4F4F"/>
+                </a:solidFill>
+                <a:effectLst/>
+                <a:latin typeface="PingFang SC"/>
+              </a:rPr>
+              <a:t>Exactly Only Once</a:t>
+            </a:r>
+            <a:endParaRPr lang="zh-CN" altLang="en-US" dirty="0"/>
+          </a:p>
+        </p:txBody>
+      </p:sp>
+      <p:sp>
+        <p:nvSpPr>
+          <p:cNvPr id="5" name="文本框 4"/>
           <p:cNvSpPr txBox="1"/>
           <p:nvPr/>
         </p:nvSpPr>
         <p:spPr>
           <a:xfrm>
-            <a:off x="3009013" y="536345"/>
-            <a:ext cx="2871299" cy="646331"/>
+            <a:off x="1752600" y="2133600"/>
+            <a:ext cx="4685898" cy="646331"/>
           </a:xfrm>
           <a:prstGeom prst="rect">
             <a:avLst/>
           </a:prstGeom>
-          <a:noFill/>
+          <a:solidFill>
+            <a:schemeClr val="tx2">
+              <a:lumMod val="20000"/>
+              <a:lumOff val="80000"/>
+            </a:schemeClr>
+          </a:solidFill>
         </p:spPr>
         <p:txBody>
           <a:bodyPr wrap="none" rtlCol="0">
@@ -17358,103 +11308,141 @@
           </a:bodyPr>
           <a:lstStyle/>
           <a:p>
-            <a:r>
-              <a:rPr kumimoji="1" lang="en-US" altLang="zh-CN" sz="3600" b="1" dirty="0" smtClean="0">
-                <a:solidFill>
-                  <a:schemeClr val="accent1"/>
-                </a:solidFill>
-                <a:latin typeface="微软雅黑" panose="020B0503020204020204" pitchFamily="34" charset="-122"/>
-                <a:ea typeface="微软雅黑" panose="020B0503020204020204" pitchFamily="34" charset="-122"/>
-                <a:cs typeface="微软雅黑" panose="020B0503020204020204" pitchFamily="34" charset="-122"/>
-              </a:rPr>
-              <a:t>2.1 </a:t>
-            </a:r>
-            <a:r>
-              <a:rPr kumimoji="1" lang="zh-CN" altLang="en-US" sz="3600" b="1" dirty="0" smtClean="0">
-                <a:solidFill>
-                  <a:schemeClr val="accent1"/>
-                </a:solidFill>
-                <a:latin typeface="微软雅黑" panose="020B0503020204020204" pitchFamily="34" charset="-122"/>
-                <a:ea typeface="微软雅黑" panose="020B0503020204020204" pitchFamily="34" charset="-122"/>
-                <a:cs typeface="微软雅黑" panose="020B0503020204020204" pitchFamily="34" charset="-122"/>
-              </a:rPr>
-              <a:t>数据同步</a:t>
-            </a:r>
-            <a:endParaRPr kumimoji="1" lang="zh-CN" altLang="en-US" sz="3600" b="1" dirty="0">
-              <a:solidFill>
-                <a:schemeClr val="accent1"/>
-              </a:solidFill>
-              <a:latin typeface="微软雅黑" panose="020B0503020204020204" pitchFamily="34" charset="-122"/>
-              <a:ea typeface="微软雅黑" panose="020B0503020204020204" pitchFamily="34" charset="-122"/>
-              <a:cs typeface="微软雅黑" panose="020B0503020204020204" pitchFamily="34" charset="-122"/>
+            <a:pPr marL="342900" indent="-342900" algn="l">
+              <a:buFont typeface="+mj-lt"/>
+              <a:buAutoNum type="arabicPeriod"/>
+            </a:pPr>
+            <a:r>
+              <a:rPr lang="zh-CN" altLang="en-US" dirty="0">
+                <a:effectLst/>
+              </a:rPr>
+              <a:t>发送消息阶段，不允许发送重复的</a:t>
+            </a:r>
+            <a:r>
+              <a:rPr lang="zh-CN" altLang="en-US" dirty="0" smtClean="0">
+                <a:effectLst/>
+              </a:rPr>
+              <a:t>消息</a:t>
+            </a:r>
+            <a:endParaRPr lang="en-US" altLang="zh-CN" dirty="0" smtClean="0">
+              <a:effectLst/>
             </a:endParaRPr>
           </a:p>
-        </p:txBody>
-      </p:sp>
-      <p:pic>
-        <p:nvPicPr>
-          <p:cNvPr id="9218" name="Picture 2"/>
-          <p:cNvPicPr>
-            <a:picLocks noChangeAspect="1" noChangeArrowheads="1"/>
-          </p:cNvPicPr>
+          <a:p>
+            <a:pPr marL="342900" indent="-342900" algn="l">
+              <a:buFont typeface="+mj-lt"/>
+              <a:buAutoNum type="arabicPeriod"/>
+            </a:pPr>
+            <a:r>
+              <a:rPr lang="zh-CN" altLang="en-US" dirty="0">
+                <a:effectLst/>
+              </a:rPr>
+              <a:t>消费消息阶段，不允许消费重复的消息。</a:t>
+            </a:r>
+            <a:endParaRPr lang="zh-CN" altLang="en-US" dirty="0">
+              <a:effectLst/>
+            </a:endParaRPr>
+          </a:p>
+        </p:txBody>
+      </p:sp>
+      <p:sp>
+        <p:nvSpPr>
+          <p:cNvPr id="6" name="文本框 5"/>
+          <p:cNvSpPr txBox="1"/>
           <p:nvPr/>
-        </p:nvPicPr>
-        <p:blipFill>
-          <a:blip r:embed="rId3">
-            <a:extLst>
-              <a:ext uri="{28A0092B-C50C-407E-A947-70E740481C1C}">
-                <a14:useLocalDpi xmlns:a14="http://schemas.microsoft.com/office/drawing/2010/main" val="0"/>
-              </a:ext>
-            </a:extLst>
-          </a:blip>
-          <a:srcRect/>
-          <a:stretch>
-            <a:fillRect/>
-          </a:stretch>
-        </p:blipFill>
-        <p:spPr bwMode="auto">
+        </p:nvSpPr>
+        <p:spPr>
           <a:xfrm>
-            <a:off x="1905000" y="2057400"/>
-            <a:ext cx="4980609" cy="2286000"/>
+            <a:off x="620486" y="3853262"/>
+            <a:ext cx="7620000" cy="1754326"/>
           </a:xfrm>
           <a:prstGeom prst="rect">
             <a:avLst/>
           </a:prstGeom>
-          <a:noFill/>
-          <a:ln>
-            <a:noFill/>
-          </a:ln>
-          <a:effectLst/>
-          <a:extLst>
-            <a:ext uri="{909E8E84-426E-40DD-AFC4-6F175D3DCCD1}">
-              <a14:hiddenFill xmlns:a14="http://schemas.microsoft.com/office/drawing/2010/main">
+          <a:solidFill>
+            <a:schemeClr val="accent2">
+              <a:lumMod val="20000"/>
+              <a:lumOff val="80000"/>
+            </a:schemeClr>
+          </a:solidFill>
+        </p:spPr>
+        <p:txBody>
+          <a:bodyPr wrap="square" rtlCol="0">
+            <a:spAutoFit/>
+          </a:bodyPr>
+          <a:lstStyle/>
+          <a:p>
+            <a:pPr algn="l"/>
+            <a:r>
+              <a:rPr lang="zh-CN" altLang="en-US" dirty="0" smtClean="0">
+                <a:effectLst/>
+              </a:rPr>
+              <a:t>        只有</a:t>
+            </a:r>
+            <a:r>
+              <a:rPr lang="zh-CN" altLang="en-US" dirty="0">
+                <a:effectLst/>
+              </a:rPr>
+              <a:t>以上两个条件都满足情况下，才能认为消息是“</a:t>
+            </a:r>
+            <a:r>
+              <a:rPr lang="en-US" altLang="zh-CN" dirty="0">
+                <a:effectLst/>
+              </a:rPr>
+              <a:t>Exactly Only Once”</a:t>
+            </a:r>
+            <a:r>
+              <a:rPr lang="zh-CN" altLang="en-US" dirty="0">
+                <a:effectLst/>
+              </a:rPr>
+              <a:t>，而要实现以上两点，在分布式系统环境下，不可避免要产生巨大的开销。所以</a:t>
+            </a:r>
+            <a:r>
+              <a:rPr lang="en-US" altLang="zh-CN" dirty="0" err="1">
                 <a:solidFill>
-                  <a:schemeClr val="accent1"/>
+                  <a:srgbClr val="FF0000"/>
                 </a:solidFill>
-              </a14:hiddenFill>
-            </a:ext>
-            <a:ext uri="{91240B29-F687-4F45-9708-019B960494DF}">
-              <a14:hiddenLine xmlns:a14="http://schemas.microsoft.com/office/drawing/2010/main" w="9525">
+                <a:effectLst/>
+              </a:rPr>
+              <a:t>RocketMQ</a:t>
+            </a:r>
+            <a:r>
+              <a:rPr lang="zh-CN" altLang="en-US" dirty="0">
                 <a:solidFill>
-                  <a:schemeClr val="tx1"/>
+                  <a:srgbClr val="FF0000"/>
                 </a:solidFill>
-                <a:miter lim="800000"/>
-                <a:headEnd/>
-                <a:tailEnd/>
-              </a14:hiddenLine>
-            </a:ext>
-            <a:ext uri="{AF507438-7753-43E0-B8FC-AC1667EBCBE1}">
-              <a14:hiddenEffects xmlns:a14="http://schemas.microsoft.com/office/drawing/2010/main">
-                <a:effectLst>
-                  <a:outerShdw dist="35921" dir="2700000" algn="ctr" rotWithShape="0">
-                    <a:schemeClr val="bg2"/>
-                  </a:outerShdw>
-                </a:effectLst>
-              </a14:hiddenEffects>
-            </a:ext>
-          </a:extLst>
-        </p:spPr>
-      </p:pic>
+                <a:effectLst/>
+              </a:rPr>
+              <a:t>为了追求高性能，并不保证此特性，要求在业务上进行去重，也就是说消费消息要做到幂等性。</a:t>
+            </a:r>
+            <a:r>
+              <a:rPr lang="en-US" altLang="zh-CN" dirty="0" err="1">
+                <a:effectLst/>
+              </a:rPr>
+              <a:t>RocketMQ</a:t>
+            </a:r>
+            <a:r>
+              <a:rPr lang="zh-CN" altLang="en-US" dirty="0">
+                <a:effectLst/>
+              </a:rPr>
+              <a:t>虽然不能严格保证不重复，但是正常情况下很少会出现重复发送、消费情况，只有网络异常，</a:t>
+            </a:r>
+            <a:r>
+              <a:rPr lang="en-US" altLang="zh-CN" dirty="0">
+                <a:effectLst/>
+              </a:rPr>
+              <a:t>Consumer</a:t>
+            </a:r>
+            <a:r>
+              <a:rPr lang="zh-CN" altLang="en-US" dirty="0">
+                <a:effectLst/>
+              </a:rPr>
+              <a:t>启停等异常情况下会出现消息重复。</a:t>
+            </a:r>
+            <a:endParaRPr lang="zh-CN" altLang="en-US" dirty="0"/>
+          </a:p>
+        </p:txBody>
+      </p:sp>
     </p:spTree>
   </p:cSld>
   <p:clrMapOvr>
@@ -17503,80 +11491,48 @@
           </a:p>
         </p:txBody>
       </p:sp>
-      <p:pic>
-        <p:nvPicPr>
-          <p:cNvPr id="3074" name="Picture 2"/>
-          <p:cNvPicPr>
-            <a:picLocks noChangeAspect="1" noChangeArrowheads="1"/>
-          </p:cNvPicPr>
-          <p:nvPr/>
-        </p:nvPicPr>
-        <p:blipFill>
-          <a:blip r:embed="rId3">
-            <a:extLst>
-              <a:ext uri="{28A0092B-C50C-407E-A947-70E740481C1C}">
-                <a14:useLocalDpi xmlns:a14="http://schemas.microsoft.com/office/drawing/2010/main" val="0"/>
-              </a:ext>
-            </a:extLst>
-          </a:blip>
-          <a:srcRect/>
-          <a:stretch>
-            <a:fillRect/>
-          </a:stretch>
-        </p:blipFill>
-        <p:spPr bwMode="auto">
+      <p:sp>
+        <p:nvSpPr>
+          <p:cNvPr id="3" name="标题 2"/>
+          <p:cNvSpPr>
+            <a:spLocks noGrp="1"/>
+          </p:cNvSpPr>
+          <p:nvPr>
+            <p:ph type="title"/>
+          </p:nvPr>
+        </p:nvSpPr>
+        <p:spPr>
           <a:xfrm>
-            <a:off x="76200" y="381000"/>
-            <a:ext cx="6477000" cy="6134100"/>
+            <a:off x="457200" y="609600"/>
+            <a:ext cx="8001000" cy="563562"/>
           </a:xfrm>
-          <a:prstGeom prst="rect">
-            <a:avLst/>
-          </a:prstGeom>
-          <a:noFill/>
-          <a:ln>
-            <a:noFill/>
-          </a:ln>
-          <a:effectLst/>
-          <a:extLst>
-            <a:ext uri="{909E8E84-426E-40DD-AFC4-6F175D3DCCD1}">
-              <a14:hiddenFill xmlns:a14="http://schemas.microsoft.com/office/drawing/2010/main">
-                <a:solidFill>
-                  <a:schemeClr val="accent1"/>
-                </a:solidFill>
-              </a14:hiddenFill>
-            </a:ext>
-            <a:ext uri="{91240B29-F687-4F45-9708-019B960494DF}">
-              <a14:hiddenLine xmlns:a14="http://schemas.microsoft.com/office/drawing/2010/main" w="9525">
-                <a:solidFill>
-                  <a:schemeClr val="tx1"/>
-                </a:solidFill>
-                <a:miter lim="800000"/>
-                <a:headEnd/>
-                <a:tailEnd/>
-              </a14:hiddenLine>
-            </a:ext>
-            <a:ext uri="{AF507438-7753-43E0-B8FC-AC1667EBCBE1}">
-              <a14:hiddenEffects xmlns:a14="http://schemas.microsoft.com/office/drawing/2010/main">
-                <a:effectLst>
-                  <a:outerShdw dist="35921" dir="2700000" algn="ctr" rotWithShape="0">
-                    <a:schemeClr val="bg2"/>
-                  </a:outerShdw>
-                </a:effectLst>
-              </a14:hiddenEffects>
-            </a:ext>
-          </a:extLst>
         </p:spPr>
-      </p:pic>
-      <p:sp>
-        <p:nvSpPr>
-          <p:cNvPr id="2" name="文本框 1"/>
+        <p:txBody>
+          <a:bodyPr/>
+          <a:lstStyle/>
+          <a:p>
+            <a:r>
+              <a:rPr lang="en-US" altLang="zh-CN" dirty="0" err="1" smtClean="0"/>
+              <a:t>RocketMQ</a:t>
+            </a:r>
+            <a:r>
+              <a:rPr lang="zh-CN" altLang="en-US" dirty="0" smtClean="0"/>
+              <a:t>幂等问题处理建议</a:t>
+            </a:r>
+            <a:endParaRPr lang="zh-CN" altLang="en-US" dirty="0"/>
+          </a:p>
+        </p:txBody>
+      </p:sp>
+      <p:sp>
+        <p:nvSpPr>
+          <p:cNvPr id="5" name="文本框 4"/>
           <p:cNvSpPr txBox="1"/>
           <p:nvPr/>
         </p:nvSpPr>
         <p:spPr>
           <a:xfrm>
-            <a:off x="5943600" y="990600"/>
-            <a:ext cx="2871299" cy="646331"/>
+            <a:off x="353082" y="1371600"/>
+            <a:ext cx="8209235" cy="338554"/>
           </a:xfrm>
           <a:prstGeom prst="rect">
             <a:avLst/>
@@ -17590,38 +11546,42 @@
           <a:lstStyle/>
           <a:p>
             <a:r>
-              <a:rPr kumimoji="1" lang="en-US" altLang="zh-CN" sz="3600" b="1" dirty="0" smtClean="0">
-                <a:solidFill>
-                  <a:schemeClr val="accent1"/>
-                </a:solidFill>
-                <a:latin typeface="微软雅黑" panose="020B0503020204020204" pitchFamily="34" charset="-122"/>
-                <a:ea typeface="微软雅黑" panose="020B0503020204020204" pitchFamily="34" charset="-122"/>
-                <a:cs typeface="微软雅黑" panose="020B0503020204020204" pitchFamily="34" charset="-122"/>
-              </a:rPr>
-              <a:t>2.2 </a:t>
-            </a:r>
-            <a:r>
-              <a:rPr kumimoji="1" lang="zh-CN" altLang="en-US" sz="3600" b="1" dirty="0" smtClean="0">
-                <a:solidFill>
-                  <a:schemeClr val="accent1"/>
-                </a:solidFill>
-                <a:latin typeface="微软雅黑" panose="020B0503020204020204" pitchFamily="34" charset="-122"/>
-                <a:ea typeface="微软雅黑" panose="020B0503020204020204" pitchFamily="34" charset="-122"/>
-                <a:cs typeface="微软雅黑" panose="020B0503020204020204" pitchFamily="34" charset="-122"/>
-              </a:rPr>
-              <a:t>消息推送</a:t>
-            </a:r>
-            <a:endParaRPr kumimoji="1" lang="zh-CN" altLang="en-US" sz="3600" b="1" dirty="0">
-              <a:solidFill>
-                <a:schemeClr val="accent1"/>
-              </a:solidFill>
-              <a:latin typeface="微软雅黑" panose="020B0503020204020204" pitchFamily="34" charset="-122"/>
-              <a:ea typeface="微软雅黑" panose="020B0503020204020204" pitchFamily="34" charset="-122"/>
-              <a:cs typeface="微软雅黑" panose="020B0503020204020204" pitchFamily="34" charset="-122"/>
+              <a:rPr lang="en-US" altLang="zh-CN" sz="1600" dirty="0">
+                <a:effectLst/>
+                <a:hlinkClick r:id="rId3"/>
+              </a:rPr>
+              <a:t>https://help.aliyun.com/document_detail/44397.html?spm=a2c4g.11186623.6.583.Zfj53U</a:t>
+            </a:r>
+            <a:endParaRPr lang="zh-CN" altLang="en-US" sz="1600" dirty="0">
+              <a:effectLst/>
             </a:endParaRPr>
           </a:p>
         </p:txBody>
       </p:sp>
+      <p:pic>
+        <p:nvPicPr>
+          <p:cNvPr id="6" name="图片 5"/>
+          <p:cNvPicPr>
+            <a:picLocks noChangeAspect="1"/>
+          </p:cNvPicPr>
+          <p:nvPr/>
+        </p:nvPicPr>
+        <p:blipFill>
+          <a:blip r:embed="rId4"/>
+          <a:stretch>
+            <a:fillRect/>
+          </a:stretch>
+        </p:blipFill>
+        <p:spPr>
+          <a:xfrm>
+            <a:off x="700352" y="2093302"/>
+            <a:ext cx="7561905" cy="3961905"/>
+          </a:xfrm>
+          <a:prstGeom prst="rect">
+            <a:avLst/>
+          </a:prstGeom>
+        </p:spPr>
+      </p:pic>
     </p:spTree>
   </p:cSld>
   <p:clrMapOvr>
@@ -17649,310 +11609,62 @@
       </p:grpSpPr>
       <p:sp>
         <p:nvSpPr>
-          <p:cNvPr id="4" name="幻灯片编号占位符 3"/>
+          <p:cNvPr id="3" name="Rectangle 12"/>
           <p:cNvSpPr>
-            <a:spLocks noGrp="1"/>
+            <a:spLocks noGrp="1" noChangeArrowheads="1"/>
           </p:cNvSpPr>
           <p:nvPr>
-            <p:ph type="sldNum" sz="quarter" idx="11"/>
+            <p:ph type="dt" sz="half" idx="2"/>
           </p:nvPr>
         </p:nvSpPr>
-        <p:spPr/>
+        <p:spPr>
+          <a:xfrm>
+            <a:off x="798512" y="1600200"/>
+            <a:ext cx="2667000" cy="762000"/>
+          </a:xfrm>
+        </p:spPr>
         <p:txBody>
           <a:bodyPr/>
           <a:lstStyle/>
           <a:p>
-            <a:fld id="{1EAD90CE-CA62-48F8-87DA-AA74ACBFB15B}" type="slidenum">
-              <a:rPr lang="en-US" altLang="zh-CN" smtClean="0"/>
-              <a:t>8</a:t>
-            </a:fld>
-            <a:endParaRPr lang="en-US" altLang="zh-CN"/>
-          </a:p>
-        </p:txBody>
-      </p:sp>
-      <p:pic>
-        <p:nvPicPr>
-          <p:cNvPr id="4098" name="Picture 2"/>
-          <p:cNvPicPr>
-            <a:picLocks noChangeAspect="1" noChangeArrowheads="1"/>
-          </p:cNvPicPr>
-          <p:nvPr/>
-        </p:nvPicPr>
-        <p:blipFill>
-          <a:blip r:embed="rId3">
-            <a:extLst>
-              <a:ext uri="{28A0092B-C50C-407E-A947-70E740481C1C}">
-                <a14:useLocalDpi xmlns:a14="http://schemas.microsoft.com/office/drawing/2010/main" val="0"/>
-              </a:ext>
-            </a:extLst>
-          </a:blip>
-          <a:srcRect/>
-          <a:stretch>
-            <a:fillRect/>
-          </a:stretch>
-        </p:blipFill>
-        <p:spPr bwMode="auto">
-          <a:xfrm>
-            <a:off x="0" y="342900"/>
-            <a:ext cx="7600950" cy="6172200"/>
-          </a:xfrm>
-          <a:prstGeom prst="rect">
-            <a:avLst/>
-          </a:prstGeom>
-          <a:noFill/>
-          <a:ln>
-            <a:noFill/>
-          </a:ln>
-          <a:effectLst/>
-          <a:extLst>
-            <a:ext uri="{909E8E84-426E-40DD-AFC4-6F175D3DCCD1}">
-              <a14:hiddenFill xmlns:a14="http://schemas.microsoft.com/office/drawing/2010/main">
-                <a:solidFill>
-                  <a:schemeClr val="accent1"/>
-                </a:solidFill>
-              </a14:hiddenFill>
-            </a:ext>
-            <a:ext uri="{91240B29-F687-4F45-9708-019B960494DF}">
-              <a14:hiddenLine xmlns:a14="http://schemas.microsoft.com/office/drawing/2010/main" w="9525">
-                <a:solidFill>
-                  <a:schemeClr val="tx1"/>
-                </a:solidFill>
-                <a:miter lim="800000"/>
-                <a:headEnd/>
-                <a:tailEnd/>
-              </a14:hiddenLine>
-            </a:ext>
-            <a:ext uri="{AF507438-7753-43E0-B8FC-AC1667EBCBE1}">
-              <a14:hiddenEffects xmlns:a14="http://schemas.microsoft.com/office/drawing/2010/main">
-                <a:effectLst>
-                  <a:outerShdw dist="35921" dir="2700000" algn="ctr" rotWithShape="0">
-                    <a:schemeClr val="bg2"/>
-                  </a:outerShdw>
-                </a:effectLst>
-              </a14:hiddenEffects>
-            </a:ext>
-          </a:extLst>
-        </p:spPr>
-      </p:pic>
-      <p:sp>
-        <p:nvSpPr>
-          <p:cNvPr id="2" name="文本框 1"/>
-          <p:cNvSpPr txBox="1"/>
-          <p:nvPr/>
+            <a:r>
+              <a:rPr lang="en-US" altLang="zh-CN" sz="5400" b="0" dirty="0">
+                <a:latin typeface="Arial" panose="020B0604020202020204" pitchFamily="34" charset="0"/>
+                <a:cs typeface="Arial" panose="020B0604020202020204" pitchFamily="34" charset="0"/>
+              </a:rPr>
+              <a:t>Thanks</a:t>
+            </a:r>
+          </a:p>
+        </p:txBody>
+      </p:sp>
+      <p:sp>
+        <p:nvSpPr>
+          <p:cNvPr id="136194" name="Rectangle 2"/>
+          <p:cNvSpPr>
+            <a:spLocks noGrp="1" noChangeArrowheads="1"/>
+          </p:cNvSpPr>
+          <p:nvPr>
+            <p:ph type="ctrTitle"/>
+          </p:nvPr>
         </p:nvSpPr>
         <p:spPr>
           <a:xfrm>
-            <a:off x="5943600" y="990600"/>
-            <a:ext cx="2871299" cy="646331"/>
+            <a:off x="874712" y="2362200"/>
+            <a:ext cx="6516688" cy="614362"/>
           </a:xfrm>
-          <a:prstGeom prst="rect">
-            <a:avLst/>
-          </a:prstGeom>
-          <a:noFill/>
         </p:spPr>
-        <p:txBody>
-          <a:bodyPr wrap="none" rtlCol="0">
-            <a:spAutoFit/>
-          </a:bodyPr>
-          <a:lstStyle/>
-          <a:p>
-            <a:r>
-              <a:rPr kumimoji="1" lang="en-US" altLang="zh-CN" sz="3600" b="1" dirty="0" smtClean="0">
-                <a:solidFill>
-                  <a:schemeClr val="accent1"/>
-                </a:solidFill>
-                <a:latin typeface="微软雅黑" panose="020B0503020204020204" pitchFamily="34" charset="-122"/>
-                <a:ea typeface="微软雅黑" panose="020B0503020204020204" pitchFamily="34" charset="-122"/>
-                <a:cs typeface="微软雅黑" panose="020B0503020204020204" pitchFamily="34" charset="-122"/>
-              </a:rPr>
-              <a:t>2.2 </a:t>
-            </a:r>
-            <a:r>
-              <a:rPr kumimoji="1" lang="zh-CN" altLang="en-US" sz="3600" b="1" dirty="0" smtClean="0">
-                <a:solidFill>
-                  <a:schemeClr val="accent1"/>
-                </a:solidFill>
-                <a:latin typeface="微软雅黑" panose="020B0503020204020204" pitchFamily="34" charset="-122"/>
-                <a:ea typeface="微软雅黑" panose="020B0503020204020204" pitchFamily="34" charset="-122"/>
-                <a:cs typeface="微软雅黑" panose="020B0503020204020204" pitchFamily="34" charset="-122"/>
-              </a:rPr>
-              <a:t>消息推送</a:t>
-            </a:r>
-            <a:endParaRPr kumimoji="1" lang="zh-CN" altLang="en-US" sz="3600" b="1" dirty="0">
-              <a:solidFill>
-                <a:schemeClr val="accent1"/>
-              </a:solidFill>
-              <a:latin typeface="微软雅黑" panose="020B0503020204020204" pitchFamily="34" charset="-122"/>
-              <a:ea typeface="微软雅黑" panose="020B0503020204020204" pitchFamily="34" charset="-122"/>
-              <a:cs typeface="微软雅黑" panose="020B0503020204020204" pitchFamily="34" charset="-122"/>
-            </a:endParaRPr>
-          </a:p>
-        </p:txBody>
-      </p:sp>
-    </p:spTree>
-  </p:cSld>
-  <p:clrMapOvr>
-    <a:masterClrMapping/>
-  </p:clrMapOvr>
-</p:sld>
-</file>
-
-<file path=ppt/slides/slide9.xml><?xml version="1.0" encoding="utf-8"?>
-<p:sld xmlns:a="http://schemas.openxmlformats.org/drawingml/2006/main" xmlns:r="http://schemas.openxmlformats.org/officeDocument/2006/relationships" xmlns:p="http://schemas.openxmlformats.org/presentationml/2006/main">
-  <p:cSld>
-    <p:spTree>
-      <p:nvGrpSpPr>
-        <p:cNvPr id="1" name=""/>
-        <p:cNvGrpSpPr/>
-        <p:nvPr/>
-      </p:nvGrpSpPr>
-      <p:grpSpPr>
-        <a:xfrm>
-          <a:off x="0" y="0"/>
-          <a:ext cx="0" cy="0"/>
-          <a:chOff x="0" y="0"/>
-          <a:chExt cx="0" cy="0"/>
-        </a:xfrm>
-      </p:grpSpPr>
-      <p:sp>
-        <p:nvSpPr>
-          <p:cNvPr id="4" name="幻灯片编号占位符 3"/>
-          <p:cNvSpPr>
-            <a:spLocks noGrp="1"/>
-          </p:cNvSpPr>
-          <p:nvPr>
-            <p:ph type="sldNum" sz="quarter" idx="11"/>
-          </p:nvPr>
-        </p:nvSpPr>
-        <p:spPr/>
         <p:txBody>
           <a:bodyPr/>
           <a:lstStyle/>
           <a:p>
-            <a:fld id="{1EAD90CE-CA62-48F8-87DA-AA74ACBFB15B}" type="slidenum">
-              <a:rPr lang="en-US" altLang="zh-CN" smtClean="0"/>
-              <a:t>9</a:t>
-            </a:fld>
-            <a:endParaRPr lang="en-US" altLang="zh-CN"/>
-          </a:p>
-        </p:txBody>
-      </p:sp>
-      <p:pic>
-        <p:nvPicPr>
-          <p:cNvPr id="5122" name="Picture 2"/>
-          <p:cNvPicPr>
-            <a:picLocks noChangeAspect="1" noChangeArrowheads="1"/>
-          </p:cNvPicPr>
-          <p:nvPr/>
-        </p:nvPicPr>
-        <p:blipFill>
-          <a:blip r:embed="rId3">
-            <a:extLst>
-              <a:ext uri="{28A0092B-C50C-407E-A947-70E740481C1C}">
-                <a14:useLocalDpi xmlns:a14="http://schemas.microsoft.com/office/drawing/2010/main" val="0"/>
-              </a:ext>
-            </a:extLst>
-          </a:blip>
-          <a:srcRect/>
-          <a:stretch>
-            <a:fillRect/>
-          </a:stretch>
-        </p:blipFill>
-        <p:spPr bwMode="auto">
-          <a:xfrm>
-            <a:off x="104775" y="885825"/>
-            <a:ext cx="7896225" cy="5057775"/>
-          </a:xfrm>
-          <a:prstGeom prst="rect">
-            <a:avLst/>
-          </a:prstGeom>
-          <a:noFill/>
-          <a:ln>
-            <a:noFill/>
-          </a:ln>
-          <a:effectLst/>
-          <a:extLst>
-            <a:ext uri="{909E8E84-426E-40DD-AFC4-6F175D3DCCD1}">
-              <a14:hiddenFill xmlns:a14="http://schemas.microsoft.com/office/drawing/2010/main">
-                <a:solidFill>
-                  <a:schemeClr val="accent1"/>
-                </a:solidFill>
-              </a14:hiddenFill>
-            </a:ext>
-            <a:ext uri="{91240B29-F687-4F45-9708-019B960494DF}">
-              <a14:hiddenLine xmlns:a14="http://schemas.microsoft.com/office/drawing/2010/main" w="9525">
-                <a:solidFill>
-                  <a:schemeClr val="tx1"/>
-                </a:solidFill>
-                <a:miter lim="800000"/>
-                <a:headEnd/>
-                <a:tailEnd/>
-              </a14:hiddenLine>
-            </a:ext>
-            <a:ext uri="{AF507438-7753-43E0-B8FC-AC1667EBCBE1}">
-              <a14:hiddenEffects xmlns:a14="http://schemas.microsoft.com/office/drawing/2010/main">
-                <a:effectLst>
-                  <a:outerShdw dist="35921" dir="2700000" algn="ctr" rotWithShape="0">
-                    <a:schemeClr val="bg2"/>
-                  </a:outerShdw>
-                </a:effectLst>
-              </a14:hiddenEffects>
-            </a:ext>
-          </a:extLst>
-        </p:spPr>
-      </p:pic>
-      <p:sp>
-        <p:nvSpPr>
-          <p:cNvPr id="2" name="文本框 1"/>
-          <p:cNvSpPr txBox="1"/>
-          <p:nvPr/>
-        </p:nvSpPr>
-        <p:spPr>
-          <a:xfrm>
-            <a:off x="5943600" y="990600"/>
-            <a:ext cx="2871299" cy="646331"/>
-          </a:xfrm>
-          <a:prstGeom prst="rect">
-            <a:avLst/>
-          </a:prstGeom>
-          <a:noFill/>
-        </p:spPr>
-        <p:txBody>
-          <a:bodyPr wrap="none" rtlCol="0">
-            <a:spAutoFit/>
-          </a:bodyPr>
-          <a:lstStyle/>
-          <a:p>
-            <a:r>
-              <a:rPr kumimoji="1" lang="en-US" altLang="zh-CN" sz="3600" b="1" dirty="0" smtClean="0">
-                <a:solidFill>
-                  <a:schemeClr val="accent1"/>
-                </a:solidFill>
-                <a:latin typeface="微软雅黑" panose="020B0503020204020204" pitchFamily="34" charset="-122"/>
-                <a:ea typeface="微软雅黑" panose="020B0503020204020204" pitchFamily="34" charset="-122"/>
-                <a:cs typeface="微软雅黑" panose="020B0503020204020204" pitchFamily="34" charset="-122"/>
-              </a:rPr>
-              <a:t>2.2 </a:t>
-            </a:r>
-            <a:r>
-              <a:rPr kumimoji="1" lang="zh-CN" altLang="en-US" sz="3600" b="1" dirty="0" smtClean="0">
-                <a:solidFill>
-                  <a:schemeClr val="accent1"/>
-                </a:solidFill>
-                <a:latin typeface="微软雅黑" panose="020B0503020204020204" pitchFamily="34" charset="-122"/>
-                <a:ea typeface="微软雅黑" panose="020B0503020204020204" pitchFamily="34" charset="-122"/>
-                <a:cs typeface="微软雅黑" panose="020B0503020204020204" pitchFamily="34" charset="-122"/>
-              </a:rPr>
-              <a:t>消息推送</a:t>
-            </a:r>
-            <a:endParaRPr kumimoji="1" lang="zh-CN" altLang="en-US" sz="3600" b="1" dirty="0">
-              <a:solidFill>
-                <a:schemeClr val="accent1"/>
-              </a:solidFill>
-              <a:latin typeface="微软雅黑" panose="020B0503020204020204" pitchFamily="34" charset="-122"/>
-              <a:ea typeface="微软雅黑" panose="020B0503020204020204" pitchFamily="34" charset="-122"/>
-              <a:cs typeface="微软雅黑" panose="020B0503020204020204" pitchFamily="34" charset="-122"/>
-            </a:endParaRPr>
+            <a:r>
+              <a:rPr lang="zh-CN" altLang="en-US" sz="3600" dirty="0"/>
+              <a:t>谢谢</a:t>
+            </a:r>
+            <a:r>
+              <a:rPr lang="en-US" altLang="zh-CN" sz="3600" dirty="0"/>
+              <a:t>!</a:t>
+            </a:r>
           </a:p>
         </p:txBody>
       </p:sp>

--- a/MQ消息总线的幂等性设计.pptx
+++ b/MQ消息总线的幂等性设计.pptx
@@ -3,20 +3,20 @@
 <p:presentation xmlns:a="http://schemas.openxmlformats.org/drawingml/2006/main" xmlns:r="http://schemas.openxmlformats.org/officeDocument/2006/relationships" xmlns:p="http://schemas.openxmlformats.org/presentationml/2006/main">
   <p:sldMasterIdLst>
     <p:sldMasterId id="2147483648" r:id="rId1"/>
-    <p:sldMasterId id="2147483660" r:id="rId2"/>
+    <p:sldMasterId id="2147483660" r:id="rId3"/>
   </p:sldMasterIdLst>
   <p:notesMasterIdLst>
-    <p:notesMasterId r:id="rId11"/>
+    <p:notesMasterId r:id="rId5"/>
   </p:notesMasterIdLst>
   <p:sldIdLst>
-    <p:sldId id="256" r:id="rId3"/>
-    <p:sldId id="282" r:id="rId4"/>
-    <p:sldId id="280" r:id="rId5"/>
-    <p:sldId id="310" r:id="rId6"/>
-    <p:sldId id="315" r:id="rId7"/>
-    <p:sldId id="324" r:id="rId8"/>
-    <p:sldId id="316" r:id="rId9"/>
-    <p:sldId id="263" r:id="rId10"/>
+    <p:sldId id="256" r:id="rId4"/>
+    <p:sldId id="282" r:id="rId6"/>
+    <p:sldId id="280" r:id="rId7"/>
+    <p:sldId id="310" r:id="rId8"/>
+    <p:sldId id="315" r:id="rId9"/>
+    <p:sldId id="324" r:id="rId10"/>
+    <p:sldId id="316" r:id="rId11"/>
+    <p:sldId id="263" r:id="rId12"/>
   </p:sldIdLst>
   <p:sldSz cx="9144000" cy="6858000" type="screen4x3"/>
   <p:notesSz cx="6858000" cy="9144000"/>
@@ -208,36 +208,6 @@
       </a:defRPr>
     </a:lvl9pPr>
   </p:defaultTextStyle>
-  <p:extLst>
-    <p:ext uri="{EFAFB233-063F-42B5-8137-9DF3F51BA10A}">
-      <p15:sldGuideLst xmlns:p15="http://schemas.microsoft.com/office/powerpoint/2012/main">
-        <p15:guide id="1" orient="horz" pos="2179">
-          <p15:clr>
-            <a:srgbClr val="A4A3A4"/>
-          </p15:clr>
-        </p15:guide>
-        <p15:guide id="2" pos="2900">
-          <p15:clr>
-            <a:srgbClr val="A4A3A4"/>
-          </p15:clr>
-        </p15:guide>
-      </p15:sldGuideLst>
-    </p:ext>
-    <p:ext uri="{2D200454-40CA-4A62-9FC3-DE9A4176ACB9}">
-      <p15:notesGuideLst xmlns:p15="http://schemas.microsoft.com/office/powerpoint/2012/main">
-        <p15:guide id="1" orient="horz" pos="2905">
-          <p15:clr>
-            <a:srgbClr val="A4A3A4"/>
-          </p15:clr>
-        </p15:guide>
-        <p15:guide id="2" pos="2175">
-          <p15:clr>
-            <a:srgbClr val="A4A3A4"/>
-          </p15:clr>
-        </p15:guide>
-      </p15:notesGuideLst>
-    </p:ext>
-  </p:extLst>
 </p:presentation>
 </file>
 
@@ -500,6 +470,7 @@
               <a:rPr lang="zh-CN" altLang="en-US"/>
               <a:t>单击此处编辑母版文本样式</a:t>
             </a:r>
+            <a:endParaRPr lang="zh-CN" altLang="en-US"/>
           </a:p>
           <a:p>
             <a:pPr lvl="1"/>
@@ -507,6 +478,7 @@
               <a:rPr lang="zh-CN" altLang="en-US"/>
               <a:t>第二级</a:t>
             </a:r>
+            <a:endParaRPr lang="zh-CN" altLang="en-US"/>
           </a:p>
           <a:p>
             <a:pPr lvl="2"/>
@@ -514,6 +486,7 @@
               <a:rPr lang="zh-CN" altLang="en-US"/>
               <a:t>第三级</a:t>
             </a:r>
+            <a:endParaRPr lang="zh-CN" altLang="en-US"/>
           </a:p>
           <a:p>
             <a:pPr lvl="3"/>
@@ -521,6 +494,7 @@
               <a:rPr lang="zh-CN" altLang="en-US"/>
               <a:t>第四级</a:t>
             </a:r>
+            <a:endParaRPr lang="zh-CN" altLang="en-US"/>
           </a:p>
           <a:p>
             <a:pPr lvl="4"/>
@@ -528,6 +502,7 @@
               <a:rPr lang="zh-CN" altLang="en-US"/>
               <a:t>第五级</a:t>
             </a:r>
+            <a:endParaRPr lang="zh-CN" altLang="en-US"/>
           </a:p>
         </p:txBody>
       </p:sp>
@@ -663,18 +638,12 @@
           <a:p>
             <a:fld id="{CB382EB3-1D32-46C2-98FF-9F30FFCBC56C}" type="slidenum">
               <a:rPr lang="en-US" altLang="zh-CN"/>
-              <a:t>‹#›</a:t>
             </a:fld>
             <a:endParaRPr lang="en-US" altLang="zh-CN"/>
           </a:p>
         </p:txBody>
       </p:sp>
     </p:spTree>
-    <p:extLst>
-      <p:ext uri="{BB962C8B-B14F-4D97-AF65-F5344CB8AC3E}">
-        <p14:creationId xmlns:p14="http://schemas.microsoft.com/office/powerpoint/2010/main" val="489828254"/>
-      </p:ext>
-    </p:extLst>
   </p:cSld>
   <p:clrMap bg1="lt1" tx1="dk1" bg2="lt2" tx2="dk2" accent1="accent1" accent2="accent2" accent3="accent3" accent4="accent4" accent5="accent5" accent6="accent6" hlink="hlink" folHlink="folHlink"/>
   <p:notesStyle>
@@ -851,11 +820,6 @@
         </p:txBody>
       </p:sp>
     </p:spTree>
-    <p:extLst>
-      <p:ext uri="{BB962C8B-B14F-4D97-AF65-F5344CB8AC3E}">
-        <p14:creationId xmlns:p14="http://schemas.microsoft.com/office/powerpoint/2010/main" val="3184543234"/>
-      </p:ext>
-    </p:extLst>
   </p:cSld>
   <p:clrMapOvr>
     <a:masterClrMapping/>
@@ -928,18 +892,12 @@
           <a:p>
             <a:fld id="{CB382EB3-1D32-46C2-98FF-9F30FFCBC56C}" type="slidenum">
               <a:rPr lang="en-US" altLang="zh-CN" smtClean="0"/>
-              <a:t>2</a:t>
             </a:fld>
             <a:endParaRPr lang="en-US" altLang="zh-CN"/>
           </a:p>
         </p:txBody>
       </p:sp>
     </p:spTree>
-    <p:extLst>
-      <p:ext uri="{BB962C8B-B14F-4D97-AF65-F5344CB8AC3E}">
-        <p14:creationId xmlns:p14="http://schemas.microsoft.com/office/powerpoint/2010/main" val="3340348918"/>
-      </p:ext>
-    </p:extLst>
   </p:cSld>
   <p:clrMapOvr>
     <a:masterClrMapping/>
@@ -1012,18 +970,12 @@
           <a:p>
             <a:fld id="{CB382EB3-1D32-46C2-98FF-9F30FFCBC56C}" type="slidenum">
               <a:rPr lang="en-US" altLang="zh-CN" smtClean="0"/>
-              <a:t>4</a:t>
             </a:fld>
             <a:endParaRPr lang="en-US" altLang="zh-CN"/>
           </a:p>
         </p:txBody>
       </p:sp>
     </p:spTree>
-    <p:extLst>
-      <p:ext uri="{BB962C8B-B14F-4D97-AF65-F5344CB8AC3E}">
-        <p14:creationId xmlns:p14="http://schemas.microsoft.com/office/powerpoint/2010/main" val="3518167770"/>
-      </p:ext>
-    </p:extLst>
   </p:cSld>
   <p:clrMapOvr>
     <a:masterClrMapping/>
@@ -1096,18 +1048,12 @@
           <a:p>
             <a:fld id="{CB382EB3-1D32-46C2-98FF-9F30FFCBC56C}" type="slidenum">
               <a:rPr lang="en-US" altLang="zh-CN" smtClean="0"/>
-              <a:t>5</a:t>
             </a:fld>
             <a:endParaRPr lang="en-US" altLang="zh-CN"/>
           </a:p>
         </p:txBody>
       </p:sp>
     </p:spTree>
-    <p:extLst>
-      <p:ext uri="{BB962C8B-B14F-4D97-AF65-F5344CB8AC3E}">
-        <p14:creationId xmlns:p14="http://schemas.microsoft.com/office/powerpoint/2010/main" val="90345113"/>
-      </p:ext>
-    </p:extLst>
   </p:cSld>
   <p:clrMapOvr>
     <a:masterClrMapping/>
@@ -1180,18 +1126,12 @@
           <a:p>
             <a:fld id="{CB382EB3-1D32-46C2-98FF-9F30FFCBC56C}" type="slidenum">
               <a:rPr lang="en-US" altLang="zh-CN" smtClean="0"/>
-              <a:t>6</a:t>
             </a:fld>
             <a:endParaRPr lang="en-US" altLang="zh-CN"/>
           </a:p>
         </p:txBody>
       </p:sp>
     </p:spTree>
-    <p:extLst>
-      <p:ext uri="{BB962C8B-B14F-4D97-AF65-F5344CB8AC3E}">
-        <p14:creationId xmlns:p14="http://schemas.microsoft.com/office/powerpoint/2010/main" val="2051315350"/>
-      </p:ext>
-    </p:extLst>
   </p:cSld>
   <p:clrMapOvr>
     <a:masterClrMapping/>
@@ -1264,18 +1204,12 @@
           <a:p>
             <a:fld id="{CB382EB3-1D32-46C2-98FF-9F30FFCBC56C}" type="slidenum">
               <a:rPr lang="en-US" altLang="zh-CN" smtClean="0"/>
-              <a:t>7</a:t>
             </a:fld>
             <a:endParaRPr lang="en-US" altLang="zh-CN"/>
           </a:p>
         </p:txBody>
       </p:sp>
     </p:spTree>
-    <p:extLst>
-      <p:ext uri="{BB962C8B-B14F-4D97-AF65-F5344CB8AC3E}">
-        <p14:creationId xmlns:p14="http://schemas.microsoft.com/office/powerpoint/2010/main" val="2600856021"/>
-      </p:ext>
-    </p:extLst>
   </p:cSld>
   <p:clrMapOvr>
     <a:masterClrMapping/>
@@ -1284,7 +1218,7 @@
 </file>
 
 <file path=ppt/slideLayouts/slideLayout1.xml><?xml version="1.0" encoding="utf-8"?>
-<p:sldLayout xmlns:a="http://schemas.openxmlformats.org/drawingml/2006/main" xmlns:r="http://schemas.openxmlformats.org/officeDocument/2006/relationships" xmlns:p="http://schemas.openxmlformats.org/presentationml/2006/main" showMasterSp="0" type="title" preserve="1">
+<p:sldLayout xmlns:a="http://schemas.openxmlformats.org/drawingml/2006/main" xmlns:r="http://schemas.openxmlformats.org/officeDocument/2006/relationships" xmlns:p="http://schemas.openxmlformats.org/presentationml/2006/main" type="title" preserve="1" showMasterSp="0">
   <p:cSld name="标题幻灯片">
     <p:spTree>
       <p:nvGrpSpPr>
@@ -1395,7 +1329,6 @@
           <a:p>
             <a:fld id="{EE0025A7-E727-4FBE-9F41-4F06D36C93BD}" type="datetime2">
               <a:rPr lang="zh-CN" altLang="en-US" smtClean="0"/>
-              <a:t>2018年4月18日</a:t>
             </a:fld>
             <a:endParaRPr lang="en-US" altLang="zh-CN"/>
           </a:p>
@@ -1436,6 +1369,7 @@
               <a:rPr lang="zh-CN" altLang="en-US" noProof="0" dirty="0"/>
               <a:t>单击此处编辑母版标题</a:t>
             </a:r>
+            <a:endParaRPr lang="zh-CN" altLang="en-US" noProof="0" dirty="0"/>
           </a:p>
         </p:txBody>
       </p:sp>
@@ -1476,6 +1410,7 @@
               <a:rPr lang="zh-CN" altLang="en-US" noProof="0" dirty="0"/>
               <a:t>单击此处编辑母版副标题</a:t>
             </a:r>
+            <a:endParaRPr lang="zh-CN" altLang="en-US" noProof="0" dirty="0"/>
           </a:p>
         </p:txBody>
       </p:sp>
@@ -1523,6 +1458,7 @@
               <a:rPr lang="zh-CN" altLang="en-US"/>
               <a:t>单击此处编辑母版标题样式</a:t>
             </a:r>
+            <a:endParaRPr lang="zh-CN" altLang="en-US"/>
           </a:p>
         </p:txBody>
       </p:sp>
@@ -1546,6 +1482,7 @@
               <a:rPr lang="zh-CN" altLang="en-US"/>
               <a:t>单击此处编辑母版文本样式</a:t>
             </a:r>
+            <a:endParaRPr lang="zh-CN" altLang="en-US"/>
           </a:p>
           <a:p>
             <a:pPr lvl="1"/>
@@ -1553,6 +1490,7 @@
               <a:rPr lang="zh-CN" altLang="en-US"/>
               <a:t>第二级</a:t>
             </a:r>
+            <a:endParaRPr lang="zh-CN" altLang="en-US"/>
           </a:p>
           <a:p>
             <a:pPr lvl="2"/>
@@ -1560,6 +1498,7 @@
               <a:rPr lang="zh-CN" altLang="en-US"/>
               <a:t>第三级</a:t>
             </a:r>
+            <a:endParaRPr lang="zh-CN" altLang="en-US"/>
           </a:p>
           <a:p>
             <a:pPr lvl="3"/>
@@ -1567,6 +1506,7 @@
               <a:rPr lang="zh-CN" altLang="en-US"/>
               <a:t>第四级</a:t>
             </a:r>
+            <a:endParaRPr lang="zh-CN" altLang="en-US"/>
           </a:p>
           <a:p>
             <a:pPr lvl="4"/>
@@ -1574,6 +1514,7 @@
               <a:rPr lang="zh-CN" altLang="en-US"/>
               <a:t>第五级</a:t>
             </a:r>
+            <a:endParaRPr lang="zh-CN" altLang="en-US"/>
           </a:p>
         </p:txBody>
       </p:sp>
@@ -1598,7 +1539,6 @@
           <a:p>
             <a:fld id="{5E1450F4-95BA-449F-978D-8F59EB7D53BD}" type="slidenum">
               <a:rPr lang="en-US" altLang="zh-CN"/>
-              <a:t>‹#›</a:t>
             </a:fld>
             <a:endParaRPr lang="en-US" altLang="zh-CN"/>
           </a:p>
@@ -1653,6 +1593,7 @@
               <a:rPr lang="zh-CN" altLang="en-US"/>
               <a:t>单击此处编辑母版标题样式</a:t>
             </a:r>
+            <a:endParaRPr lang="zh-CN" altLang="en-US"/>
           </a:p>
         </p:txBody>
       </p:sp>
@@ -1681,6 +1622,7 @@
               <a:rPr lang="zh-CN" altLang="en-US"/>
               <a:t>单击此处编辑母版文本样式</a:t>
             </a:r>
+            <a:endParaRPr lang="zh-CN" altLang="en-US"/>
           </a:p>
           <a:p>
             <a:pPr lvl="1"/>
@@ -1688,6 +1630,7 @@
               <a:rPr lang="zh-CN" altLang="en-US"/>
               <a:t>第二级</a:t>
             </a:r>
+            <a:endParaRPr lang="zh-CN" altLang="en-US"/>
           </a:p>
           <a:p>
             <a:pPr lvl="2"/>
@@ -1695,6 +1638,7 @@
               <a:rPr lang="zh-CN" altLang="en-US"/>
               <a:t>第三级</a:t>
             </a:r>
+            <a:endParaRPr lang="zh-CN" altLang="en-US"/>
           </a:p>
           <a:p>
             <a:pPr lvl="3"/>
@@ -1702,6 +1646,7 @@
               <a:rPr lang="zh-CN" altLang="en-US"/>
               <a:t>第四级</a:t>
             </a:r>
+            <a:endParaRPr lang="zh-CN" altLang="en-US"/>
           </a:p>
           <a:p>
             <a:pPr lvl="4"/>
@@ -1709,6 +1654,7 @@
               <a:rPr lang="zh-CN" altLang="en-US"/>
               <a:t>第五级</a:t>
             </a:r>
+            <a:endParaRPr lang="zh-CN" altLang="en-US"/>
           </a:p>
         </p:txBody>
       </p:sp>
@@ -1733,7 +1679,6 @@
           <a:p>
             <a:fld id="{BFB27D97-9013-4692-8A75-46C9686C753F}" type="slidenum">
               <a:rPr lang="en-US" altLang="zh-CN"/>
-              <a:t>‹#›</a:t>
             </a:fld>
             <a:endParaRPr lang="en-US" altLang="zh-CN"/>
           </a:p>
@@ -1748,7 +1693,7 @@
 </file>
 
 <file path=ppt/slideLayouts/slideLayout12.xml><?xml version="1.0" encoding="utf-8"?>
-<p:sldLayout xmlns:a="http://schemas.openxmlformats.org/drawingml/2006/main" xmlns:r="http://schemas.openxmlformats.org/officeDocument/2006/relationships" xmlns:p="http://schemas.openxmlformats.org/presentationml/2006/main" showMasterSp="0" type="title" preserve="1">
+<p:sldLayout xmlns:a="http://schemas.openxmlformats.org/drawingml/2006/main" xmlns:r="http://schemas.openxmlformats.org/officeDocument/2006/relationships" xmlns:p="http://schemas.openxmlformats.org/presentationml/2006/main" type="title" preserve="1" showMasterSp="0">
   <p:cSld name="标题幻灯片">
     <p:spTree>
       <p:nvGrpSpPr>
@@ -1827,6 +1772,7 @@
               <a:rPr lang="zh-CN" altLang="en-US" noProof="0" dirty="0"/>
               <a:t>单击此处添加分切页标题</a:t>
             </a:r>
+            <a:endParaRPr lang="zh-CN" altLang="en-US" noProof="0" dirty="0"/>
           </a:p>
         </p:txBody>
       </p:sp>
@@ -1874,6 +1820,7 @@
               <a:rPr lang="zh-CN" altLang="en-US"/>
               <a:t>单击此处编辑母版标题样式</a:t>
             </a:r>
+            <a:endParaRPr lang="zh-CN" altLang="en-US"/>
           </a:p>
         </p:txBody>
       </p:sp>
@@ -1897,6 +1844,7 @@
               <a:rPr lang="zh-CN" altLang="en-US"/>
               <a:t>单击此处编辑母版文本样式</a:t>
             </a:r>
+            <a:endParaRPr lang="zh-CN" altLang="en-US"/>
           </a:p>
           <a:p>
             <a:pPr lvl="1"/>
@@ -1904,6 +1852,7 @@
               <a:rPr lang="zh-CN" altLang="en-US"/>
               <a:t>第二级</a:t>
             </a:r>
+            <a:endParaRPr lang="zh-CN" altLang="en-US"/>
           </a:p>
           <a:p>
             <a:pPr lvl="2"/>
@@ -1911,6 +1860,7 @@
               <a:rPr lang="zh-CN" altLang="en-US"/>
               <a:t>第三级</a:t>
             </a:r>
+            <a:endParaRPr lang="zh-CN" altLang="en-US"/>
           </a:p>
           <a:p>
             <a:pPr lvl="3"/>
@@ -1918,6 +1868,7 @@
               <a:rPr lang="zh-CN" altLang="en-US"/>
               <a:t>第四级</a:t>
             </a:r>
+            <a:endParaRPr lang="zh-CN" altLang="en-US"/>
           </a:p>
           <a:p>
             <a:pPr lvl="4"/>
@@ -1925,6 +1876,7 @@
               <a:rPr lang="zh-CN" altLang="en-US"/>
               <a:t>第五级</a:t>
             </a:r>
+            <a:endParaRPr lang="zh-CN" altLang="en-US"/>
           </a:p>
         </p:txBody>
       </p:sp>
@@ -1981,6 +1933,7 @@
               <a:rPr lang="zh-CN" altLang="en-US"/>
               <a:t>单击此处编辑母版标题样式</a:t>
             </a:r>
+            <a:endParaRPr lang="zh-CN" altLang="en-US"/>
           </a:p>
         </p:txBody>
       </p:sp>
@@ -2046,6 +1999,7 @@
               <a:rPr lang="zh-CN" altLang="en-US"/>
               <a:t>单击此处编辑母版文本样式</a:t>
             </a:r>
+            <a:endParaRPr lang="zh-CN" altLang="en-US"/>
           </a:p>
         </p:txBody>
       </p:sp>
@@ -2093,6 +2047,7 @@
               <a:rPr lang="zh-CN" altLang="en-US"/>
               <a:t>单击此处编辑母版标题样式</a:t>
             </a:r>
+            <a:endParaRPr lang="zh-CN" altLang="en-US"/>
           </a:p>
         </p:txBody>
       </p:sp>
@@ -2149,6 +2104,7 @@
               <a:rPr lang="zh-CN" altLang="en-US"/>
               <a:t>单击此处编辑母版文本样式</a:t>
             </a:r>
+            <a:endParaRPr lang="zh-CN" altLang="en-US"/>
           </a:p>
           <a:p>
             <a:pPr lvl="1"/>
@@ -2156,6 +2112,7 @@
               <a:rPr lang="zh-CN" altLang="en-US"/>
               <a:t>第二级</a:t>
             </a:r>
+            <a:endParaRPr lang="zh-CN" altLang="en-US"/>
           </a:p>
           <a:p>
             <a:pPr lvl="2"/>
@@ -2163,6 +2120,7 @@
               <a:rPr lang="zh-CN" altLang="en-US"/>
               <a:t>第三级</a:t>
             </a:r>
+            <a:endParaRPr lang="zh-CN" altLang="en-US"/>
           </a:p>
           <a:p>
             <a:pPr lvl="3"/>
@@ -2170,6 +2128,7 @@
               <a:rPr lang="zh-CN" altLang="en-US"/>
               <a:t>第四级</a:t>
             </a:r>
+            <a:endParaRPr lang="zh-CN" altLang="en-US"/>
           </a:p>
           <a:p>
             <a:pPr lvl="4"/>
@@ -2177,6 +2136,7 @@
               <a:rPr lang="zh-CN" altLang="en-US"/>
               <a:t>第五级</a:t>
             </a:r>
+            <a:endParaRPr lang="zh-CN" altLang="en-US"/>
           </a:p>
         </p:txBody>
       </p:sp>
@@ -2233,6 +2193,7 @@
               <a:rPr lang="zh-CN" altLang="en-US"/>
               <a:t>单击此处编辑母版文本样式</a:t>
             </a:r>
+            <a:endParaRPr lang="zh-CN" altLang="en-US"/>
           </a:p>
           <a:p>
             <a:pPr lvl="1"/>
@@ -2240,6 +2201,7 @@
               <a:rPr lang="zh-CN" altLang="en-US"/>
               <a:t>第二级</a:t>
             </a:r>
+            <a:endParaRPr lang="zh-CN" altLang="en-US"/>
           </a:p>
           <a:p>
             <a:pPr lvl="2"/>
@@ -2247,6 +2209,7 @@
               <a:rPr lang="zh-CN" altLang="en-US"/>
               <a:t>第三级</a:t>
             </a:r>
+            <a:endParaRPr lang="zh-CN" altLang="en-US"/>
           </a:p>
           <a:p>
             <a:pPr lvl="3"/>
@@ -2254,6 +2217,7 @@
               <a:rPr lang="zh-CN" altLang="en-US"/>
               <a:t>第四级</a:t>
             </a:r>
+            <a:endParaRPr lang="zh-CN" altLang="en-US"/>
           </a:p>
           <a:p>
             <a:pPr lvl="4"/>
@@ -2261,6 +2225,7 @@
               <a:rPr lang="zh-CN" altLang="en-US"/>
               <a:t>第五级</a:t>
             </a:r>
+            <a:endParaRPr lang="zh-CN" altLang="en-US"/>
           </a:p>
         </p:txBody>
       </p:sp>
@@ -2317,6 +2282,7 @@
               <a:rPr lang="zh-CN" altLang="en-US"/>
               <a:t>单击此处编辑母版标题样式</a:t>
             </a:r>
+            <a:endParaRPr lang="zh-CN" altLang="en-US"/>
           </a:p>
         </p:txBody>
       </p:sp>
@@ -2382,6 +2348,7 @@
               <a:rPr lang="zh-CN" altLang="en-US"/>
               <a:t>单击此处编辑母版文本样式</a:t>
             </a:r>
+            <a:endParaRPr lang="zh-CN" altLang="en-US"/>
           </a:p>
         </p:txBody>
       </p:sp>
@@ -2438,6 +2405,7 @@
               <a:rPr lang="zh-CN" altLang="en-US"/>
               <a:t>单击此处编辑母版文本样式</a:t>
             </a:r>
+            <a:endParaRPr lang="zh-CN" altLang="en-US"/>
           </a:p>
           <a:p>
             <a:pPr lvl="1"/>
@@ -2445,6 +2413,7 @@
               <a:rPr lang="zh-CN" altLang="en-US"/>
               <a:t>第二级</a:t>
             </a:r>
+            <a:endParaRPr lang="zh-CN" altLang="en-US"/>
           </a:p>
           <a:p>
             <a:pPr lvl="2"/>
@@ -2452,6 +2421,7 @@
               <a:rPr lang="zh-CN" altLang="en-US"/>
               <a:t>第三级</a:t>
             </a:r>
+            <a:endParaRPr lang="zh-CN" altLang="en-US"/>
           </a:p>
           <a:p>
             <a:pPr lvl="3"/>
@@ -2459,6 +2429,7 @@
               <a:rPr lang="zh-CN" altLang="en-US"/>
               <a:t>第四级</a:t>
             </a:r>
+            <a:endParaRPr lang="zh-CN" altLang="en-US"/>
           </a:p>
           <a:p>
             <a:pPr lvl="4"/>
@@ -2466,6 +2437,7 @@
               <a:rPr lang="zh-CN" altLang="en-US"/>
               <a:t>第五级</a:t>
             </a:r>
+            <a:endParaRPr lang="zh-CN" altLang="en-US"/>
           </a:p>
         </p:txBody>
       </p:sp>
@@ -2531,6 +2503,7 @@
               <a:rPr lang="zh-CN" altLang="en-US"/>
               <a:t>单击此处编辑母版文本样式</a:t>
             </a:r>
+            <a:endParaRPr lang="zh-CN" altLang="en-US"/>
           </a:p>
         </p:txBody>
       </p:sp>
@@ -2587,6 +2560,7 @@
               <a:rPr lang="zh-CN" altLang="en-US"/>
               <a:t>单击此处编辑母版文本样式</a:t>
             </a:r>
+            <a:endParaRPr lang="zh-CN" altLang="en-US"/>
           </a:p>
           <a:p>
             <a:pPr lvl="1"/>
@@ -2594,6 +2568,7 @@
               <a:rPr lang="zh-CN" altLang="en-US"/>
               <a:t>第二级</a:t>
             </a:r>
+            <a:endParaRPr lang="zh-CN" altLang="en-US"/>
           </a:p>
           <a:p>
             <a:pPr lvl="2"/>
@@ -2601,6 +2576,7 @@
               <a:rPr lang="zh-CN" altLang="en-US"/>
               <a:t>第三级</a:t>
             </a:r>
+            <a:endParaRPr lang="zh-CN" altLang="en-US"/>
           </a:p>
           <a:p>
             <a:pPr lvl="3"/>
@@ -2608,6 +2584,7 @@
               <a:rPr lang="zh-CN" altLang="en-US"/>
               <a:t>第四级</a:t>
             </a:r>
+            <a:endParaRPr lang="zh-CN" altLang="en-US"/>
           </a:p>
           <a:p>
             <a:pPr lvl="4"/>
@@ -2615,6 +2592,7 @@
               <a:rPr lang="zh-CN" altLang="en-US"/>
               <a:t>第五级</a:t>
             </a:r>
+            <a:endParaRPr lang="zh-CN" altLang="en-US"/>
           </a:p>
         </p:txBody>
       </p:sp>
@@ -2662,6 +2640,7 @@
               <a:rPr lang="zh-CN" altLang="en-US"/>
               <a:t>单击此处编辑母版标题样式</a:t>
             </a:r>
+            <a:endParaRPr lang="zh-CN" altLang="en-US"/>
           </a:p>
         </p:txBody>
       </p:sp>
@@ -2743,6 +2722,7 @@
               <a:rPr lang="zh-CN" altLang="en-US"/>
               <a:t>单击此处编辑母版标题样式</a:t>
             </a:r>
+            <a:endParaRPr lang="zh-CN" altLang="en-US"/>
           </a:p>
         </p:txBody>
       </p:sp>
@@ -2799,6 +2779,7 @@
               <a:rPr lang="zh-CN" altLang="en-US"/>
               <a:t>单击此处编辑母版文本样式</a:t>
             </a:r>
+            <a:endParaRPr lang="zh-CN" altLang="en-US"/>
           </a:p>
           <a:p>
             <a:pPr lvl="1"/>
@@ -2806,6 +2787,7 @@
               <a:rPr lang="zh-CN" altLang="en-US"/>
               <a:t>第二级</a:t>
             </a:r>
+            <a:endParaRPr lang="zh-CN" altLang="en-US"/>
           </a:p>
           <a:p>
             <a:pPr lvl="2"/>
@@ -2813,6 +2795,7 @@
               <a:rPr lang="zh-CN" altLang="en-US"/>
               <a:t>第三级</a:t>
             </a:r>
+            <a:endParaRPr lang="zh-CN" altLang="en-US"/>
           </a:p>
           <a:p>
             <a:pPr lvl="3"/>
@@ -2820,6 +2803,7 @@
               <a:rPr lang="zh-CN" altLang="en-US"/>
               <a:t>第四级</a:t>
             </a:r>
+            <a:endParaRPr lang="zh-CN" altLang="en-US"/>
           </a:p>
           <a:p>
             <a:pPr lvl="4"/>
@@ -2827,6 +2811,7 @@
               <a:rPr lang="zh-CN" altLang="en-US"/>
               <a:t>第五级</a:t>
             </a:r>
+            <a:endParaRPr lang="zh-CN" altLang="en-US"/>
           </a:p>
         </p:txBody>
       </p:sp>
@@ -2892,6 +2877,7 @@
               <a:rPr lang="zh-CN" altLang="en-US"/>
               <a:t>单击此处编辑母版文本样式</a:t>
             </a:r>
+            <a:endParaRPr lang="zh-CN" altLang="en-US"/>
           </a:p>
         </p:txBody>
       </p:sp>
@@ -2939,6 +2925,7 @@
               <a:rPr lang="zh-CN" altLang="en-US" dirty="0"/>
               <a:t>单击此处编辑母版标题</a:t>
             </a:r>
+            <a:endParaRPr lang="zh-CN" altLang="en-US" dirty="0"/>
           </a:p>
         </p:txBody>
       </p:sp>
@@ -2962,6 +2949,7 @@
               <a:rPr lang="zh-CN" altLang="en-US"/>
               <a:t>单击此处编辑母版文本样式</a:t>
             </a:r>
+            <a:endParaRPr lang="zh-CN" altLang="en-US"/>
           </a:p>
           <a:p>
             <a:pPr lvl="1"/>
@@ -2969,6 +2957,7 @@
               <a:rPr lang="zh-CN" altLang="en-US"/>
               <a:t>第二级</a:t>
             </a:r>
+            <a:endParaRPr lang="zh-CN" altLang="en-US"/>
           </a:p>
           <a:p>
             <a:pPr lvl="2"/>
@@ -2976,6 +2965,7 @@
               <a:rPr lang="zh-CN" altLang="en-US"/>
               <a:t>第三级</a:t>
             </a:r>
+            <a:endParaRPr lang="zh-CN" altLang="en-US"/>
           </a:p>
           <a:p>
             <a:pPr lvl="3"/>
@@ -2983,6 +2973,7 @@
               <a:rPr lang="zh-CN" altLang="en-US"/>
               <a:t>第四级</a:t>
             </a:r>
+            <a:endParaRPr lang="zh-CN" altLang="en-US"/>
           </a:p>
           <a:p>
             <a:pPr lvl="4"/>
@@ -2990,6 +2981,7 @@
               <a:rPr lang="zh-CN" altLang="en-US"/>
               <a:t>第五级</a:t>
             </a:r>
+            <a:endParaRPr lang="zh-CN" altLang="en-US"/>
           </a:p>
         </p:txBody>
       </p:sp>
@@ -3014,7 +3006,6 @@
           <a:p>
             <a:fld id="{1EAD90CE-CA62-48F8-87DA-AA74ACBFB15B}" type="slidenum">
               <a:rPr lang="en-US" altLang="zh-CN"/>
-              <a:t>‹#›</a:t>
             </a:fld>
             <a:endParaRPr lang="en-US" altLang="zh-CN"/>
           </a:p>
@@ -3073,6 +3064,7 @@
               <a:rPr lang="zh-CN" altLang="en-US"/>
               <a:t>单击此处编辑母版标题样式</a:t>
             </a:r>
+            <a:endParaRPr lang="zh-CN" altLang="en-US"/>
           </a:p>
         </p:txBody>
       </p:sp>
@@ -3199,6 +3191,7 @@
               <a:rPr lang="zh-CN" altLang="en-US"/>
               <a:t>单击此处编辑母版文本样式</a:t>
             </a:r>
+            <a:endParaRPr lang="zh-CN" altLang="en-US"/>
           </a:p>
         </p:txBody>
       </p:sp>
@@ -3246,6 +3239,7 @@
               <a:rPr lang="zh-CN" altLang="en-US"/>
               <a:t>单击此处编辑母版标题样式</a:t>
             </a:r>
+            <a:endParaRPr lang="zh-CN" altLang="en-US"/>
           </a:p>
         </p:txBody>
       </p:sp>
@@ -3269,6 +3263,7 @@
               <a:rPr lang="zh-CN" altLang="en-US"/>
               <a:t>单击此处编辑母版文本样式</a:t>
             </a:r>
+            <a:endParaRPr lang="zh-CN" altLang="en-US"/>
           </a:p>
           <a:p>
             <a:pPr lvl="1"/>
@@ -3276,6 +3271,7 @@
               <a:rPr lang="zh-CN" altLang="en-US"/>
               <a:t>第二级</a:t>
             </a:r>
+            <a:endParaRPr lang="zh-CN" altLang="en-US"/>
           </a:p>
           <a:p>
             <a:pPr lvl="2"/>
@@ -3283,6 +3279,7 @@
               <a:rPr lang="zh-CN" altLang="en-US"/>
               <a:t>第三级</a:t>
             </a:r>
+            <a:endParaRPr lang="zh-CN" altLang="en-US"/>
           </a:p>
           <a:p>
             <a:pPr lvl="3"/>
@@ -3290,6 +3287,7 @@
               <a:rPr lang="zh-CN" altLang="en-US"/>
               <a:t>第四级</a:t>
             </a:r>
+            <a:endParaRPr lang="zh-CN" altLang="en-US"/>
           </a:p>
           <a:p>
             <a:pPr lvl="4"/>
@@ -3297,6 +3295,7 @@
               <a:rPr lang="zh-CN" altLang="en-US"/>
               <a:t>第五级</a:t>
             </a:r>
+            <a:endParaRPr lang="zh-CN" altLang="en-US"/>
           </a:p>
         </p:txBody>
       </p:sp>
@@ -3349,6 +3348,7 @@
               <a:rPr lang="zh-CN" altLang="en-US"/>
               <a:t>单击此处编辑母版标题样式</a:t>
             </a:r>
+            <a:endParaRPr lang="zh-CN" altLang="en-US"/>
           </a:p>
         </p:txBody>
       </p:sp>
@@ -3377,6 +3377,7 @@
               <a:rPr lang="zh-CN" altLang="en-US"/>
               <a:t>单击此处编辑母版文本样式</a:t>
             </a:r>
+            <a:endParaRPr lang="zh-CN" altLang="en-US"/>
           </a:p>
           <a:p>
             <a:pPr lvl="1"/>
@@ -3384,6 +3385,7 @@
               <a:rPr lang="zh-CN" altLang="en-US"/>
               <a:t>第二级</a:t>
             </a:r>
+            <a:endParaRPr lang="zh-CN" altLang="en-US"/>
           </a:p>
           <a:p>
             <a:pPr lvl="2"/>
@@ -3391,6 +3393,7 @@
               <a:rPr lang="zh-CN" altLang="en-US"/>
               <a:t>第三级</a:t>
             </a:r>
+            <a:endParaRPr lang="zh-CN" altLang="en-US"/>
           </a:p>
           <a:p>
             <a:pPr lvl="3"/>
@@ -3398,6 +3401,7 @@
               <a:rPr lang="zh-CN" altLang="en-US"/>
               <a:t>第四级</a:t>
             </a:r>
+            <a:endParaRPr lang="zh-CN" altLang="en-US"/>
           </a:p>
           <a:p>
             <a:pPr lvl="4"/>
@@ -3405,6 +3409,7 @@
               <a:rPr lang="zh-CN" altLang="en-US"/>
               <a:t>第五级</a:t>
             </a:r>
+            <a:endParaRPr lang="zh-CN" altLang="en-US"/>
           </a:p>
         </p:txBody>
       </p:sp>
@@ -3461,6 +3466,7 @@
               <a:rPr lang="zh-CN" altLang="en-US"/>
               <a:t>单击此处编辑母版标题样式</a:t>
             </a:r>
+            <a:endParaRPr lang="zh-CN" altLang="en-US"/>
           </a:p>
         </p:txBody>
       </p:sp>
@@ -3526,6 +3532,7 @@
               <a:rPr lang="zh-CN" altLang="en-US"/>
               <a:t>单击此处编辑母版文本样式</a:t>
             </a:r>
+            <a:endParaRPr lang="zh-CN" altLang="en-US"/>
           </a:p>
         </p:txBody>
       </p:sp>
@@ -3550,7 +3557,6 @@
           <a:p>
             <a:fld id="{EAA8295D-A4EC-497C-963D-200DEF501C36}" type="slidenum">
               <a:rPr lang="en-US" altLang="zh-CN"/>
-              <a:t>‹#›</a:t>
             </a:fld>
             <a:endParaRPr lang="en-US" altLang="zh-CN"/>
           </a:p>
@@ -3600,6 +3606,7 @@
               <a:rPr lang="zh-CN" altLang="en-US"/>
               <a:t>单击此处编辑母版标题样式</a:t>
             </a:r>
+            <a:endParaRPr lang="zh-CN" altLang="en-US"/>
           </a:p>
         </p:txBody>
       </p:sp>
@@ -3656,6 +3663,7 @@
               <a:rPr lang="zh-CN" altLang="en-US"/>
               <a:t>单击此处编辑母版文本样式</a:t>
             </a:r>
+            <a:endParaRPr lang="zh-CN" altLang="en-US"/>
           </a:p>
           <a:p>
             <a:pPr lvl="1"/>
@@ -3663,6 +3671,7 @@
               <a:rPr lang="zh-CN" altLang="en-US"/>
               <a:t>第二级</a:t>
             </a:r>
+            <a:endParaRPr lang="zh-CN" altLang="en-US"/>
           </a:p>
           <a:p>
             <a:pPr lvl="2"/>
@@ -3670,6 +3679,7 @@
               <a:rPr lang="zh-CN" altLang="en-US"/>
               <a:t>第三级</a:t>
             </a:r>
+            <a:endParaRPr lang="zh-CN" altLang="en-US"/>
           </a:p>
           <a:p>
             <a:pPr lvl="3"/>
@@ -3677,6 +3687,7 @@
               <a:rPr lang="zh-CN" altLang="en-US"/>
               <a:t>第四级</a:t>
             </a:r>
+            <a:endParaRPr lang="zh-CN" altLang="en-US"/>
           </a:p>
           <a:p>
             <a:pPr lvl="4"/>
@@ -3684,6 +3695,7 @@
               <a:rPr lang="zh-CN" altLang="en-US"/>
               <a:t>第五级</a:t>
             </a:r>
+            <a:endParaRPr lang="zh-CN" altLang="en-US"/>
           </a:p>
         </p:txBody>
       </p:sp>
@@ -3740,6 +3752,7 @@
               <a:rPr lang="zh-CN" altLang="en-US"/>
               <a:t>单击此处编辑母版文本样式</a:t>
             </a:r>
+            <a:endParaRPr lang="zh-CN" altLang="en-US"/>
           </a:p>
           <a:p>
             <a:pPr lvl="1"/>
@@ -3747,6 +3760,7 @@
               <a:rPr lang="zh-CN" altLang="en-US"/>
               <a:t>第二级</a:t>
             </a:r>
+            <a:endParaRPr lang="zh-CN" altLang="en-US"/>
           </a:p>
           <a:p>
             <a:pPr lvl="2"/>
@@ -3754,6 +3768,7 @@
               <a:rPr lang="zh-CN" altLang="en-US"/>
               <a:t>第三级</a:t>
             </a:r>
+            <a:endParaRPr lang="zh-CN" altLang="en-US"/>
           </a:p>
           <a:p>
             <a:pPr lvl="3"/>
@@ -3761,6 +3776,7 @@
               <a:rPr lang="zh-CN" altLang="en-US"/>
               <a:t>第四级</a:t>
             </a:r>
+            <a:endParaRPr lang="zh-CN" altLang="en-US"/>
           </a:p>
           <a:p>
             <a:pPr lvl="4"/>
@@ -3768,6 +3784,7 @@
               <a:rPr lang="zh-CN" altLang="en-US"/>
               <a:t>第五级</a:t>
             </a:r>
+            <a:endParaRPr lang="zh-CN" altLang="en-US"/>
           </a:p>
         </p:txBody>
       </p:sp>
@@ -3792,7 +3809,6 @@
           <a:p>
             <a:fld id="{50A158BC-FF1B-4B04-99E8-B63251994931}" type="slidenum">
               <a:rPr lang="en-US" altLang="zh-CN"/>
-              <a:t>‹#›</a:t>
             </a:fld>
             <a:endParaRPr lang="en-US" altLang="zh-CN"/>
           </a:p>
@@ -3851,6 +3867,7 @@
               <a:rPr lang="zh-CN" altLang="en-US"/>
               <a:t>单击此处编辑母版标题样式</a:t>
             </a:r>
+            <a:endParaRPr lang="zh-CN" altLang="en-US"/>
           </a:p>
         </p:txBody>
       </p:sp>
@@ -3916,6 +3933,7 @@
               <a:rPr lang="zh-CN" altLang="en-US"/>
               <a:t>单击此处编辑母版文本样式</a:t>
             </a:r>
+            <a:endParaRPr lang="zh-CN" altLang="en-US"/>
           </a:p>
         </p:txBody>
       </p:sp>
@@ -3972,6 +3990,7 @@
               <a:rPr lang="zh-CN" altLang="en-US"/>
               <a:t>单击此处编辑母版文本样式</a:t>
             </a:r>
+            <a:endParaRPr lang="zh-CN" altLang="en-US"/>
           </a:p>
           <a:p>
             <a:pPr lvl="1"/>
@@ -3979,6 +3998,7 @@
               <a:rPr lang="zh-CN" altLang="en-US"/>
               <a:t>第二级</a:t>
             </a:r>
+            <a:endParaRPr lang="zh-CN" altLang="en-US"/>
           </a:p>
           <a:p>
             <a:pPr lvl="2"/>
@@ -3986,6 +4006,7 @@
               <a:rPr lang="zh-CN" altLang="en-US"/>
               <a:t>第三级</a:t>
             </a:r>
+            <a:endParaRPr lang="zh-CN" altLang="en-US"/>
           </a:p>
           <a:p>
             <a:pPr lvl="3"/>
@@ -3993,6 +4014,7 @@
               <a:rPr lang="zh-CN" altLang="en-US"/>
               <a:t>第四级</a:t>
             </a:r>
+            <a:endParaRPr lang="zh-CN" altLang="en-US"/>
           </a:p>
           <a:p>
             <a:pPr lvl="4"/>
@@ -4000,6 +4022,7 @@
               <a:rPr lang="zh-CN" altLang="en-US"/>
               <a:t>第五级</a:t>
             </a:r>
+            <a:endParaRPr lang="zh-CN" altLang="en-US"/>
           </a:p>
         </p:txBody>
       </p:sp>
@@ -4065,6 +4088,7 @@
               <a:rPr lang="zh-CN" altLang="en-US"/>
               <a:t>单击此处编辑母版文本样式</a:t>
             </a:r>
+            <a:endParaRPr lang="zh-CN" altLang="en-US"/>
           </a:p>
         </p:txBody>
       </p:sp>
@@ -4121,6 +4145,7 @@
               <a:rPr lang="zh-CN" altLang="en-US"/>
               <a:t>单击此处编辑母版文本样式</a:t>
             </a:r>
+            <a:endParaRPr lang="zh-CN" altLang="en-US"/>
           </a:p>
           <a:p>
             <a:pPr lvl="1"/>
@@ -4128,6 +4153,7 @@
               <a:rPr lang="zh-CN" altLang="en-US"/>
               <a:t>第二级</a:t>
             </a:r>
+            <a:endParaRPr lang="zh-CN" altLang="en-US"/>
           </a:p>
           <a:p>
             <a:pPr lvl="2"/>
@@ -4135,6 +4161,7 @@
               <a:rPr lang="zh-CN" altLang="en-US"/>
               <a:t>第三级</a:t>
             </a:r>
+            <a:endParaRPr lang="zh-CN" altLang="en-US"/>
           </a:p>
           <a:p>
             <a:pPr lvl="3"/>
@@ -4142,6 +4169,7 @@
               <a:rPr lang="zh-CN" altLang="en-US"/>
               <a:t>第四级</a:t>
             </a:r>
+            <a:endParaRPr lang="zh-CN" altLang="en-US"/>
           </a:p>
           <a:p>
             <a:pPr lvl="4"/>
@@ -4149,6 +4177,7 @@
               <a:rPr lang="zh-CN" altLang="en-US"/>
               <a:t>第五级</a:t>
             </a:r>
+            <a:endParaRPr lang="zh-CN" altLang="en-US"/>
           </a:p>
         </p:txBody>
       </p:sp>
@@ -4173,7 +4202,6 @@
           <a:p>
             <a:fld id="{4E146C2B-7287-47F6-9E52-DBDA6E070F57}" type="slidenum">
               <a:rPr lang="en-US" altLang="zh-CN"/>
-              <a:t>‹#›</a:t>
             </a:fld>
             <a:endParaRPr lang="en-US" altLang="zh-CN"/>
           </a:p>
@@ -4223,6 +4251,7 @@
               <a:rPr lang="zh-CN" altLang="en-US"/>
               <a:t>单击此处编辑母版标题样式</a:t>
             </a:r>
+            <a:endParaRPr lang="zh-CN" altLang="en-US"/>
           </a:p>
         </p:txBody>
       </p:sp>
@@ -4247,7 +4276,6 @@
           <a:p>
             <a:fld id="{2B4F9A39-CB4C-4464-8D91-0C125886D500}" type="slidenum">
               <a:rPr lang="en-US" altLang="zh-CN"/>
-              <a:t>‹#›</a:t>
             </a:fld>
             <a:endParaRPr lang="en-US" altLang="zh-CN"/>
           </a:p>
@@ -4299,7 +4327,6 @@
           <a:p>
             <a:fld id="{CAB4FA9B-260F-412E-A31F-364190D466FB}" type="slidenum">
               <a:rPr lang="en-US" altLang="zh-CN"/>
-              <a:t>‹#›</a:t>
             </a:fld>
             <a:endParaRPr lang="en-US" altLang="zh-CN"/>
           </a:p>
@@ -4358,6 +4385,7 @@
               <a:rPr lang="zh-CN" altLang="en-US"/>
               <a:t>单击此处编辑母版标题样式</a:t>
             </a:r>
+            <a:endParaRPr lang="zh-CN" altLang="en-US"/>
           </a:p>
         </p:txBody>
       </p:sp>
@@ -4414,6 +4442,7 @@
               <a:rPr lang="zh-CN" altLang="en-US"/>
               <a:t>单击此处编辑母版文本样式</a:t>
             </a:r>
+            <a:endParaRPr lang="zh-CN" altLang="en-US"/>
           </a:p>
           <a:p>
             <a:pPr lvl="1"/>
@@ -4421,6 +4450,7 @@
               <a:rPr lang="zh-CN" altLang="en-US"/>
               <a:t>第二级</a:t>
             </a:r>
+            <a:endParaRPr lang="zh-CN" altLang="en-US"/>
           </a:p>
           <a:p>
             <a:pPr lvl="2"/>
@@ -4428,6 +4458,7 @@
               <a:rPr lang="zh-CN" altLang="en-US"/>
               <a:t>第三级</a:t>
             </a:r>
+            <a:endParaRPr lang="zh-CN" altLang="en-US"/>
           </a:p>
           <a:p>
             <a:pPr lvl="3"/>
@@ -4435,6 +4466,7 @@
               <a:rPr lang="zh-CN" altLang="en-US"/>
               <a:t>第四级</a:t>
             </a:r>
+            <a:endParaRPr lang="zh-CN" altLang="en-US"/>
           </a:p>
           <a:p>
             <a:pPr lvl="4"/>
@@ -4442,6 +4474,7 @@
               <a:rPr lang="zh-CN" altLang="en-US"/>
               <a:t>第五级</a:t>
             </a:r>
+            <a:endParaRPr lang="zh-CN" altLang="en-US"/>
           </a:p>
         </p:txBody>
       </p:sp>
@@ -4507,6 +4540,7 @@
               <a:rPr lang="zh-CN" altLang="en-US"/>
               <a:t>单击此处编辑母版文本样式</a:t>
             </a:r>
+            <a:endParaRPr lang="zh-CN" altLang="en-US"/>
           </a:p>
         </p:txBody>
       </p:sp>
@@ -4531,7 +4565,6 @@
           <a:p>
             <a:fld id="{D07FA5FE-7203-486C-9402-CB6E98EB3FDD}" type="slidenum">
               <a:rPr lang="en-US" altLang="zh-CN"/>
-              <a:t>‹#›</a:t>
             </a:fld>
             <a:endParaRPr lang="en-US" altLang="zh-CN"/>
           </a:p>
@@ -4590,6 +4623,7 @@
               <a:rPr lang="zh-CN" altLang="en-US"/>
               <a:t>单击此处编辑母版标题样式</a:t>
             </a:r>
+            <a:endParaRPr lang="zh-CN" altLang="en-US"/>
           </a:p>
         </p:txBody>
       </p:sp>
@@ -4716,6 +4750,7 @@
               <a:rPr lang="zh-CN" altLang="en-US"/>
               <a:t>单击此处编辑母版文本样式</a:t>
             </a:r>
+            <a:endParaRPr lang="zh-CN" altLang="en-US"/>
           </a:p>
         </p:txBody>
       </p:sp>
@@ -4740,7 +4775,6 @@
           <a:p>
             <a:fld id="{40B6A68B-1197-4A3B-BB5A-3808C5EE2240}" type="slidenum">
               <a:rPr lang="en-US" altLang="zh-CN"/>
-              <a:t>‹#›</a:t>
             </a:fld>
             <a:endParaRPr lang="en-US" altLang="zh-CN"/>
           </a:p>
@@ -4840,6 +4874,7 @@
               <a:rPr lang="zh-CN" altLang="en-US"/>
               <a:t>单击此处编辑母版标题样式</a:t>
             </a:r>
+            <a:endParaRPr lang="zh-CN" altLang="en-US"/>
           </a:p>
         </p:txBody>
       </p:sp>
@@ -4904,6 +4939,7 @@
               <a:rPr lang="zh-CN" altLang="en-US"/>
               <a:t>单击此处编辑母版文本样式</a:t>
             </a:r>
+            <a:endParaRPr lang="zh-CN" altLang="en-US"/>
           </a:p>
           <a:p>
             <a:pPr lvl="1"/>
@@ -4911,6 +4947,7 @@
               <a:rPr lang="zh-CN" altLang="en-US"/>
               <a:t>第二级</a:t>
             </a:r>
+            <a:endParaRPr lang="zh-CN" altLang="en-US"/>
           </a:p>
         </p:txBody>
       </p:sp>
@@ -4923,7 +4960,7 @@
           <p:nvPr userDrawn="1"/>
         </p:nvPicPr>
         <p:blipFill>
-          <a:blip r:embed="rId13">
+          <a:blip r:embed="rId12">
             <a:extLst>
               <a:ext uri="{28A0092B-C50C-407E-A947-70E740481C1C}">
                 <a14:useLocalDpi xmlns:a14="http://schemas.microsoft.com/office/drawing/2010/main" val="0"/>
@@ -5025,7 +5062,6 @@
           <a:p>
             <a:fld id="{018F9A9D-690B-45F6-ABD6-CFFF9357C621}" type="slidenum">
               <a:rPr lang="en-US" altLang="zh-CN" smtClean="0"/>
-              <a:t>‹#›</a:t>
             </a:fld>
             <a:endParaRPr lang="en-US" altLang="zh-CN" dirty="0"/>
           </a:p>
@@ -5040,7 +5076,7 @@
           <p:nvPr userDrawn="1"/>
         </p:nvPicPr>
         <p:blipFill rotWithShape="1">
-          <a:blip r:embed="rId14">
+          <a:blip r:embed="rId13">
             <a:extLst>
               <a:ext uri="{28A0092B-C50C-407E-A947-70E740481C1C}">
                 <a14:useLocalDpi xmlns:a14="http://schemas.microsoft.com/office/drawing/2010/main" val="0"/>
@@ -5582,6 +5618,7 @@
               <a:rPr lang="zh-CN" altLang="en-US"/>
               <a:t>单击此处编辑母版标题样式</a:t>
             </a:r>
+            <a:endParaRPr lang="zh-CN" altLang="en-US"/>
           </a:p>
         </p:txBody>
       </p:sp>
@@ -5646,6 +5683,7 @@
               <a:rPr lang="zh-CN" altLang="en-US"/>
               <a:t>单击此处编辑母版文本样式</a:t>
             </a:r>
+            <a:endParaRPr lang="zh-CN" altLang="en-US"/>
           </a:p>
           <a:p>
             <a:pPr lvl="1"/>
@@ -5653,6 +5691,7 @@
               <a:rPr lang="zh-CN" altLang="en-US"/>
               <a:t>第二级</a:t>
             </a:r>
+            <a:endParaRPr lang="zh-CN" altLang="en-US"/>
           </a:p>
         </p:txBody>
       </p:sp>
@@ -5665,7 +5704,7 @@
           <p:nvPr userDrawn="1"/>
         </p:nvPicPr>
         <p:blipFill>
-          <a:blip r:embed="rId13">
+          <a:blip r:embed="rId12">
             <a:extLst>
               <a:ext uri="{28A0092B-C50C-407E-A947-70E740481C1C}">
                 <a14:useLocalDpi xmlns:a14="http://schemas.microsoft.com/office/drawing/2010/main" val="0"/>
@@ -5936,7 +5975,6 @@
           <a:p>
             <a:fld id="{018F9A9D-690B-45F6-ABD6-CFFF9357C621}" type="slidenum">
               <a:rPr lang="en-US" altLang="zh-CN" smtClean="0"/>
-              <a:t>‹#›</a:t>
             </a:fld>
             <a:endParaRPr lang="en-US" altLang="zh-CN" dirty="0"/>
           </a:p>
@@ -5951,7 +5989,7 @@
           <p:nvPr userDrawn="1"/>
         </p:nvPicPr>
         <p:blipFill rotWithShape="1">
-          <a:blip r:embed="rId14">
+          <a:blip r:embed="rId13">
             <a:extLst>
               <a:ext uri="{28A0092B-C50C-407E-A947-70E740481C1C}">
                 <a14:useLocalDpi xmlns:a14="http://schemas.microsoft.com/office/drawing/2010/main" val="0"/>
@@ -6419,7 +6457,6 @@
           <a:p>
             <a:fld id="{90D80B66-F943-4100-867B-A199D16441AE}" type="datetime2">
               <a:rPr lang="zh-CN" altLang="en-US" b="0"/>
-              <a:t>2018年4月18日</a:t>
             </a:fld>
             <a:endParaRPr lang="en-US" altLang="zh-CN" b="0" dirty="0"/>
           </a:p>
@@ -6454,6 +6491,7 @@
               <a:rPr lang="zh-CN" altLang="en-US" b="1" dirty="0"/>
               <a:t>消息总线的幂等性设计</a:t>
             </a:r>
+            <a:endParaRPr lang="zh-CN" altLang="en-US" b="1" dirty="0"/>
           </a:p>
         </p:txBody>
       </p:sp>
@@ -6744,6 +6782,7 @@
               <a:rPr lang="zh-CN" altLang="en-US"/>
               <a:t>核心架构</a:t>
             </a:r>
+            <a:endParaRPr lang="zh-CN" altLang="en-US"/>
           </a:p>
         </p:txBody>
       </p:sp>
@@ -6764,7 +6803,6 @@
           <a:p>
             <a:fld id="{1EAD90CE-CA62-48F8-87DA-AA74ACBFB15B}" type="slidenum">
               <a:rPr lang="en-US" altLang="zh-CN" smtClean="0"/>
-              <a:t>2</a:t>
             </a:fld>
             <a:endParaRPr lang="en-US" altLang="zh-CN"/>
           </a:p>
@@ -6902,6 +6940,23 @@
               </a:rPr>
               <a:t>MQ-server</a:t>
             </a:r>
+            <a:endParaRPr kumimoji="0" lang="en-US" altLang="zh-CN" sz="1800" b="0" i="0" u="none" strike="noStrike" cap="none" normalizeH="0" baseline="0" smtClean="0">
+              <a:ln>
+                <a:noFill/>
+              </a:ln>
+              <a:solidFill>
+                <a:schemeClr val="tx1"/>
+              </a:solidFill>
+              <a:effectLst>
+                <a:outerShdw blurRad="38100" dist="38100" dir="2700000" algn="tl">
+                  <a:srgbClr val="000000">
+                    <a:alpha val="43137"/>
+                  </a:srgbClr>
+                </a:outerShdw>
+              </a:effectLst>
+              <a:latin typeface="Arial" panose="020B0604020202020204" pitchFamily="34" charset="0"/>
+              <a:ea typeface="黑体" panose="02010609060101010101" pitchFamily="2" charset="-122"/>
+            </a:endParaRPr>
           </a:p>
         </p:txBody>
       </p:sp>
@@ -7037,6 +7092,23 @@
               </a:rPr>
               <a:t>msg-pub</a:t>
             </a:r>
+            <a:endParaRPr kumimoji="0" lang="en-US" altLang="zh-CN" sz="1800" b="0" i="0" u="none" strike="noStrike" cap="none" normalizeH="0" baseline="0" smtClean="0">
+              <a:ln>
+                <a:noFill/>
+              </a:ln>
+              <a:solidFill>
+                <a:schemeClr val="tx1"/>
+              </a:solidFill>
+              <a:effectLst>
+                <a:outerShdw blurRad="38100" dist="38100" dir="2700000" algn="tl">
+                  <a:srgbClr val="000000">
+                    <a:alpha val="43137"/>
+                  </a:srgbClr>
+                </a:outerShdw>
+              </a:effectLst>
+              <a:latin typeface="Arial" panose="020B0604020202020204" pitchFamily="34" charset="0"/>
+              <a:ea typeface="黑体" panose="02010609060101010101" pitchFamily="2" charset="-122"/>
+            </a:endParaRPr>
           </a:p>
         </p:txBody>
       </p:sp>
@@ -7178,6 +7250,23 @@
               </a:rPr>
               <a:t>API</a:t>
             </a:r>
+            <a:endParaRPr kumimoji="0" lang="en-US" altLang="zh-CN" sz="1800" b="0" i="0" u="none" strike="noStrike" cap="none" normalizeH="0" baseline="0" smtClean="0">
+              <a:ln>
+                <a:noFill/>
+              </a:ln>
+              <a:solidFill>
+                <a:schemeClr val="tx1"/>
+              </a:solidFill>
+              <a:effectLst>
+                <a:outerShdw blurRad="38100" dist="38100" dir="2700000" algn="tl">
+                  <a:srgbClr val="000000">
+                    <a:alpha val="43137"/>
+                  </a:srgbClr>
+                </a:outerShdw>
+              </a:effectLst>
+              <a:latin typeface="Arial" panose="020B0604020202020204" pitchFamily="34" charset="0"/>
+              <a:ea typeface="黑体" panose="02010609060101010101" pitchFamily="2" charset="-122"/>
+            </a:endParaRPr>
           </a:p>
         </p:txBody>
       </p:sp>
@@ -7414,6 +7503,23 @@
               </a:rPr>
               <a:t>API</a:t>
             </a:r>
+            <a:endParaRPr kumimoji="0" lang="en-US" altLang="zh-CN" sz="1800" b="0" i="0" u="none" strike="noStrike" cap="none" normalizeH="0" baseline="0" smtClean="0">
+              <a:ln>
+                <a:noFill/>
+              </a:ln>
+              <a:solidFill>
+                <a:schemeClr val="tx1"/>
+              </a:solidFill>
+              <a:effectLst>
+                <a:outerShdw blurRad="38100" dist="38100" dir="2700000" algn="tl">
+                  <a:srgbClr val="000000">
+                    <a:alpha val="43137"/>
+                  </a:srgbClr>
+                </a:outerShdw>
+              </a:effectLst>
+              <a:latin typeface="Arial" panose="020B0604020202020204" pitchFamily="34" charset="0"/>
+              <a:ea typeface="黑体" panose="02010609060101010101" pitchFamily="2" charset="-122"/>
+            </a:endParaRPr>
           </a:p>
         </p:txBody>
       </p:sp>
@@ -7483,6 +7589,23 @@
               </a:rPr>
               <a:t>zk</a:t>
             </a:r>
+            <a:endParaRPr kumimoji="0" lang="en-US" altLang="zh-CN" sz="1800" b="0" i="0" u="none" strike="noStrike" cap="none" normalizeH="0" baseline="0" smtClean="0">
+              <a:ln>
+                <a:noFill/>
+              </a:ln>
+              <a:solidFill>
+                <a:schemeClr val="tx1"/>
+              </a:solidFill>
+              <a:effectLst>
+                <a:outerShdw blurRad="38100" dist="38100" dir="2700000" algn="tl">
+                  <a:srgbClr val="000000">
+                    <a:alpha val="43137"/>
+                  </a:srgbClr>
+                </a:outerShdw>
+              </a:effectLst>
+              <a:latin typeface="Arial" panose="020B0604020202020204" pitchFamily="34" charset="0"/>
+              <a:ea typeface="黑体" panose="02010609060101010101" pitchFamily="2" charset="-122"/>
+            </a:endParaRPr>
           </a:p>
         </p:txBody>
       </p:sp>
@@ -7552,6 +7675,23 @@
               </a:rPr>
               <a:t>web</a:t>
             </a:r>
+            <a:endParaRPr kumimoji="0" lang="en-US" altLang="zh-CN" sz="1800" b="0" i="0" u="none" strike="noStrike" cap="none" normalizeH="0" baseline="0" smtClean="0">
+              <a:ln>
+                <a:noFill/>
+              </a:ln>
+              <a:solidFill>
+                <a:schemeClr val="tx1"/>
+              </a:solidFill>
+              <a:effectLst>
+                <a:outerShdw blurRad="38100" dist="38100" dir="2700000" algn="tl">
+                  <a:srgbClr val="000000">
+                    <a:alpha val="43137"/>
+                  </a:srgbClr>
+                </a:outerShdw>
+              </a:effectLst>
+              <a:latin typeface="Arial" panose="020B0604020202020204" pitchFamily="34" charset="0"/>
+              <a:ea typeface="黑体" panose="02010609060101010101" pitchFamily="2" charset="-122"/>
+            </a:endParaRPr>
           </a:p>
         </p:txBody>
       </p:sp>
@@ -7643,6 +7783,7 @@
               <a:rPr lang="zh-CN" altLang="zh-CN"/>
               <a:t>发送方</a:t>
             </a:r>
+            <a:endParaRPr lang="zh-CN" altLang="zh-CN"/>
           </a:p>
         </p:txBody>
       </p:sp>
@@ -7672,6 +7813,7 @@
               <a:rPr lang="zh-CN" altLang="en-US"/>
               <a:t>接收方</a:t>
             </a:r>
+            <a:endParaRPr lang="zh-CN" altLang="en-US"/>
           </a:p>
         </p:txBody>
       </p:sp>
@@ -7701,6 +7843,7 @@
               <a:rPr lang="en-US" altLang="zh-CN"/>
               <a:t>MQ</a:t>
             </a:r>
+            <a:endParaRPr lang="en-US" altLang="zh-CN"/>
           </a:p>
         </p:txBody>
       </p:sp>
@@ -7770,6 +7913,23 @@
               </a:rPr>
               <a:t>1</a:t>
             </a:r>
+            <a:endParaRPr kumimoji="0" lang="en-US" altLang="zh-CN" sz="1800" b="0" i="0" u="none" strike="noStrike" cap="none" normalizeH="0" baseline="0" smtClean="0">
+              <a:ln>
+                <a:noFill/>
+              </a:ln>
+              <a:solidFill>
+                <a:schemeClr val="tx1"/>
+              </a:solidFill>
+              <a:effectLst>
+                <a:outerShdw blurRad="38100" dist="38100" dir="2700000" algn="tl">
+                  <a:srgbClr val="000000">
+                    <a:alpha val="43137"/>
+                  </a:srgbClr>
+                </a:outerShdw>
+              </a:effectLst>
+              <a:latin typeface="Arial" panose="020B0604020202020204" pitchFamily="34" charset="0"/>
+              <a:ea typeface="黑体" panose="02010609060101010101" pitchFamily="2" charset="-122"/>
+            </a:endParaRPr>
           </a:p>
         </p:txBody>
       </p:sp>
@@ -7839,6 +7999,23 @@
               </a:rPr>
               <a:t>2</a:t>
             </a:r>
+            <a:endParaRPr kumimoji="0" lang="en-US" altLang="zh-CN" sz="1800" b="0" i="0" u="none" strike="noStrike" cap="none" normalizeH="0" baseline="0" smtClean="0">
+              <a:ln>
+                <a:noFill/>
+              </a:ln>
+              <a:solidFill>
+                <a:schemeClr val="tx1"/>
+              </a:solidFill>
+              <a:effectLst>
+                <a:outerShdw blurRad="38100" dist="38100" dir="2700000" algn="tl">
+                  <a:srgbClr val="000000">
+                    <a:alpha val="43137"/>
+                  </a:srgbClr>
+                </a:outerShdw>
+              </a:effectLst>
+              <a:latin typeface="Arial" panose="020B0604020202020204" pitchFamily="34" charset="0"/>
+              <a:ea typeface="黑体" panose="02010609060101010101" pitchFamily="2" charset="-122"/>
+            </a:endParaRPr>
           </a:p>
         </p:txBody>
       </p:sp>
@@ -7869,6 +8046,7 @@
               <a:rPr lang="zh-CN" altLang="en-US" dirty="0"/>
               <a:t>上图是一个MQ的核心架构图，基本可以分为三大块：</a:t>
             </a:r>
+            <a:endParaRPr lang="zh-CN" altLang="en-US" dirty="0"/>
           </a:p>
           <a:p>
             <a:pPr marL="800100" lvl="1" indent="-342900" algn="l">
@@ -7893,6 +8071,9 @@
               </a:rPr>
               <a:t>部分</a:t>
             </a:r>
+            <a:endParaRPr lang="zh-CN" altLang="en-US" dirty="0">
+              <a:sym typeface="+mn-ea"/>
+            </a:endParaRPr>
           </a:p>
           <a:p>
             <a:pPr marL="800100" lvl="1" indent="-342900" algn="l">
@@ -7905,6 +8086,9 @@
               </a:rPr>
               <a:t>MQ核心集群 -&gt; 中间蓝色部分</a:t>
             </a:r>
+            <a:endParaRPr lang="zh-CN" altLang="en-US" dirty="0">
+              <a:sym typeface="+mn-ea"/>
+            </a:endParaRPr>
           </a:p>
           <a:p>
             <a:pPr marL="800100" lvl="1" indent="-342900" algn="l">
@@ -8059,6 +8243,15 @@
               </a:rPr>
               <a:t>上半场的幂等性设计</a:t>
             </a:r>
+            <a:endParaRPr lang="zh-CN" altLang="zh-CN" b="1" dirty="0">
+              <a:effectLst>
+                <a:outerShdw blurRad="38100" dist="38100" dir="2700000" algn="tl">
+                  <a:srgbClr val="000000">
+                    <a:alpha val="43137"/>
+                  </a:srgbClr>
+                </a:outerShdw>
+              </a:effectLst>
+            </a:endParaRPr>
           </a:p>
         </p:txBody>
       </p:sp>
@@ -8183,6 +8376,7 @@
               <a:rPr lang="en-US" altLang="zh-CN" sz="1200" dirty="0" smtClean="0"/>
               <a:t>Consumer</a:t>
             </a:r>
+            <a:endParaRPr lang="en-US" altLang="zh-CN" sz="1200" dirty="0" smtClean="0"/>
           </a:p>
           <a:p>
             <a:r>
@@ -8256,6 +8450,7 @@
               <a:rPr lang="en-US" altLang="zh-CN" sz="1200" dirty="0" smtClean="0"/>
               <a:t>Producer</a:t>
             </a:r>
+            <a:endParaRPr lang="en-US" altLang="zh-CN" sz="1200" dirty="0" smtClean="0"/>
           </a:p>
           <a:p>
             <a:r>
@@ -9009,6 +9204,9 @@
               </a:rPr>
               <a:t>1-3</a:t>
             </a:r>
+            <a:endParaRPr lang="en-US" altLang="zh-CN" sz="1600" dirty="0" smtClean="0">
+              <a:effectLst/>
+            </a:endParaRPr>
           </a:p>
           <a:p>
             <a:pPr marL="342900" indent="-342900" algn="l">
@@ -9039,6 +9237,9 @@
               </a:rPr>
               <a:t>MQ-server</a:t>
             </a:r>
+            <a:endParaRPr lang="en-US" altLang="zh-CN" sz="1600" dirty="0" smtClean="0">
+              <a:effectLst/>
+            </a:endParaRPr>
           </a:p>
           <a:p>
             <a:pPr marL="342900" indent="-342900" algn="l">
@@ -9114,6 +9315,9 @@
               </a:rPr>
               <a:t>MQ-client</a:t>
             </a:r>
+            <a:endParaRPr lang="en-US" altLang="zh-CN" sz="1600" dirty="0" smtClean="0">
+              <a:effectLst/>
+            </a:endParaRPr>
           </a:p>
           <a:p>
             <a:pPr algn="l"/>
@@ -9180,6 +9384,12 @@
               </a:rPr>
               <a:t>收到重复消息。</a:t>
             </a:r>
+            <a:endParaRPr lang="zh-CN" altLang="en-US" sz="1600" dirty="0">
+              <a:solidFill>
+                <a:srgbClr val="FF0000"/>
+              </a:solidFill>
+              <a:effectLst/>
+            </a:endParaRPr>
           </a:p>
         </p:txBody>
       </p:sp>
@@ -9197,7 +9407,9 @@
           <a:prstGeom prst="rect">
             <a:avLst/>
           </a:prstGeom>
-          <a:noFill/>
+          <a:solidFill>
+            <a:srgbClr val="EEAF30"/>
+          </a:solidFill>
         </p:spPr>
         <p:txBody>
           <a:bodyPr wrap="square" rtlCol="0">
@@ -9338,6 +9550,9 @@
               </a:rPr>
               <a:t>生成，具备业务无关性，对消息发送方和消息接收方屏蔽</a:t>
             </a:r>
+            <a:endParaRPr lang="zh-CN" altLang="en-US" sz="1600" dirty="0">
+              <a:effectLst/>
+            </a:endParaRPr>
           </a:p>
           <a:p>
             <a:pPr algn="l"/>
@@ -9347,6 +9562,9 @@
               </a:rPr>
               <a:t> </a:t>
             </a:r>
+            <a:endParaRPr lang="zh-CN" altLang="en-US" sz="1600" dirty="0">
+              <a:effectLst/>
+            </a:endParaRPr>
           </a:p>
           <a:p>
             <a:pPr algn="l"/>
@@ -9416,6 +9634,9 @@
               </a:rPr>
               <a:t>中，实现上半场幂等。</a:t>
             </a:r>
+            <a:endParaRPr lang="zh-CN" altLang="en-US" sz="1600" dirty="0">
+              <a:effectLst/>
+            </a:endParaRPr>
           </a:p>
         </p:txBody>
       </p:sp>
@@ -9475,6 +9696,7 @@
               <a:rPr lang="zh-CN" altLang="en-US" dirty="0"/>
               <a:t>下半场的幂等性设计</a:t>
             </a:r>
+            <a:endParaRPr lang="zh-CN" altLang="en-US" dirty="0"/>
           </a:p>
         </p:txBody>
       </p:sp>
@@ -9495,7 +9717,6 @@
           <a:p>
             <a:fld id="{1EAD90CE-CA62-48F8-87DA-AA74ACBFB15B}" type="slidenum">
               <a:rPr lang="en-US" altLang="zh-CN" smtClean="0"/>
-              <a:t>4</a:t>
             </a:fld>
             <a:endParaRPr lang="en-US" altLang="zh-CN"/>
           </a:p>
@@ -9622,6 +9843,7 @@
               <a:rPr lang="en-US" altLang="zh-CN" sz="1200" dirty="0" smtClean="0"/>
               <a:t>Consumer</a:t>
             </a:r>
+            <a:endParaRPr lang="en-US" altLang="zh-CN" sz="1200" dirty="0" smtClean="0"/>
           </a:p>
           <a:p>
             <a:r>
@@ -9695,6 +9917,7 @@
               <a:rPr lang="en-US" altLang="zh-CN" sz="1200" dirty="0" smtClean="0"/>
               <a:t>Producer</a:t>
             </a:r>
+            <a:endParaRPr lang="en-US" altLang="zh-CN" sz="1200" dirty="0" smtClean="0"/>
           </a:p>
           <a:p>
             <a:r>
@@ -10448,6 +10671,9 @@
               </a:rPr>
               <a:t>4-6</a:t>
             </a:r>
+            <a:endParaRPr lang="en-US" altLang="zh-CN" sz="1400" dirty="0" smtClean="0">
+              <a:effectLst/>
+            </a:endParaRPr>
           </a:p>
           <a:p>
             <a:pPr marL="342900" indent="-342900" algn="l">
@@ -10478,6 +10704,9 @@
               </a:rPr>
               <a:t>MQ-client</a:t>
             </a:r>
+            <a:endParaRPr lang="en-US" altLang="zh-CN" sz="1400" dirty="0" smtClean="0">
+              <a:effectLst/>
+            </a:endParaRPr>
           </a:p>
           <a:p>
             <a:pPr marL="342900" indent="-342900" algn="l">
@@ -10658,6 +10887,12 @@
               </a:rPr>
               <a:t>系统不知道消费方什么时候真正消费成功。</a:t>
             </a:r>
+            <a:endParaRPr lang="zh-CN" altLang="en-US" sz="1400" dirty="0">
+              <a:solidFill>
+                <a:srgbClr val="FF0000"/>
+              </a:solidFill>
+              <a:effectLst/>
+            </a:endParaRPr>
           </a:p>
           <a:p>
             <a:pPr algn="l"/>
@@ -10724,6 +10959,12 @@
               </a:rPr>
               <a:t>收到重复的消息。</a:t>
             </a:r>
+            <a:endParaRPr lang="zh-CN" altLang="en-US" sz="1400" dirty="0">
+              <a:solidFill>
+                <a:srgbClr val="FF0000"/>
+              </a:solidFill>
+              <a:effectLst/>
+            </a:endParaRPr>
           </a:p>
         </p:txBody>
       </p:sp>
@@ -10736,12 +10977,14 @@
         <p:spPr>
           <a:xfrm>
             <a:off x="517628" y="3996482"/>
-            <a:ext cx="8169172" cy="1815882"/>
+            <a:ext cx="8169172" cy="1814830"/>
           </a:xfrm>
           <a:prstGeom prst="rect">
             <a:avLst/>
           </a:prstGeom>
-          <a:noFill/>
+          <a:solidFill>
+            <a:srgbClr val="EEAF30"/>
+          </a:solidFill>
         </p:spPr>
         <p:txBody>
           <a:bodyPr wrap="square" rtlCol="0">
@@ -10766,7 +11009,7 @@
               <a:rPr lang="zh-CN" altLang="en-US" sz="1600" dirty="0">
                 <a:effectLst/>
               </a:rPr>
-              <a:t>发起的，消息的处理是消息消费业务方，消息重发势必导致业务方重复消费（上例中的一次付款，重复发卡），为了保证业务幂等性</a:t>
+              <a:t>发起的，消息的处理是消息消费业务方，消息重发势必导致业务方重复消费，为了保证业务幂等性</a:t>
             </a:r>
             <a:r>
               <a:rPr lang="zh-CN" altLang="en-US" sz="1600" b="1" dirty="0">
@@ -10885,6 +11128,9 @@
               </a:rPr>
               <a:t>业务消息消费方负责判重，以保证幂等</a:t>
             </a:r>
+            <a:endParaRPr lang="zh-CN" altLang="en-US" sz="1600" dirty="0">
+              <a:effectLst/>
+            </a:endParaRPr>
           </a:p>
           <a:p>
             <a:pPr algn="l"/>
@@ -10943,6 +11189,7 @@
               <a:rPr lang="zh-CN" altLang="en-US" dirty="0"/>
               <a:t>总结</a:t>
             </a:r>
+            <a:endParaRPr lang="zh-CN" altLang="en-US" dirty="0"/>
           </a:p>
         </p:txBody>
       </p:sp>
@@ -10963,7 +11210,6 @@
           <a:p>
             <a:fld id="{1EAD90CE-CA62-48F8-87DA-AA74ACBFB15B}" type="slidenum">
               <a:rPr lang="en-US" altLang="zh-CN" smtClean="0"/>
-              <a:t>5</a:t>
             </a:fld>
             <a:endParaRPr lang="en-US" altLang="zh-CN"/>
           </a:p>
@@ -11009,6 +11255,9 @@
               </a:rPr>
               <a:t>为了保证消息必达，消息上下半场均可能发送重复消息，如何保证消息的幂等性呢？</a:t>
             </a:r>
+            <a:endParaRPr lang="zh-CN" altLang="en-US" dirty="0">
+              <a:effectLst/>
+            </a:endParaRPr>
           </a:p>
           <a:p>
             <a:pPr algn="l"/>
@@ -11018,6 +11267,9 @@
               </a:rPr>
               <a:t>上半场</a:t>
             </a:r>
+            <a:endParaRPr lang="zh-CN" altLang="en-US" dirty="0">
+              <a:effectLst/>
+            </a:endParaRPr>
           </a:p>
           <a:p>
             <a:pPr algn="l"/>
@@ -11057,6 +11309,9 @@
               </a:rPr>
               <a:t>，保证上半场幂等。</a:t>
             </a:r>
+            <a:endParaRPr lang="zh-CN" altLang="en-US" dirty="0">
+              <a:effectLst/>
+            </a:endParaRPr>
           </a:p>
           <a:p>
             <a:pPr algn="l"/>
@@ -11090,6 +11345,9 @@
               </a:rPr>
               <a:t>保证。</a:t>
             </a:r>
+            <a:endParaRPr lang="zh-CN" altLang="en-US" dirty="0">
+              <a:effectLst/>
+            </a:endParaRPr>
           </a:p>
           <a:p>
             <a:pPr algn="l"/>
@@ -11099,6 +11357,9 @@
               </a:rPr>
               <a:t> </a:t>
             </a:r>
+            <a:endParaRPr lang="zh-CN" altLang="en-US" dirty="0">
+              <a:effectLst/>
+            </a:endParaRPr>
           </a:p>
           <a:p>
             <a:pPr algn="l"/>
@@ -11108,6 +11369,9 @@
               </a:rPr>
               <a:t>下半场</a:t>
             </a:r>
+            <a:endParaRPr lang="zh-CN" altLang="en-US" dirty="0">
+              <a:effectLst/>
+            </a:endParaRPr>
           </a:p>
           <a:p>
             <a:pPr algn="l"/>
@@ -11129,6 +11393,9 @@
               </a:rPr>
               <a:t>，业务接收方去重保证幂等。</a:t>
             </a:r>
+            <a:endParaRPr lang="zh-CN" altLang="en-US" dirty="0">
+              <a:effectLst/>
+            </a:endParaRPr>
           </a:p>
           <a:p>
             <a:pPr algn="l"/>
@@ -11162,6 +11429,9 @@
               </a:rPr>
               <a:t>透明。</a:t>
             </a:r>
+            <a:endParaRPr lang="zh-CN" altLang="en-US" dirty="0">
+              <a:effectLst/>
+            </a:endParaRPr>
           </a:p>
           <a:p>
             <a:pPr algn="l"/>
@@ -11189,6 +11459,9 @@
               </a:rPr>
               <a:t>有要求，对业务上下游也有要求。</a:t>
             </a:r>
+            <a:endParaRPr lang="zh-CN" altLang="en-US" dirty="0">
+              <a:effectLst/>
+            </a:endParaRPr>
           </a:p>
         </p:txBody>
       </p:sp>
@@ -11241,7 +11514,6 @@
           <a:p>
             <a:fld id="{1EAD90CE-CA62-48F8-87DA-AA74ACBFB15B}" type="slidenum">
               <a:rPr lang="en-US" altLang="zh-CN" smtClean="0"/>
-              <a:t>6</a:t>
             </a:fld>
             <a:endParaRPr lang="en-US" altLang="zh-CN"/>
           </a:p>
@@ -11485,7 +11757,6 @@
           <a:p>
             <a:fld id="{1EAD90CE-CA62-48F8-87DA-AA74ACBFB15B}" type="slidenum">
               <a:rPr lang="en-US" altLang="zh-CN" smtClean="0"/>
-              <a:t>7</a:t>
             </a:fld>
             <a:endParaRPr lang="en-US" altLang="zh-CN"/>
           </a:p>
@@ -11548,7 +11819,7 @@
             <a:r>
               <a:rPr lang="en-US" altLang="zh-CN" sz="1600" dirty="0">
                 <a:effectLst/>
-                <a:hlinkClick r:id="rId3"/>
+                <a:hlinkClick r:id="rId1"/>
               </a:rPr>
               <a:t>https://help.aliyun.com/document_detail/44397.html?spm=a2c4g.11186623.6.583.Zfj53U</a:t>
             </a:r>
@@ -11567,7 +11838,7 @@
           <p:nvPr/>
         </p:nvPicPr>
         <p:blipFill>
-          <a:blip r:embed="rId4"/>
+          <a:blip r:embed="rId2"/>
           <a:stretch>
             <a:fillRect/>
           </a:stretch>
@@ -11634,6 +11905,10 @@
               </a:rPr>
               <a:t>Thanks</a:t>
             </a:r>
+            <a:endParaRPr lang="en-US" altLang="zh-CN" sz="5400" b="0" dirty="0">
+              <a:latin typeface="Arial" panose="020B0604020202020204" pitchFamily="34" charset="0"/>
+              <a:cs typeface="Arial" panose="020B0604020202020204" pitchFamily="34" charset="0"/>
+            </a:endParaRPr>
           </a:p>
         </p:txBody>
       </p:sp>
@@ -11665,6 +11940,7 @@
               <a:rPr lang="en-US" altLang="zh-CN" sz="3600" dirty="0"/>
               <a:t>!</a:t>
             </a:r>
+            <a:endParaRPr lang="en-US" altLang="zh-CN" sz="3600" dirty="0"/>
           </a:p>
         </p:txBody>
       </p:sp>
@@ -13984,8 +14260,6 @@
       </a:bgFillStyleLst>
     </a:fmtScheme>
   </a:themeElements>
-  <a:objectDefaults/>
-  <a:extraClrSchemeLst/>
   <a:extLst>
     <a:ext uri="{05A4C25C-085E-4340-85A3-A5531E510DB2}">
       <thm15:themeFamily xmlns:thm15="http://schemas.microsoft.com/office/thememl/2012/main" name="Office Theme" id="{62F939B6-93AF-4DB8-9C6B-D6C7DFDC589F}" vid="{4A3C46E8-61CC-4603-A589-7422A47A8E4A}"/>
